--- a/djangoISSSTE/static/ppt/ppt-generados/FichaTecnicaAvance_1.pptx
+++ b/djangoISSSTE/static/ppt/ppt-generados/FichaTecnicaAvance_1.pptx
@@ -3674,7 +3674,7 @@
                         </a:defRPr>
                       </a:pPr>
                       <a:r>
-                        <a:t>Alimentación </a:t>
+                        <a:t>Educación </a:t>
                       </a:r>
                       <a:endParaRPr lang="es-ES_tradnl" sz="1100" b="0" dirty="0">
                         <a:solidFill>
@@ -3799,7 +3799,7 @@
                         </a:defRPr>
                       </a:pPr>
                       <a:r>
-                        <a:t>Inseguridad alimentaria </a:t>
+                        <a:t>Población de 3 a 15 años que no asiste a la escuela</a:t>
                       </a:r>
                       <a:endParaRPr lang="es-ES_tradnl" sz="1100" b="0" dirty="0">
                         <a:solidFill>
@@ -3938,7 +3938,7 @@
                         </a:defRPr>
                       </a:pPr>
                       <a:r>
-                        <a:t>Otorgar alimentos en guarderías infantiles ISSSTE y comunicarles que este apoyo les da a sus hijos acceso a una alimentación sana, variada y suficiente</a:t>
+                        <a:t>Certificar estancias y guarderías como equivalentes a preescolar</a:t>
                       </a:r>
                       <a:endParaRPr lang="es-ES_tradnl" sz="1100" b="0" dirty="0">
                         <a:solidFill>
@@ -4081,7 +4081,7 @@
                         </a:defRPr>
                       </a:pPr>
                       <a:r>
-                        <a:t>No. De niños y niñas beneficiados</a:t>
+                        <a:t>No. De niños y niñas entre 3-5 años atendidos en estancias y guarderías con preescolar</a:t>
                       </a:r>
                       <a:endParaRPr lang="es-ES_tradnl" sz="1100" b="0" dirty="0">
                         <a:solidFill>
@@ -4428,8 +4428,7 @@
                         </a:defRPr>
                       </a:pPr>
                       <a:r>
-                        <a:t>1/ Corresponde al total de las niñas y niños atendidos por mes, misma que incluye los movimientos naturales en la población, por lo que la cifra de niños atendidos por mes no puede acumularse.-2/ El monto reportado considera el costo de dos alimentos por niños por día durante el periodo enero-julio 2016.    </a:t>
+                        <a:t>Nota: Corresponde a la población inscrita, la cual considera los movimientos naturales del servicio (altas y bajas) a lo largo de todo el año. Las estancias contratadas y las organizaciones de la socidedad civil cuentan con clave de centro de trabajo que proporciona la SEP; para el caso de las estancias propias, el ISSSTE tiene vigente un convenio de colaboración con la SEP para que los niños de preescolar obtengan la validez oficial   </a:t>
                       </a:r>
                       <a:endParaRPr lang="es-ES_tradnl" sz="1100" b="0" dirty="0">
                         <a:solidFill>
@@ -5113,7 +5112,7 @@
                         </a:defRPr>
                       </a:pPr>
                       <a:r>
-                        <a:t>Aguascalientes</a:t>
+                        <a:t>Chihuahua</a:t>
                       </a:r>
                       <a:endParaRPr lang="es-ES_tradnl" sz="1100" dirty="0">
                         <a:latin typeface="Arial" charset="0"/>
@@ -5138,7 +5137,7 @@
                         </a:defRPr>
                       </a:pPr>
                       <a:r>
-                        <a:t>1523.0</a:t>
+                        <a:t>329.0</a:t>
                       </a:r>
                       <a:endParaRPr lang="es-ES_tradnl" sz="1100" dirty="0">
                         <a:latin typeface="Arial" charset="0"/>
@@ -5163,7 +5162,7 @@
                         </a:defRPr>
                       </a:pPr>
                       <a:r>
-                        <a:t>1560.0</a:t>
+                        <a:t>329.0</a:t>
                       </a:r>
                       <a:endParaRPr lang="es-ES_tradnl" sz="1100" dirty="0">
                         <a:latin typeface="Arial" charset="0"/>
@@ -5438,7 +5437,7 @@
                         </a:defRPr>
                       </a:pPr>
                       <a:r>
-                        <a:t>4606.0</a:t>
+                        <a:t>987.0</a:t>
                       </a:r>
                       <a:endParaRPr lang="es-ES_tradnl" sz="1100" dirty="0">
                         <a:latin typeface="Arial" charset="0"/>
@@ -5463,7 +5462,7 @@
                         </a:defRPr>
                       </a:pPr>
                       <a:r>
-                        <a:t>4085522.0</a:t>
+                        <a:t>26583858.0</a:t>
                       </a:r>
                       <a:endParaRPr lang="es-ES_tradnl" sz="1100" kern="1200" dirty="0">
                         <a:solidFill>
@@ -5515,7 +5514,7 @@
                         </a:defRPr>
                       </a:pPr>
                       <a:r>
-                        <a:t>Jesús María</a:t>
+                        <a:t>Juárez</a:t>
                       </a:r>
                       <a:endParaRPr lang="es-ES_tradnl" sz="1100" dirty="0">
                         <a:latin typeface="Arial" charset="0"/>
@@ -5540,7 +5539,7 @@
                         </a:defRPr>
                       </a:pPr>
                       <a:r>
-                        <a:t>39.0</a:t>
+                        <a:t>153.0</a:t>
                       </a:r>
                       <a:endParaRPr lang="es-ES_tradnl" sz="1100" dirty="0">
                         <a:latin typeface="Arial" charset="0"/>
@@ -5565,7 +5564,7 @@
                         </a:defRPr>
                       </a:pPr>
                       <a:r>
-                        <a:t>39.0</a:t>
+                        <a:t>154.0</a:t>
                       </a:r>
                       <a:endParaRPr lang="es-ES_tradnl" sz="1100">
                         <a:latin typeface="Arial" charset="0"/>
@@ -5840,7 +5839,7 @@
                         </a:defRPr>
                       </a:pPr>
                       <a:r>
-                        <a:t>117.0</a:t>
+                        <a:t>460.0</a:t>
                       </a:r>
                       <a:endParaRPr lang="es-ES_tradnl" sz="1100">
                         <a:latin typeface="Arial" charset="0"/>
@@ -5865,7 +5864,7 @@
                         </a:defRPr>
                       </a:pPr>
                       <a:r>
-                        <a:t>103779.0</a:t>
+                        <a:t>12389640.0</a:t>
                       </a:r>
                       <a:endParaRPr lang="es-ES_tradnl" sz="1100">
                         <a:latin typeface="Arial" charset="0"/>
@@ -5883,39 +5882,20 @@
                     <a:bodyPr/>
                     <a:lstStyle/>
                     <a:p>
-                      <a:pPr>
-                        <a:defRPr sz="800">
-                          <a:solidFill>
-                            <a:srgbClr val="0B0B0B"/>
-                          </a:solidFill>
-                          <a:latin typeface="Arial"/>
-                        </a:defRPr>
-                      </a:pPr>
-                      <a:endParaRPr lang="es-ES_tradnl" sz="1100" dirty="0">
-                        <a:latin typeface="Arial" charset="0"/>
-                        <a:ea typeface="Arial" charset="0"/>
-                        <a:cs typeface="Arial" charset="0"/>
-                      </a:endParaRPr>
-                    </a:p>
-                  </a:txBody>
-                  <a:tcPr marL="36000" marR="36000" marT="36000" marB="36000"/>
-                </a:tc>
-                <a:tc>
-                  <a:txBody>
-                    <a:bodyPr/>
-                    <a:lstStyle/>
-                    <a:p>
-                      <a:pPr>
-                        <a:defRPr sz="800">
-                          <a:solidFill>
-                            <a:srgbClr val="0B0B0B"/>
-                          </a:solidFill>
-                          <a:latin typeface="Arial"/>
-                        </a:defRPr>
-                      </a:pPr>
-                      <a:r>
-                        <a:t>Pabellón de Arteaga</a:t>
-                      </a:r>
+                      <a:endParaRPr lang="es-ES_tradnl" sz="1100" dirty="0">
+                        <a:latin typeface="Arial" charset="0"/>
+                        <a:ea typeface="Arial" charset="0"/>
+                        <a:cs typeface="Arial" charset="0"/>
+                      </a:endParaRPr>
+                    </a:p>
+                  </a:txBody>
+                  <a:tcPr marL="36000" marR="36000" marT="36000" marB="36000"/>
+                </a:tc>
+                <a:tc>
+                  <a:txBody>
+                    <a:bodyPr/>
+                    <a:lstStyle/>
+                    <a:p>
                       <a:endParaRPr lang="es-ES_tradnl" sz="1100">
                         <a:latin typeface="Arial" charset="0"/>
                         <a:ea typeface="Arial" charset="0"/>
@@ -5930,17 +5910,6 @@
                     <a:bodyPr/>
                     <a:lstStyle/>
                     <a:p>
-                      <a:pPr>
-                        <a:defRPr sz="800">
-                          <a:solidFill>
-                            <a:srgbClr val="0B0B0B"/>
-                          </a:solidFill>
-                          <a:latin typeface="Arial"/>
-                        </a:defRPr>
-                      </a:pPr>
-                      <a:r>
-                        <a:t>70.0</a:t>
-                      </a:r>
                       <a:endParaRPr lang="es-ES_tradnl" sz="1100">
                         <a:latin typeface="Arial" charset="0"/>
                         <a:ea typeface="Arial" charset="0"/>
@@ -5955,42 +5924,20 @@
                     <a:bodyPr/>
                     <a:lstStyle/>
                     <a:p>
-                      <a:pPr>
-                        <a:defRPr sz="800">
-                          <a:solidFill>
-                            <a:srgbClr val="0B0B0B"/>
-                          </a:solidFill>
-                          <a:latin typeface="Arial"/>
-                        </a:defRPr>
-                      </a:pPr>
-                      <a:r>
-                        <a:t>70.0</a:t>
-                      </a:r>
-                      <a:endParaRPr lang="es-ES_tradnl" sz="1100" dirty="0">
-                        <a:latin typeface="Arial" charset="0"/>
-                        <a:ea typeface="Arial" charset="0"/>
-                        <a:cs typeface="Arial" charset="0"/>
-                      </a:endParaRPr>
-                    </a:p>
-                  </a:txBody>
-                  <a:tcPr marL="36000" marR="36000" marT="36000" marB="36000"/>
-                </a:tc>
-                <a:tc>
-                  <a:txBody>
-                    <a:bodyPr/>
-                    <a:lstStyle/>
-                    <a:p>
-                      <a:pPr>
-                        <a:defRPr sz="800">
-                          <a:solidFill>
-                            <a:srgbClr val="0B0B0B"/>
-                          </a:solidFill>
-                          <a:latin typeface="Arial"/>
-                        </a:defRPr>
-                      </a:pPr>
-                      <a:r>
-                        <a:t>0.0</a:t>
-                      </a:r>
+                      <a:endParaRPr lang="es-ES_tradnl" sz="1100" dirty="0">
+                        <a:latin typeface="Arial" charset="0"/>
+                        <a:ea typeface="Arial" charset="0"/>
+                        <a:cs typeface="Arial" charset="0"/>
+                      </a:endParaRPr>
+                    </a:p>
+                  </a:txBody>
+                  <a:tcPr marL="36000" marR="36000" marT="36000" marB="36000"/>
+                </a:tc>
+                <a:tc>
+                  <a:txBody>
+                    <a:bodyPr/>
+                    <a:lstStyle/>
+                    <a:p>
                       <a:endParaRPr lang="es-ES_tradnl" sz="1100">
                         <a:latin typeface="Arial" charset="0"/>
                         <a:ea typeface="Arial" charset="0"/>
@@ -6005,17 +5952,6 @@
                     <a:bodyPr/>
                     <a:lstStyle/>
                     <a:p>
-                      <a:pPr>
-                        <a:defRPr sz="800">
-                          <a:solidFill>
-                            <a:srgbClr val="0B0B0B"/>
-                          </a:solidFill>
-                          <a:latin typeface="Arial"/>
-                        </a:defRPr>
-                      </a:pPr>
-                      <a:r>
-                        <a:t>0.0</a:t>
-                      </a:r>
                       <a:endParaRPr lang="es-ES_tradnl" sz="1100">
                         <a:latin typeface="Arial" charset="0"/>
                         <a:ea typeface="Arial" charset="0"/>
@@ -6030,42 +5966,20 @@
                     <a:bodyPr/>
                     <a:lstStyle/>
                     <a:p>
-                      <a:pPr>
-                        <a:defRPr sz="800">
-                          <a:solidFill>
-                            <a:srgbClr val="0B0B0B"/>
-                          </a:solidFill>
-                          <a:latin typeface="Arial"/>
-                        </a:defRPr>
-                      </a:pPr>
-                      <a:r>
-                        <a:t>0.0</a:t>
-                      </a:r>
-                      <a:endParaRPr lang="es-ES_tradnl" sz="1100" dirty="0">
-                        <a:latin typeface="Arial" charset="0"/>
-                        <a:ea typeface="Arial" charset="0"/>
-                        <a:cs typeface="Arial" charset="0"/>
-                      </a:endParaRPr>
-                    </a:p>
-                  </a:txBody>
-                  <a:tcPr marL="36000" marR="36000" marT="36000" marB="36000"/>
-                </a:tc>
-                <a:tc>
-                  <a:txBody>
-                    <a:bodyPr/>
-                    <a:lstStyle/>
-                    <a:p>
-                      <a:pPr>
-                        <a:defRPr sz="800">
-                          <a:solidFill>
-                            <a:srgbClr val="0B0B0B"/>
-                          </a:solidFill>
-                          <a:latin typeface="Arial"/>
-                        </a:defRPr>
-                      </a:pPr>
-                      <a:r>
-                        <a:t>0.0</a:t>
-                      </a:r>
+                      <a:endParaRPr lang="es-ES_tradnl" sz="1100" dirty="0">
+                        <a:latin typeface="Arial" charset="0"/>
+                        <a:ea typeface="Arial" charset="0"/>
+                        <a:cs typeface="Arial" charset="0"/>
+                      </a:endParaRPr>
+                    </a:p>
+                  </a:txBody>
+                  <a:tcPr marL="36000" marR="36000" marT="36000" marB="36000"/>
+                </a:tc>
+                <a:tc>
+                  <a:txBody>
+                    <a:bodyPr/>
+                    <a:lstStyle/>
+                    <a:p>
                       <a:endParaRPr lang="es-ES_tradnl" sz="1100">
                         <a:latin typeface="Arial" charset="0"/>
                         <a:ea typeface="Arial" charset="0"/>
@@ -6080,42 +5994,20 @@
                     <a:bodyPr/>
                     <a:lstStyle/>
                     <a:p>
-                      <a:pPr>
-                        <a:defRPr sz="800">
-                          <a:solidFill>
-                            <a:srgbClr val="0B0B0B"/>
-                          </a:solidFill>
-                          <a:latin typeface="Arial"/>
-                        </a:defRPr>
-                      </a:pPr>
-                      <a:r>
-                        <a:t>0.0</a:t>
-                      </a:r>
-                      <a:endParaRPr lang="es-ES_tradnl" sz="1100" dirty="0">
-                        <a:latin typeface="Arial" charset="0"/>
-                        <a:ea typeface="Arial" charset="0"/>
-                        <a:cs typeface="Arial" charset="0"/>
-                      </a:endParaRPr>
-                    </a:p>
-                  </a:txBody>
-                  <a:tcPr marL="36000" marR="36000" marT="36000" marB="36000"/>
-                </a:tc>
-                <a:tc>
-                  <a:txBody>
-                    <a:bodyPr/>
-                    <a:lstStyle/>
-                    <a:p>
-                      <a:pPr>
-                        <a:defRPr sz="800">
-                          <a:solidFill>
-                            <a:srgbClr val="0B0B0B"/>
-                          </a:solidFill>
-                          <a:latin typeface="Arial"/>
-                        </a:defRPr>
-                      </a:pPr>
-                      <a:r>
-                        <a:t>0.0</a:t>
-                      </a:r>
+                      <a:endParaRPr lang="es-ES_tradnl" sz="1100" dirty="0">
+                        <a:latin typeface="Arial" charset="0"/>
+                        <a:ea typeface="Arial" charset="0"/>
+                        <a:cs typeface="Arial" charset="0"/>
+                      </a:endParaRPr>
+                    </a:p>
+                  </a:txBody>
+                  <a:tcPr marL="36000" marR="36000" marT="36000" marB="36000"/>
+                </a:tc>
+                <a:tc>
+                  <a:txBody>
+                    <a:bodyPr/>
+                    <a:lstStyle/>
+                    <a:p>
                       <a:endParaRPr lang="es-ES_tradnl" sz="1100">
                         <a:latin typeface="Arial" charset="0"/>
                         <a:ea typeface="Arial" charset="0"/>
@@ -6130,17 +6022,6 @@
                     <a:bodyPr/>
                     <a:lstStyle/>
                     <a:p>
-                      <a:pPr>
-                        <a:defRPr sz="800">
-                          <a:solidFill>
-                            <a:srgbClr val="0B0B0B"/>
-                          </a:solidFill>
-                          <a:latin typeface="Arial"/>
-                        </a:defRPr>
-                      </a:pPr>
-                      <a:r>
-                        <a:t>0.0</a:t>
-                      </a:r>
                       <a:endParaRPr lang="es-ES_tradnl" sz="1100">
                         <a:latin typeface="Arial" charset="0"/>
                         <a:ea typeface="Arial" charset="0"/>
@@ -6155,17 +6036,6 @@
                     <a:bodyPr/>
                     <a:lstStyle/>
                     <a:p>
-                      <a:pPr>
-                        <a:defRPr sz="800">
-                          <a:solidFill>
-                            <a:srgbClr val="0B0B0B"/>
-                          </a:solidFill>
-                          <a:latin typeface="Arial"/>
-                        </a:defRPr>
-                      </a:pPr>
-                      <a:r>
-                        <a:t>0.0</a:t>
-                      </a:r>
                       <a:endParaRPr lang="es-ES_tradnl" sz="1100">
                         <a:latin typeface="Arial" charset="0"/>
                         <a:ea typeface="Arial" charset="0"/>
@@ -6180,17 +6050,6 @@
                     <a:bodyPr/>
                     <a:lstStyle/>
                     <a:p>
-                      <a:pPr>
-                        <a:defRPr sz="800">
-                          <a:solidFill>
-                            <a:srgbClr val="0B0B0B"/>
-                          </a:solidFill>
-                          <a:latin typeface="Arial"/>
-                        </a:defRPr>
-                      </a:pPr>
-                      <a:r>
-                        <a:t>0.0</a:t>
-                      </a:r>
                       <a:endParaRPr lang="es-ES_tradnl" sz="1100">
                         <a:latin typeface="Arial" charset="0"/>
                         <a:ea typeface="Arial" charset="0"/>
@@ -6205,67 +6064,34 @@
                     <a:bodyPr/>
                     <a:lstStyle/>
                     <a:p>
-                      <a:pPr>
-                        <a:defRPr sz="800">
-                          <a:solidFill>
-                            <a:srgbClr val="0B0B0B"/>
-                          </a:solidFill>
-                          <a:latin typeface="Arial"/>
-                        </a:defRPr>
-                      </a:pPr>
-                      <a:r>
-                        <a:t>0.0</a:t>
-                      </a:r>
-                      <a:endParaRPr lang="es-ES_tradnl" sz="1100" dirty="0">
-                        <a:latin typeface="Arial" charset="0"/>
-                        <a:ea typeface="Arial" charset="0"/>
-                        <a:cs typeface="Arial" charset="0"/>
-                      </a:endParaRPr>
-                    </a:p>
-                  </a:txBody>
-                  <a:tcPr marL="36000" marR="36000" marT="36000" marB="36000"/>
-                </a:tc>
-                <a:tc>
-                  <a:txBody>
-                    <a:bodyPr/>
-                    <a:lstStyle/>
-                    <a:p>
-                      <a:pPr>
-                        <a:defRPr sz="800">
-                          <a:solidFill>
-                            <a:srgbClr val="0B0B0B"/>
-                          </a:solidFill>
-                          <a:latin typeface="Arial"/>
-                        </a:defRPr>
-                      </a:pPr>
-                      <a:r>
-                        <a:t>210.0</a:t>
-                      </a:r>
-                      <a:endParaRPr lang="es-ES_tradnl" sz="1100" dirty="0">
-                        <a:latin typeface="Arial" charset="0"/>
-                        <a:ea typeface="Arial" charset="0"/>
-                        <a:cs typeface="Arial" charset="0"/>
-                      </a:endParaRPr>
-                    </a:p>
-                  </a:txBody>
-                  <a:tcPr marL="36000" marR="36000" marT="36000" marB="36000"/>
-                </a:tc>
-                <a:tc>
-                  <a:txBody>
-                    <a:bodyPr/>
-                    <a:lstStyle/>
-                    <a:p>
-                      <a:pPr>
-                        <a:defRPr sz="800">
-                          <a:solidFill>
-                            <a:srgbClr val="0B0B0B"/>
-                          </a:solidFill>
-                          <a:latin typeface="Arial"/>
-                        </a:defRPr>
-                      </a:pPr>
-                      <a:r>
-                        <a:t>186270.0</a:t>
-                      </a:r>
+                      <a:endParaRPr lang="es-ES_tradnl" sz="1100" dirty="0">
+                        <a:latin typeface="Arial" charset="0"/>
+                        <a:ea typeface="Arial" charset="0"/>
+                        <a:cs typeface="Arial" charset="0"/>
+                      </a:endParaRPr>
+                    </a:p>
+                  </a:txBody>
+                  <a:tcPr marL="36000" marR="36000" marT="36000" marB="36000"/>
+                </a:tc>
+                <a:tc>
+                  <a:txBody>
+                    <a:bodyPr/>
+                    <a:lstStyle/>
+                    <a:p>
+                      <a:endParaRPr lang="es-ES_tradnl" sz="1100" dirty="0">
+                        <a:latin typeface="Arial" charset="0"/>
+                        <a:ea typeface="Arial" charset="0"/>
+                        <a:cs typeface="Arial" charset="0"/>
+                      </a:endParaRPr>
+                    </a:p>
+                  </a:txBody>
+                  <a:tcPr marL="36000" marR="36000" marT="36000" marB="36000"/>
+                </a:tc>
+                <a:tc>
+                  <a:txBody>
+                    <a:bodyPr/>
+                    <a:lstStyle/>
+                    <a:p>
                       <a:endParaRPr lang="es-ES_tradnl" sz="1100">
                         <a:latin typeface="Arial" charset="0"/>
                         <a:ea typeface="Arial" charset="0"/>
@@ -6282,39 +6108,20 @@
                     <a:bodyPr/>
                     <a:lstStyle/>
                     <a:p>
-                      <a:pPr>
-                        <a:defRPr sz="800">
-                          <a:solidFill>
-                            <a:srgbClr val="0B0B0B"/>
-                          </a:solidFill>
-                          <a:latin typeface="Arial"/>
-                        </a:defRPr>
-                      </a:pPr>
-                      <a:endParaRPr lang="es-ES_tradnl" sz="1100" dirty="0">
-                        <a:latin typeface="Arial" charset="0"/>
-                        <a:ea typeface="Arial" charset="0"/>
-                        <a:cs typeface="Arial" charset="0"/>
-                      </a:endParaRPr>
-                    </a:p>
-                  </a:txBody>
-                  <a:tcPr marL="36000" marR="36000" marT="36000" marB="36000"/>
-                </a:tc>
-                <a:tc>
-                  <a:txBody>
-                    <a:bodyPr/>
-                    <a:lstStyle/>
-                    <a:p>
-                      <a:pPr>
-                        <a:defRPr sz="800">
-                          <a:solidFill>
-                            <a:srgbClr val="0B0B0B"/>
-                          </a:solidFill>
-                          <a:latin typeface="Arial"/>
-                        </a:defRPr>
-                      </a:pPr>
-                      <a:r>
-                        <a:t>Rincón de Romos</a:t>
-                      </a:r>
+                      <a:endParaRPr lang="es-ES_tradnl" sz="1100" dirty="0">
+                        <a:latin typeface="Arial" charset="0"/>
+                        <a:ea typeface="Arial" charset="0"/>
+                        <a:cs typeface="Arial" charset="0"/>
+                      </a:endParaRPr>
+                    </a:p>
+                  </a:txBody>
+                  <a:tcPr marL="36000" marR="36000" marT="36000" marB="36000"/>
+                </a:tc>
+                <a:tc>
+                  <a:txBody>
+                    <a:bodyPr/>
+                    <a:lstStyle/>
+                    <a:p>
                       <a:endParaRPr lang="es-ES_tradnl" sz="1100">
                         <a:latin typeface="Arial" charset="0"/>
                         <a:ea typeface="Arial" charset="0"/>
@@ -6329,17 +6136,6 @@
                     <a:bodyPr/>
                     <a:lstStyle/>
                     <a:p>
-                      <a:pPr>
-                        <a:defRPr sz="800">
-                          <a:solidFill>
-                            <a:srgbClr val="0B0B0B"/>
-                          </a:solidFill>
-                          <a:latin typeface="Arial"/>
-                        </a:defRPr>
-                      </a:pPr>
-                      <a:r>
-                        <a:t>67.0</a:t>
-                      </a:r>
                       <a:endParaRPr lang="es-ES_tradnl" sz="1100">
                         <a:latin typeface="Arial" charset="0"/>
                         <a:ea typeface="Arial" charset="0"/>
@@ -6354,67 +6150,34 @@
                     <a:bodyPr/>
                     <a:lstStyle/>
                     <a:p>
-                      <a:pPr>
-                        <a:defRPr sz="800">
-                          <a:solidFill>
-                            <a:srgbClr val="0B0B0B"/>
-                          </a:solidFill>
-                          <a:latin typeface="Arial"/>
-                        </a:defRPr>
-                      </a:pPr>
-                      <a:r>
-                        <a:t>68.0</a:t>
-                      </a:r>
-                      <a:endParaRPr lang="es-ES_tradnl" sz="1100" dirty="0">
-                        <a:latin typeface="Arial" charset="0"/>
-                        <a:ea typeface="Arial" charset="0"/>
-                        <a:cs typeface="Arial" charset="0"/>
-                      </a:endParaRPr>
-                    </a:p>
-                  </a:txBody>
-                  <a:tcPr marL="36000" marR="36000" marT="36000" marB="36000"/>
-                </a:tc>
-                <a:tc>
-                  <a:txBody>
-                    <a:bodyPr/>
-                    <a:lstStyle/>
-                    <a:p>
-                      <a:pPr>
-                        <a:defRPr sz="800">
-                          <a:solidFill>
-                            <a:srgbClr val="0B0B0B"/>
-                          </a:solidFill>
-                          <a:latin typeface="Arial"/>
-                        </a:defRPr>
-                      </a:pPr>
-                      <a:r>
-                        <a:t>0.0</a:t>
-                      </a:r>
-                      <a:endParaRPr lang="es-ES_tradnl" sz="1100" dirty="0">
-                        <a:latin typeface="Arial" charset="0"/>
-                        <a:ea typeface="Arial" charset="0"/>
-                        <a:cs typeface="Arial" charset="0"/>
-                      </a:endParaRPr>
-                    </a:p>
-                  </a:txBody>
-                  <a:tcPr marL="36000" marR="36000" marT="36000" marB="36000"/>
-                </a:tc>
-                <a:tc>
-                  <a:txBody>
-                    <a:bodyPr/>
-                    <a:lstStyle/>
-                    <a:p>
-                      <a:pPr>
-                        <a:defRPr sz="800">
-                          <a:solidFill>
-                            <a:srgbClr val="0B0B0B"/>
-                          </a:solidFill>
-                          <a:latin typeface="Arial"/>
-                        </a:defRPr>
-                      </a:pPr>
-                      <a:r>
-                        <a:t>0.0</a:t>
-                      </a:r>
+                      <a:endParaRPr lang="es-ES_tradnl" sz="1100" dirty="0">
+                        <a:latin typeface="Arial" charset="0"/>
+                        <a:ea typeface="Arial" charset="0"/>
+                        <a:cs typeface="Arial" charset="0"/>
+                      </a:endParaRPr>
+                    </a:p>
+                  </a:txBody>
+                  <a:tcPr marL="36000" marR="36000" marT="36000" marB="36000"/>
+                </a:tc>
+                <a:tc>
+                  <a:txBody>
+                    <a:bodyPr/>
+                    <a:lstStyle/>
+                    <a:p>
+                      <a:endParaRPr lang="es-ES_tradnl" sz="1100" dirty="0">
+                        <a:latin typeface="Arial" charset="0"/>
+                        <a:ea typeface="Arial" charset="0"/>
+                        <a:cs typeface="Arial" charset="0"/>
+                      </a:endParaRPr>
+                    </a:p>
+                  </a:txBody>
+                  <a:tcPr marL="36000" marR="36000" marT="36000" marB="36000"/>
+                </a:tc>
+                <a:tc>
+                  <a:txBody>
+                    <a:bodyPr/>
+                    <a:lstStyle/>
+                    <a:p>
                       <a:endParaRPr lang="es-ES_tradnl" sz="1100">
                         <a:latin typeface="Arial" charset="0"/>
                         <a:ea typeface="Arial" charset="0"/>
@@ -6429,17 +6192,6 @@
                     <a:bodyPr/>
                     <a:lstStyle/>
                     <a:p>
-                      <a:pPr>
-                        <a:defRPr sz="800">
-                          <a:solidFill>
-                            <a:srgbClr val="0B0B0B"/>
-                          </a:solidFill>
-                          <a:latin typeface="Arial"/>
-                        </a:defRPr>
-                      </a:pPr>
-                      <a:r>
-                        <a:t>0.0</a:t>
-                      </a:r>
                       <a:endParaRPr lang="es-ES_tradnl" sz="1100">
                         <a:latin typeface="Arial" charset="0"/>
                         <a:ea typeface="Arial" charset="0"/>
@@ -6454,42 +6206,20 @@
                     <a:bodyPr/>
                     <a:lstStyle/>
                     <a:p>
-                      <a:pPr>
-                        <a:defRPr sz="800">
-                          <a:solidFill>
-                            <a:srgbClr val="0B0B0B"/>
-                          </a:solidFill>
-                          <a:latin typeface="Arial"/>
-                        </a:defRPr>
-                      </a:pPr>
-                      <a:r>
-                        <a:t>0.0</a:t>
-                      </a:r>
-                      <a:endParaRPr lang="es-ES_tradnl" sz="1100" dirty="0">
-                        <a:latin typeface="Arial" charset="0"/>
-                        <a:ea typeface="Arial" charset="0"/>
-                        <a:cs typeface="Arial" charset="0"/>
-                      </a:endParaRPr>
-                    </a:p>
-                  </a:txBody>
-                  <a:tcPr marL="36000" marR="36000" marT="36000" marB="36000"/>
-                </a:tc>
-                <a:tc>
-                  <a:txBody>
-                    <a:bodyPr/>
-                    <a:lstStyle/>
-                    <a:p>
-                      <a:pPr>
-                        <a:defRPr sz="800">
-                          <a:solidFill>
-                            <a:srgbClr val="0B0B0B"/>
-                          </a:solidFill>
-                          <a:latin typeface="Arial"/>
-                        </a:defRPr>
-                      </a:pPr>
-                      <a:r>
-                        <a:t>0.0</a:t>
-                      </a:r>
+                      <a:endParaRPr lang="es-ES_tradnl" sz="1100" dirty="0">
+                        <a:latin typeface="Arial" charset="0"/>
+                        <a:ea typeface="Arial" charset="0"/>
+                        <a:cs typeface="Arial" charset="0"/>
+                      </a:endParaRPr>
+                    </a:p>
+                  </a:txBody>
+                  <a:tcPr marL="36000" marR="36000" marT="36000" marB="36000"/>
+                </a:tc>
+                <a:tc>
+                  <a:txBody>
+                    <a:bodyPr/>
+                    <a:lstStyle/>
+                    <a:p>
                       <a:endParaRPr lang="es-ES_tradnl" sz="1100">
                         <a:latin typeface="Arial" charset="0"/>
                         <a:ea typeface="Arial" charset="0"/>
@@ -6504,17 +6234,6 @@
                     <a:bodyPr/>
                     <a:lstStyle/>
                     <a:p>
-                      <a:pPr>
-                        <a:defRPr sz="800">
-                          <a:solidFill>
-                            <a:srgbClr val="0B0B0B"/>
-                          </a:solidFill>
-                          <a:latin typeface="Arial"/>
-                        </a:defRPr>
-                      </a:pPr>
-                      <a:r>
-                        <a:t>0.0</a:t>
-                      </a:r>
                       <a:endParaRPr lang="es-ES_tradnl" sz="1100">
                         <a:latin typeface="Arial" charset="0"/>
                         <a:ea typeface="Arial" charset="0"/>
@@ -6529,17 +6248,6 @@
                     <a:bodyPr/>
                     <a:lstStyle/>
                     <a:p>
-                      <a:pPr>
-                        <a:defRPr sz="800">
-                          <a:solidFill>
-                            <a:srgbClr val="0B0B0B"/>
-                          </a:solidFill>
-                          <a:latin typeface="Arial"/>
-                        </a:defRPr>
-                      </a:pPr>
-                      <a:r>
-                        <a:t>0.0</a:t>
-                      </a:r>
                       <a:endParaRPr lang="es-ES_tradnl" sz="1100">
                         <a:latin typeface="Arial" charset="0"/>
                         <a:ea typeface="Arial" charset="0"/>
@@ -6554,17 +6262,6 @@
                     <a:bodyPr/>
                     <a:lstStyle/>
                     <a:p>
-                      <a:pPr>
-                        <a:defRPr sz="800">
-                          <a:solidFill>
-                            <a:srgbClr val="0B0B0B"/>
-                          </a:solidFill>
-                          <a:latin typeface="Arial"/>
-                        </a:defRPr>
-                      </a:pPr>
-                      <a:r>
-                        <a:t>0.0</a:t>
-                      </a:r>
                       <a:endParaRPr lang="es-ES_tradnl" sz="1100">
                         <a:latin typeface="Arial" charset="0"/>
                         <a:ea typeface="Arial" charset="0"/>
@@ -6579,17 +6276,6 @@
                     <a:bodyPr/>
                     <a:lstStyle/>
                     <a:p>
-                      <a:pPr>
-                        <a:defRPr sz="800">
-                          <a:solidFill>
-                            <a:srgbClr val="0B0B0B"/>
-                          </a:solidFill>
-                          <a:latin typeface="Arial"/>
-                        </a:defRPr>
-                      </a:pPr>
-                      <a:r>
-                        <a:t>0.0</a:t>
-                      </a:r>
                       <a:endParaRPr lang="es-ES_tradnl" sz="1100">
                         <a:latin typeface="Arial" charset="0"/>
                         <a:ea typeface="Arial" charset="0"/>
@@ -6604,42 +6290,20 @@
                     <a:bodyPr/>
                     <a:lstStyle/>
                     <a:p>
-                      <a:pPr>
-                        <a:defRPr sz="800">
-                          <a:solidFill>
-                            <a:srgbClr val="0B0B0B"/>
-                          </a:solidFill>
-                          <a:latin typeface="Arial"/>
-                        </a:defRPr>
-                      </a:pPr>
-                      <a:r>
-                        <a:t>0.0</a:t>
-                      </a:r>
-                      <a:endParaRPr lang="es-ES_tradnl" sz="1100" dirty="0">
-                        <a:latin typeface="Arial" charset="0"/>
-                        <a:ea typeface="Arial" charset="0"/>
-                        <a:cs typeface="Arial" charset="0"/>
-                      </a:endParaRPr>
-                    </a:p>
-                  </a:txBody>
-                  <a:tcPr marL="36000" marR="36000" marT="36000" marB="36000"/>
-                </a:tc>
-                <a:tc>
-                  <a:txBody>
-                    <a:bodyPr/>
-                    <a:lstStyle/>
-                    <a:p>
-                      <a:pPr>
-                        <a:defRPr sz="800">
-                          <a:solidFill>
-                            <a:srgbClr val="0B0B0B"/>
-                          </a:solidFill>
-                          <a:latin typeface="Arial"/>
-                        </a:defRPr>
-                      </a:pPr>
-                      <a:r>
-                        <a:t>202.0</a:t>
-                      </a:r>
+                      <a:endParaRPr lang="es-ES_tradnl" sz="1100" dirty="0">
+                        <a:latin typeface="Arial" charset="0"/>
+                        <a:ea typeface="Arial" charset="0"/>
+                        <a:cs typeface="Arial" charset="0"/>
+                      </a:endParaRPr>
+                    </a:p>
+                  </a:txBody>
+                  <a:tcPr marL="36000" marR="36000" marT="36000" marB="36000"/>
+                </a:tc>
+                <a:tc>
+                  <a:txBody>
+                    <a:bodyPr/>
+                    <a:lstStyle/>
+                    <a:p>
                       <a:endParaRPr lang="es-ES_tradnl" sz="1100">
                         <a:latin typeface="Arial" charset="0"/>
                         <a:ea typeface="Arial" charset="0"/>
@@ -6654,17 +6318,6 @@
                     <a:bodyPr/>
                     <a:lstStyle/>
                     <a:p>
-                      <a:pPr>
-                        <a:defRPr sz="800">
-                          <a:solidFill>
-                            <a:srgbClr val="0B0B0B"/>
-                          </a:solidFill>
-                          <a:latin typeface="Arial"/>
-                        </a:defRPr>
-                      </a:pPr>
-                      <a:r>
-                        <a:t>179174.0</a:t>
-                      </a:r>
                       <a:endParaRPr lang="es-ES_tradnl" sz="1100">
                         <a:latin typeface="Arial" charset="0"/>
                         <a:ea typeface="Arial" charset="0"/>

--- a/djangoISSSTE/static/ppt/ppt-generados/FichaTecnicaAvance_1.pptx
+++ b/djangoISSSTE/static/ppt/ppt-generados/FichaTecnicaAvance_1.pptx
@@ -3665,17 +3665,6 @@
                     <a:bodyPr/>
                     <a:lstStyle/>
                     <a:p>
-                      <a:pPr>
-                        <a:defRPr sz="800">
-                          <a:solidFill>
-                            <a:srgbClr val="0B0B0B"/>
-                          </a:solidFill>
-                          <a:latin typeface="Arial"/>
-                        </a:defRPr>
-                      </a:pPr>
-                      <a:r>
-                        <a:t>Educación </a:t>
-                      </a:r>
                       <a:endParaRPr lang="es-ES_tradnl" sz="1100" b="0" dirty="0">
                         <a:solidFill>
                           <a:schemeClr val="tx1">
@@ -3790,17 +3779,6 @@
                     <a:bodyPr/>
                     <a:lstStyle/>
                     <a:p>
-                      <a:pPr>
-                        <a:defRPr sz="800">
-                          <a:solidFill>
-                            <a:srgbClr val="0B0B0B"/>
-                          </a:solidFill>
-                          <a:latin typeface="Arial"/>
-                        </a:defRPr>
-                      </a:pPr>
-                      <a:r>
-                        <a:t>Población de 3 a 15 años que no asiste a la escuela</a:t>
-                      </a:r>
                       <a:endParaRPr lang="es-ES_tradnl" sz="1100" b="0" dirty="0">
                         <a:solidFill>
                           <a:schemeClr val="tx1">
@@ -3929,17 +3907,6 @@
                     <a:bodyPr/>
                     <a:lstStyle/>
                     <a:p>
-                      <a:pPr>
-                        <a:defRPr sz="800">
-                          <a:solidFill>
-                            <a:srgbClr val="0B0B0B"/>
-                          </a:solidFill>
-                          <a:latin typeface="Arial"/>
-                        </a:defRPr>
-                      </a:pPr>
-                      <a:r>
-                        <a:t>Certificar estancias y guarderías como equivalentes a preescolar</a:t>
-                      </a:r>
                       <a:endParaRPr lang="es-ES_tradnl" sz="1100" b="0" dirty="0">
                         <a:solidFill>
                           <a:schemeClr val="tx1">
@@ -4072,17 +4039,6 @@
                     <a:bodyPr/>
                     <a:lstStyle/>
                     <a:p>
-                      <a:pPr>
-                        <a:defRPr sz="800">
-                          <a:solidFill>
-                            <a:srgbClr val="0B0B0B"/>
-                          </a:solidFill>
-                          <a:latin typeface="Arial"/>
-                        </a:defRPr>
-                      </a:pPr>
-                      <a:r>
-                        <a:t>No. De niños y niñas entre 3-5 años atendidos en estancias y guarderías con preescolar</a:t>
-                      </a:r>
                       <a:endParaRPr lang="es-ES_tradnl" sz="1100" b="0" dirty="0">
                         <a:solidFill>
                           <a:schemeClr val="tx1">
@@ -4183,17 +4139,6 @@
                     <a:bodyPr/>
                     <a:lstStyle/>
                     <a:p>
-                      <a:pPr>
-                        <a:defRPr sz="800">
-                          <a:solidFill>
-                            <a:srgbClr val="0B0B0B"/>
-                          </a:solidFill>
-                          <a:latin typeface="Arial"/>
-                        </a:defRPr>
-                      </a:pPr>
-                      <a:r>
-                        <a:t>Responsable</a:t>
-                      </a:r>
                       <a:endParaRPr lang="es-ES_tradnl" sz="1100" b="0" dirty="0">
                         <a:solidFill>
                           <a:schemeClr val="tx1">
@@ -4308,17 +4253,6 @@
                     <a:bodyPr/>
                     <a:lstStyle/>
                     <a:p>
-                      <a:pPr>
-                        <a:defRPr sz="800">
-                          <a:solidFill>
-                            <a:srgbClr val="0B0B0B"/>
-                          </a:solidFill>
-                          <a:latin typeface="Arial"/>
-                        </a:defRPr>
-                      </a:pPr>
-                      <a:r>
-                        <a:t>2016</a:t>
-                      </a:r>
                       <a:endParaRPr lang="es-ES_tradnl" sz="1100" b="0" dirty="0">
                         <a:solidFill>
                           <a:schemeClr val="tx1">
@@ -4419,17 +4353,6 @@
                     <a:bodyPr/>
                     <a:lstStyle/>
                     <a:p>
-                      <a:pPr>
-                        <a:defRPr sz="800">
-                          <a:solidFill>
-                            <a:srgbClr val="0B0B0B"/>
-                          </a:solidFill>
-                          <a:latin typeface="Arial"/>
-                        </a:defRPr>
-                      </a:pPr>
-                      <a:r>
-                        <a:t>Nota: Corresponde a la población inscrita, la cual considera los movimientos naturales del servicio (altas y bajas) a lo largo de todo el año. Las estancias contratadas y las organizaciones de la socidedad civil cuentan con clave de centro de trabajo que proporciona la SEP; para el caso de las estancias propias, el ISSSTE tiene vigente un convenio de colaboración con la SEP para que los niños de preescolar obtengan la validez oficial   </a:t>
-                      </a:r>
                       <a:endParaRPr lang="es-ES_tradnl" sz="1100" b="0" dirty="0">
                         <a:solidFill>
                           <a:schemeClr val="tx1">
@@ -5081,164 +5004,90 @@
                     <a:bodyPr/>
                     <a:lstStyle/>
                     <a:p>
-                      <a:pPr>
-                        <a:defRPr sz="800">
-                          <a:solidFill>
-                            <a:srgbClr val="0B0B0B"/>
-                          </a:solidFill>
-                          <a:latin typeface="Arial"/>
-                        </a:defRPr>
-                      </a:pPr>
-                      <a:endParaRPr lang="es-ES_tradnl" sz="1100" dirty="0">
-                        <a:latin typeface="Arial" charset="0"/>
-                        <a:ea typeface="Arial" charset="0"/>
-                        <a:cs typeface="Arial" charset="0"/>
-                      </a:endParaRPr>
-                    </a:p>
-                  </a:txBody>
-                  <a:tcPr marL="36000" marR="36000" marT="36000" marB="36000"/>
-                </a:tc>
-                <a:tc>
-                  <a:txBody>
-                    <a:bodyPr/>
-                    <a:lstStyle/>
-                    <a:p>
-                      <a:pPr>
-                        <a:defRPr sz="800">
-                          <a:solidFill>
-                            <a:srgbClr val="0B0B0B"/>
-                          </a:solidFill>
-                          <a:latin typeface="Arial"/>
-                        </a:defRPr>
-                      </a:pPr>
-                      <a:r>
-                        <a:t>Chihuahua</a:t>
-                      </a:r>
-                      <a:endParaRPr lang="es-ES_tradnl" sz="1100" dirty="0">
-                        <a:latin typeface="Arial" charset="0"/>
-                        <a:ea typeface="Arial" charset="0"/>
-                        <a:cs typeface="Arial" charset="0"/>
-                      </a:endParaRPr>
-                    </a:p>
-                  </a:txBody>
-                  <a:tcPr marL="36000" marR="36000" marT="36000" marB="36000"/>
-                </a:tc>
-                <a:tc>
-                  <a:txBody>
-                    <a:bodyPr/>
-                    <a:lstStyle/>
-                    <a:p>
-                      <a:pPr>
-                        <a:defRPr sz="800">
-                          <a:solidFill>
-                            <a:srgbClr val="0B0B0B"/>
-                          </a:solidFill>
-                          <a:latin typeface="Arial"/>
-                        </a:defRPr>
-                      </a:pPr>
-                      <a:r>
-                        <a:t>329.0</a:t>
-                      </a:r>
-                      <a:endParaRPr lang="es-ES_tradnl" sz="1100" dirty="0">
-                        <a:latin typeface="Arial" charset="0"/>
-                        <a:ea typeface="Arial" charset="0"/>
-                        <a:cs typeface="Arial" charset="0"/>
-                      </a:endParaRPr>
-                    </a:p>
-                  </a:txBody>
-                  <a:tcPr marL="36000" marR="36000" marT="36000" marB="36000"/>
-                </a:tc>
-                <a:tc>
-                  <a:txBody>
-                    <a:bodyPr/>
-                    <a:lstStyle/>
-                    <a:p>
-                      <a:pPr>
-                        <a:defRPr sz="800">
-                          <a:solidFill>
-                            <a:srgbClr val="0B0B0B"/>
-                          </a:solidFill>
-                          <a:latin typeface="Arial"/>
-                        </a:defRPr>
-                      </a:pPr>
-                      <a:r>
-                        <a:t>329.0</a:t>
-                      </a:r>
-                      <a:endParaRPr lang="es-ES_tradnl" sz="1100" dirty="0">
-                        <a:latin typeface="Arial" charset="0"/>
-                        <a:ea typeface="Arial" charset="0"/>
-                        <a:cs typeface="Arial" charset="0"/>
-                      </a:endParaRPr>
-                    </a:p>
-                  </a:txBody>
-                  <a:tcPr marL="36000" marR="36000" marT="36000" marB="36000"/>
-                </a:tc>
-                <a:tc>
-                  <a:txBody>
-                    <a:bodyPr/>
-                    <a:lstStyle/>
-                    <a:p>
-                      <a:pPr>
-                        <a:defRPr sz="800">
-                          <a:solidFill>
-                            <a:srgbClr val="0B0B0B"/>
-                          </a:solidFill>
-                          <a:latin typeface="Arial"/>
-                        </a:defRPr>
-                      </a:pPr>
-                      <a:r>
-                        <a:t>0.0</a:t>
-                      </a:r>
-                      <a:endParaRPr lang="es-ES_tradnl" sz="1100" dirty="0">
-                        <a:latin typeface="Arial" charset="0"/>
-                        <a:ea typeface="Arial" charset="0"/>
-                        <a:cs typeface="Arial" charset="0"/>
-                      </a:endParaRPr>
-                    </a:p>
-                  </a:txBody>
-                  <a:tcPr marL="36000" marR="36000" marT="36000" marB="36000"/>
-                </a:tc>
-                <a:tc>
-                  <a:txBody>
-                    <a:bodyPr/>
-                    <a:lstStyle/>
-                    <a:p>
-                      <a:pPr>
-                        <a:defRPr sz="800">
-                          <a:solidFill>
-                            <a:srgbClr val="0B0B0B"/>
-                          </a:solidFill>
-                          <a:latin typeface="Arial"/>
-                        </a:defRPr>
-                      </a:pPr>
-                      <a:r>
-                        <a:t>0.0</a:t>
-                      </a:r>
-                      <a:endParaRPr lang="es-ES_tradnl" sz="1100" dirty="0">
-                        <a:latin typeface="Arial" charset="0"/>
-                        <a:ea typeface="Arial" charset="0"/>
-                        <a:cs typeface="Arial" charset="0"/>
-                      </a:endParaRPr>
-                    </a:p>
-                  </a:txBody>
-                  <a:tcPr marL="36000" marR="36000" marT="36000" marB="36000"/>
-                </a:tc>
-                <a:tc>
-                  <a:txBody>
-                    <a:bodyPr/>
-                    <a:lstStyle/>
-                    <a:p>
-                      <a:pPr>
-                        <a:defRPr sz="800">
-                          <a:solidFill>
-                            <a:srgbClr val="0B0B0B"/>
-                          </a:solidFill>
-                          <a:latin typeface="Arial"/>
-                        </a:defRPr>
-                      </a:pPr>
-                      <a:r>
-                        <a:t>0.0</a:t>
-                      </a:r>
+                      <a:endParaRPr lang="es-ES_tradnl" sz="1100" dirty="0">
+                        <a:latin typeface="Arial" charset="0"/>
+                        <a:ea typeface="Arial" charset="0"/>
+                        <a:cs typeface="Arial" charset="0"/>
+                      </a:endParaRPr>
+                    </a:p>
+                  </a:txBody>
+                  <a:tcPr marL="36000" marR="36000" marT="36000" marB="36000"/>
+                </a:tc>
+                <a:tc>
+                  <a:txBody>
+                    <a:bodyPr/>
+                    <a:lstStyle/>
+                    <a:p>
+                      <a:endParaRPr lang="es-ES_tradnl" sz="1100" dirty="0">
+                        <a:latin typeface="Arial" charset="0"/>
+                        <a:ea typeface="Arial" charset="0"/>
+                        <a:cs typeface="Arial" charset="0"/>
+                      </a:endParaRPr>
+                    </a:p>
+                  </a:txBody>
+                  <a:tcPr marL="36000" marR="36000" marT="36000" marB="36000"/>
+                </a:tc>
+                <a:tc>
+                  <a:txBody>
+                    <a:bodyPr/>
+                    <a:lstStyle/>
+                    <a:p>
+                      <a:endParaRPr lang="es-ES_tradnl" sz="1100" dirty="0">
+                        <a:latin typeface="Arial" charset="0"/>
+                        <a:ea typeface="Arial" charset="0"/>
+                        <a:cs typeface="Arial" charset="0"/>
+                      </a:endParaRPr>
+                    </a:p>
+                  </a:txBody>
+                  <a:tcPr marL="36000" marR="36000" marT="36000" marB="36000"/>
+                </a:tc>
+                <a:tc>
+                  <a:txBody>
+                    <a:bodyPr/>
+                    <a:lstStyle/>
+                    <a:p>
+                      <a:endParaRPr lang="es-ES_tradnl" sz="1100" dirty="0">
+                        <a:latin typeface="Arial" charset="0"/>
+                        <a:ea typeface="Arial" charset="0"/>
+                        <a:cs typeface="Arial" charset="0"/>
+                      </a:endParaRPr>
+                    </a:p>
+                  </a:txBody>
+                  <a:tcPr marL="36000" marR="36000" marT="36000" marB="36000"/>
+                </a:tc>
+                <a:tc>
+                  <a:txBody>
+                    <a:bodyPr/>
+                    <a:lstStyle/>
+                    <a:p>
+                      <a:endParaRPr lang="es-ES_tradnl" sz="1100" dirty="0">
+                        <a:latin typeface="Arial" charset="0"/>
+                        <a:ea typeface="Arial" charset="0"/>
+                        <a:cs typeface="Arial" charset="0"/>
+                      </a:endParaRPr>
+                    </a:p>
+                  </a:txBody>
+                  <a:tcPr marL="36000" marR="36000" marT="36000" marB="36000"/>
+                </a:tc>
+                <a:tc>
+                  <a:txBody>
+                    <a:bodyPr/>
+                    <a:lstStyle/>
+                    <a:p>
+                      <a:endParaRPr lang="es-ES_tradnl" sz="1100" dirty="0">
+                        <a:latin typeface="Arial" charset="0"/>
+                        <a:ea typeface="Arial" charset="0"/>
+                        <a:cs typeface="Arial" charset="0"/>
+                      </a:endParaRPr>
+                    </a:p>
+                  </a:txBody>
+                  <a:tcPr marL="36000" marR="36000" marT="36000" marB="36000"/>
+                </a:tc>
+                <a:tc>
+                  <a:txBody>
+                    <a:bodyPr/>
+                    <a:lstStyle/>
+                    <a:p>
                       <a:endParaRPr lang="es-ES_tradnl" sz="1100">
                         <a:latin typeface="Arial" charset="0"/>
                         <a:ea typeface="Arial" charset="0"/>
@@ -5253,17 +5102,6 @@
                     <a:bodyPr/>
                     <a:lstStyle/>
                     <a:p>
-                      <a:pPr>
-                        <a:defRPr sz="800">
-                          <a:solidFill>
-                            <a:srgbClr val="0B0B0B"/>
-                          </a:solidFill>
-                          <a:latin typeface="Arial"/>
-                        </a:defRPr>
-                      </a:pPr>
-                      <a:r>
-                        <a:t>0.0</a:t>
-                      </a:r>
                       <a:endParaRPr lang="es-ES_tradnl" sz="1100">
                         <a:latin typeface="Arial" charset="0"/>
                         <a:ea typeface="Arial" charset="0"/>
@@ -5278,17 +5116,6 @@
                     <a:bodyPr/>
                     <a:lstStyle/>
                     <a:p>
-                      <a:pPr>
-                        <a:defRPr sz="800">
-                          <a:solidFill>
-                            <a:srgbClr val="0B0B0B"/>
-                          </a:solidFill>
-                          <a:latin typeface="Arial"/>
-                        </a:defRPr>
-                      </a:pPr>
-                      <a:r>
-                        <a:t>0.0</a:t>
-                      </a:r>
                       <a:endParaRPr lang="es-ES_tradnl" sz="1100">
                         <a:latin typeface="Arial" charset="0"/>
                         <a:ea typeface="Arial" charset="0"/>
@@ -5303,17 +5130,6 @@
                     <a:bodyPr/>
                     <a:lstStyle/>
                     <a:p>
-                      <a:pPr>
-                        <a:defRPr sz="800">
-                          <a:solidFill>
-                            <a:srgbClr val="0B0B0B"/>
-                          </a:solidFill>
-                          <a:latin typeface="Arial"/>
-                        </a:defRPr>
-                      </a:pPr>
-                      <a:r>
-                        <a:t>0.0</a:t>
-                      </a:r>
                       <a:endParaRPr lang="es-ES_tradnl" sz="1100">
                         <a:latin typeface="Arial" charset="0"/>
                         <a:ea typeface="Arial" charset="0"/>
@@ -5328,17 +5144,6 @@
                     <a:bodyPr/>
                     <a:lstStyle/>
                     <a:p>
-                      <a:pPr>
-                        <a:defRPr sz="800">
-                          <a:solidFill>
-                            <a:srgbClr val="0B0B0B"/>
-                          </a:solidFill>
-                          <a:latin typeface="Arial"/>
-                        </a:defRPr>
-                      </a:pPr>
-                      <a:r>
-                        <a:t>0.0</a:t>
-                      </a:r>
                       <a:endParaRPr lang="es-ES_tradnl" sz="1100">
                         <a:latin typeface="Arial" charset="0"/>
                         <a:ea typeface="Arial" charset="0"/>
@@ -5353,17 +5158,6 @@
                     <a:bodyPr/>
                     <a:lstStyle/>
                     <a:p>
-                      <a:pPr>
-                        <a:defRPr sz="800">
-                          <a:solidFill>
-                            <a:srgbClr val="0B0B0B"/>
-                          </a:solidFill>
-                          <a:latin typeface="Arial"/>
-                        </a:defRPr>
-                      </a:pPr>
-                      <a:r>
-                        <a:t>0.0</a:t>
-                      </a:r>
                       <a:endParaRPr lang="es-ES_tradnl" sz="1100">
                         <a:latin typeface="Arial" charset="0"/>
                         <a:ea typeface="Arial" charset="0"/>
@@ -5378,17 +5172,6 @@
                     <a:bodyPr/>
                     <a:lstStyle/>
                     <a:p>
-                      <a:pPr>
-                        <a:defRPr sz="800">
-                          <a:solidFill>
-                            <a:srgbClr val="0B0B0B"/>
-                          </a:solidFill>
-                          <a:latin typeface="Arial"/>
-                        </a:defRPr>
-                      </a:pPr>
-                      <a:r>
-                        <a:t>0.0</a:t>
-                      </a:r>
                       <a:endParaRPr lang="es-ES_tradnl" sz="1100">
                         <a:latin typeface="Arial" charset="0"/>
                         <a:ea typeface="Arial" charset="0"/>
@@ -5403,67 +5186,35 @@
                     <a:bodyPr/>
                     <a:lstStyle/>
                     <a:p>
-                      <a:pPr>
-                        <a:defRPr sz="800">
-                          <a:solidFill>
-                            <a:srgbClr val="0B0B0B"/>
-                          </a:solidFill>
-                          <a:latin typeface="Arial"/>
-                        </a:defRPr>
-                      </a:pPr>
-                      <a:r>
-                        <a:t>0.0</a:t>
-                      </a:r>
-                      <a:endParaRPr lang="es-ES_tradnl" sz="1100" dirty="0">
-                        <a:latin typeface="Arial" charset="0"/>
-                        <a:ea typeface="Arial" charset="0"/>
-                        <a:cs typeface="Arial" charset="0"/>
-                      </a:endParaRPr>
-                    </a:p>
-                  </a:txBody>
-                  <a:tcPr marL="36000" marR="36000" marT="36000" marB="36000"/>
-                </a:tc>
-                <a:tc>
-                  <a:txBody>
-                    <a:bodyPr/>
-                    <a:lstStyle/>
-                    <a:p>
-                      <a:pPr>
-                        <a:defRPr sz="800">
-                          <a:solidFill>
-                            <a:srgbClr val="0B0B0B"/>
-                          </a:solidFill>
-                          <a:latin typeface="Arial"/>
-                        </a:defRPr>
-                      </a:pPr>
-                      <a:r>
-                        <a:t>987.0</a:t>
-                      </a:r>
-                      <a:endParaRPr lang="es-ES_tradnl" sz="1100" dirty="0">
-                        <a:latin typeface="Arial" charset="0"/>
-                        <a:ea typeface="Arial" charset="0"/>
-                        <a:cs typeface="Arial" charset="0"/>
-                      </a:endParaRPr>
-                    </a:p>
-                  </a:txBody>
-                  <a:tcPr marL="36000" marR="36000" marT="36000" marB="36000"/>
-                </a:tc>
-                <a:tc>
-                  <a:txBody>
-                    <a:bodyPr/>
-                    <a:lstStyle/>
-                    <a:p>
-                      <a:pPr marL="0" algn="l" defTabSz="914400" rtl="0" eaLnBrk="1" latinLnBrk="0" hangingPunct="1">
-                        <a:defRPr sz="800">
-                          <a:solidFill>
-                            <a:srgbClr val="0B0B0B"/>
-                          </a:solidFill>
-                          <a:latin typeface="Arial"/>
-                        </a:defRPr>
-                      </a:pPr>
-                      <a:r>
-                        <a:t>26583858.0</a:t>
-                      </a:r>
+                      <a:endParaRPr lang="es-ES_tradnl" sz="1100" dirty="0">
+                        <a:latin typeface="Arial" charset="0"/>
+                        <a:ea typeface="Arial" charset="0"/>
+                        <a:cs typeface="Arial" charset="0"/>
+                      </a:endParaRPr>
+                    </a:p>
+                  </a:txBody>
+                  <a:tcPr marL="36000" marR="36000" marT="36000" marB="36000"/>
+                </a:tc>
+                <a:tc>
+                  <a:txBody>
+                    <a:bodyPr/>
+                    <a:lstStyle/>
+                    <a:p>
+                      <a:endParaRPr lang="es-ES_tradnl" sz="1100" dirty="0">
+                        <a:latin typeface="Arial" charset="0"/>
+                        <a:ea typeface="Arial" charset="0"/>
+                        <a:cs typeface="Arial" charset="0"/>
+                      </a:endParaRPr>
+                    </a:p>
+                  </a:txBody>
+                  <a:tcPr marL="36000" marR="36000" marT="36000" marB="36000"/>
+                </a:tc>
+                <a:tc>
+                  <a:txBody>
+                    <a:bodyPr/>
+                    <a:lstStyle/>
+                    <a:p>
+                      <a:pPr marL="0" algn="l" defTabSz="914400" rtl="0" eaLnBrk="1" latinLnBrk="0" hangingPunct="1"/>
                       <a:endParaRPr lang="es-ES_tradnl" sz="1100" kern="1200" dirty="0">
                         <a:solidFill>
                           <a:schemeClr val="dk1"/>
@@ -5483,89 +5234,48 @@
                     <a:bodyPr/>
                     <a:lstStyle/>
                     <a:p>
-                      <a:pPr>
-                        <a:defRPr sz="800">
-                          <a:solidFill>
-                            <a:srgbClr val="0B0B0B"/>
-                          </a:solidFill>
-                          <a:latin typeface="Arial"/>
-                        </a:defRPr>
-                      </a:pPr>
-                      <a:endParaRPr lang="es-ES_tradnl" sz="1100" dirty="0">
-                        <a:latin typeface="Arial" charset="0"/>
-                        <a:ea typeface="Arial" charset="0"/>
-                        <a:cs typeface="Arial" charset="0"/>
-                      </a:endParaRPr>
-                    </a:p>
-                  </a:txBody>
-                  <a:tcPr marL="36000" marR="36000" marT="36000" marB="36000"/>
-                </a:tc>
-                <a:tc>
-                  <a:txBody>
-                    <a:bodyPr/>
-                    <a:lstStyle/>
-                    <a:p>
-                      <a:pPr>
-                        <a:defRPr sz="800">
-                          <a:solidFill>
-                            <a:srgbClr val="0B0B0B"/>
-                          </a:solidFill>
-                          <a:latin typeface="Arial"/>
-                        </a:defRPr>
-                      </a:pPr>
-                      <a:r>
-                        <a:t>Juárez</a:t>
-                      </a:r>
-                      <a:endParaRPr lang="es-ES_tradnl" sz="1100" dirty="0">
-                        <a:latin typeface="Arial" charset="0"/>
-                        <a:ea typeface="Arial" charset="0"/>
-                        <a:cs typeface="Arial" charset="0"/>
-                      </a:endParaRPr>
-                    </a:p>
-                  </a:txBody>
-                  <a:tcPr marL="36000" marR="36000" marT="36000" marB="36000"/>
-                </a:tc>
-                <a:tc>
-                  <a:txBody>
-                    <a:bodyPr/>
-                    <a:lstStyle/>
-                    <a:p>
-                      <a:pPr>
-                        <a:defRPr sz="800">
-                          <a:solidFill>
-                            <a:srgbClr val="0B0B0B"/>
-                          </a:solidFill>
-                          <a:latin typeface="Arial"/>
-                        </a:defRPr>
-                      </a:pPr>
-                      <a:r>
-                        <a:t>153.0</a:t>
-                      </a:r>
-                      <a:endParaRPr lang="es-ES_tradnl" sz="1100" dirty="0">
-                        <a:latin typeface="Arial" charset="0"/>
-                        <a:ea typeface="Arial" charset="0"/>
-                        <a:cs typeface="Arial" charset="0"/>
-                      </a:endParaRPr>
-                    </a:p>
-                  </a:txBody>
-                  <a:tcPr marL="36000" marR="36000" marT="36000" marB="36000"/>
-                </a:tc>
-                <a:tc>
-                  <a:txBody>
-                    <a:bodyPr/>
-                    <a:lstStyle/>
-                    <a:p>
-                      <a:pPr>
-                        <a:defRPr sz="800">
-                          <a:solidFill>
-                            <a:srgbClr val="0B0B0B"/>
-                          </a:solidFill>
-                          <a:latin typeface="Arial"/>
-                        </a:defRPr>
-                      </a:pPr>
-                      <a:r>
-                        <a:t>154.0</a:t>
-                      </a:r>
+                      <a:endParaRPr lang="es-ES_tradnl" sz="1100" dirty="0">
+                        <a:latin typeface="Arial" charset="0"/>
+                        <a:ea typeface="Arial" charset="0"/>
+                        <a:cs typeface="Arial" charset="0"/>
+                      </a:endParaRPr>
+                    </a:p>
+                  </a:txBody>
+                  <a:tcPr marL="36000" marR="36000" marT="36000" marB="36000"/>
+                </a:tc>
+                <a:tc>
+                  <a:txBody>
+                    <a:bodyPr/>
+                    <a:lstStyle/>
+                    <a:p>
+                      <a:endParaRPr lang="es-ES_tradnl" sz="1100" dirty="0">
+                        <a:latin typeface="Arial" charset="0"/>
+                        <a:ea typeface="Arial" charset="0"/>
+                        <a:cs typeface="Arial" charset="0"/>
+                      </a:endParaRPr>
+                    </a:p>
+                  </a:txBody>
+                  <a:tcPr marL="36000" marR="36000" marT="36000" marB="36000"/>
+                </a:tc>
+                <a:tc>
+                  <a:txBody>
+                    <a:bodyPr/>
+                    <a:lstStyle/>
+                    <a:p>
+                      <a:endParaRPr lang="es-ES_tradnl" sz="1100" dirty="0">
+                        <a:latin typeface="Arial" charset="0"/>
+                        <a:ea typeface="Arial" charset="0"/>
+                        <a:cs typeface="Arial" charset="0"/>
+                      </a:endParaRPr>
+                    </a:p>
+                  </a:txBody>
+                  <a:tcPr marL="36000" marR="36000" marT="36000" marB="36000"/>
+                </a:tc>
+                <a:tc>
+                  <a:txBody>
+                    <a:bodyPr/>
+                    <a:lstStyle/>
+                    <a:p>
                       <a:endParaRPr lang="es-ES_tradnl" sz="1100">
                         <a:latin typeface="Arial" charset="0"/>
                         <a:ea typeface="Arial" charset="0"/>
@@ -5580,17 +5290,6 @@
                     <a:bodyPr/>
                     <a:lstStyle/>
                     <a:p>
-                      <a:pPr>
-                        <a:defRPr sz="800">
-                          <a:solidFill>
-                            <a:srgbClr val="0B0B0B"/>
-                          </a:solidFill>
-                          <a:latin typeface="Arial"/>
-                        </a:defRPr>
-                      </a:pPr>
-                      <a:r>
-                        <a:t>0.0</a:t>
-                      </a:r>
                       <a:endParaRPr lang="es-ES_tradnl" sz="1100">
                         <a:latin typeface="Arial" charset="0"/>
                         <a:ea typeface="Arial" charset="0"/>
@@ -5605,42 +5304,20 @@
                     <a:bodyPr/>
                     <a:lstStyle/>
                     <a:p>
-                      <a:pPr>
-                        <a:defRPr sz="800">
-                          <a:solidFill>
-                            <a:srgbClr val="0B0B0B"/>
-                          </a:solidFill>
-                          <a:latin typeface="Arial"/>
-                        </a:defRPr>
-                      </a:pPr>
-                      <a:r>
-                        <a:t>0.0</a:t>
-                      </a:r>
-                      <a:endParaRPr lang="es-ES_tradnl" sz="1100" dirty="0">
-                        <a:latin typeface="Arial" charset="0"/>
-                        <a:ea typeface="Arial" charset="0"/>
-                        <a:cs typeface="Arial" charset="0"/>
-                      </a:endParaRPr>
-                    </a:p>
-                  </a:txBody>
-                  <a:tcPr marL="36000" marR="36000" marT="36000" marB="36000"/>
-                </a:tc>
-                <a:tc>
-                  <a:txBody>
-                    <a:bodyPr/>
-                    <a:lstStyle/>
-                    <a:p>
-                      <a:pPr>
-                        <a:defRPr sz="800">
-                          <a:solidFill>
-                            <a:srgbClr val="0B0B0B"/>
-                          </a:solidFill>
-                          <a:latin typeface="Arial"/>
-                        </a:defRPr>
-                      </a:pPr>
-                      <a:r>
-                        <a:t>0.0</a:t>
-                      </a:r>
+                      <a:endParaRPr lang="es-ES_tradnl" sz="1100" dirty="0">
+                        <a:latin typeface="Arial" charset="0"/>
+                        <a:ea typeface="Arial" charset="0"/>
+                        <a:cs typeface="Arial" charset="0"/>
+                      </a:endParaRPr>
+                    </a:p>
+                  </a:txBody>
+                  <a:tcPr marL="36000" marR="36000" marT="36000" marB="36000"/>
+                </a:tc>
+                <a:tc>
+                  <a:txBody>
+                    <a:bodyPr/>
+                    <a:lstStyle/>
+                    <a:p>
                       <a:endParaRPr lang="es-ES_tradnl" sz="1100">
                         <a:latin typeface="Arial" charset="0"/>
                         <a:ea typeface="Arial" charset="0"/>
@@ -5655,17 +5332,6 @@
                     <a:bodyPr/>
                     <a:lstStyle/>
                     <a:p>
-                      <a:pPr>
-                        <a:defRPr sz="800">
-                          <a:solidFill>
-                            <a:srgbClr val="0B0B0B"/>
-                          </a:solidFill>
-                          <a:latin typeface="Arial"/>
-                        </a:defRPr>
-                      </a:pPr>
-                      <a:r>
-                        <a:t>0.0</a:t>
-                      </a:r>
                       <a:endParaRPr lang="es-ES_tradnl" sz="1100">
                         <a:latin typeface="Arial" charset="0"/>
                         <a:ea typeface="Arial" charset="0"/>
@@ -5680,17 +5346,6 @@
                     <a:bodyPr/>
                     <a:lstStyle/>
                     <a:p>
-                      <a:pPr>
-                        <a:defRPr sz="800">
-                          <a:solidFill>
-                            <a:srgbClr val="0B0B0B"/>
-                          </a:solidFill>
-                          <a:latin typeface="Arial"/>
-                        </a:defRPr>
-                      </a:pPr>
-                      <a:r>
-                        <a:t>0.0</a:t>
-                      </a:r>
                       <a:endParaRPr lang="es-ES_tradnl" sz="1100">
                         <a:latin typeface="Arial" charset="0"/>
                         <a:ea typeface="Arial" charset="0"/>
@@ -5705,17 +5360,6 @@
                     <a:bodyPr/>
                     <a:lstStyle/>
                     <a:p>
-                      <a:pPr>
-                        <a:defRPr sz="800">
-                          <a:solidFill>
-                            <a:srgbClr val="0B0B0B"/>
-                          </a:solidFill>
-                          <a:latin typeface="Arial"/>
-                        </a:defRPr>
-                      </a:pPr>
-                      <a:r>
-                        <a:t>0.0</a:t>
-                      </a:r>
                       <a:endParaRPr lang="es-ES_tradnl" sz="1100">
                         <a:latin typeface="Arial" charset="0"/>
                         <a:ea typeface="Arial" charset="0"/>
@@ -5730,17 +5374,6 @@
                     <a:bodyPr/>
                     <a:lstStyle/>
                     <a:p>
-                      <a:pPr>
-                        <a:defRPr sz="800">
-                          <a:solidFill>
-                            <a:srgbClr val="0B0B0B"/>
-                          </a:solidFill>
-                          <a:latin typeface="Arial"/>
-                        </a:defRPr>
-                      </a:pPr>
-                      <a:r>
-                        <a:t>0.0</a:t>
-                      </a:r>
                       <a:endParaRPr lang="es-ES_tradnl" sz="1100">
                         <a:latin typeface="Arial" charset="0"/>
                         <a:ea typeface="Arial" charset="0"/>
@@ -5755,17 +5388,6 @@
                     <a:bodyPr/>
                     <a:lstStyle/>
                     <a:p>
-                      <a:pPr>
-                        <a:defRPr sz="800">
-                          <a:solidFill>
-                            <a:srgbClr val="0B0B0B"/>
-                          </a:solidFill>
-                          <a:latin typeface="Arial"/>
-                        </a:defRPr>
-                      </a:pPr>
-                      <a:r>
-                        <a:t>0.0</a:t>
-                      </a:r>
                       <a:endParaRPr lang="es-ES_tradnl" sz="1100">
                         <a:latin typeface="Arial" charset="0"/>
                         <a:ea typeface="Arial" charset="0"/>
@@ -5780,17 +5402,6 @@
                     <a:bodyPr/>
                     <a:lstStyle/>
                     <a:p>
-                      <a:pPr>
-                        <a:defRPr sz="800">
-                          <a:solidFill>
-                            <a:srgbClr val="0B0B0B"/>
-                          </a:solidFill>
-                          <a:latin typeface="Arial"/>
-                        </a:defRPr>
-                      </a:pPr>
-                      <a:r>
-                        <a:t>0.0</a:t>
-                      </a:r>
                       <a:endParaRPr lang="es-ES_tradnl" sz="1100">
                         <a:latin typeface="Arial" charset="0"/>
                         <a:ea typeface="Arial" charset="0"/>
@@ -5805,42 +5416,20 @@
                     <a:bodyPr/>
                     <a:lstStyle/>
                     <a:p>
-                      <a:pPr>
-                        <a:defRPr sz="800">
-                          <a:solidFill>
-                            <a:srgbClr val="0B0B0B"/>
-                          </a:solidFill>
-                          <a:latin typeface="Arial"/>
-                        </a:defRPr>
-                      </a:pPr>
-                      <a:r>
-                        <a:t>0.0</a:t>
-                      </a:r>
-                      <a:endParaRPr lang="es-ES_tradnl" sz="1100" dirty="0">
-                        <a:latin typeface="Arial" charset="0"/>
-                        <a:ea typeface="Arial" charset="0"/>
-                        <a:cs typeface="Arial" charset="0"/>
-                      </a:endParaRPr>
-                    </a:p>
-                  </a:txBody>
-                  <a:tcPr marL="36000" marR="36000" marT="36000" marB="36000"/>
-                </a:tc>
-                <a:tc>
-                  <a:txBody>
-                    <a:bodyPr/>
-                    <a:lstStyle/>
-                    <a:p>
-                      <a:pPr>
-                        <a:defRPr sz="800">
-                          <a:solidFill>
-                            <a:srgbClr val="0B0B0B"/>
-                          </a:solidFill>
-                          <a:latin typeface="Arial"/>
-                        </a:defRPr>
-                      </a:pPr>
-                      <a:r>
-                        <a:t>460.0</a:t>
-                      </a:r>
+                      <a:endParaRPr lang="es-ES_tradnl" sz="1100" dirty="0">
+                        <a:latin typeface="Arial" charset="0"/>
+                        <a:ea typeface="Arial" charset="0"/>
+                        <a:cs typeface="Arial" charset="0"/>
+                      </a:endParaRPr>
+                    </a:p>
+                  </a:txBody>
+                  <a:tcPr marL="36000" marR="36000" marT="36000" marB="36000"/>
+                </a:tc>
+                <a:tc>
+                  <a:txBody>
+                    <a:bodyPr/>
+                    <a:lstStyle/>
+                    <a:p>
                       <a:endParaRPr lang="es-ES_tradnl" sz="1100">
                         <a:latin typeface="Arial" charset="0"/>
                         <a:ea typeface="Arial" charset="0"/>
@@ -5855,17 +5444,6 @@
                     <a:bodyPr/>
                     <a:lstStyle/>
                     <a:p>
-                      <a:pPr>
-                        <a:defRPr sz="800">
-                          <a:solidFill>
-                            <a:srgbClr val="0B0B0B"/>
-                          </a:solidFill>
-                          <a:latin typeface="Arial"/>
-                        </a:defRPr>
-                      </a:pPr>
-                      <a:r>
-                        <a:t>12389640.0</a:t>
-                      </a:r>
                       <a:endParaRPr lang="es-ES_tradnl" sz="1100">
                         <a:latin typeface="Arial" charset="0"/>
                         <a:ea typeface="Arial" charset="0"/>

--- a/djangoISSSTE/static/ppt/ppt-generados/FichaTecnicaAvance_1.pptx
+++ b/djangoISSSTE/static/ppt/ppt-generados/FichaTecnicaAvance_1.pptx
@@ -580,7 +580,7 @@
           <a:p>
             <a:fld id="{02329761-4139-EC4D-8014-1F5D651A2AAB}" type="datetimeFigureOut">
               <a:rPr lang="es-ES_tradnl" smtClean="0"/>
-              <a:t>10/05/2016</a:t>
+              <a:t>16/05/2016</a:t>
             </a:fld>
             <a:endParaRPr lang="es-ES_tradnl"/>
           </a:p>
@@ -776,7 +776,7 @@
           <a:p>
             <a:fld id="{02329761-4139-EC4D-8014-1F5D651A2AAB}" type="datetimeFigureOut">
               <a:rPr lang="es-ES_tradnl" smtClean="0"/>
-              <a:t>10/05/2016</a:t>
+              <a:t>16/05/2016</a:t>
             </a:fld>
             <a:endParaRPr lang="es-ES_tradnl"/>
           </a:p>
@@ -1340,7 +1340,7 @@
           <a:p>
             <a:fld id="{02329761-4139-EC4D-8014-1F5D651A2AAB}" type="datetimeFigureOut">
               <a:rPr lang="es-ES_tradnl" smtClean="0"/>
-              <a:t>10/05/2016</a:t>
+              <a:t>16/05/2016</a:t>
             </a:fld>
             <a:endParaRPr lang="es-ES_tradnl"/>
           </a:p>
@@ -1588,7 +1588,7 @@
           <a:p>
             <a:fld id="{02329761-4139-EC4D-8014-1F5D651A2AAB}" type="datetimeFigureOut">
               <a:rPr lang="es-ES_tradnl" smtClean="0"/>
-              <a:t>10/05/2016</a:t>
+              <a:t>16/05/2016</a:t>
             </a:fld>
             <a:endParaRPr lang="es-ES_tradnl"/>
           </a:p>
@@ -1971,7 +1971,7 @@
           <a:p>
             <a:fld id="{02329761-4139-EC4D-8014-1F5D651A2AAB}" type="datetimeFigureOut">
               <a:rPr lang="es-ES_tradnl" smtClean="0"/>
-              <a:t>10/05/2016</a:t>
+              <a:t>16/05/2016</a:t>
             </a:fld>
             <a:endParaRPr lang="es-ES_tradnl"/>
           </a:p>
@@ -2105,7 +2105,7 @@
           <a:p>
             <a:fld id="{02329761-4139-EC4D-8014-1F5D651A2AAB}" type="datetimeFigureOut">
               <a:rPr lang="es-ES_tradnl" smtClean="0"/>
-              <a:t>10/05/2016</a:t>
+              <a:t>16/05/2016</a:t>
             </a:fld>
             <a:endParaRPr lang="es-ES_tradnl"/>
           </a:p>
@@ -2216,7 +2216,7 @@
           <a:p>
             <a:fld id="{02329761-4139-EC4D-8014-1F5D651A2AAB}" type="datetimeFigureOut">
               <a:rPr lang="es-ES_tradnl" smtClean="0"/>
-              <a:t>10/05/2016</a:t>
+              <a:t>16/05/2016</a:t>
             </a:fld>
             <a:endParaRPr lang="es-ES_tradnl"/>
           </a:p>
@@ -2509,7 +2509,7 @@
           <a:p>
             <a:fld id="{02329761-4139-EC4D-8014-1F5D651A2AAB}" type="datetimeFigureOut">
               <a:rPr lang="es-ES_tradnl" smtClean="0"/>
-              <a:t>10/05/2016</a:t>
+              <a:t>16/05/2016</a:t>
             </a:fld>
             <a:endParaRPr lang="es-ES_tradnl"/>
           </a:p>
@@ -2778,7 +2778,7 @@
           <a:p>
             <a:fld id="{02329761-4139-EC4D-8014-1F5D651A2AAB}" type="datetimeFigureOut">
               <a:rPr lang="es-ES_tradnl" smtClean="0"/>
-              <a:t>10/05/2016</a:t>
+              <a:t>16/05/2016</a:t>
             </a:fld>
             <a:endParaRPr lang="es-ES_tradnl"/>
           </a:p>
@@ -3665,6 +3665,17 @@
                     <a:bodyPr/>
                     <a:lstStyle/>
                     <a:p>
+                      <a:pPr>
+                        <a:defRPr sz="800">
+                          <a:solidFill>
+                            <a:srgbClr val="0B0B0B"/>
+                          </a:solidFill>
+                          <a:latin typeface="Arial"/>
+                        </a:defRPr>
+                      </a:pPr>
+                      <a:r>
+                        <a:t>Alimentación </a:t>
+                      </a:r>
                       <a:endParaRPr lang="es-ES_tradnl" sz="1100" b="0" dirty="0">
                         <a:solidFill>
                           <a:schemeClr val="tx1">
@@ -3779,6 +3790,17 @@
                     <a:bodyPr/>
                     <a:lstStyle/>
                     <a:p>
+                      <a:pPr>
+                        <a:defRPr sz="800">
+                          <a:solidFill>
+                            <a:srgbClr val="0B0B0B"/>
+                          </a:solidFill>
+                          <a:latin typeface="Arial"/>
+                        </a:defRPr>
+                      </a:pPr>
+                      <a:r>
+                        <a:t>Inseguridad alimentaria </a:t>
+                      </a:r>
                       <a:endParaRPr lang="es-ES_tradnl" sz="1100" b="0" dirty="0">
                         <a:solidFill>
                           <a:schemeClr val="tx1">
@@ -3907,6 +3929,17 @@
                     <a:bodyPr/>
                     <a:lstStyle/>
                     <a:p>
+                      <a:pPr>
+                        <a:defRPr sz="800">
+                          <a:solidFill>
+                            <a:srgbClr val="0B0B0B"/>
+                          </a:solidFill>
+                          <a:latin typeface="Arial"/>
+                        </a:defRPr>
+                      </a:pPr>
+                      <a:r>
+                        <a:t>Otorgar alimentos en guarderías infantiles ISSSTE y comunicarles que este apoyo les da a sus hijos acceso a una alimentación sana, variada y suficiente</a:t>
+                      </a:r>
                       <a:endParaRPr lang="es-ES_tradnl" sz="1100" b="0" dirty="0">
                         <a:solidFill>
                           <a:schemeClr val="tx1">
@@ -4039,6 +4072,17 @@
                     <a:bodyPr/>
                     <a:lstStyle/>
                     <a:p>
+                      <a:pPr>
+                        <a:defRPr sz="800">
+                          <a:solidFill>
+                            <a:srgbClr val="0B0B0B"/>
+                          </a:solidFill>
+                          <a:latin typeface="Arial"/>
+                        </a:defRPr>
+                      </a:pPr>
+                      <a:r>
+                        <a:t>No. De niños y niñas beneficiados</a:t>
+                      </a:r>
                       <a:endParaRPr lang="es-ES_tradnl" sz="1100" b="0" dirty="0">
                         <a:solidFill>
                           <a:schemeClr val="tx1">
@@ -4139,6 +4183,17 @@
                     <a:bodyPr/>
                     <a:lstStyle/>
                     <a:p>
+                      <a:pPr>
+                        <a:defRPr sz="800">
+                          <a:solidFill>
+                            <a:srgbClr val="0B0B0B"/>
+                          </a:solidFill>
+                          <a:latin typeface="Arial"/>
+                        </a:defRPr>
+                      </a:pPr>
+                      <a:r>
+                        <a:t>Responsable</a:t>
+                      </a:r>
                       <a:endParaRPr lang="es-ES_tradnl" sz="1100" b="0" dirty="0">
                         <a:solidFill>
                           <a:schemeClr val="tx1">
@@ -4253,6 +4308,17 @@
                     <a:bodyPr/>
                     <a:lstStyle/>
                     <a:p>
+                      <a:pPr>
+                        <a:defRPr sz="800">
+                          <a:solidFill>
+                            <a:srgbClr val="0B0B0B"/>
+                          </a:solidFill>
+                          <a:latin typeface="Arial"/>
+                        </a:defRPr>
+                      </a:pPr>
+                      <a:r>
+                        <a:t>2016</a:t>
+                      </a:r>
                       <a:endParaRPr lang="es-ES_tradnl" sz="1100" b="0" dirty="0">
                         <a:solidFill>
                           <a:schemeClr val="tx1">
@@ -4353,6 +4419,18 @@
                     <a:bodyPr/>
                     <a:lstStyle/>
                     <a:p>
+                      <a:pPr>
+                        <a:defRPr sz="800">
+                          <a:solidFill>
+                            <a:srgbClr val="0B0B0B"/>
+                          </a:solidFill>
+                          <a:latin typeface="Arial"/>
+                        </a:defRPr>
+                      </a:pPr>
+                      <a:r>
+                        <a:t>1/ Corresponde al total de las niñas y niños atendidos por mes, misma que incluye los movimientos naturales en la población, por lo que la cifra de niños atendidos por mes no puede acumularse.+2/ El monto reportado considera el costo de dos alimentos por niños por día durante el periodo enero-julio 2016.    </a:t>
+                      </a:r>
                       <a:endParaRPr lang="es-ES_tradnl" sz="1100" b="0" dirty="0">
                         <a:solidFill>
                           <a:schemeClr val="tx1">
@@ -5004,90 +5082,164 @@
                     <a:bodyPr/>
                     <a:lstStyle/>
                     <a:p>
-                      <a:endParaRPr lang="es-ES_tradnl" sz="1100" dirty="0">
-                        <a:latin typeface="Arial" charset="0"/>
-                        <a:ea typeface="Arial" charset="0"/>
-                        <a:cs typeface="Arial" charset="0"/>
-                      </a:endParaRPr>
-                    </a:p>
-                  </a:txBody>
-                  <a:tcPr marL="36000" marR="36000" marT="36000" marB="36000"/>
-                </a:tc>
-                <a:tc>
-                  <a:txBody>
-                    <a:bodyPr/>
-                    <a:lstStyle/>
-                    <a:p>
-                      <a:endParaRPr lang="es-ES_tradnl" sz="1100" dirty="0">
-                        <a:latin typeface="Arial" charset="0"/>
-                        <a:ea typeface="Arial" charset="0"/>
-                        <a:cs typeface="Arial" charset="0"/>
-                      </a:endParaRPr>
-                    </a:p>
-                  </a:txBody>
-                  <a:tcPr marL="36000" marR="36000" marT="36000" marB="36000"/>
-                </a:tc>
-                <a:tc>
-                  <a:txBody>
-                    <a:bodyPr/>
-                    <a:lstStyle/>
-                    <a:p>
-                      <a:endParaRPr lang="es-ES_tradnl" sz="1100" dirty="0">
-                        <a:latin typeface="Arial" charset="0"/>
-                        <a:ea typeface="Arial" charset="0"/>
-                        <a:cs typeface="Arial" charset="0"/>
-                      </a:endParaRPr>
-                    </a:p>
-                  </a:txBody>
-                  <a:tcPr marL="36000" marR="36000" marT="36000" marB="36000"/>
-                </a:tc>
-                <a:tc>
-                  <a:txBody>
-                    <a:bodyPr/>
-                    <a:lstStyle/>
-                    <a:p>
-                      <a:endParaRPr lang="es-ES_tradnl" sz="1100" dirty="0">
-                        <a:latin typeface="Arial" charset="0"/>
-                        <a:ea typeface="Arial" charset="0"/>
-                        <a:cs typeface="Arial" charset="0"/>
-                      </a:endParaRPr>
-                    </a:p>
-                  </a:txBody>
-                  <a:tcPr marL="36000" marR="36000" marT="36000" marB="36000"/>
-                </a:tc>
-                <a:tc>
-                  <a:txBody>
-                    <a:bodyPr/>
-                    <a:lstStyle/>
-                    <a:p>
-                      <a:endParaRPr lang="es-ES_tradnl" sz="1100" dirty="0">
-                        <a:latin typeface="Arial" charset="0"/>
-                        <a:ea typeface="Arial" charset="0"/>
-                        <a:cs typeface="Arial" charset="0"/>
-                      </a:endParaRPr>
-                    </a:p>
-                  </a:txBody>
-                  <a:tcPr marL="36000" marR="36000" marT="36000" marB="36000"/>
-                </a:tc>
-                <a:tc>
-                  <a:txBody>
-                    <a:bodyPr/>
-                    <a:lstStyle/>
-                    <a:p>
-                      <a:endParaRPr lang="es-ES_tradnl" sz="1100" dirty="0">
-                        <a:latin typeface="Arial" charset="0"/>
-                        <a:ea typeface="Arial" charset="0"/>
-                        <a:cs typeface="Arial" charset="0"/>
-                      </a:endParaRPr>
-                    </a:p>
-                  </a:txBody>
-                  <a:tcPr marL="36000" marR="36000" marT="36000" marB="36000"/>
-                </a:tc>
-                <a:tc>
-                  <a:txBody>
-                    <a:bodyPr/>
-                    <a:lstStyle/>
-                    <a:p>
+                      <a:pPr>
+                        <a:defRPr sz="800">
+                          <a:solidFill>
+                            <a:srgbClr val="0B0B0B"/>
+                          </a:solidFill>
+                          <a:latin typeface="Arial"/>
+                        </a:defRPr>
+                      </a:pPr>
+                      <a:endParaRPr lang="es-ES_tradnl" sz="1100" dirty="0">
+                        <a:latin typeface="Arial" charset="0"/>
+                        <a:ea typeface="Arial" charset="0"/>
+                        <a:cs typeface="Arial" charset="0"/>
+                      </a:endParaRPr>
+                    </a:p>
+                  </a:txBody>
+                  <a:tcPr marL="36000" marR="36000" marT="36000" marB="36000"/>
+                </a:tc>
+                <a:tc>
+                  <a:txBody>
+                    <a:bodyPr/>
+                    <a:lstStyle/>
+                    <a:p>
+                      <a:pPr>
+                        <a:defRPr sz="800">
+                          <a:solidFill>
+                            <a:srgbClr val="0B0B0B"/>
+                          </a:solidFill>
+                          <a:latin typeface="Arial"/>
+                        </a:defRPr>
+                      </a:pPr>
+                      <a:r>
+                        <a:t>Coyoacán</a:t>
+                      </a:r>
+                      <a:endParaRPr lang="es-ES_tradnl" sz="1100" dirty="0">
+                        <a:latin typeface="Arial" charset="0"/>
+                        <a:ea typeface="Arial" charset="0"/>
+                        <a:cs typeface="Arial" charset="0"/>
+                      </a:endParaRPr>
+                    </a:p>
+                  </a:txBody>
+                  <a:tcPr marL="36000" marR="36000" marT="36000" marB="36000"/>
+                </a:tc>
+                <a:tc>
+                  <a:txBody>
+                    <a:bodyPr/>
+                    <a:lstStyle/>
+                    <a:p>
+                      <a:pPr>
+                        <a:defRPr sz="800">
+                          <a:solidFill>
+                            <a:srgbClr val="0B0B0B"/>
+                          </a:solidFill>
+                          <a:latin typeface="Arial"/>
+                        </a:defRPr>
+                      </a:pPr>
+                      <a:r>
+                        <a:t>413.0</a:t>
+                      </a:r>
+                      <a:endParaRPr lang="es-ES_tradnl" sz="1100" dirty="0">
+                        <a:latin typeface="Arial" charset="0"/>
+                        <a:ea typeface="Arial" charset="0"/>
+                        <a:cs typeface="Arial" charset="0"/>
+                      </a:endParaRPr>
+                    </a:p>
+                  </a:txBody>
+                  <a:tcPr marL="36000" marR="36000" marT="36000" marB="36000"/>
+                </a:tc>
+                <a:tc>
+                  <a:txBody>
+                    <a:bodyPr/>
+                    <a:lstStyle/>
+                    <a:p>
+                      <a:pPr>
+                        <a:defRPr sz="800">
+                          <a:solidFill>
+                            <a:srgbClr val="0B0B0B"/>
+                          </a:solidFill>
+                          <a:latin typeface="Arial"/>
+                        </a:defRPr>
+                      </a:pPr>
+                      <a:r>
+                        <a:t>415.0</a:t>
+                      </a:r>
+                      <a:endParaRPr lang="es-ES_tradnl" sz="1100" dirty="0">
+                        <a:latin typeface="Arial" charset="0"/>
+                        <a:ea typeface="Arial" charset="0"/>
+                        <a:cs typeface="Arial" charset="0"/>
+                      </a:endParaRPr>
+                    </a:p>
+                  </a:txBody>
+                  <a:tcPr marL="36000" marR="36000" marT="36000" marB="36000"/>
+                </a:tc>
+                <a:tc>
+                  <a:txBody>
+                    <a:bodyPr/>
+                    <a:lstStyle/>
+                    <a:p>
+                      <a:pPr>
+                        <a:defRPr sz="800">
+                          <a:solidFill>
+                            <a:srgbClr val="0B0B0B"/>
+                          </a:solidFill>
+                          <a:latin typeface="Arial"/>
+                        </a:defRPr>
+                      </a:pPr>
+                      <a:r>
+                        <a:t>0.0</a:t>
+                      </a:r>
+                      <a:endParaRPr lang="es-ES_tradnl" sz="1100" dirty="0">
+                        <a:latin typeface="Arial" charset="0"/>
+                        <a:ea typeface="Arial" charset="0"/>
+                        <a:cs typeface="Arial" charset="0"/>
+                      </a:endParaRPr>
+                    </a:p>
+                  </a:txBody>
+                  <a:tcPr marL="36000" marR="36000" marT="36000" marB="36000"/>
+                </a:tc>
+                <a:tc>
+                  <a:txBody>
+                    <a:bodyPr/>
+                    <a:lstStyle/>
+                    <a:p>
+                      <a:pPr>
+                        <a:defRPr sz="800">
+                          <a:solidFill>
+                            <a:srgbClr val="0B0B0B"/>
+                          </a:solidFill>
+                          <a:latin typeface="Arial"/>
+                        </a:defRPr>
+                      </a:pPr>
+                      <a:r>
+                        <a:t>0.0</a:t>
+                      </a:r>
+                      <a:endParaRPr lang="es-ES_tradnl" sz="1100" dirty="0">
+                        <a:latin typeface="Arial" charset="0"/>
+                        <a:ea typeface="Arial" charset="0"/>
+                        <a:cs typeface="Arial" charset="0"/>
+                      </a:endParaRPr>
+                    </a:p>
+                  </a:txBody>
+                  <a:tcPr marL="36000" marR="36000" marT="36000" marB="36000"/>
+                </a:tc>
+                <a:tc>
+                  <a:txBody>
+                    <a:bodyPr/>
+                    <a:lstStyle/>
+                    <a:p>
+                      <a:pPr>
+                        <a:defRPr sz="800">
+                          <a:solidFill>
+                            <a:srgbClr val="0B0B0B"/>
+                          </a:solidFill>
+                          <a:latin typeface="Arial"/>
+                        </a:defRPr>
+                      </a:pPr>
+                      <a:r>
+                        <a:t>0.0</a:t>
+                      </a:r>
                       <a:endParaRPr lang="es-ES_tradnl" sz="1100">
                         <a:latin typeface="Arial" charset="0"/>
                         <a:ea typeface="Arial" charset="0"/>
@@ -5102,6 +5254,17 @@
                     <a:bodyPr/>
                     <a:lstStyle/>
                     <a:p>
+                      <a:pPr>
+                        <a:defRPr sz="800">
+                          <a:solidFill>
+                            <a:srgbClr val="0B0B0B"/>
+                          </a:solidFill>
+                          <a:latin typeface="Arial"/>
+                        </a:defRPr>
+                      </a:pPr>
+                      <a:r>
+                        <a:t>0.0</a:t>
+                      </a:r>
                       <a:endParaRPr lang="es-ES_tradnl" sz="1100">
                         <a:latin typeface="Arial" charset="0"/>
                         <a:ea typeface="Arial" charset="0"/>
@@ -5116,6 +5279,17 @@
                     <a:bodyPr/>
                     <a:lstStyle/>
                     <a:p>
+                      <a:pPr>
+                        <a:defRPr sz="800">
+                          <a:solidFill>
+                            <a:srgbClr val="0B0B0B"/>
+                          </a:solidFill>
+                          <a:latin typeface="Arial"/>
+                        </a:defRPr>
+                      </a:pPr>
+                      <a:r>
+                        <a:t>0.0</a:t>
+                      </a:r>
                       <a:endParaRPr lang="es-ES_tradnl" sz="1100">
                         <a:latin typeface="Arial" charset="0"/>
                         <a:ea typeface="Arial" charset="0"/>
@@ -5130,6 +5304,17 @@
                     <a:bodyPr/>
                     <a:lstStyle/>
                     <a:p>
+                      <a:pPr>
+                        <a:defRPr sz="800">
+                          <a:solidFill>
+                            <a:srgbClr val="0B0B0B"/>
+                          </a:solidFill>
+                          <a:latin typeface="Arial"/>
+                        </a:defRPr>
+                      </a:pPr>
+                      <a:r>
+                        <a:t>0.0</a:t>
+                      </a:r>
                       <a:endParaRPr lang="es-ES_tradnl" sz="1100">
                         <a:latin typeface="Arial" charset="0"/>
                         <a:ea typeface="Arial" charset="0"/>
@@ -5144,6 +5329,17 @@
                     <a:bodyPr/>
                     <a:lstStyle/>
                     <a:p>
+                      <a:pPr>
+                        <a:defRPr sz="800">
+                          <a:solidFill>
+                            <a:srgbClr val="0B0B0B"/>
+                          </a:solidFill>
+                          <a:latin typeface="Arial"/>
+                        </a:defRPr>
+                      </a:pPr>
+                      <a:r>
+                        <a:t>0.0</a:t>
+                      </a:r>
                       <a:endParaRPr lang="es-ES_tradnl" sz="1100">
                         <a:latin typeface="Arial" charset="0"/>
                         <a:ea typeface="Arial" charset="0"/>
@@ -5158,6 +5354,17 @@
                     <a:bodyPr/>
                     <a:lstStyle/>
                     <a:p>
+                      <a:pPr>
+                        <a:defRPr sz="800">
+                          <a:solidFill>
+                            <a:srgbClr val="0B0B0B"/>
+                          </a:solidFill>
+                          <a:latin typeface="Arial"/>
+                        </a:defRPr>
+                      </a:pPr>
+                      <a:r>
+                        <a:t>0.0</a:t>
+                      </a:r>
                       <a:endParaRPr lang="es-ES_tradnl" sz="1100">
                         <a:latin typeface="Arial" charset="0"/>
                         <a:ea typeface="Arial" charset="0"/>
@@ -5172,6 +5379,17 @@
                     <a:bodyPr/>
                     <a:lstStyle/>
                     <a:p>
+                      <a:pPr>
+                        <a:defRPr sz="800">
+                          <a:solidFill>
+                            <a:srgbClr val="0B0B0B"/>
+                          </a:solidFill>
+                          <a:latin typeface="Arial"/>
+                        </a:defRPr>
+                      </a:pPr>
+                      <a:r>
+                        <a:t>0.0</a:t>
+                      </a:r>
                       <a:endParaRPr lang="es-ES_tradnl" sz="1100">
                         <a:latin typeface="Arial" charset="0"/>
                         <a:ea typeface="Arial" charset="0"/>
@@ -5186,35 +5404,67 @@
                     <a:bodyPr/>
                     <a:lstStyle/>
                     <a:p>
-                      <a:endParaRPr lang="es-ES_tradnl" sz="1100" dirty="0">
-                        <a:latin typeface="Arial" charset="0"/>
-                        <a:ea typeface="Arial" charset="0"/>
-                        <a:cs typeface="Arial" charset="0"/>
-                      </a:endParaRPr>
-                    </a:p>
-                  </a:txBody>
-                  <a:tcPr marL="36000" marR="36000" marT="36000" marB="36000"/>
-                </a:tc>
-                <a:tc>
-                  <a:txBody>
-                    <a:bodyPr/>
-                    <a:lstStyle/>
-                    <a:p>
-                      <a:endParaRPr lang="es-ES_tradnl" sz="1100" dirty="0">
-                        <a:latin typeface="Arial" charset="0"/>
-                        <a:ea typeface="Arial" charset="0"/>
-                        <a:cs typeface="Arial" charset="0"/>
-                      </a:endParaRPr>
-                    </a:p>
-                  </a:txBody>
-                  <a:tcPr marL="36000" marR="36000" marT="36000" marB="36000"/>
-                </a:tc>
-                <a:tc>
-                  <a:txBody>
-                    <a:bodyPr/>
-                    <a:lstStyle/>
-                    <a:p>
-                      <a:pPr marL="0" algn="l" defTabSz="914400" rtl="0" eaLnBrk="1" latinLnBrk="0" hangingPunct="1"/>
+                      <a:pPr>
+                        <a:defRPr sz="800">
+                          <a:solidFill>
+                            <a:srgbClr val="0B0B0B"/>
+                          </a:solidFill>
+                          <a:latin typeface="Arial"/>
+                        </a:defRPr>
+                      </a:pPr>
+                      <a:r>
+                        <a:t>0.0</a:t>
+                      </a:r>
+                      <a:endParaRPr lang="es-ES_tradnl" sz="1100" dirty="0">
+                        <a:latin typeface="Arial" charset="0"/>
+                        <a:ea typeface="Arial" charset="0"/>
+                        <a:cs typeface="Arial" charset="0"/>
+                      </a:endParaRPr>
+                    </a:p>
+                  </a:txBody>
+                  <a:tcPr marL="36000" marR="36000" marT="36000" marB="36000"/>
+                </a:tc>
+                <a:tc>
+                  <a:txBody>
+                    <a:bodyPr/>
+                    <a:lstStyle/>
+                    <a:p>
+                      <a:pPr>
+                        <a:defRPr sz="800">
+                          <a:solidFill>
+                            <a:srgbClr val="0B0B0B"/>
+                          </a:solidFill>
+                          <a:latin typeface="Arial"/>
+                        </a:defRPr>
+                      </a:pPr>
+                      <a:r>
+                        <a:t>828.0</a:t>
+                      </a:r>
+                      <a:endParaRPr lang="es-ES_tradnl" sz="1100" dirty="0">
+                        <a:latin typeface="Arial" charset="0"/>
+                        <a:ea typeface="Arial" charset="0"/>
+                        <a:cs typeface="Arial" charset="0"/>
+                      </a:endParaRPr>
+                    </a:p>
+                  </a:txBody>
+                  <a:tcPr marL="36000" marR="36000" marT="36000" marB="36000"/>
+                </a:tc>
+                <a:tc>
+                  <a:txBody>
+                    <a:bodyPr/>
+                    <a:lstStyle/>
+                    <a:p>
+                      <a:pPr marL="0" algn="l" defTabSz="914400" rtl="0" eaLnBrk="1" latinLnBrk="0" hangingPunct="1">
+                        <a:defRPr sz="800">
+                          <a:solidFill>
+                            <a:srgbClr val="0B0B0B"/>
+                          </a:solidFill>
+                          <a:latin typeface="Arial"/>
+                        </a:defRPr>
+                      </a:pPr>
+                      <a:r>
+                        <a:t>734436.0</a:t>
+                      </a:r>
                       <a:endParaRPr lang="es-ES_tradnl" sz="1100" kern="1200" dirty="0">
                         <a:solidFill>
                           <a:schemeClr val="dk1"/>
@@ -5234,48 +5484,89 @@
                     <a:bodyPr/>
                     <a:lstStyle/>
                     <a:p>
-                      <a:endParaRPr lang="es-ES_tradnl" sz="1100" dirty="0">
-                        <a:latin typeface="Arial" charset="0"/>
-                        <a:ea typeface="Arial" charset="0"/>
-                        <a:cs typeface="Arial" charset="0"/>
-                      </a:endParaRPr>
-                    </a:p>
-                  </a:txBody>
-                  <a:tcPr marL="36000" marR="36000" marT="36000" marB="36000"/>
-                </a:tc>
-                <a:tc>
-                  <a:txBody>
-                    <a:bodyPr/>
-                    <a:lstStyle/>
-                    <a:p>
-                      <a:endParaRPr lang="es-ES_tradnl" sz="1100" dirty="0">
-                        <a:latin typeface="Arial" charset="0"/>
-                        <a:ea typeface="Arial" charset="0"/>
-                        <a:cs typeface="Arial" charset="0"/>
-                      </a:endParaRPr>
-                    </a:p>
-                  </a:txBody>
-                  <a:tcPr marL="36000" marR="36000" marT="36000" marB="36000"/>
-                </a:tc>
-                <a:tc>
-                  <a:txBody>
-                    <a:bodyPr/>
-                    <a:lstStyle/>
-                    <a:p>
-                      <a:endParaRPr lang="es-ES_tradnl" sz="1100" dirty="0">
-                        <a:latin typeface="Arial" charset="0"/>
-                        <a:ea typeface="Arial" charset="0"/>
-                        <a:cs typeface="Arial" charset="0"/>
-                      </a:endParaRPr>
-                    </a:p>
-                  </a:txBody>
-                  <a:tcPr marL="36000" marR="36000" marT="36000" marB="36000"/>
-                </a:tc>
-                <a:tc>
-                  <a:txBody>
-                    <a:bodyPr/>
-                    <a:lstStyle/>
-                    <a:p>
+                      <a:pPr>
+                        <a:defRPr sz="800">
+                          <a:solidFill>
+                            <a:srgbClr val="0B0B0B"/>
+                          </a:solidFill>
+                          <a:latin typeface="Arial"/>
+                        </a:defRPr>
+                      </a:pPr>
+                      <a:endParaRPr lang="es-ES_tradnl" sz="1100" dirty="0">
+                        <a:latin typeface="Arial" charset="0"/>
+                        <a:ea typeface="Arial" charset="0"/>
+                        <a:cs typeface="Arial" charset="0"/>
+                      </a:endParaRPr>
+                    </a:p>
+                  </a:txBody>
+                  <a:tcPr marL="36000" marR="36000" marT="36000" marB="36000"/>
+                </a:tc>
+                <a:tc>
+                  <a:txBody>
+                    <a:bodyPr/>
+                    <a:lstStyle/>
+                    <a:p>
+                      <a:pPr>
+                        <a:defRPr sz="800">
+                          <a:solidFill>
+                            <a:srgbClr val="0B0B0B"/>
+                          </a:solidFill>
+                          <a:latin typeface="Arial"/>
+                        </a:defRPr>
+                      </a:pPr>
+                      <a:r>
+                        <a:t>Gustavo A. Madero</a:t>
+                      </a:r>
+                      <a:endParaRPr lang="es-ES_tradnl" sz="1100" dirty="0">
+                        <a:latin typeface="Arial" charset="0"/>
+                        <a:ea typeface="Arial" charset="0"/>
+                        <a:cs typeface="Arial" charset="0"/>
+                      </a:endParaRPr>
+                    </a:p>
+                  </a:txBody>
+                  <a:tcPr marL="36000" marR="36000" marT="36000" marB="36000"/>
+                </a:tc>
+                <a:tc>
+                  <a:txBody>
+                    <a:bodyPr/>
+                    <a:lstStyle/>
+                    <a:p>
+                      <a:pPr>
+                        <a:defRPr sz="800">
+                          <a:solidFill>
+                            <a:srgbClr val="0B0B0B"/>
+                          </a:solidFill>
+                          <a:latin typeface="Arial"/>
+                        </a:defRPr>
+                      </a:pPr>
+                      <a:r>
+                        <a:t>601.0</a:t>
+                      </a:r>
+                      <a:endParaRPr lang="es-ES_tradnl" sz="1100" dirty="0">
+                        <a:latin typeface="Arial" charset="0"/>
+                        <a:ea typeface="Arial" charset="0"/>
+                        <a:cs typeface="Arial" charset="0"/>
+                      </a:endParaRPr>
+                    </a:p>
+                  </a:txBody>
+                  <a:tcPr marL="36000" marR="36000" marT="36000" marB="36000"/>
+                </a:tc>
+                <a:tc>
+                  <a:txBody>
+                    <a:bodyPr/>
+                    <a:lstStyle/>
+                    <a:p>
+                      <a:pPr>
+                        <a:defRPr sz="800">
+                          <a:solidFill>
+                            <a:srgbClr val="0B0B0B"/>
+                          </a:solidFill>
+                          <a:latin typeface="Arial"/>
+                        </a:defRPr>
+                      </a:pPr>
+                      <a:r>
+                        <a:t>615.0</a:t>
+                      </a:r>
                       <a:endParaRPr lang="es-ES_tradnl" sz="1100">
                         <a:latin typeface="Arial" charset="0"/>
                         <a:ea typeface="Arial" charset="0"/>
@@ -5290,6 +5581,17 @@
                     <a:bodyPr/>
                     <a:lstStyle/>
                     <a:p>
+                      <a:pPr>
+                        <a:defRPr sz="800">
+                          <a:solidFill>
+                            <a:srgbClr val="0B0B0B"/>
+                          </a:solidFill>
+                          <a:latin typeface="Arial"/>
+                        </a:defRPr>
+                      </a:pPr>
+                      <a:r>
+                        <a:t>0.0</a:t>
+                      </a:r>
                       <a:endParaRPr lang="es-ES_tradnl" sz="1100">
                         <a:latin typeface="Arial" charset="0"/>
                         <a:ea typeface="Arial" charset="0"/>
@@ -5304,20 +5606,42 @@
                     <a:bodyPr/>
                     <a:lstStyle/>
                     <a:p>
-                      <a:endParaRPr lang="es-ES_tradnl" sz="1100" dirty="0">
-                        <a:latin typeface="Arial" charset="0"/>
-                        <a:ea typeface="Arial" charset="0"/>
-                        <a:cs typeface="Arial" charset="0"/>
-                      </a:endParaRPr>
-                    </a:p>
-                  </a:txBody>
-                  <a:tcPr marL="36000" marR="36000" marT="36000" marB="36000"/>
-                </a:tc>
-                <a:tc>
-                  <a:txBody>
-                    <a:bodyPr/>
-                    <a:lstStyle/>
-                    <a:p>
+                      <a:pPr>
+                        <a:defRPr sz="800">
+                          <a:solidFill>
+                            <a:srgbClr val="0B0B0B"/>
+                          </a:solidFill>
+                          <a:latin typeface="Arial"/>
+                        </a:defRPr>
+                      </a:pPr>
+                      <a:r>
+                        <a:t>0.0</a:t>
+                      </a:r>
+                      <a:endParaRPr lang="es-ES_tradnl" sz="1100" dirty="0">
+                        <a:latin typeface="Arial" charset="0"/>
+                        <a:ea typeface="Arial" charset="0"/>
+                        <a:cs typeface="Arial" charset="0"/>
+                      </a:endParaRPr>
+                    </a:p>
+                  </a:txBody>
+                  <a:tcPr marL="36000" marR="36000" marT="36000" marB="36000"/>
+                </a:tc>
+                <a:tc>
+                  <a:txBody>
+                    <a:bodyPr/>
+                    <a:lstStyle/>
+                    <a:p>
+                      <a:pPr>
+                        <a:defRPr sz="800">
+                          <a:solidFill>
+                            <a:srgbClr val="0B0B0B"/>
+                          </a:solidFill>
+                          <a:latin typeface="Arial"/>
+                        </a:defRPr>
+                      </a:pPr>
+                      <a:r>
+                        <a:t>0.0</a:t>
+                      </a:r>
                       <a:endParaRPr lang="es-ES_tradnl" sz="1100">
                         <a:latin typeface="Arial" charset="0"/>
                         <a:ea typeface="Arial" charset="0"/>
@@ -5332,6 +5656,17 @@
                     <a:bodyPr/>
                     <a:lstStyle/>
                     <a:p>
+                      <a:pPr>
+                        <a:defRPr sz="800">
+                          <a:solidFill>
+                            <a:srgbClr val="0B0B0B"/>
+                          </a:solidFill>
+                          <a:latin typeface="Arial"/>
+                        </a:defRPr>
+                      </a:pPr>
+                      <a:r>
+                        <a:t>0.0</a:t>
+                      </a:r>
                       <a:endParaRPr lang="es-ES_tradnl" sz="1100">
                         <a:latin typeface="Arial" charset="0"/>
                         <a:ea typeface="Arial" charset="0"/>
@@ -5346,6 +5681,17 @@
                     <a:bodyPr/>
                     <a:lstStyle/>
                     <a:p>
+                      <a:pPr>
+                        <a:defRPr sz="800">
+                          <a:solidFill>
+                            <a:srgbClr val="0B0B0B"/>
+                          </a:solidFill>
+                          <a:latin typeface="Arial"/>
+                        </a:defRPr>
+                      </a:pPr>
+                      <a:r>
+                        <a:t>0.0</a:t>
+                      </a:r>
                       <a:endParaRPr lang="es-ES_tradnl" sz="1100">
                         <a:latin typeface="Arial" charset="0"/>
                         <a:ea typeface="Arial" charset="0"/>
@@ -5360,6 +5706,17 @@
                     <a:bodyPr/>
                     <a:lstStyle/>
                     <a:p>
+                      <a:pPr>
+                        <a:defRPr sz="800">
+                          <a:solidFill>
+                            <a:srgbClr val="0B0B0B"/>
+                          </a:solidFill>
+                          <a:latin typeface="Arial"/>
+                        </a:defRPr>
+                      </a:pPr>
+                      <a:r>
+                        <a:t>0.0</a:t>
+                      </a:r>
                       <a:endParaRPr lang="es-ES_tradnl" sz="1100">
                         <a:latin typeface="Arial" charset="0"/>
                         <a:ea typeface="Arial" charset="0"/>
@@ -5374,6 +5731,17 @@
                     <a:bodyPr/>
                     <a:lstStyle/>
                     <a:p>
+                      <a:pPr>
+                        <a:defRPr sz="800">
+                          <a:solidFill>
+                            <a:srgbClr val="0B0B0B"/>
+                          </a:solidFill>
+                          <a:latin typeface="Arial"/>
+                        </a:defRPr>
+                      </a:pPr>
+                      <a:r>
+                        <a:t>0.0</a:t>
+                      </a:r>
                       <a:endParaRPr lang="es-ES_tradnl" sz="1100">
                         <a:latin typeface="Arial" charset="0"/>
                         <a:ea typeface="Arial" charset="0"/>
@@ -5388,6 +5756,17 @@
                     <a:bodyPr/>
                     <a:lstStyle/>
                     <a:p>
+                      <a:pPr>
+                        <a:defRPr sz="800">
+                          <a:solidFill>
+                            <a:srgbClr val="0B0B0B"/>
+                          </a:solidFill>
+                          <a:latin typeface="Arial"/>
+                        </a:defRPr>
+                      </a:pPr>
+                      <a:r>
+                        <a:t>0.0</a:t>
+                      </a:r>
                       <a:endParaRPr lang="es-ES_tradnl" sz="1100">
                         <a:latin typeface="Arial" charset="0"/>
                         <a:ea typeface="Arial" charset="0"/>
@@ -5402,6 +5781,17 @@
                     <a:bodyPr/>
                     <a:lstStyle/>
                     <a:p>
+                      <a:pPr>
+                        <a:defRPr sz="800">
+                          <a:solidFill>
+                            <a:srgbClr val="0B0B0B"/>
+                          </a:solidFill>
+                          <a:latin typeface="Arial"/>
+                        </a:defRPr>
+                      </a:pPr>
+                      <a:r>
+                        <a:t>0.0</a:t>
+                      </a:r>
                       <a:endParaRPr lang="es-ES_tradnl" sz="1100">
                         <a:latin typeface="Arial" charset="0"/>
                         <a:ea typeface="Arial" charset="0"/>
@@ -5416,20 +5806,42 @@
                     <a:bodyPr/>
                     <a:lstStyle/>
                     <a:p>
-                      <a:endParaRPr lang="es-ES_tradnl" sz="1100" dirty="0">
-                        <a:latin typeface="Arial" charset="0"/>
-                        <a:ea typeface="Arial" charset="0"/>
-                        <a:cs typeface="Arial" charset="0"/>
-                      </a:endParaRPr>
-                    </a:p>
-                  </a:txBody>
-                  <a:tcPr marL="36000" marR="36000" marT="36000" marB="36000"/>
-                </a:tc>
-                <a:tc>
-                  <a:txBody>
-                    <a:bodyPr/>
-                    <a:lstStyle/>
-                    <a:p>
+                      <a:pPr>
+                        <a:defRPr sz="800">
+                          <a:solidFill>
+                            <a:srgbClr val="0B0B0B"/>
+                          </a:solidFill>
+                          <a:latin typeface="Arial"/>
+                        </a:defRPr>
+                      </a:pPr>
+                      <a:r>
+                        <a:t>0.0</a:t>
+                      </a:r>
+                      <a:endParaRPr lang="es-ES_tradnl" sz="1100" dirty="0">
+                        <a:latin typeface="Arial" charset="0"/>
+                        <a:ea typeface="Arial" charset="0"/>
+                        <a:cs typeface="Arial" charset="0"/>
+                      </a:endParaRPr>
+                    </a:p>
+                  </a:txBody>
+                  <a:tcPr marL="36000" marR="36000" marT="36000" marB="36000"/>
+                </a:tc>
+                <a:tc>
+                  <a:txBody>
+                    <a:bodyPr/>
+                    <a:lstStyle/>
+                    <a:p>
+                      <a:pPr>
+                        <a:defRPr sz="800">
+                          <a:solidFill>
+                            <a:srgbClr val="0B0B0B"/>
+                          </a:solidFill>
+                          <a:latin typeface="Arial"/>
+                        </a:defRPr>
+                      </a:pPr>
+                      <a:r>
+                        <a:t>1216.0</a:t>
+                      </a:r>
                       <a:endParaRPr lang="es-ES_tradnl" sz="1100">
                         <a:latin typeface="Arial" charset="0"/>
                         <a:ea typeface="Arial" charset="0"/>
@@ -5444,6 +5856,17 @@
                     <a:bodyPr/>
                     <a:lstStyle/>
                     <a:p>
+                      <a:pPr>
+                        <a:defRPr sz="800">
+                          <a:solidFill>
+                            <a:srgbClr val="0B0B0B"/>
+                          </a:solidFill>
+                          <a:latin typeface="Arial"/>
+                        </a:defRPr>
+                      </a:pPr>
+                      <a:r>
+                        <a:t>1078592.0</a:t>
+                      </a:r>
                       <a:endParaRPr lang="es-ES_tradnl" sz="1100">
                         <a:latin typeface="Arial" charset="0"/>
                         <a:ea typeface="Arial" charset="0"/>
@@ -5460,20 +5883,39 @@
                     <a:bodyPr/>
                     <a:lstStyle/>
                     <a:p>
-                      <a:endParaRPr lang="es-ES_tradnl" sz="1100" dirty="0">
-                        <a:latin typeface="Arial" charset="0"/>
-                        <a:ea typeface="Arial" charset="0"/>
-                        <a:cs typeface="Arial" charset="0"/>
-                      </a:endParaRPr>
-                    </a:p>
-                  </a:txBody>
-                  <a:tcPr marL="36000" marR="36000" marT="36000" marB="36000"/>
-                </a:tc>
-                <a:tc>
-                  <a:txBody>
-                    <a:bodyPr/>
-                    <a:lstStyle/>
-                    <a:p>
+                      <a:pPr>
+                        <a:defRPr sz="800">
+                          <a:solidFill>
+                            <a:srgbClr val="0B0B0B"/>
+                          </a:solidFill>
+                          <a:latin typeface="Arial"/>
+                        </a:defRPr>
+                      </a:pPr>
+                      <a:endParaRPr lang="es-ES_tradnl" sz="1100" dirty="0">
+                        <a:latin typeface="Arial" charset="0"/>
+                        <a:ea typeface="Arial" charset="0"/>
+                        <a:cs typeface="Arial" charset="0"/>
+                      </a:endParaRPr>
+                    </a:p>
+                  </a:txBody>
+                  <a:tcPr marL="36000" marR="36000" marT="36000" marB="36000"/>
+                </a:tc>
+                <a:tc>
+                  <a:txBody>
+                    <a:bodyPr/>
+                    <a:lstStyle/>
+                    <a:p>
+                      <a:pPr>
+                        <a:defRPr sz="800">
+                          <a:solidFill>
+                            <a:srgbClr val="0B0B0B"/>
+                          </a:solidFill>
+                          <a:latin typeface="Arial"/>
+                        </a:defRPr>
+                      </a:pPr>
+                      <a:r>
+                        <a:t>Iztacalco</a:t>
+                      </a:r>
                       <a:endParaRPr lang="es-ES_tradnl" sz="1100">
                         <a:latin typeface="Arial" charset="0"/>
                         <a:ea typeface="Arial" charset="0"/>
@@ -5488,6 +5930,17 @@
                     <a:bodyPr/>
                     <a:lstStyle/>
                     <a:p>
+                      <a:pPr>
+                        <a:defRPr sz="800">
+                          <a:solidFill>
+                            <a:srgbClr val="0B0B0B"/>
+                          </a:solidFill>
+                          <a:latin typeface="Arial"/>
+                        </a:defRPr>
+                      </a:pPr>
+                      <a:r>
+                        <a:t>111.0</a:t>
+                      </a:r>
                       <a:endParaRPr lang="es-ES_tradnl" sz="1100">
                         <a:latin typeface="Arial" charset="0"/>
                         <a:ea typeface="Arial" charset="0"/>
@@ -5502,20 +5955,42 @@
                     <a:bodyPr/>
                     <a:lstStyle/>
                     <a:p>
-                      <a:endParaRPr lang="es-ES_tradnl" sz="1100" dirty="0">
-                        <a:latin typeface="Arial" charset="0"/>
-                        <a:ea typeface="Arial" charset="0"/>
-                        <a:cs typeface="Arial" charset="0"/>
-                      </a:endParaRPr>
-                    </a:p>
-                  </a:txBody>
-                  <a:tcPr marL="36000" marR="36000" marT="36000" marB="36000"/>
-                </a:tc>
-                <a:tc>
-                  <a:txBody>
-                    <a:bodyPr/>
-                    <a:lstStyle/>
-                    <a:p>
+                      <a:pPr>
+                        <a:defRPr sz="800">
+                          <a:solidFill>
+                            <a:srgbClr val="0B0B0B"/>
+                          </a:solidFill>
+                          <a:latin typeface="Arial"/>
+                        </a:defRPr>
+                      </a:pPr>
+                      <a:r>
+                        <a:t>112.0</a:t>
+                      </a:r>
+                      <a:endParaRPr lang="es-ES_tradnl" sz="1100" dirty="0">
+                        <a:latin typeface="Arial" charset="0"/>
+                        <a:ea typeface="Arial" charset="0"/>
+                        <a:cs typeface="Arial" charset="0"/>
+                      </a:endParaRPr>
+                    </a:p>
+                  </a:txBody>
+                  <a:tcPr marL="36000" marR="36000" marT="36000" marB="36000"/>
+                </a:tc>
+                <a:tc>
+                  <a:txBody>
+                    <a:bodyPr/>
+                    <a:lstStyle/>
+                    <a:p>
+                      <a:pPr>
+                        <a:defRPr sz="800">
+                          <a:solidFill>
+                            <a:srgbClr val="0B0B0B"/>
+                          </a:solidFill>
+                          <a:latin typeface="Arial"/>
+                        </a:defRPr>
+                      </a:pPr>
+                      <a:r>
+                        <a:t>0.0</a:t>
+                      </a:r>
                       <a:endParaRPr lang="es-ES_tradnl" sz="1100">
                         <a:latin typeface="Arial" charset="0"/>
                         <a:ea typeface="Arial" charset="0"/>
@@ -5530,6 +6005,17 @@
                     <a:bodyPr/>
                     <a:lstStyle/>
                     <a:p>
+                      <a:pPr>
+                        <a:defRPr sz="800">
+                          <a:solidFill>
+                            <a:srgbClr val="0B0B0B"/>
+                          </a:solidFill>
+                          <a:latin typeface="Arial"/>
+                        </a:defRPr>
+                      </a:pPr>
+                      <a:r>
+                        <a:t>0.0</a:t>
+                      </a:r>
                       <a:endParaRPr lang="es-ES_tradnl" sz="1100">
                         <a:latin typeface="Arial" charset="0"/>
                         <a:ea typeface="Arial" charset="0"/>
@@ -5544,20 +6030,42 @@
                     <a:bodyPr/>
                     <a:lstStyle/>
                     <a:p>
-                      <a:endParaRPr lang="es-ES_tradnl" sz="1100" dirty="0">
-                        <a:latin typeface="Arial" charset="0"/>
-                        <a:ea typeface="Arial" charset="0"/>
-                        <a:cs typeface="Arial" charset="0"/>
-                      </a:endParaRPr>
-                    </a:p>
-                  </a:txBody>
-                  <a:tcPr marL="36000" marR="36000" marT="36000" marB="36000"/>
-                </a:tc>
-                <a:tc>
-                  <a:txBody>
-                    <a:bodyPr/>
-                    <a:lstStyle/>
-                    <a:p>
+                      <a:pPr>
+                        <a:defRPr sz="800">
+                          <a:solidFill>
+                            <a:srgbClr val="0B0B0B"/>
+                          </a:solidFill>
+                          <a:latin typeface="Arial"/>
+                        </a:defRPr>
+                      </a:pPr>
+                      <a:r>
+                        <a:t>0.0</a:t>
+                      </a:r>
+                      <a:endParaRPr lang="es-ES_tradnl" sz="1100" dirty="0">
+                        <a:latin typeface="Arial" charset="0"/>
+                        <a:ea typeface="Arial" charset="0"/>
+                        <a:cs typeface="Arial" charset="0"/>
+                      </a:endParaRPr>
+                    </a:p>
+                  </a:txBody>
+                  <a:tcPr marL="36000" marR="36000" marT="36000" marB="36000"/>
+                </a:tc>
+                <a:tc>
+                  <a:txBody>
+                    <a:bodyPr/>
+                    <a:lstStyle/>
+                    <a:p>
+                      <a:pPr>
+                        <a:defRPr sz="800">
+                          <a:solidFill>
+                            <a:srgbClr val="0B0B0B"/>
+                          </a:solidFill>
+                          <a:latin typeface="Arial"/>
+                        </a:defRPr>
+                      </a:pPr>
+                      <a:r>
+                        <a:t>0.0</a:t>
+                      </a:r>
                       <a:endParaRPr lang="es-ES_tradnl" sz="1100">
                         <a:latin typeface="Arial" charset="0"/>
                         <a:ea typeface="Arial" charset="0"/>
@@ -5572,20 +6080,42 @@
                     <a:bodyPr/>
                     <a:lstStyle/>
                     <a:p>
-                      <a:endParaRPr lang="es-ES_tradnl" sz="1100" dirty="0">
-                        <a:latin typeface="Arial" charset="0"/>
-                        <a:ea typeface="Arial" charset="0"/>
-                        <a:cs typeface="Arial" charset="0"/>
-                      </a:endParaRPr>
-                    </a:p>
-                  </a:txBody>
-                  <a:tcPr marL="36000" marR="36000" marT="36000" marB="36000"/>
-                </a:tc>
-                <a:tc>
-                  <a:txBody>
-                    <a:bodyPr/>
-                    <a:lstStyle/>
-                    <a:p>
+                      <a:pPr>
+                        <a:defRPr sz="800">
+                          <a:solidFill>
+                            <a:srgbClr val="0B0B0B"/>
+                          </a:solidFill>
+                          <a:latin typeface="Arial"/>
+                        </a:defRPr>
+                      </a:pPr>
+                      <a:r>
+                        <a:t>0.0</a:t>
+                      </a:r>
+                      <a:endParaRPr lang="es-ES_tradnl" sz="1100" dirty="0">
+                        <a:latin typeface="Arial" charset="0"/>
+                        <a:ea typeface="Arial" charset="0"/>
+                        <a:cs typeface="Arial" charset="0"/>
+                      </a:endParaRPr>
+                    </a:p>
+                  </a:txBody>
+                  <a:tcPr marL="36000" marR="36000" marT="36000" marB="36000"/>
+                </a:tc>
+                <a:tc>
+                  <a:txBody>
+                    <a:bodyPr/>
+                    <a:lstStyle/>
+                    <a:p>
+                      <a:pPr>
+                        <a:defRPr sz="800">
+                          <a:solidFill>
+                            <a:srgbClr val="0B0B0B"/>
+                          </a:solidFill>
+                          <a:latin typeface="Arial"/>
+                        </a:defRPr>
+                      </a:pPr>
+                      <a:r>
+                        <a:t>0.0</a:t>
+                      </a:r>
                       <a:endParaRPr lang="es-ES_tradnl" sz="1100">
                         <a:latin typeface="Arial" charset="0"/>
                         <a:ea typeface="Arial" charset="0"/>
@@ -5600,6 +6130,17 @@
                     <a:bodyPr/>
                     <a:lstStyle/>
                     <a:p>
+                      <a:pPr>
+                        <a:defRPr sz="800">
+                          <a:solidFill>
+                            <a:srgbClr val="0B0B0B"/>
+                          </a:solidFill>
+                          <a:latin typeface="Arial"/>
+                        </a:defRPr>
+                      </a:pPr>
+                      <a:r>
+                        <a:t>0.0</a:t>
+                      </a:r>
                       <a:endParaRPr lang="es-ES_tradnl" sz="1100">
                         <a:latin typeface="Arial" charset="0"/>
                         <a:ea typeface="Arial" charset="0"/>
@@ -5614,6 +6155,17 @@
                     <a:bodyPr/>
                     <a:lstStyle/>
                     <a:p>
+                      <a:pPr>
+                        <a:defRPr sz="800">
+                          <a:solidFill>
+                            <a:srgbClr val="0B0B0B"/>
+                          </a:solidFill>
+                          <a:latin typeface="Arial"/>
+                        </a:defRPr>
+                      </a:pPr>
+                      <a:r>
+                        <a:t>0.0</a:t>
+                      </a:r>
                       <a:endParaRPr lang="es-ES_tradnl" sz="1100">
                         <a:latin typeface="Arial" charset="0"/>
                         <a:ea typeface="Arial" charset="0"/>
@@ -5628,6 +6180,17 @@
                     <a:bodyPr/>
                     <a:lstStyle/>
                     <a:p>
+                      <a:pPr>
+                        <a:defRPr sz="800">
+                          <a:solidFill>
+                            <a:srgbClr val="0B0B0B"/>
+                          </a:solidFill>
+                          <a:latin typeface="Arial"/>
+                        </a:defRPr>
+                      </a:pPr>
+                      <a:r>
+                        <a:t>0.0</a:t>
+                      </a:r>
                       <a:endParaRPr lang="es-ES_tradnl" sz="1100">
                         <a:latin typeface="Arial" charset="0"/>
                         <a:ea typeface="Arial" charset="0"/>
@@ -5642,34 +6205,67 @@
                     <a:bodyPr/>
                     <a:lstStyle/>
                     <a:p>
-                      <a:endParaRPr lang="es-ES_tradnl" sz="1100" dirty="0">
-                        <a:latin typeface="Arial" charset="0"/>
-                        <a:ea typeface="Arial" charset="0"/>
-                        <a:cs typeface="Arial" charset="0"/>
-                      </a:endParaRPr>
-                    </a:p>
-                  </a:txBody>
-                  <a:tcPr marL="36000" marR="36000" marT="36000" marB="36000"/>
-                </a:tc>
-                <a:tc>
-                  <a:txBody>
-                    <a:bodyPr/>
-                    <a:lstStyle/>
-                    <a:p>
-                      <a:endParaRPr lang="es-ES_tradnl" sz="1100" dirty="0">
-                        <a:latin typeface="Arial" charset="0"/>
-                        <a:ea typeface="Arial" charset="0"/>
-                        <a:cs typeface="Arial" charset="0"/>
-                      </a:endParaRPr>
-                    </a:p>
-                  </a:txBody>
-                  <a:tcPr marL="36000" marR="36000" marT="36000" marB="36000"/>
-                </a:tc>
-                <a:tc>
-                  <a:txBody>
-                    <a:bodyPr/>
-                    <a:lstStyle/>
-                    <a:p>
+                      <a:pPr>
+                        <a:defRPr sz="800">
+                          <a:solidFill>
+                            <a:srgbClr val="0B0B0B"/>
+                          </a:solidFill>
+                          <a:latin typeface="Arial"/>
+                        </a:defRPr>
+                      </a:pPr>
+                      <a:r>
+                        <a:t>0.0</a:t>
+                      </a:r>
+                      <a:endParaRPr lang="es-ES_tradnl" sz="1100" dirty="0">
+                        <a:latin typeface="Arial" charset="0"/>
+                        <a:ea typeface="Arial" charset="0"/>
+                        <a:cs typeface="Arial" charset="0"/>
+                      </a:endParaRPr>
+                    </a:p>
+                  </a:txBody>
+                  <a:tcPr marL="36000" marR="36000" marT="36000" marB="36000"/>
+                </a:tc>
+                <a:tc>
+                  <a:txBody>
+                    <a:bodyPr/>
+                    <a:lstStyle/>
+                    <a:p>
+                      <a:pPr>
+                        <a:defRPr sz="800">
+                          <a:solidFill>
+                            <a:srgbClr val="0B0B0B"/>
+                          </a:solidFill>
+                          <a:latin typeface="Arial"/>
+                        </a:defRPr>
+                      </a:pPr>
+                      <a:r>
+                        <a:t>223.0</a:t>
+                      </a:r>
+                      <a:endParaRPr lang="es-ES_tradnl" sz="1100" dirty="0">
+                        <a:latin typeface="Arial" charset="0"/>
+                        <a:ea typeface="Arial" charset="0"/>
+                        <a:cs typeface="Arial" charset="0"/>
+                      </a:endParaRPr>
+                    </a:p>
+                  </a:txBody>
+                  <a:tcPr marL="36000" marR="36000" marT="36000" marB="36000"/>
+                </a:tc>
+                <a:tc>
+                  <a:txBody>
+                    <a:bodyPr/>
+                    <a:lstStyle/>
+                    <a:p>
+                      <a:pPr>
+                        <a:defRPr sz="800">
+                          <a:solidFill>
+                            <a:srgbClr val="0B0B0B"/>
+                          </a:solidFill>
+                          <a:latin typeface="Arial"/>
+                        </a:defRPr>
+                      </a:pPr>
+                      <a:r>
+                        <a:t>197801.0</a:t>
+                      </a:r>
                       <a:endParaRPr lang="es-ES_tradnl" sz="1100">
                         <a:latin typeface="Arial" charset="0"/>
                         <a:ea typeface="Arial" charset="0"/>
@@ -5686,20 +6282,39 @@
                     <a:bodyPr/>
                     <a:lstStyle/>
                     <a:p>
-                      <a:endParaRPr lang="es-ES_tradnl" sz="1100" dirty="0">
-                        <a:latin typeface="Arial" charset="0"/>
-                        <a:ea typeface="Arial" charset="0"/>
-                        <a:cs typeface="Arial" charset="0"/>
-                      </a:endParaRPr>
-                    </a:p>
-                  </a:txBody>
-                  <a:tcPr marL="36000" marR="36000" marT="36000" marB="36000"/>
-                </a:tc>
-                <a:tc>
-                  <a:txBody>
-                    <a:bodyPr/>
-                    <a:lstStyle/>
-                    <a:p>
+                      <a:pPr>
+                        <a:defRPr sz="800">
+                          <a:solidFill>
+                            <a:srgbClr val="0B0B0B"/>
+                          </a:solidFill>
+                          <a:latin typeface="Arial"/>
+                        </a:defRPr>
+                      </a:pPr>
+                      <a:endParaRPr lang="es-ES_tradnl" sz="1100" dirty="0">
+                        <a:latin typeface="Arial" charset="0"/>
+                        <a:ea typeface="Arial" charset="0"/>
+                        <a:cs typeface="Arial" charset="0"/>
+                      </a:endParaRPr>
+                    </a:p>
+                  </a:txBody>
+                  <a:tcPr marL="36000" marR="36000" marT="36000" marB="36000"/>
+                </a:tc>
+                <a:tc>
+                  <a:txBody>
+                    <a:bodyPr/>
+                    <a:lstStyle/>
+                    <a:p>
+                      <a:pPr>
+                        <a:defRPr sz="800">
+                          <a:solidFill>
+                            <a:srgbClr val="0B0B0B"/>
+                          </a:solidFill>
+                          <a:latin typeface="Arial"/>
+                        </a:defRPr>
+                      </a:pPr>
+                      <a:r>
+                        <a:t>Iztapalapa</a:t>
+                      </a:r>
                       <a:endParaRPr lang="es-ES_tradnl" sz="1100">
                         <a:latin typeface="Arial" charset="0"/>
                         <a:ea typeface="Arial" charset="0"/>
@@ -5714,6 +6329,17 @@
                     <a:bodyPr/>
                     <a:lstStyle/>
                     <a:p>
+                      <a:pPr>
+                        <a:defRPr sz="800">
+                          <a:solidFill>
+                            <a:srgbClr val="0B0B0B"/>
+                          </a:solidFill>
+                          <a:latin typeface="Arial"/>
+                        </a:defRPr>
+                      </a:pPr>
+                      <a:r>
+                        <a:t>443.0</a:t>
+                      </a:r>
                       <a:endParaRPr lang="es-ES_tradnl" sz="1100">
                         <a:latin typeface="Arial" charset="0"/>
                         <a:ea typeface="Arial" charset="0"/>
@@ -5728,34 +6354,67 @@
                     <a:bodyPr/>
                     <a:lstStyle/>
                     <a:p>
-                      <a:endParaRPr lang="es-ES_tradnl" sz="1100" dirty="0">
-                        <a:latin typeface="Arial" charset="0"/>
-                        <a:ea typeface="Arial" charset="0"/>
-                        <a:cs typeface="Arial" charset="0"/>
-                      </a:endParaRPr>
-                    </a:p>
-                  </a:txBody>
-                  <a:tcPr marL="36000" marR="36000" marT="36000" marB="36000"/>
-                </a:tc>
-                <a:tc>
-                  <a:txBody>
-                    <a:bodyPr/>
-                    <a:lstStyle/>
-                    <a:p>
-                      <a:endParaRPr lang="es-ES_tradnl" sz="1100" dirty="0">
-                        <a:latin typeface="Arial" charset="0"/>
-                        <a:ea typeface="Arial" charset="0"/>
-                        <a:cs typeface="Arial" charset="0"/>
-                      </a:endParaRPr>
-                    </a:p>
-                  </a:txBody>
-                  <a:tcPr marL="36000" marR="36000" marT="36000" marB="36000"/>
-                </a:tc>
-                <a:tc>
-                  <a:txBody>
-                    <a:bodyPr/>
-                    <a:lstStyle/>
-                    <a:p>
+                      <a:pPr>
+                        <a:defRPr sz="800">
+                          <a:solidFill>
+                            <a:srgbClr val="0B0B0B"/>
+                          </a:solidFill>
+                          <a:latin typeface="Arial"/>
+                        </a:defRPr>
+                      </a:pPr>
+                      <a:r>
+                        <a:t>450.0</a:t>
+                      </a:r>
+                      <a:endParaRPr lang="es-ES_tradnl" sz="1100" dirty="0">
+                        <a:latin typeface="Arial" charset="0"/>
+                        <a:ea typeface="Arial" charset="0"/>
+                        <a:cs typeface="Arial" charset="0"/>
+                      </a:endParaRPr>
+                    </a:p>
+                  </a:txBody>
+                  <a:tcPr marL="36000" marR="36000" marT="36000" marB="36000"/>
+                </a:tc>
+                <a:tc>
+                  <a:txBody>
+                    <a:bodyPr/>
+                    <a:lstStyle/>
+                    <a:p>
+                      <a:pPr>
+                        <a:defRPr sz="800">
+                          <a:solidFill>
+                            <a:srgbClr val="0B0B0B"/>
+                          </a:solidFill>
+                          <a:latin typeface="Arial"/>
+                        </a:defRPr>
+                      </a:pPr>
+                      <a:r>
+                        <a:t>0.0</a:t>
+                      </a:r>
+                      <a:endParaRPr lang="es-ES_tradnl" sz="1100" dirty="0">
+                        <a:latin typeface="Arial" charset="0"/>
+                        <a:ea typeface="Arial" charset="0"/>
+                        <a:cs typeface="Arial" charset="0"/>
+                      </a:endParaRPr>
+                    </a:p>
+                  </a:txBody>
+                  <a:tcPr marL="36000" marR="36000" marT="36000" marB="36000"/>
+                </a:tc>
+                <a:tc>
+                  <a:txBody>
+                    <a:bodyPr/>
+                    <a:lstStyle/>
+                    <a:p>
+                      <a:pPr>
+                        <a:defRPr sz="800">
+                          <a:solidFill>
+                            <a:srgbClr val="0B0B0B"/>
+                          </a:solidFill>
+                          <a:latin typeface="Arial"/>
+                        </a:defRPr>
+                      </a:pPr>
+                      <a:r>
+                        <a:t>0.0</a:t>
+                      </a:r>
                       <a:endParaRPr lang="es-ES_tradnl" sz="1100">
                         <a:latin typeface="Arial" charset="0"/>
                         <a:ea typeface="Arial" charset="0"/>
@@ -5770,6 +6429,17 @@
                     <a:bodyPr/>
                     <a:lstStyle/>
                     <a:p>
+                      <a:pPr>
+                        <a:defRPr sz="800">
+                          <a:solidFill>
+                            <a:srgbClr val="0B0B0B"/>
+                          </a:solidFill>
+                          <a:latin typeface="Arial"/>
+                        </a:defRPr>
+                      </a:pPr>
+                      <a:r>
+                        <a:t>0.0</a:t>
+                      </a:r>
                       <a:endParaRPr lang="es-ES_tradnl" sz="1100">
                         <a:latin typeface="Arial" charset="0"/>
                         <a:ea typeface="Arial" charset="0"/>
@@ -5784,20 +6454,42 @@
                     <a:bodyPr/>
                     <a:lstStyle/>
                     <a:p>
-                      <a:endParaRPr lang="es-ES_tradnl" sz="1100" dirty="0">
-                        <a:latin typeface="Arial" charset="0"/>
-                        <a:ea typeface="Arial" charset="0"/>
-                        <a:cs typeface="Arial" charset="0"/>
-                      </a:endParaRPr>
-                    </a:p>
-                  </a:txBody>
-                  <a:tcPr marL="36000" marR="36000" marT="36000" marB="36000"/>
-                </a:tc>
-                <a:tc>
-                  <a:txBody>
-                    <a:bodyPr/>
-                    <a:lstStyle/>
-                    <a:p>
+                      <a:pPr>
+                        <a:defRPr sz="800">
+                          <a:solidFill>
+                            <a:srgbClr val="0B0B0B"/>
+                          </a:solidFill>
+                          <a:latin typeface="Arial"/>
+                        </a:defRPr>
+                      </a:pPr>
+                      <a:r>
+                        <a:t>0.0</a:t>
+                      </a:r>
+                      <a:endParaRPr lang="es-ES_tradnl" sz="1100" dirty="0">
+                        <a:latin typeface="Arial" charset="0"/>
+                        <a:ea typeface="Arial" charset="0"/>
+                        <a:cs typeface="Arial" charset="0"/>
+                      </a:endParaRPr>
+                    </a:p>
+                  </a:txBody>
+                  <a:tcPr marL="36000" marR="36000" marT="36000" marB="36000"/>
+                </a:tc>
+                <a:tc>
+                  <a:txBody>
+                    <a:bodyPr/>
+                    <a:lstStyle/>
+                    <a:p>
+                      <a:pPr>
+                        <a:defRPr sz="800">
+                          <a:solidFill>
+                            <a:srgbClr val="0B0B0B"/>
+                          </a:solidFill>
+                          <a:latin typeface="Arial"/>
+                        </a:defRPr>
+                      </a:pPr>
+                      <a:r>
+                        <a:t>0.0</a:t>
+                      </a:r>
                       <a:endParaRPr lang="es-ES_tradnl" sz="1100">
                         <a:latin typeface="Arial" charset="0"/>
                         <a:ea typeface="Arial" charset="0"/>
@@ -5812,6 +6504,17 @@
                     <a:bodyPr/>
                     <a:lstStyle/>
                     <a:p>
+                      <a:pPr>
+                        <a:defRPr sz="800">
+                          <a:solidFill>
+                            <a:srgbClr val="0B0B0B"/>
+                          </a:solidFill>
+                          <a:latin typeface="Arial"/>
+                        </a:defRPr>
+                      </a:pPr>
+                      <a:r>
+                        <a:t>0.0</a:t>
+                      </a:r>
                       <a:endParaRPr lang="es-ES_tradnl" sz="1100">
                         <a:latin typeface="Arial" charset="0"/>
                         <a:ea typeface="Arial" charset="0"/>
@@ -5826,6 +6529,17 @@
                     <a:bodyPr/>
                     <a:lstStyle/>
                     <a:p>
+                      <a:pPr>
+                        <a:defRPr sz="800">
+                          <a:solidFill>
+                            <a:srgbClr val="0B0B0B"/>
+                          </a:solidFill>
+                          <a:latin typeface="Arial"/>
+                        </a:defRPr>
+                      </a:pPr>
+                      <a:r>
+                        <a:t>0.0</a:t>
+                      </a:r>
                       <a:endParaRPr lang="es-ES_tradnl" sz="1100">
                         <a:latin typeface="Arial" charset="0"/>
                         <a:ea typeface="Arial" charset="0"/>
@@ -5840,6 +6554,17 @@
                     <a:bodyPr/>
                     <a:lstStyle/>
                     <a:p>
+                      <a:pPr>
+                        <a:defRPr sz="800">
+                          <a:solidFill>
+                            <a:srgbClr val="0B0B0B"/>
+                          </a:solidFill>
+                          <a:latin typeface="Arial"/>
+                        </a:defRPr>
+                      </a:pPr>
+                      <a:r>
+                        <a:t>0.0</a:t>
+                      </a:r>
                       <a:endParaRPr lang="es-ES_tradnl" sz="1100">
                         <a:latin typeface="Arial" charset="0"/>
                         <a:ea typeface="Arial" charset="0"/>
@@ -5854,6 +6579,17 @@
                     <a:bodyPr/>
                     <a:lstStyle/>
                     <a:p>
+                      <a:pPr>
+                        <a:defRPr sz="800">
+                          <a:solidFill>
+                            <a:srgbClr val="0B0B0B"/>
+                          </a:solidFill>
+                          <a:latin typeface="Arial"/>
+                        </a:defRPr>
+                      </a:pPr>
+                      <a:r>
+                        <a:t>0.0</a:t>
+                      </a:r>
                       <a:endParaRPr lang="es-ES_tradnl" sz="1100">
                         <a:latin typeface="Arial" charset="0"/>
                         <a:ea typeface="Arial" charset="0"/>
@@ -5868,20 +6604,42 @@
                     <a:bodyPr/>
                     <a:lstStyle/>
                     <a:p>
-                      <a:endParaRPr lang="es-ES_tradnl" sz="1100" dirty="0">
-                        <a:latin typeface="Arial" charset="0"/>
-                        <a:ea typeface="Arial" charset="0"/>
-                        <a:cs typeface="Arial" charset="0"/>
-                      </a:endParaRPr>
-                    </a:p>
-                  </a:txBody>
-                  <a:tcPr marL="36000" marR="36000" marT="36000" marB="36000"/>
-                </a:tc>
-                <a:tc>
-                  <a:txBody>
-                    <a:bodyPr/>
-                    <a:lstStyle/>
-                    <a:p>
+                      <a:pPr>
+                        <a:defRPr sz="800">
+                          <a:solidFill>
+                            <a:srgbClr val="0B0B0B"/>
+                          </a:solidFill>
+                          <a:latin typeface="Arial"/>
+                        </a:defRPr>
+                      </a:pPr>
+                      <a:r>
+                        <a:t>0.0</a:t>
+                      </a:r>
+                      <a:endParaRPr lang="es-ES_tradnl" sz="1100" dirty="0">
+                        <a:latin typeface="Arial" charset="0"/>
+                        <a:ea typeface="Arial" charset="0"/>
+                        <a:cs typeface="Arial" charset="0"/>
+                      </a:endParaRPr>
+                    </a:p>
+                  </a:txBody>
+                  <a:tcPr marL="36000" marR="36000" marT="36000" marB="36000"/>
+                </a:tc>
+                <a:tc>
+                  <a:txBody>
+                    <a:bodyPr/>
+                    <a:lstStyle/>
+                    <a:p>
+                      <a:pPr>
+                        <a:defRPr sz="800">
+                          <a:solidFill>
+                            <a:srgbClr val="0B0B0B"/>
+                          </a:solidFill>
+                          <a:latin typeface="Arial"/>
+                        </a:defRPr>
+                      </a:pPr>
+                      <a:r>
+                        <a:t>893.0</a:t>
+                      </a:r>
                       <a:endParaRPr lang="es-ES_tradnl" sz="1100">
                         <a:latin typeface="Arial" charset="0"/>
                         <a:ea typeface="Arial" charset="0"/>
@@ -5896,6 +6654,17 @@
                     <a:bodyPr/>
                     <a:lstStyle/>
                     <a:p>
+                      <a:pPr>
+                        <a:defRPr sz="800">
+                          <a:solidFill>
+                            <a:srgbClr val="0B0B0B"/>
+                          </a:solidFill>
+                          <a:latin typeface="Arial"/>
+                        </a:defRPr>
+                      </a:pPr>
+                      <a:r>
+                        <a:t>792091.0</a:t>
+                      </a:r>
                       <a:endParaRPr lang="es-ES_tradnl" sz="1100">
                         <a:latin typeface="Arial" charset="0"/>
                         <a:ea typeface="Arial" charset="0"/>
@@ -5912,20 +6681,39 @@
                     <a:bodyPr/>
                     <a:lstStyle/>
                     <a:p>
-                      <a:endParaRPr lang="es-ES_tradnl" sz="1100" dirty="0">
-                        <a:latin typeface="Arial" charset="0"/>
-                        <a:ea typeface="Arial" charset="0"/>
-                        <a:cs typeface="Arial" charset="0"/>
-                      </a:endParaRPr>
-                    </a:p>
-                  </a:txBody>
-                  <a:tcPr marL="36000" marR="36000" marT="36000" marB="36000"/>
-                </a:tc>
-                <a:tc>
-                  <a:txBody>
-                    <a:bodyPr/>
-                    <a:lstStyle/>
-                    <a:p>
+                      <a:pPr>
+                        <a:defRPr sz="800">
+                          <a:solidFill>
+                            <a:srgbClr val="0B0B0B"/>
+                          </a:solidFill>
+                          <a:latin typeface="Arial"/>
+                        </a:defRPr>
+                      </a:pPr>
+                      <a:endParaRPr lang="es-ES_tradnl" sz="1100" dirty="0">
+                        <a:latin typeface="Arial" charset="0"/>
+                        <a:ea typeface="Arial" charset="0"/>
+                        <a:cs typeface="Arial" charset="0"/>
+                      </a:endParaRPr>
+                    </a:p>
+                  </a:txBody>
+                  <a:tcPr marL="36000" marR="36000" marT="36000" marB="36000"/>
+                </a:tc>
+                <a:tc>
+                  <a:txBody>
+                    <a:bodyPr/>
+                    <a:lstStyle/>
+                    <a:p>
+                      <a:pPr>
+                        <a:defRPr sz="800">
+                          <a:solidFill>
+                            <a:srgbClr val="0B0B0B"/>
+                          </a:solidFill>
+                          <a:latin typeface="Arial"/>
+                        </a:defRPr>
+                      </a:pPr>
+                      <a:r>
+                        <a:t>La Magdalena Contreras</a:t>
+                      </a:r>
                       <a:endParaRPr lang="es-ES_tradnl" sz="1100">
                         <a:latin typeface="Arial" charset="0"/>
                         <a:ea typeface="Arial" charset="0"/>
@@ -5940,6 +6728,17 @@
                     <a:bodyPr/>
                     <a:lstStyle/>
                     <a:p>
+                      <a:pPr>
+                        <a:defRPr sz="800">
+                          <a:solidFill>
+                            <a:srgbClr val="0B0B0B"/>
+                          </a:solidFill>
+                          <a:latin typeface="Arial"/>
+                        </a:defRPr>
+                      </a:pPr>
+                      <a:r>
+                        <a:t>103.0</a:t>
+                      </a:r>
                       <a:endParaRPr lang="es-ES_tradnl" sz="1100">
                         <a:latin typeface="Arial" charset="0"/>
                         <a:ea typeface="Arial" charset="0"/>
@@ -5954,6 +6753,17 @@
                     <a:bodyPr/>
                     <a:lstStyle/>
                     <a:p>
+                      <a:pPr>
+                        <a:defRPr sz="800">
+                          <a:solidFill>
+                            <a:srgbClr val="0B0B0B"/>
+                          </a:solidFill>
+                          <a:latin typeface="Arial"/>
+                        </a:defRPr>
+                      </a:pPr>
+                      <a:r>
+                        <a:t>104.0</a:t>
+                      </a:r>
                       <a:endParaRPr lang="es-ES_tradnl" sz="1100">
                         <a:latin typeface="Arial" charset="0"/>
                         <a:ea typeface="Arial" charset="0"/>
@@ -5968,6 +6778,17 @@
                     <a:bodyPr/>
                     <a:lstStyle/>
                     <a:p>
+                      <a:pPr>
+                        <a:defRPr sz="800">
+                          <a:solidFill>
+                            <a:srgbClr val="0B0B0B"/>
+                          </a:solidFill>
+                          <a:latin typeface="Arial"/>
+                        </a:defRPr>
+                      </a:pPr>
+                      <a:r>
+                        <a:t>0.0</a:t>
+                      </a:r>
                       <a:endParaRPr lang="es-ES_tradnl" sz="1100">
                         <a:latin typeface="Arial" charset="0"/>
                         <a:ea typeface="Arial" charset="0"/>
@@ -5982,34 +6803,67 @@
                     <a:bodyPr/>
                     <a:lstStyle/>
                     <a:p>
-                      <a:endParaRPr lang="es-ES_tradnl" sz="1100" dirty="0">
-                        <a:latin typeface="Arial" charset="0"/>
-                        <a:ea typeface="Arial" charset="0"/>
-                        <a:cs typeface="Arial" charset="0"/>
-                      </a:endParaRPr>
-                    </a:p>
-                  </a:txBody>
-                  <a:tcPr marL="36000" marR="36000" marT="36000" marB="36000"/>
-                </a:tc>
-                <a:tc>
-                  <a:txBody>
-                    <a:bodyPr/>
-                    <a:lstStyle/>
-                    <a:p>
-                      <a:endParaRPr lang="es-ES_tradnl" sz="1100" dirty="0">
-                        <a:latin typeface="Arial" charset="0"/>
-                        <a:ea typeface="Arial" charset="0"/>
-                        <a:cs typeface="Arial" charset="0"/>
-                      </a:endParaRPr>
-                    </a:p>
-                  </a:txBody>
-                  <a:tcPr marL="36000" marR="36000" marT="36000" marB="36000"/>
-                </a:tc>
-                <a:tc>
-                  <a:txBody>
-                    <a:bodyPr/>
-                    <a:lstStyle/>
-                    <a:p>
+                      <a:pPr>
+                        <a:defRPr sz="800">
+                          <a:solidFill>
+                            <a:srgbClr val="0B0B0B"/>
+                          </a:solidFill>
+                          <a:latin typeface="Arial"/>
+                        </a:defRPr>
+                      </a:pPr>
+                      <a:r>
+                        <a:t>0.0</a:t>
+                      </a:r>
+                      <a:endParaRPr lang="es-ES_tradnl" sz="1100" dirty="0">
+                        <a:latin typeface="Arial" charset="0"/>
+                        <a:ea typeface="Arial" charset="0"/>
+                        <a:cs typeface="Arial" charset="0"/>
+                      </a:endParaRPr>
+                    </a:p>
+                  </a:txBody>
+                  <a:tcPr marL="36000" marR="36000" marT="36000" marB="36000"/>
+                </a:tc>
+                <a:tc>
+                  <a:txBody>
+                    <a:bodyPr/>
+                    <a:lstStyle/>
+                    <a:p>
+                      <a:pPr>
+                        <a:defRPr sz="800">
+                          <a:solidFill>
+                            <a:srgbClr val="0B0B0B"/>
+                          </a:solidFill>
+                          <a:latin typeface="Arial"/>
+                        </a:defRPr>
+                      </a:pPr>
+                      <a:r>
+                        <a:t>0.0</a:t>
+                      </a:r>
+                      <a:endParaRPr lang="es-ES_tradnl" sz="1100" dirty="0">
+                        <a:latin typeface="Arial" charset="0"/>
+                        <a:ea typeface="Arial" charset="0"/>
+                        <a:cs typeface="Arial" charset="0"/>
+                      </a:endParaRPr>
+                    </a:p>
+                  </a:txBody>
+                  <a:tcPr marL="36000" marR="36000" marT="36000" marB="36000"/>
+                </a:tc>
+                <a:tc>
+                  <a:txBody>
+                    <a:bodyPr/>
+                    <a:lstStyle/>
+                    <a:p>
+                      <a:pPr>
+                        <a:defRPr sz="800">
+                          <a:solidFill>
+                            <a:srgbClr val="0B0B0B"/>
+                          </a:solidFill>
+                          <a:latin typeface="Arial"/>
+                        </a:defRPr>
+                      </a:pPr>
+                      <a:r>
+                        <a:t>0.0</a:t>
+                      </a:r>
                       <a:endParaRPr lang="es-ES_tradnl" sz="1100">
                         <a:latin typeface="Arial" charset="0"/>
                         <a:ea typeface="Arial" charset="0"/>
@@ -6024,20 +6878,42 @@
                     <a:bodyPr/>
                     <a:lstStyle/>
                     <a:p>
-                      <a:endParaRPr lang="es-ES_tradnl" sz="1100" dirty="0">
-                        <a:latin typeface="Arial" charset="0"/>
-                        <a:ea typeface="Arial" charset="0"/>
-                        <a:cs typeface="Arial" charset="0"/>
-                      </a:endParaRPr>
-                    </a:p>
-                  </a:txBody>
-                  <a:tcPr marL="36000" marR="36000" marT="36000" marB="36000"/>
-                </a:tc>
-                <a:tc>
-                  <a:txBody>
-                    <a:bodyPr/>
-                    <a:lstStyle/>
-                    <a:p>
+                      <a:pPr>
+                        <a:defRPr sz="800">
+                          <a:solidFill>
+                            <a:srgbClr val="0B0B0B"/>
+                          </a:solidFill>
+                          <a:latin typeface="Arial"/>
+                        </a:defRPr>
+                      </a:pPr>
+                      <a:r>
+                        <a:t>0.0</a:t>
+                      </a:r>
+                      <a:endParaRPr lang="es-ES_tradnl" sz="1100" dirty="0">
+                        <a:latin typeface="Arial" charset="0"/>
+                        <a:ea typeface="Arial" charset="0"/>
+                        <a:cs typeface="Arial" charset="0"/>
+                      </a:endParaRPr>
+                    </a:p>
+                  </a:txBody>
+                  <a:tcPr marL="36000" marR="36000" marT="36000" marB="36000"/>
+                </a:tc>
+                <a:tc>
+                  <a:txBody>
+                    <a:bodyPr/>
+                    <a:lstStyle/>
+                    <a:p>
+                      <a:pPr>
+                        <a:defRPr sz="800">
+                          <a:solidFill>
+                            <a:srgbClr val="0B0B0B"/>
+                          </a:solidFill>
+                          <a:latin typeface="Arial"/>
+                        </a:defRPr>
+                      </a:pPr>
+                      <a:r>
+                        <a:t>0.0</a:t>
+                      </a:r>
                       <a:endParaRPr lang="es-ES_tradnl" sz="1100">
                         <a:latin typeface="Arial" charset="0"/>
                         <a:ea typeface="Arial" charset="0"/>
@@ -6052,6 +6928,17 @@
                     <a:bodyPr/>
                     <a:lstStyle/>
                     <a:p>
+                      <a:pPr>
+                        <a:defRPr sz="800">
+                          <a:solidFill>
+                            <a:srgbClr val="0B0B0B"/>
+                          </a:solidFill>
+                          <a:latin typeface="Arial"/>
+                        </a:defRPr>
+                      </a:pPr>
+                      <a:r>
+                        <a:t>0.0</a:t>
+                      </a:r>
                       <a:endParaRPr lang="es-ES_tradnl" sz="1100">
                         <a:latin typeface="Arial" charset="0"/>
                         <a:ea typeface="Arial" charset="0"/>
@@ -6066,62 +6953,117 @@
                     <a:bodyPr/>
                     <a:lstStyle/>
                     <a:p>
-                      <a:endParaRPr lang="es-ES_tradnl" sz="1100" dirty="0">
-                        <a:latin typeface="Arial" charset="0"/>
-                        <a:ea typeface="Arial" charset="0"/>
-                        <a:cs typeface="Arial" charset="0"/>
-                      </a:endParaRPr>
-                    </a:p>
-                  </a:txBody>
-                  <a:tcPr marL="36000" marR="36000" marT="36000" marB="36000"/>
-                </a:tc>
-                <a:tc>
-                  <a:txBody>
-                    <a:bodyPr/>
-                    <a:lstStyle/>
-                    <a:p>
-                      <a:endParaRPr lang="es-ES_tradnl" sz="1100" dirty="0">
-                        <a:latin typeface="Arial" charset="0"/>
-                        <a:ea typeface="Arial" charset="0"/>
-                        <a:cs typeface="Arial" charset="0"/>
-                      </a:endParaRPr>
-                    </a:p>
-                  </a:txBody>
-                  <a:tcPr marL="36000" marR="36000" marT="36000" marB="36000"/>
-                </a:tc>
-                <a:tc>
-                  <a:txBody>
-                    <a:bodyPr/>
-                    <a:lstStyle/>
-                    <a:p>
-                      <a:endParaRPr lang="es-ES_tradnl" sz="1100" dirty="0">
-                        <a:latin typeface="Arial" charset="0"/>
-                        <a:ea typeface="Arial" charset="0"/>
-                        <a:cs typeface="Arial" charset="0"/>
-                      </a:endParaRPr>
-                    </a:p>
-                  </a:txBody>
-                  <a:tcPr marL="36000" marR="36000" marT="36000" marB="36000"/>
-                </a:tc>
-                <a:tc>
-                  <a:txBody>
-                    <a:bodyPr/>
-                    <a:lstStyle/>
-                    <a:p>
-                      <a:endParaRPr lang="es-ES_tradnl" sz="1100" dirty="0">
-                        <a:latin typeface="Arial" charset="0"/>
-                        <a:ea typeface="Arial" charset="0"/>
-                        <a:cs typeface="Arial" charset="0"/>
-                      </a:endParaRPr>
-                    </a:p>
-                  </a:txBody>
-                  <a:tcPr marL="36000" marR="36000" marT="36000" marB="36000"/>
-                </a:tc>
-                <a:tc>
-                  <a:txBody>
-                    <a:bodyPr/>
-                    <a:lstStyle/>
-                    <a:p>
+                      <a:pPr>
+                        <a:defRPr sz="800">
+                          <a:solidFill>
+                            <a:srgbClr val="0B0B0B"/>
+                          </a:solidFill>
+                          <a:latin typeface="Arial"/>
+                        </a:defRPr>
+                      </a:pPr>
+                      <a:r>
+                        <a:t>0.0</a:t>
+                      </a:r>
+                      <a:endParaRPr lang="es-ES_tradnl" sz="1100" dirty="0">
+                        <a:latin typeface="Arial" charset="0"/>
+                        <a:ea typeface="Arial" charset="0"/>
+                        <a:cs typeface="Arial" charset="0"/>
+                      </a:endParaRPr>
+                    </a:p>
+                  </a:txBody>
+                  <a:tcPr marL="36000" marR="36000" marT="36000" marB="36000"/>
+                </a:tc>
+                <a:tc>
+                  <a:txBody>
+                    <a:bodyPr/>
+                    <a:lstStyle/>
+                    <a:p>
+                      <a:pPr>
+                        <a:defRPr sz="800">
+                          <a:solidFill>
+                            <a:srgbClr val="0B0B0B"/>
+                          </a:solidFill>
+                          <a:latin typeface="Arial"/>
+                        </a:defRPr>
+                      </a:pPr>
+                      <a:r>
+                        <a:t>0.0</a:t>
+                      </a:r>
+                      <a:endParaRPr lang="es-ES_tradnl" sz="1100" dirty="0">
+                        <a:latin typeface="Arial" charset="0"/>
+                        <a:ea typeface="Arial" charset="0"/>
+                        <a:cs typeface="Arial" charset="0"/>
+                      </a:endParaRPr>
+                    </a:p>
+                  </a:txBody>
+                  <a:tcPr marL="36000" marR="36000" marT="36000" marB="36000"/>
+                </a:tc>
+                <a:tc>
+                  <a:txBody>
+                    <a:bodyPr/>
+                    <a:lstStyle/>
+                    <a:p>
+                      <a:pPr>
+                        <a:defRPr sz="800">
+                          <a:solidFill>
+                            <a:srgbClr val="0B0B0B"/>
+                          </a:solidFill>
+                          <a:latin typeface="Arial"/>
+                        </a:defRPr>
+                      </a:pPr>
+                      <a:r>
+                        <a:t>0.0</a:t>
+                      </a:r>
+                      <a:endParaRPr lang="es-ES_tradnl" sz="1100" dirty="0">
+                        <a:latin typeface="Arial" charset="0"/>
+                        <a:ea typeface="Arial" charset="0"/>
+                        <a:cs typeface="Arial" charset="0"/>
+                      </a:endParaRPr>
+                    </a:p>
+                  </a:txBody>
+                  <a:tcPr marL="36000" marR="36000" marT="36000" marB="36000"/>
+                </a:tc>
+                <a:tc>
+                  <a:txBody>
+                    <a:bodyPr/>
+                    <a:lstStyle/>
+                    <a:p>
+                      <a:pPr>
+                        <a:defRPr sz="800">
+                          <a:solidFill>
+                            <a:srgbClr val="0B0B0B"/>
+                          </a:solidFill>
+                          <a:latin typeface="Arial"/>
+                        </a:defRPr>
+                      </a:pPr>
+                      <a:r>
+                        <a:t>207.0</a:t>
+                      </a:r>
+                      <a:endParaRPr lang="es-ES_tradnl" sz="1100" dirty="0">
+                        <a:latin typeface="Arial" charset="0"/>
+                        <a:ea typeface="Arial" charset="0"/>
+                        <a:cs typeface="Arial" charset="0"/>
+                      </a:endParaRPr>
+                    </a:p>
+                  </a:txBody>
+                  <a:tcPr marL="36000" marR="36000" marT="36000" marB="36000"/>
+                </a:tc>
+                <a:tc>
+                  <a:txBody>
+                    <a:bodyPr/>
+                    <a:lstStyle/>
+                    <a:p>
+                      <a:pPr>
+                        <a:defRPr sz="800">
+                          <a:solidFill>
+                            <a:srgbClr val="0B0B0B"/>
+                          </a:solidFill>
+                          <a:latin typeface="Arial"/>
+                        </a:defRPr>
+                      </a:pPr>
+                      <a:r>
+                        <a:t>183609.0</a:t>
+                      </a:r>
                       <a:endParaRPr lang="es-ES_tradnl" sz="1100">
                         <a:latin typeface="Arial" charset="0"/>
                         <a:ea typeface="Arial" charset="0"/>
@@ -6138,34 +7080,64 @@
                     <a:bodyPr/>
                     <a:lstStyle/>
                     <a:p>
-                      <a:endParaRPr lang="es-ES_tradnl" sz="1100" dirty="0">
-                        <a:latin typeface="Arial" charset="0"/>
-                        <a:ea typeface="Arial" charset="0"/>
-                        <a:cs typeface="Arial" charset="0"/>
-                      </a:endParaRPr>
-                    </a:p>
-                  </a:txBody>
-                  <a:tcPr marL="36000" marR="36000" marT="36000" marB="36000"/>
-                </a:tc>
-                <a:tc>
-                  <a:txBody>
-                    <a:bodyPr/>
-                    <a:lstStyle/>
-                    <a:p>
-                      <a:endParaRPr lang="es-ES_tradnl" sz="1100" dirty="0">
-                        <a:latin typeface="Arial" charset="0"/>
-                        <a:ea typeface="Arial" charset="0"/>
-                        <a:cs typeface="Arial" charset="0"/>
-                      </a:endParaRPr>
-                    </a:p>
-                  </a:txBody>
-                  <a:tcPr marL="36000" marR="36000" marT="36000" marB="36000"/>
-                </a:tc>
-                <a:tc>
-                  <a:txBody>
-                    <a:bodyPr/>
-                    <a:lstStyle/>
-                    <a:p>
+                      <a:pPr>
+                        <a:defRPr sz="800">
+                          <a:solidFill>
+                            <a:srgbClr val="0B0B0B"/>
+                          </a:solidFill>
+                          <a:latin typeface="Arial"/>
+                        </a:defRPr>
+                      </a:pPr>
+                      <a:endParaRPr lang="es-ES_tradnl" sz="1100" dirty="0">
+                        <a:latin typeface="Arial" charset="0"/>
+                        <a:ea typeface="Arial" charset="0"/>
+                        <a:cs typeface="Arial" charset="0"/>
+                      </a:endParaRPr>
+                    </a:p>
+                  </a:txBody>
+                  <a:tcPr marL="36000" marR="36000" marT="36000" marB="36000"/>
+                </a:tc>
+                <a:tc>
+                  <a:txBody>
+                    <a:bodyPr/>
+                    <a:lstStyle/>
+                    <a:p>
+                      <a:pPr>
+                        <a:defRPr sz="800">
+                          <a:solidFill>
+                            <a:srgbClr val="0B0B0B"/>
+                          </a:solidFill>
+                          <a:latin typeface="Arial"/>
+                        </a:defRPr>
+                      </a:pPr>
+                      <a:r>
+                        <a:t>Tlalpan</a:t>
+                      </a:r>
+                      <a:endParaRPr lang="es-ES_tradnl" sz="1100" dirty="0">
+                        <a:latin typeface="Arial" charset="0"/>
+                        <a:ea typeface="Arial" charset="0"/>
+                        <a:cs typeface="Arial" charset="0"/>
+                      </a:endParaRPr>
+                    </a:p>
+                  </a:txBody>
+                  <a:tcPr marL="36000" marR="36000" marT="36000" marB="36000"/>
+                </a:tc>
+                <a:tc>
+                  <a:txBody>
+                    <a:bodyPr/>
+                    <a:lstStyle/>
+                    <a:p>
+                      <a:pPr>
+                        <a:defRPr sz="800">
+                          <a:solidFill>
+                            <a:srgbClr val="0B0B0B"/>
+                          </a:solidFill>
+                          <a:latin typeface="Arial"/>
+                        </a:defRPr>
+                      </a:pPr>
+                      <a:r>
+                        <a:t>425.0</a:t>
+                      </a:r>
                       <a:endParaRPr lang="es-ES_tradnl" sz="1100">
                         <a:latin typeface="Arial" charset="0"/>
                         <a:ea typeface="Arial" charset="0"/>
@@ -6180,174 +7152,317 @@
                     <a:bodyPr/>
                     <a:lstStyle/>
                     <a:p>
-                      <a:endParaRPr lang="es-ES_tradnl" sz="1100" dirty="0">
-                        <a:latin typeface="Arial" charset="0"/>
-                        <a:ea typeface="Arial" charset="0"/>
-                        <a:cs typeface="Arial" charset="0"/>
-                      </a:endParaRPr>
-                    </a:p>
-                  </a:txBody>
-                  <a:tcPr marL="36000" marR="36000" marT="36000" marB="36000"/>
-                </a:tc>
-                <a:tc>
-                  <a:txBody>
-                    <a:bodyPr/>
-                    <a:lstStyle/>
-                    <a:p>
-                      <a:endParaRPr lang="es-ES_tradnl" sz="1100" dirty="0">
-                        <a:latin typeface="Arial" charset="0"/>
-                        <a:ea typeface="Arial" charset="0"/>
-                        <a:cs typeface="Arial" charset="0"/>
-                      </a:endParaRPr>
-                    </a:p>
-                  </a:txBody>
-                  <a:tcPr marL="36000" marR="36000" marT="36000" marB="36000"/>
-                </a:tc>
-                <a:tc>
-                  <a:txBody>
-                    <a:bodyPr/>
-                    <a:lstStyle/>
-                    <a:p>
-                      <a:endParaRPr lang="es-ES_tradnl" sz="1100" dirty="0">
-                        <a:latin typeface="Arial" charset="0"/>
-                        <a:ea typeface="Arial" charset="0"/>
-                        <a:cs typeface="Arial" charset="0"/>
-                      </a:endParaRPr>
-                    </a:p>
-                  </a:txBody>
-                  <a:tcPr marL="36000" marR="36000" marT="36000" marB="36000"/>
-                </a:tc>
-                <a:tc>
-                  <a:txBody>
-                    <a:bodyPr/>
-                    <a:lstStyle/>
-                    <a:p>
-                      <a:endParaRPr lang="es-ES_tradnl" sz="1100" dirty="0">
-                        <a:latin typeface="Arial" charset="0"/>
-                        <a:ea typeface="Arial" charset="0"/>
-                        <a:cs typeface="Arial" charset="0"/>
-                      </a:endParaRPr>
-                    </a:p>
-                  </a:txBody>
-                  <a:tcPr marL="36000" marR="36000" marT="36000" marB="36000"/>
-                </a:tc>
-                <a:tc>
-                  <a:txBody>
-                    <a:bodyPr/>
-                    <a:lstStyle/>
-                    <a:p>
-                      <a:endParaRPr lang="es-ES_tradnl" sz="1100" dirty="0">
-                        <a:latin typeface="Arial" charset="0"/>
-                        <a:ea typeface="Arial" charset="0"/>
-                        <a:cs typeface="Arial" charset="0"/>
-                      </a:endParaRPr>
-                    </a:p>
-                  </a:txBody>
-                  <a:tcPr marL="36000" marR="36000" marT="36000" marB="36000"/>
-                </a:tc>
-                <a:tc>
-                  <a:txBody>
-                    <a:bodyPr/>
-                    <a:lstStyle/>
-                    <a:p>
-                      <a:endParaRPr lang="es-ES_tradnl" sz="1100" dirty="0">
-                        <a:latin typeface="Arial" charset="0"/>
-                        <a:ea typeface="Arial" charset="0"/>
-                        <a:cs typeface="Arial" charset="0"/>
-                      </a:endParaRPr>
-                    </a:p>
-                  </a:txBody>
-                  <a:tcPr marL="36000" marR="36000" marT="36000" marB="36000"/>
-                </a:tc>
-                <a:tc>
-                  <a:txBody>
-                    <a:bodyPr/>
-                    <a:lstStyle/>
-                    <a:p>
-                      <a:endParaRPr lang="es-ES_tradnl" sz="1100" dirty="0">
-                        <a:latin typeface="Arial" charset="0"/>
-                        <a:ea typeface="Arial" charset="0"/>
-                        <a:cs typeface="Arial" charset="0"/>
-                      </a:endParaRPr>
-                    </a:p>
-                  </a:txBody>
-                  <a:tcPr marL="36000" marR="36000" marT="36000" marB="36000"/>
-                </a:tc>
-                <a:tc>
-                  <a:txBody>
-                    <a:bodyPr/>
-                    <a:lstStyle/>
-                    <a:p>
-                      <a:endParaRPr lang="es-ES_tradnl" sz="1100" dirty="0">
-                        <a:latin typeface="Arial" charset="0"/>
-                        <a:ea typeface="Arial" charset="0"/>
-                        <a:cs typeface="Arial" charset="0"/>
-                      </a:endParaRPr>
-                    </a:p>
-                  </a:txBody>
-                  <a:tcPr marL="36000" marR="36000" marT="36000" marB="36000"/>
-                </a:tc>
-                <a:tc>
-                  <a:txBody>
-                    <a:bodyPr/>
-                    <a:lstStyle/>
-                    <a:p>
-                      <a:endParaRPr lang="es-ES_tradnl" sz="1100" dirty="0">
-                        <a:latin typeface="Arial" charset="0"/>
-                        <a:ea typeface="Arial" charset="0"/>
-                        <a:cs typeface="Arial" charset="0"/>
-                      </a:endParaRPr>
-                    </a:p>
-                  </a:txBody>
-                  <a:tcPr marL="36000" marR="36000" marT="36000" marB="36000"/>
-                </a:tc>
-                <a:tc>
-                  <a:txBody>
-                    <a:bodyPr/>
-                    <a:lstStyle/>
-                    <a:p>
-                      <a:endParaRPr lang="es-ES_tradnl" sz="1100" dirty="0">
-                        <a:latin typeface="Arial" charset="0"/>
-                        <a:ea typeface="Arial" charset="0"/>
-                        <a:cs typeface="Arial" charset="0"/>
-                      </a:endParaRPr>
-                    </a:p>
-                  </a:txBody>
-                  <a:tcPr marL="36000" marR="36000" marT="36000" marB="36000"/>
-                </a:tc>
-                <a:tc>
-                  <a:txBody>
-                    <a:bodyPr/>
-                    <a:lstStyle/>
-                    <a:p>
-                      <a:endParaRPr lang="es-ES_tradnl" sz="1100" dirty="0">
-                        <a:latin typeface="Arial" charset="0"/>
-                        <a:ea typeface="Arial" charset="0"/>
-                        <a:cs typeface="Arial" charset="0"/>
-                      </a:endParaRPr>
-                    </a:p>
-                  </a:txBody>
-                  <a:tcPr marL="36000" marR="36000" marT="36000" marB="36000"/>
-                </a:tc>
-                <a:tc>
-                  <a:txBody>
-                    <a:bodyPr/>
-                    <a:lstStyle/>
-                    <a:p>
-                      <a:endParaRPr lang="es-ES_tradnl" sz="1100" dirty="0">
-                        <a:latin typeface="Arial" charset="0"/>
-                        <a:ea typeface="Arial" charset="0"/>
-                        <a:cs typeface="Arial" charset="0"/>
-                      </a:endParaRPr>
-                    </a:p>
-                  </a:txBody>
-                  <a:tcPr marL="36000" marR="36000" marT="36000" marB="36000"/>
-                </a:tc>
-                <a:tc>
-                  <a:txBody>
-                    <a:bodyPr/>
-                    <a:lstStyle/>
-                    <a:p>
+                      <a:pPr>
+                        <a:defRPr sz="800">
+                          <a:solidFill>
+                            <a:srgbClr val="0B0B0B"/>
+                          </a:solidFill>
+                          <a:latin typeface="Arial"/>
+                        </a:defRPr>
+                      </a:pPr>
+                      <a:r>
+                        <a:t>434.0</a:t>
+                      </a:r>
+                      <a:endParaRPr lang="es-ES_tradnl" sz="1100" dirty="0">
+                        <a:latin typeface="Arial" charset="0"/>
+                        <a:ea typeface="Arial" charset="0"/>
+                        <a:cs typeface="Arial" charset="0"/>
+                      </a:endParaRPr>
+                    </a:p>
+                  </a:txBody>
+                  <a:tcPr marL="36000" marR="36000" marT="36000" marB="36000"/>
+                </a:tc>
+                <a:tc>
+                  <a:txBody>
+                    <a:bodyPr/>
+                    <a:lstStyle/>
+                    <a:p>
+                      <a:pPr>
+                        <a:defRPr sz="800">
+                          <a:solidFill>
+                            <a:srgbClr val="0B0B0B"/>
+                          </a:solidFill>
+                          <a:latin typeface="Arial"/>
+                        </a:defRPr>
+                      </a:pPr>
+                      <a:r>
+                        <a:t>0.0</a:t>
+                      </a:r>
+                      <a:endParaRPr lang="es-ES_tradnl" sz="1100" dirty="0">
+                        <a:latin typeface="Arial" charset="0"/>
+                        <a:ea typeface="Arial" charset="0"/>
+                        <a:cs typeface="Arial" charset="0"/>
+                      </a:endParaRPr>
+                    </a:p>
+                  </a:txBody>
+                  <a:tcPr marL="36000" marR="36000" marT="36000" marB="36000"/>
+                </a:tc>
+                <a:tc>
+                  <a:txBody>
+                    <a:bodyPr/>
+                    <a:lstStyle/>
+                    <a:p>
+                      <a:pPr>
+                        <a:defRPr sz="800">
+                          <a:solidFill>
+                            <a:srgbClr val="0B0B0B"/>
+                          </a:solidFill>
+                          <a:latin typeface="Arial"/>
+                        </a:defRPr>
+                      </a:pPr>
+                      <a:r>
+                        <a:t>0.0</a:t>
+                      </a:r>
+                      <a:endParaRPr lang="es-ES_tradnl" sz="1100" dirty="0">
+                        <a:latin typeface="Arial" charset="0"/>
+                        <a:ea typeface="Arial" charset="0"/>
+                        <a:cs typeface="Arial" charset="0"/>
+                      </a:endParaRPr>
+                    </a:p>
+                  </a:txBody>
+                  <a:tcPr marL="36000" marR="36000" marT="36000" marB="36000"/>
+                </a:tc>
+                <a:tc>
+                  <a:txBody>
+                    <a:bodyPr/>
+                    <a:lstStyle/>
+                    <a:p>
+                      <a:pPr>
+                        <a:defRPr sz="800">
+                          <a:solidFill>
+                            <a:srgbClr val="0B0B0B"/>
+                          </a:solidFill>
+                          <a:latin typeface="Arial"/>
+                        </a:defRPr>
+                      </a:pPr>
+                      <a:r>
+                        <a:t>0.0</a:t>
+                      </a:r>
+                      <a:endParaRPr lang="es-ES_tradnl" sz="1100" dirty="0">
+                        <a:latin typeface="Arial" charset="0"/>
+                        <a:ea typeface="Arial" charset="0"/>
+                        <a:cs typeface="Arial" charset="0"/>
+                      </a:endParaRPr>
+                    </a:p>
+                  </a:txBody>
+                  <a:tcPr marL="36000" marR="36000" marT="36000" marB="36000"/>
+                </a:tc>
+                <a:tc>
+                  <a:txBody>
+                    <a:bodyPr/>
+                    <a:lstStyle/>
+                    <a:p>
+                      <a:pPr>
+                        <a:defRPr sz="800">
+                          <a:solidFill>
+                            <a:srgbClr val="0B0B0B"/>
+                          </a:solidFill>
+                          <a:latin typeface="Arial"/>
+                        </a:defRPr>
+                      </a:pPr>
+                      <a:r>
+                        <a:t>0.0</a:t>
+                      </a:r>
+                      <a:endParaRPr lang="es-ES_tradnl" sz="1100" dirty="0">
+                        <a:latin typeface="Arial" charset="0"/>
+                        <a:ea typeface="Arial" charset="0"/>
+                        <a:cs typeface="Arial" charset="0"/>
+                      </a:endParaRPr>
+                    </a:p>
+                  </a:txBody>
+                  <a:tcPr marL="36000" marR="36000" marT="36000" marB="36000"/>
+                </a:tc>
+                <a:tc>
+                  <a:txBody>
+                    <a:bodyPr/>
+                    <a:lstStyle/>
+                    <a:p>
+                      <a:pPr>
+                        <a:defRPr sz="800">
+                          <a:solidFill>
+                            <a:srgbClr val="0B0B0B"/>
+                          </a:solidFill>
+                          <a:latin typeface="Arial"/>
+                        </a:defRPr>
+                      </a:pPr>
+                      <a:r>
+                        <a:t>0.0</a:t>
+                      </a:r>
+                      <a:endParaRPr lang="es-ES_tradnl" sz="1100" dirty="0">
+                        <a:latin typeface="Arial" charset="0"/>
+                        <a:ea typeface="Arial" charset="0"/>
+                        <a:cs typeface="Arial" charset="0"/>
+                      </a:endParaRPr>
+                    </a:p>
+                  </a:txBody>
+                  <a:tcPr marL="36000" marR="36000" marT="36000" marB="36000"/>
+                </a:tc>
+                <a:tc>
+                  <a:txBody>
+                    <a:bodyPr/>
+                    <a:lstStyle/>
+                    <a:p>
+                      <a:pPr>
+                        <a:defRPr sz="800">
+                          <a:solidFill>
+                            <a:srgbClr val="0B0B0B"/>
+                          </a:solidFill>
+                          <a:latin typeface="Arial"/>
+                        </a:defRPr>
+                      </a:pPr>
+                      <a:r>
+                        <a:t>0.0</a:t>
+                      </a:r>
+                      <a:endParaRPr lang="es-ES_tradnl" sz="1100" dirty="0">
+                        <a:latin typeface="Arial" charset="0"/>
+                        <a:ea typeface="Arial" charset="0"/>
+                        <a:cs typeface="Arial" charset="0"/>
+                      </a:endParaRPr>
+                    </a:p>
+                  </a:txBody>
+                  <a:tcPr marL="36000" marR="36000" marT="36000" marB="36000"/>
+                </a:tc>
+                <a:tc>
+                  <a:txBody>
+                    <a:bodyPr/>
+                    <a:lstStyle/>
+                    <a:p>
+                      <a:pPr>
+                        <a:defRPr sz="800">
+                          <a:solidFill>
+                            <a:srgbClr val="0B0B0B"/>
+                          </a:solidFill>
+                          <a:latin typeface="Arial"/>
+                        </a:defRPr>
+                      </a:pPr>
+                      <a:r>
+                        <a:t>0.0</a:t>
+                      </a:r>
+                      <a:endParaRPr lang="es-ES_tradnl" sz="1100" dirty="0">
+                        <a:latin typeface="Arial" charset="0"/>
+                        <a:ea typeface="Arial" charset="0"/>
+                        <a:cs typeface="Arial" charset="0"/>
+                      </a:endParaRPr>
+                    </a:p>
+                  </a:txBody>
+                  <a:tcPr marL="36000" marR="36000" marT="36000" marB="36000"/>
+                </a:tc>
+                <a:tc>
+                  <a:txBody>
+                    <a:bodyPr/>
+                    <a:lstStyle/>
+                    <a:p>
+                      <a:pPr>
+                        <a:defRPr sz="800">
+                          <a:solidFill>
+                            <a:srgbClr val="0B0B0B"/>
+                          </a:solidFill>
+                          <a:latin typeface="Arial"/>
+                        </a:defRPr>
+                      </a:pPr>
+                      <a:r>
+                        <a:t>0.0</a:t>
+                      </a:r>
+                      <a:endParaRPr lang="es-ES_tradnl" sz="1100" dirty="0">
+                        <a:latin typeface="Arial" charset="0"/>
+                        <a:ea typeface="Arial" charset="0"/>
+                        <a:cs typeface="Arial" charset="0"/>
+                      </a:endParaRPr>
+                    </a:p>
+                  </a:txBody>
+                  <a:tcPr marL="36000" marR="36000" marT="36000" marB="36000"/>
+                </a:tc>
+                <a:tc>
+                  <a:txBody>
+                    <a:bodyPr/>
+                    <a:lstStyle/>
+                    <a:p>
+                      <a:pPr>
+                        <a:defRPr sz="800">
+                          <a:solidFill>
+                            <a:srgbClr val="0B0B0B"/>
+                          </a:solidFill>
+                          <a:latin typeface="Arial"/>
+                        </a:defRPr>
+                      </a:pPr>
+                      <a:r>
+                        <a:t>0.0</a:t>
+                      </a:r>
+                      <a:endParaRPr lang="es-ES_tradnl" sz="1100" dirty="0">
+                        <a:latin typeface="Arial" charset="0"/>
+                        <a:ea typeface="Arial" charset="0"/>
+                        <a:cs typeface="Arial" charset="0"/>
+                      </a:endParaRPr>
+                    </a:p>
+                  </a:txBody>
+                  <a:tcPr marL="36000" marR="36000" marT="36000" marB="36000"/>
+                </a:tc>
+                <a:tc>
+                  <a:txBody>
+                    <a:bodyPr/>
+                    <a:lstStyle/>
+                    <a:p>
+                      <a:pPr>
+                        <a:defRPr sz="800">
+                          <a:solidFill>
+                            <a:srgbClr val="0B0B0B"/>
+                          </a:solidFill>
+                          <a:latin typeface="Arial"/>
+                        </a:defRPr>
+                      </a:pPr>
+                      <a:r>
+                        <a:t>0.0</a:t>
+                      </a:r>
+                      <a:endParaRPr lang="es-ES_tradnl" sz="1100" dirty="0">
+                        <a:latin typeface="Arial" charset="0"/>
+                        <a:ea typeface="Arial" charset="0"/>
+                        <a:cs typeface="Arial" charset="0"/>
+                      </a:endParaRPr>
+                    </a:p>
+                  </a:txBody>
+                  <a:tcPr marL="36000" marR="36000" marT="36000" marB="36000"/>
+                </a:tc>
+                <a:tc>
+                  <a:txBody>
+                    <a:bodyPr/>
+                    <a:lstStyle/>
+                    <a:p>
+                      <a:pPr>
+                        <a:defRPr sz="800">
+                          <a:solidFill>
+                            <a:srgbClr val="0B0B0B"/>
+                          </a:solidFill>
+                          <a:latin typeface="Arial"/>
+                        </a:defRPr>
+                      </a:pPr>
+                      <a:r>
+                        <a:t>859.0</a:t>
+                      </a:r>
+                      <a:endParaRPr lang="es-ES_tradnl" sz="1100" dirty="0">
+                        <a:latin typeface="Arial" charset="0"/>
+                        <a:ea typeface="Arial" charset="0"/>
+                        <a:cs typeface="Arial" charset="0"/>
+                      </a:endParaRPr>
+                    </a:p>
+                  </a:txBody>
+                  <a:tcPr marL="36000" marR="36000" marT="36000" marB="36000"/>
+                </a:tc>
+                <a:tc>
+                  <a:txBody>
+                    <a:bodyPr/>
+                    <a:lstStyle/>
+                    <a:p>
+                      <a:pPr>
+                        <a:defRPr sz="800">
+                          <a:solidFill>
+                            <a:srgbClr val="0B0B0B"/>
+                          </a:solidFill>
+                          <a:latin typeface="Arial"/>
+                        </a:defRPr>
+                      </a:pPr>
+                      <a:r>
+                        <a:t>761933.0</a:t>
+                      </a:r>
                       <a:endParaRPr lang="es-ES_tradnl" sz="1100" dirty="0">
                         <a:latin typeface="Arial" charset="0"/>
                         <a:ea typeface="Arial" charset="0"/>
@@ -6364,34 +7479,64 @@
                     <a:bodyPr/>
                     <a:lstStyle/>
                     <a:p>
-                      <a:endParaRPr lang="es-ES_tradnl" sz="1100" dirty="0">
-                        <a:latin typeface="Arial" charset="0"/>
-                        <a:ea typeface="Arial" charset="0"/>
-                        <a:cs typeface="Arial" charset="0"/>
-                      </a:endParaRPr>
-                    </a:p>
-                  </a:txBody>
-                  <a:tcPr marL="36000" marR="36000" marT="36000" marB="36000"/>
-                </a:tc>
-                <a:tc>
-                  <a:txBody>
-                    <a:bodyPr/>
-                    <a:lstStyle/>
-                    <a:p>
-                      <a:endParaRPr lang="es-ES_tradnl" sz="1100" dirty="0">
-                        <a:latin typeface="Arial" charset="0"/>
-                        <a:ea typeface="Arial" charset="0"/>
-                        <a:cs typeface="Arial" charset="0"/>
-                      </a:endParaRPr>
-                    </a:p>
-                  </a:txBody>
-                  <a:tcPr marL="36000" marR="36000" marT="36000" marB="36000"/>
-                </a:tc>
-                <a:tc>
-                  <a:txBody>
-                    <a:bodyPr/>
-                    <a:lstStyle/>
-                    <a:p>
+                      <a:pPr>
+                        <a:defRPr sz="800">
+                          <a:solidFill>
+                            <a:srgbClr val="0B0B0B"/>
+                          </a:solidFill>
+                          <a:latin typeface="Arial"/>
+                        </a:defRPr>
+                      </a:pPr>
+                      <a:endParaRPr lang="es-ES_tradnl" sz="1100" dirty="0">
+                        <a:latin typeface="Arial" charset="0"/>
+                        <a:ea typeface="Arial" charset="0"/>
+                        <a:cs typeface="Arial" charset="0"/>
+                      </a:endParaRPr>
+                    </a:p>
+                  </a:txBody>
+                  <a:tcPr marL="36000" marR="36000" marT="36000" marB="36000"/>
+                </a:tc>
+                <a:tc>
+                  <a:txBody>
+                    <a:bodyPr/>
+                    <a:lstStyle/>
+                    <a:p>
+                      <a:pPr>
+                        <a:defRPr sz="800">
+                          <a:solidFill>
+                            <a:srgbClr val="0B0B0B"/>
+                          </a:solidFill>
+                          <a:latin typeface="Arial"/>
+                        </a:defRPr>
+                      </a:pPr>
+                      <a:r>
+                        <a:t>Xochimilco</a:t>
+                      </a:r>
+                      <a:endParaRPr lang="es-ES_tradnl" sz="1100" dirty="0">
+                        <a:latin typeface="Arial" charset="0"/>
+                        <a:ea typeface="Arial" charset="0"/>
+                        <a:cs typeface="Arial" charset="0"/>
+                      </a:endParaRPr>
+                    </a:p>
+                  </a:txBody>
+                  <a:tcPr marL="36000" marR="36000" marT="36000" marB="36000"/>
+                </a:tc>
+                <a:tc>
+                  <a:txBody>
+                    <a:bodyPr/>
+                    <a:lstStyle/>
+                    <a:p>
+                      <a:pPr>
+                        <a:defRPr sz="800">
+                          <a:solidFill>
+                            <a:srgbClr val="0B0B0B"/>
+                          </a:solidFill>
+                          <a:latin typeface="Arial"/>
+                        </a:defRPr>
+                      </a:pPr>
+                      <a:r>
+                        <a:t>102.0</a:t>
+                      </a:r>
                       <a:endParaRPr lang="es-ES_tradnl" sz="1100">
                         <a:latin typeface="Arial" charset="0"/>
                         <a:ea typeface="Arial" charset="0"/>
@@ -6406,174 +7551,317 @@
                     <a:bodyPr/>
                     <a:lstStyle/>
                     <a:p>
-                      <a:endParaRPr lang="es-ES_tradnl" sz="1100" dirty="0">
-                        <a:latin typeface="Arial" charset="0"/>
-                        <a:ea typeface="Arial" charset="0"/>
-                        <a:cs typeface="Arial" charset="0"/>
-                      </a:endParaRPr>
-                    </a:p>
-                  </a:txBody>
-                  <a:tcPr marL="36000" marR="36000" marT="36000" marB="36000"/>
-                </a:tc>
-                <a:tc>
-                  <a:txBody>
-                    <a:bodyPr/>
-                    <a:lstStyle/>
-                    <a:p>
-                      <a:endParaRPr lang="es-ES_tradnl" sz="1100" dirty="0">
-                        <a:latin typeface="Arial" charset="0"/>
-                        <a:ea typeface="Arial" charset="0"/>
-                        <a:cs typeface="Arial" charset="0"/>
-                      </a:endParaRPr>
-                    </a:p>
-                  </a:txBody>
-                  <a:tcPr marL="36000" marR="36000" marT="36000" marB="36000"/>
-                </a:tc>
-                <a:tc>
-                  <a:txBody>
-                    <a:bodyPr/>
-                    <a:lstStyle/>
-                    <a:p>
-                      <a:endParaRPr lang="es-ES_tradnl" sz="1100" dirty="0">
-                        <a:latin typeface="Arial" charset="0"/>
-                        <a:ea typeface="Arial" charset="0"/>
-                        <a:cs typeface="Arial" charset="0"/>
-                      </a:endParaRPr>
-                    </a:p>
-                  </a:txBody>
-                  <a:tcPr marL="36000" marR="36000" marT="36000" marB="36000"/>
-                </a:tc>
-                <a:tc>
-                  <a:txBody>
-                    <a:bodyPr/>
-                    <a:lstStyle/>
-                    <a:p>
-                      <a:endParaRPr lang="es-ES_tradnl" sz="1100" dirty="0">
-                        <a:latin typeface="Arial" charset="0"/>
-                        <a:ea typeface="Arial" charset="0"/>
-                        <a:cs typeface="Arial" charset="0"/>
-                      </a:endParaRPr>
-                    </a:p>
-                  </a:txBody>
-                  <a:tcPr marL="36000" marR="36000" marT="36000" marB="36000"/>
-                </a:tc>
-                <a:tc>
-                  <a:txBody>
-                    <a:bodyPr/>
-                    <a:lstStyle/>
-                    <a:p>
-                      <a:endParaRPr lang="es-ES_tradnl" sz="1100" dirty="0">
-                        <a:latin typeface="Arial" charset="0"/>
-                        <a:ea typeface="Arial" charset="0"/>
-                        <a:cs typeface="Arial" charset="0"/>
-                      </a:endParaRPr>
-                    </a:p>
-                  </a:txBody>
-                  <a:tcPr marL="36000" marR="36000" marT="36000" marB="36000"/>
-                </a:tc>
-                <a:tc>
-                  <a:txBody>
-                    <a:bodyPr/>
-                    <a:lstStyle/>
-                    <a:p>
-                      <a:endParaRPr lang="es-ES_tradnl" sz="1100" dirty="0">
-                        <a:latin typeface="Arial" charset="0"/>
-                        <a:ea typeface="Arial" charset="0"/>
-                        <a:cs typeface="Arial" charset="0"/>
-                      </a:endParaRPr>
-                    </a:p>
-                  </a:txBody>
-                  <a:tcPr marL="36000" marR="36000" marT="36000" marB="36000"/>
-                </a:tc>
-                <a:tc>
-                  <a:txBody>
-                    <a:bodyPr/>
-                    <a:lstStyle/>
-                    <a:p>
-                      <a:endParaRPr lang="es-ES_tradnl" sz="1100" dirty="0">
-                        <a:latin typeface="Arial" charset="0"/>
-                        <a:ea typeface="Arial" charset="0"/>
-                        <a:cs typeface="Arial" charset="0"/>
-                      </a:endParaRPr>
-                    </a:p>
-                  </a:txBody>
-                  <a:tcPr marL="36000" marR="36000" marT="36000" marB="36000"/>
-                </a:tc>
-                <a:tc>
-                  <a:txBody>
-                    <a:bodyPr/>
-                    <a:lstStyle/>
-                    <a:p>
-                      <a:endParaRPr lang="es-ES_tradnl" sz="1100" dirty="0">
-                        <a:latin typeface="Arial" charset="0"/>
-                        <a:ea typeface="Arial" charset="0"/>
-                        <a:cs typeface="Arial" charset="0"/>
-                      </a:endParaRPr>
-                    </a:p>
-                  </a:txBody>
-                  <a:tcPr marL="36000" marR="36000" marT="36000" marB="36000"/>
-                </a:tc>
-                <a:tc>
-                  <a:txBody>
-                    <a:bodyPr/>
-                    <a:lstStyle/>
-                    <a:p>
-                      <a:endParaRPr lang="es-ES_tradnl" sz="1100" dirty="0">
-                        <a:latin typeface="Arial" charset="0"/>
-                        <a:ea typeface="Arial" charset="0"/>
-                        <a:cs typeface="Arial" charset="0"/>
-                      </a:endParaRPr>
-                    </a:p>
-                  </a:txBody>
-                  <a:tcPr marL="36000" marR="36000" marT="36000" marB="36000"/>
-                </a:tc>
-                <a:tc>
-                  <a:txBody>
-                    <a:bodyPr/>
-                    <a:lstStyle/>
-                    <a:p>
-                      <a:endParaRPr lang="es-ES_tradnl" sz="1100" dirty="0">
-                        <a:latin typeface="Arial" charset="0"/>
-                        <a:ea typeface="Arial" charset="0"/>
-                        <a:cs typeface="Arial" charset="0"/>
-                      </a:endParaRPr>
-                    </a:p>
-                  </a:txBody>
-                  <a:tcPr marL="36000" marR="36000" marT="36000" marB="36000"/>
-                </a:tc>
-                <a:tc>
-                  <a:txBody>
-                    <a:bodyPr/>
-                    <a:lstStyle/>
-                    <a:p>
-                      <a:endParaRPr lang="es-ES_tradnl" sz="1100" dirty="0">
-                        <a:latin typeface="Arial" charset="0"/>
-                        <a:ea typeface="Arial" charset="0"/>
-                        <a:cs typeface="Arial" charset="0"/>
-                      </a:endParaRPr>
-                    </a:p>
-                  </a:txBody>
-                  <a:tcPr marL="36000" marR="36000" marT="36000" marB="36000"/>
-                </a:tc>
-                <a:tc>
-                  <a:txBody>
-                    <a:bodyPr/>
-                    <a:lstStyle/>
-                    <a:p>
-                      <a:endParaRPr lang="es-ES_tradnl" sz="1100" dirty="0">
-                        <a:latin typeface="Arial" charset="0"/>
-                        <a:ea typeface="Arial" charset="0"/>
-                        <a:cs typeface="Arial" charset="0"/>
-                      </a:endParaRPr>
-                    </a:p>
-                  </a:txBody>
-                  <a:tcPr marL="36000" marR="36000" marT="36000" marB="36000"/>
-                </a:tc>
-                <a:tc>
-                  <a:txBody>
-                    <a:bodyPr/>
-                    <a:lstStyle/>
-                    <a:p>
+                      <a:pPr>
+                        <a:defRPr sz="800">
+                          <a:solidFill>
+                            <a:srgbClr val="0B0B0B"/>
+                          </a:solidFill>
+                          <a:latin typeface="Arial"/>
+                        </a:defRPr>
+                      </a:pPr>
+                      <a:r>
+                        <a:t>102.0</a:t>
+                      </a:r>
+                      <a:endParaRPr lang="es-ES_tradnl" sz="1100" dirty="0">
+                        <a:latin typeface="Arial" charset="0"/>
+                        <a:ea typeface="Arial" charset="0"/>
+                        <a:cs typeface="Arial" charset="0"/>
+                      </a:endParaRPr>
+                    </a:p>
+                  </a:txBody>
+                  <a:tcPr marL="36000" marR="36000" marT="36000" marB="36000"/>
+                </a:tc>
+                <a:tc>
+                  <a:txBody>
+                    <a:bodyPr/>
+                    <a:lstStyle/>
+                    <a:p>
+                      <a:pPr>
+                        <a:defRPr sz="800">
+                          <a:solidFill>
+                            <a:srgbClr val="0B0B0B"/>
+                          </a:solidFill>
+                          <a:latin typeface="Arial"/>
+                        </a:defRPr>
+                      </a:pPr>
+                      <a:r>
+                        <a:t>0.0</a:t>
+                      </a:r>
+                      <a:endParaRPr lang="es-ES_tradnl" sz="1100" dirty="0">
+                        <a:latin typeface="Arial" charset="0"/>
+                        <a:ea typeface="Arial" charset="0"/>
+                        <a:cs typeface="Arial" charset="0"/>
+                      </a:endParaRPr>
+                    </a:p>
+                  </a:txBody>
+                  <a:tcPr marL="36000" marR="36000" marT="36000" marB="36000"/>
+                </a:tc>
+                <a:tc>
+                  <a:txBody>
+                    <a:bodyPr/>
+                    <a:lstStyle/>
+                    <a:p>
+                      <a:pPr>
+                        <a:defRPr sz="800">
+                          <a:solidFill>
+                            <a:srgbClr val="0B0B0B"/>
+                          </a:solidFill>
+                          <a:latin typeface="Arial"/>
+                        </a:defRPr>
+                      </a:pPr>
+                      <a:r>
+                        <a:t>0.0</a:t>
+                      </a:r>
+                      <a:endParaRPr lang="es-ES_tradnl" sz="1100" dirty="0">
+                        <a:latin typeface="Arial" charset="0"/>
+                        <a:ea typeface="Arial" charset="0"/>
+                        <a:cs typeface="Arial" charset="0"/>
+                      </a:endParaRPr>
+                    </a:p>
+                  </a:txBody>
+                  <a:tcPr marL="36000" marR="36000" marT="36000" marB="36000"/>
+                </a:tc>
+                <a:tc>
+                  <a:txBody>
+                    <a:bodyPr/>
+                    <a:lstStyle/>
+                    <a:p>
+                      <a:pPr>
+                        <a:defRPr sz="800">
+                          <a:solidFill>
+                            <a:srgbClr val="0B0B0B"/>
+                          </a:solidFill>
+                          <a:latin typeface="Arial"/>
+                        </a:defRPr>
+                      </a:pPr>
+                      <a:r>
+                        <a:t>0.0</a:t>
+                      </a:r>
+                      <a:endParaRPr lang="es-ES_tradnl" sz="1100" dirty="0">
+                        <a:latin typeface="Arial" charset="0"/>
+                        <a:ea typeface="Arial" charset="0"/>
+                        <a:cs typeface="Arial" charset="0"/>
+                      </a:endParaRPr>
+                    </a:p>
+                  </a:txBody>
+                  <a:tcPr marL="36000" marR="36000" marT="36000" marB="36000"/>
+                </a:tc>
+                <a:tc>
+                  <a:txBody>
+                    <a:bodyPr/>
+                    <a:lstStyle/>
+                    <a:p>
+                      <a:pPr>
+                        <a:defRPr sz="800">
+                          <a:solidFill>
+                            <a:srgbClr val="0B0B0B"/>
+                          </a:solidFill>
+                          <a:latin typeface="Arial"/>
+                        </a:defRPr>
+                      </a:pPr>
+                      <a:r>
+                        <a:t>0.0</a:t>
+                      </a:r>
+                      <a:endParaRPr lang="es-ES_tradnl" sz="1100" dirty="0">
+                        <a:latin typeface="Arial" charset="0"/>
+                        <a:ea typeface="Arial" charset="0"/>
+                        <a:cs typeface="Arial" charset="0"/>
+                      </a:endParaRPr>
+                    </a:p>
+                  </a:txBody>
+                  <a:tcPr marL="36000" marR="36000" marT="36000" marB="36000"/>
+                </a:tc>
+                <a:tc>
+                  <a:txBody>
+                    <a:bodyPr/>
+                    <a:lstStyle/>
+                    <a:p>
+                      <a:pPr>
+                        <a:defRPr sz="800">
+                          <a:solidFill>
+                            <a:srgbClr val="0B0B0B"/>
+                          </a:solidFill>
+                          <a:latin typeface="Arial"/>
+                        </a:defRPr>
+                      </a:pPr>
+                      <a:r>
+                        <a:t>0.0</a:t>
+                      </a:r>
+                      <a:endParaRPr lang="es-ES_tradnl" sz="1100" dirty="0">
+                        <a:latin typeface="Arial" charset="0"/>
+                        <a:ea typeface="Arial" charset="0"/>
+                        <a:cs typeface="Arial" charset="0"/>
+                      </a:endParaRPr>
+                    </a:p>
+                  </a:txBody>
+                  <a:tcPr marL="36000" marR="36000" marT="36000" marB="36000"/>
+                </a:tc>
+                <a:tc>
+                  <a:txBody>
+                    <a:bodyPr/>
+                    <a:lstStyle/>
+                    <a:p>
+                      <a:pPr>
+                        <a:defRPr sz="800">
+                          <a:solidFill>
+                            <a:srgbClr val="0B0B0B"/>
+                          </a:solidFill>
+                          <a:latin typeface="Arial"/>
+                        </a:defRPr>
+                      </a:pPr>
+                      <a:r>
+                        <a:t>0.0</a:t>
+                      </a:r>
+                      <a:endParaRPr lang="es-ES_tradnl" sz="1100" dirty="0">
+                        <a:latin typeface="Arial" charset="0"/>
+                        <a:ea typeface="Arial" charset="0"/>
+                        <a:cs typeface="Arial" charset="0"/>
+                      </a:endParaRPr>
+                    </a:p>
+                  </a:txBody>
+                  <a:tcPr marL="36000" marR="36000" marT="36000" marB="36000"/>
+                </a:tc>
+                <a:tc>
+                  <a:txBody>
+                    <a:bodyPr/>
+                    <a:lstStyle/>
+                    <a:p>
+                      <a:pPr>
+                        <a:defRPr sz="800">
+                          <a:solidFill>
+                            <a:srgbClr val="0B0B0B"/>
+                          </a:solidFill>
+                          <a:latin typeface="Arial"/>
+                        </a:defRPr>
+                      </a:pPr>
+                      <a:r>
+                        <a:t>0.0</a:t>
+                      </a:r>
+                      <a:endParaRPr lang="es-ES_tradnl" sz="1100" dirty="0">
+                        <a:latin typeface="Arial" charset="0"/>
+                        <a:ea typeface="Arial" charset="0"/>
+                        <a:cs typeface="Arial" charset="0"/>
+                      </a:endParaRPr>
+                    </a:p>
+                  </a:txBody>
+                  <a:tcPr marL="36000" marR="36000" marT="36000" marB="36000"/>
+                </a:tc>
+                <a:tc>
+                  <a:txBody>
+                    <a:bodyPr/>
+                    <a:lstStyle/>
+                    <a:p>
+                      <a:pPr>
+                        <a:defRPr sz="800">
+                          <a:solidFill>
+                            <a:srgbClr val="0B0B0B"/>
+                          </a:solidFill>
+                          <a:latin typeface="Arial"/>
+                        </a:defRPr>
+                      </a:pPr>
+                      <a:r>
+                        <a:t>0.0</a:t>
+                      </a:r>
+                      <a:endParaRPr lang="es-ES_tradnl" sz="1100" dirty="0">
+                        <a:latin typeface="Arial" charset="0"/>
+                        <a:ea typeface="Arial" charset="0"/>
+                        <a:cs typeface="Arial" charset="0"/>
+                      </a:endParaRPr>
+                    </a:p>
+                  </a:txBody>
+                  <a:tcPr marL="36000" marR="36000" marT="36000" marB="36000"/>
+                </a:tc>
+                <a:tc>
+                  <a:txBody>
+                    <a:bodyPr/>
+                    <a:lstStyle/>
+                    <a:p>
+                      <a:pPr>
+                        <a:defRPr sz="800">
+                          <a:solidFill>
+                            <a:srgbClr val="0B0B0B"/>
+                          </a:solidFill>
+                          <a:latin typeface="Arial"/>
+                        </a:defRPr>
+                      </a:pPr>
+                      <a:r>
+                        <a:t>0.0</a:t>
+                      </a:r>
+                      <a:endParaRPr lang="es-ES_tradnl" sz="1100" dirty="0">
+                        <a:latin typeface="Arial" charset="0"/>
+                        <a:ea typeface="Arial" charset="0"/>
+                        <a:cs typeface="Arial" charset="0"/>
+                      </a:endParaRPr>
+                    </a:p>
+                  </a:txBody>
+                  <a:tcPr marL="36000" marR="36000" marT="36000" marB="36000"/>
+                </a:tc>
+                <a:tc>
+                  <a:txBody>
+                    <a:bodyPr/>
+                    <a:lstStyle/>
+                    <a:p>
+                      <a:pPr>
+                        <a:defRPr sz="800">
+                          <a:solidFill>
+                            <a:srgbClr val="0B0B0B"/>
+                          </a:solidFill>
+                          <a:latin typeface="Arial"/>
+                        </a:defRPr>
+                      </a:pPr>
+                      <a:r>
+                        <a:t>0.0</a:t>
+                      </a:r>
+                      <a:endParaRPr lang="es-ES_tradnl" sz="1100" dirty="0">
+                        <a:latin typeface="Arial" charset="0"/>
+                        <a:ea typeface="Arial" charset="0"/>
+                        <a:cs typeface="Arial" charset="0"/>
+                      </a:endParaRPr>
+                    </a:p>
+                  </a:txBody>
+                  <a:tcPr marL="36000" marR="36000" marT="36000" marB="36000"/>
+                </a:tc>
+                <a:tc>
+                  <a:txBody>
+                    <a:bodyPr/>
+                    <a:lstStyle/>
+                    <a:p>
+                      <a:pPr>
+                        <a:defRPr sz="800">
+                          <a:solidFill>
+                            <a:srgbClr val="0B0B0B"/>
+                          </a:solidFill>
+                          <a:latin typeface="Arial"/>
+                        </a:defRPr>
+                      </a:pPr>
+                      <a:r>
+                        <a:t>204.0</a:t>
+                      </a:r>
+                      <a:endParaRPr lang="es-ES_tradnl" sz="1100" dirty="0">
+                        <a:latin typeface="Arial" charset="0"/>
+                        <a:ea typeface="Arial" charset="0"/>
+                        <a:cs typeface="Arial" charset="0"/>
+                      </a:endParaRPr>
+                    </a:p>
+                  </a:txBody>
+                  <a:tcPr marL="36000" marR="36000" marT="36000" marB="36000"/>
+                </a:tc>
+                <a:tc>
+                  <a:txBody>
+                    <a:bodyPr/>
+                    <a:lstStyle/>
+                    <a:p>
+                      <a:pPr>
+                        <a:defRPr sz="800">
+                          <a:solidFill>
+                            <a:srgbClr val="0B0B0B"/>
+                          </a:solidFill>
+                          <a:latin typeface="Arial"/>
+                        </a:defRPr>
+                      </a:pPr>
+                      <a:r>
+                        <a:t>180948.0</a:t>
+                      </a:r>
                       <a:endParaRPr lang="es-ES_tradnl" sz="1100" dirty="0">
                         <a:latin typeface="Arial" charset="0"/>
                         <a:ea typeface="Arial" charset="0"/>
@@ -6590,34 +7878,64 @@
                     <a:bodyPr/>
                     <a:lstStyle/>
                     <a:p>
-                      <a:endParaRPr lang="es-ES_tradnl" sz="1100" dirty="0">
-                        <a:latin typeface="Arial" charset="0"/>
-                        <a:ea typeface="Arial" charset="0"/>
-                        <a:cs typeface="Arial" charset="0"/>
-                      </a:endParaRPr>
-                    </a:p>
-                  </a:txBody>
-                  <a:tcPr marL="36000" marR="36000" marT="36000" marB="36000"/>
-                </a:tc>
-                <a:tc>
-                  <a:txBody>
-                    <a:bodyPr/>
-                    <a:lstStyle/>
-                    <a:p>
-                      <a:endParaRPr lang="es-ES_tradnl" sz="1100" dirty="0">
-                        <a:latin typeface="Arial" charset="0"/>
-                        <a:ea typeface="Arial" charset="0"/>
-                        <a:cs typeface="Arial" charset="0"/>
-                      </a:endParaRPr>
-                    </a:p>
-                  </a:txBody>
-                  <a:tcPr marL="36000" marR="36000" marT="36000" marB="36000"/>
-                </a:tc>
-                <a:tc>
-                  <a:txBody>
-                    <a:bodyPr/>
-                    <a:lstStyle/>
-                    <a:p>
+                      <a:pPr>
+                        <a:defRPr sz="800">
+                          <a:solidFill>
+                            <a:srgbClr val="0B0B0B"/>
+                          </a:solidFill>
+                          <a:latin typeface="Arial"/>
+                        </a:defRPr>
+                      </a:pPr>
+                      <a:endParaRPr lang="es-ES_tradnl" sz="1100" dirty="0">
+                        <a:latin typeface="Arial" charset="0"/>
+                        <a:ea typeface="Arial" charset="0"/>
+                        <a:cs typeface="Arial" charset="0"/>
+                      </a:endParaRPr>
+                    </a:p>
+                  </a:txBody>
+                  <a:tcPr marL="36000" marR="36000" marT="36000" marB="36000"/>
+                </a:tc>
+                <a:tc>
+                  <a:txBody>
+                    <a:bodyPr/>
+                    <a:lstStyle/>
+                    <a:p>
+                      <a:pPr>
+                        <a:defRPr sz="800">
+                          <a:solidFill>
+                            <a:srgbClr val="0B0B0B"/>
+                          </a:solidFill>
+                          <a:latin typeface="Arial"/>
+                        </a:defRPr>
+                      </a:pPr>
+                      <a:r>
+                        <a:t>Benito Juárez</a:t>
+                      </a:r>
+                      <a:endParaRPr lang="es-ES_tradnl" sz="1100" dirty="0">
+                        <a:latin typeface="Arial" charset="0"/>
+                        <a:ea typeface="Arial" charset="0"/>
+                        <a:cs typeface="Arial" charset="0"/>
+                      </a:endParaRPr>
+                    </a:p>
+                  </a:txBody>
+                  <a:tcPr marL="36000" marR="36000" marT="36000" marB="36000"/>
+                </a:tc>
+                <a:tc>
+                  <a:txBody>
+                    <a:bodyPr/>
+                    <a:lstStyle/>
+                    <a:p>
+                      <a:pPr>
+                        <a:defRPr sz="800">
+                          <a:solidFill>
+                            <a:srgbClr val="0B0B0B"/>
+                          </a:solidFill>
+                          <a:latin typeface="Arial"/>
+                        </a:defRPr>
+                      </a:pPr>
+                      <a:r>
+                        <a:t>991.0</a:t>
+                      </a:r>
                       <a:endParaRPr lang="es-ES_tradnl" sz="1100">
                         <a:latin typeface="Arial" charset="0"/>
                         <a:ea typeface="Arial" charset="0"/>
@@ -6632,174 +7950,317 @@
                     <a:bodyPr/>
                     <a:lstStyle/>
                     <a:p>
-                      <a:endParaRPr lang="es-ES_tradnl" sz="1100" dirty="0">
-                        <a:latin typeface="Arial" charset="0"/>
-                        <a:ea typeface="Arial" charset="0"/>
-                        <a:cs typeface="Arial" charset="0"/>
-                      </a:endParaRPr>
-                    </a:p>
-                  </a:txBody>
-                  <a:tcPr marL="36000" marR="36000" marT="36000" marB="36000"/>
-                </a:tc>
-                <a:tc>
-                  <a:txBody>
-                    <a:bodyPr/>
-                    <a:lstStyle/>
-                    <a:p>
-                      <a:endParaRPr lang="es-ES_tradnl" sz="1100" dirty="0">
-                        <a:latin typeface="Arial" charset="0"/>
-                        <a:ea typeface="Arial" charset="0"/>
-                        <a:cs typeface="Arial" charset="0"/>
-                      </a:endParaRPr>
-                    </a:p>
-                  </a:txBody>
-                  <a:tcPr marL="36000" marR="36000" marT="36000" marB="36000"/>
-                </a:tc>
-                <a:tc>
-                  <a:txBody>
-                    <a:bodyPr/>
-                    <a:lstStyle/>
-                    <a:p>
-                      <a:endParaRPr lang="es-ES_tradnl" sz="1100" dirty="0">
-                        <a:latin typeface="Arial" charset="0"/>
-                        <a:ea typeface="Arial" charset="0"/>
-                        <a:cs typeface="Arial" charset="0"/>
-                      </a:endParaRPr>
-                    </a:p>
-                  </a:txBody>
-                  <a:tcPr marL="36000" marR="36000" marT="36000" marB="36000"/>
-                </a:tc>
-                <a:tc>
-                  <a:txBody>
-                    <a:bodyPr/>
-                    <a:lstStyle/>
-                    <a:p>
-                      <a:endParaRPr lang="es-ES_tradnl" sz="1100" dirty="0">
-                        <a:latin typeface="Arial" charset="0"/>
-                        <a:ea typeface="Arial" charset="0"/>
-                        <a:cs typeface="Arial" charset="0"/>
-                      </a:endParaRPr>
-                    </a:p>
-                  </a:txBody>
-                  <a:tcPr marL="36000" marR="36000" marT="36000" marB="36000"/>
-                </a:tc>
-                <a:tc>
-                  <a:txBody>
-                    <a:bodyPr/>
-                    <a:lstStyle/>
-                    <a:p>
-                      <a:endParaRPr lang="es-ES_tradnl" sz="1100" dirty="0">
-                        <a:latin typeface="Arial" charset="0"/>
-                        <a:ea typeface="Arial" charset="0"/>
-                        <a:cs typeface="Arial" charset="0"/>
-                      </a:endParaRPr>
-                    </a:p>
-                  </a:txBody>
-                  <a:tcPr marL="36000" marR="36000" marT="36000" marB="36000"/>
-                </a:tc>
-                <a:tc>
-                  <a:txBody>
-                    <a:bodyPr/>
-                    <a:lstStyle/>
-                    <a:p>
-                      <a:endParaRPr lang="es-ES_tradnl" sz="1100" dirty="0">
-                        <a:latin typeface="Arial" charset="0"/>
-                        <a:ea typeface="Arial" charset="0"/>
-                        <a:cs typeface="Arial" charset="0"/>
-                      </a:endParaRPr>
-                    </a:p>
-                  </a:txBody>
-                  <a:tcPr marL="36000" marR="36000" marT="36000" marB="36000"/>
-                </a:tc>
-                <a:tc>
-                  <a:txBody>
-                    <a:bodyPr/>
-                    <a:lstStyle/>
-                    <a:p>
-                      <a:endParaRPr lang="es-ES_tradnl" sz="1100" dirty="0">
-                        <a:latin typeface="Arial" charset="0"/>
-                        <a:ea typeface="Arial" charset="0"/>
-                        <a:cs typeface="Arial" charset="0"/>
-                      </a:endParaRPr>
-                    </a:p>
-                  </a:txBody>
-                  <a:tcPr marL="36000" marR="36000" marT="36000" marB="36000"/>
-                </a:tc>
-                <a:tc>
-                  <a:txBody>
-                    <a:bodyPr/>
-                    <a:lstStyle/>
-                    <a:p>
-                      <a:endParaRPr lang="es-ES_tradnl" sz="1100" dirty="0">
-                        <a:latin typeface="Arial" charset="0"/>
-                        <a:ea typeface="Arial" charset="0"/>
-                        <a:cs typeface="Arial" charset="0"/>
-                      </a:endParaRPr>
-                    </a:p>
-                  </a:txBody>
-                  <a:tcPr marL="36000" marR="36000" marT="36000" marB="36000"/>
-                </a:tc>
-                <a:tc>
-                  <a:txBody>
-                    <a:bodyPr/>
-                    <a:lstStyle/>
-                    <a:p>
-                      <a:endParaRPr lang="es-ES_tradnl" sz="1100" dirty="0">
-                        <a:latin typeface="Arial" charset="0"/>
-                        <a:ea typeface="Arial" charset="0"/>
-                        <a:cs typeface="Arial" charset="0"/>
-                      </a:endParaRPr>
-                    </a:p>
-                  </a:txBody>
-                  <a:tcPr marL="36000" marR="36000" marT="36000" marB="36000"/>
-                </a:tc>
-                <a:tc>
-                  <a:txBody>
-                    <a:bodyPr/>
-                    <a:lstStyle/>
-                    <a:p>
-                      <a:endParaRPr lang="es-ES_tradnl" sz="1100" dirty="0">
-                        <a:latin typeface="Arial" charset="0"/>
-                        <a:ea typeface="Arial" charset="0"/>
-                        <a:cs typeface="Arial" charset="0"/>
-                      </a:endParaRPr>
-                    </a:p>
-                  </a:txBody>
-                  <a:tcPr marL="36000" marR="36000" marT="36000" marB="36000"/>
-                </a:tc>
-                <a:tc>
-                  <a:txBody>
-                    <a:bodyPr/>
-                    <a:lstStyle/>
-                    <a:p>
-                      <a:endParaRPr lang="es-ES_tradnl" sz="1100" dirty="0">
-                        <a:latin typeface="Arial" charset="0"/>
-                        <a:ea typeface="Arial" charset="0"/>
-                        <a:cs typeface="Arial" charset="0"/>
-                      </a:endParaRPr>
-                    </a:p>
-                  </a:txBody>
-                  <a:tcPr marL="36000" marR="36000" marT="36000" marB="36000"/>
-                </a:tc>
-                <a:tc>
-                  <a:txBody>
-                    <a:bodyPr/>
-                    <a:lstStyle/>
-                    <a:p>
-                      <a:endParaRPr lang="es-ES_tradnl" sz="1100" dirty="0">
-                        <a:latin typeface="Arial" charset="0"/>
-                        <a:ea typeface="Arial" charset="0"/>
-                        <a:cs typeface="Arial" charset="0"/>
-                      </a:endParaRPr>
-                    </a:p>
-                  </a:txBody>
-                  <a:tcPr marL="36000" marR="36000" marT="36000" marB="36000"/>
-                </a:tc>
-                <a:tc>
-                  <a:txBody>
-                    <a:bodyPr/>
-                    <a:lstStyle/>
-                    <a:p>
+                      <a:pPr>
+                        <a:defRPr sz="800">
+                          <a:solidFill>
+                            <a:srgbClr val="0B0B0B"/>
+                          </a:solidFill>
+                          <a:latin typeface="Arial"/>
+                        </a:defRPr>
+                      </a:pPr>
+                      <a:r>
+                        <a:t>1005.0</a:t>
+                      </a:r>
+                      <a:endParaRPr lang="es-ES_tradnl" sz="1100" dirty="0">
+                        <a:latin typeface="Arial" charset="0"/>
+                        <a:ea typeface="Arial" charset="0"/>
+                        <a:cs typeface="Arial" charset="0"/>
+                      </a:endParaRPr>
+                    </a:p>
+                  </a:txBody>
+                  <a:tcPr marL="36000" marR="36000" marT="36000" marB="36000"/>
+                </a:tc>
+                <a:tc>
+                  <a:txBody>
+                    <a:bodyPr/>
+                    <a:lstStyle/>
+                    <a:p>
+                      <a:pPr>
+                        <a:defRPr sz="800">
+                          <a:solidFill>
+                            <a:srgbClr val="0B0B0B"/>
+                          </a:solidFill>
+                          <a:latin typeface="Arial"/>
+                        </a:defRPr>
+                      </a:pPr>
+                      <a:r>
+                        <a:t>0.0</a:t>
+                      </a:r>
+                      <a:endParaRPr lang="es-ES_tradnl" sz="1100" dirty="0">
+                        <a:latin typeface="Arial" charset="0"/>
+                        <a:ea typeface="Arial" charset="0"/>
+                        <a:cs typeface="Arial" charset="0"/>
+                      </a:endParaRPr>
+                    </a:p>
+                  </a:txBody>
+                  <a:tcPr marL="36000" marR="36000" marT="36000" marB="36000"/>
+                </a:tc>
+                <a:tc>
+                  <a:txBody>
+                    <a:bodyPr/>
+                    <a:lstStyle/>
+                    <a:p>
+                      <a:pPr>
+                        <a:defRPr sz="800">
+                          <a:solidFill>
+                            <a:srgbClr val="0B0B0B"/>
+                          </a:solidFill>
+                          <a:latin typeface="Arial"/>
+                        </a:defRPr>
+                      </a:pPr>
+                      <a:r>
+                        <a:t>0.0</a:t>
+                      </a:r>
+                      <a:endParaRPr lang="es-ES_tradnl" sz="1100" dirty="0">
+                        <a:latin typeface="Arial" charset="0"/>
+                        <a:ea typeface="Arial" charset="0"/>
+                        <a:cs typeface="Arial" charset="0"/>
+                      </a:endParaRPr>
+                    </a:p>
+                  </a:txBody>
+                  <a:tcPr marL="36000" marR="36000" marT="36000" marB="36000"/>
+                </a:tc>
+                <a:tc>
+                  <a:txBody>
+                    <a:bodyPr/>
+                    <a:lstStyle/>
+                    <a:p>
+                      <a:pPr>
+                        <a:defRPr sz="800">
+                          <a:solidFill>
+                            <a:srgbClr val="0B0B0B"/>
+                          </a:solidFill>
+                          <a:latin typeface="Arial"/>
+                        </a:defRPr>
+                      </a:pPr>
+                      <a:r>
+                        <a:t>0.0</a:t>
+                      </a:r>
+                      <a:endParaRPr lang="es-ES_tradnl" sz="1100" dirty="0">
+                        <a:latin typeface="Arial" charset="0"/>
+                        <a:ea typeface="Arial" charset="0"/>
+                        <a:cs typeface="Arial" charset="0"/>
+                      </a:endParaRPr>
+                    </a:p>
+                  </a:txBody>
+                  <a:tcPr marL="36000" marR="36000" marT="36000" marB="36000"/>
+                </a:tc>
+                <a:tc>
+                  <a:txBody>
+                    <a:bodyPr/>
+                    <a:lstStyle/>
+                    <a:p>
+                      <a:pPr>
+                        <a:defRPr sz="800">
+                          <a:solidFill>
+                            <a:srgbClr val="0B0B0B"/>
+                          </a:solidFill>
+                          <a:latin typeface="Arial"/>
+                        </a:defRPr>
+                      </a:pPr>
+                      <a:r>
+                        <a:t>0.0</a:t>
+                      </a:r>
+                      <a:endParaRPr lang="es-ES_tradnl" sz="1100" dirty="0">
+                        <a:latin typeface="Arial" charset="0"/>
+                        <a:ea typeface="Arial" charset="0"/>
+                        <a:cs typeface="Arial" charset="0"/>
+                      </a:endParaRPr>
+                    </a:p>
+                  </a:txBody>
+                  <a:tcPr marL="36000" marR="36000" marT="36000" marB="36000"/>
+                </a:tc>
+                <a:tc>
+                  <a:txBody>
+                    <a:bodyPr/>
+                    <a:lstStyle/>
+                    <a:p>
+                      <a:pPr>
+                        <a:defRPr sz="800">
+                          <a:solidFill>
+                            <a:srgbClr val="0B0B0B"/>
+                          </a:solidFill>
+                          <a:latin typeface="Arial"/>
+                        </a:defRPr>
+                      </a:pPr>
+                      <a:r>
+                        <a:t>0.0</a:t>
+                      </a:r>
+                      <a:endParaRPr lang="es-ES_tradnl" sz="1100" dirty="0">
+                        <a:latin typeface="Arial" charset="0"/>
+                        <a:ea typeface="Arial" charset="0"/>
+                        <a:cs typeface="Arial" charset="0"/>
+                      </a:endParaRPr>
+                    </a:p>
+                  </a:txBody>
+                  <a:tcPr marL="36000" marR="36000" marT="36000" marB="36000"/>
+                </a:tc>
+                <a:tc>
+                  <a:txBody>
+                    <a:bodyPr/>
+                    <a:lstStyle/>
+                    <a:p>
+                      <a:pPr>
+                        <a:defRPr sz="800">
+                          <a:solidFill>
+                            <a:srgbClr val="0B0B0B"/>
+                          </a:solidFill>
+                          <a:latin typeface="Arial"/>
+                        </a:defRPr>
+                      </a:pPr>
+                      <a:r>
+                        <a:t>0.0</a:t>
+                      </a:r>
+                      <a:endParaRPr lang="es-ES_tradnl" sz="1100" dirty="0">
+                        <a:latin typeface="Arial" charset="0"/>
+                        <a:ea typeface="Arial" charset="0"/>
+                        <a:cs typeface="Arial" charset="0"/>
+                      </a:endParaRPr>
+                    </a:p>
+                  </a:txBody>
+                  <a:tcPr marL="36000" marR="36000" marT="36000" marB="36000"/>
+                </a:tc>
+                <a:tc>
+                  <a:txBody>
+                    <a:bodyPr/>
+                    <a:lstStyle/>
+                    <a:p>
+                      <a:pPr>
+                        <a:defRPr sz="800">
+                          <a:solidFill>
+                            <a:srgbClr val="0B0B0B"/>
+                          </a:solidFill>
+                          <a:latin typeface="Arial"/>
+                        </a:defRPr>
+                      </a:pPr>
+                      <a:r>
+                        <a:t>0.0</a:t>
+                      </a:r>
+                      <a:endParaRPr lang="es-ES_tradnl" sz="1100" dirty="0">
+                        <a:latin typeface="Arial" charset="0"/>
+                        <a:ea typeface="Arial" charset="0"/>
+                        <a:cs typeface="Arial" charset="0"/>
+                      </a:endParaRPr>
+                    </a:p>
+                  </a:txBody>
+                  <a:tcPr marL="36000" marR="36000" marT="36000" marB="36000"/>
+                </a:tc>
+                <a:tc>
+                  <a:txBody>
+                    <a:bodyPr/>
+                    <a:lstStyle/>
+                    <a:p>
+                      <a:pPr>
+                        <a:defRPr sz="800">
+                          <a:solidFill>
+                            <a:srgbClr val="0B0B0B"/>
+                          </a:solidFill>
+                          <a:latin typeface="Arial"/>
+                        </a:defRPr>
+                      </a:pPr>
+                      <a:r>
+                        <a:t>0.0</a:t>
+                      </a:r>
+                      <a:endParaRPr lang="es-ES_tradnl" sz="1100" dirty="0">
+                        <a:latin typeface="Arial" charset="0"/>
+                        <a:ea typeface="Arial" charset="0"/>
+                        <a:cs typeface="Arial" charset="0"/>
+                      </a:endParaRPr>
+                    </a:p>
+                  </a:txBody>
+                  <a:tcPr marL="36000" marR="36000" marT="36000" marB="36000"/>
+                </a:tc>
+                <a:tc>
+                  <a:txBody>
+                    <a:bodyPr/>
+                    <a:lstStyle/>
+                    <a:p>
+                      <a:pPr>
+                        <a:defRPr sz="800">
+                          <a:solidFill>
+                            <a:srgbClr val="0B0B0B"/>
+                          </a:solidFill>
+                          <a:latin typeface="Arial"/>
+                        </a:defRPr>
+                      </a:pPr>
+                      <a:r>
+                        <a:t>0.0</a:t>
+                      </a:r>
+                      <a:endParaRPr lang="es-ES_tradnl" sz="1100" dirty="0">
+                        <a:latin typeface="Arial" charset="0"/>
+                        <a:ea typeface="Arial" charset="0"/>
+                        <a:cs typeface="Arial" charset="0"/>
+                      </a:endParaRPr>
+                    </a:p>
+                  </a:txBody>
+                  <a:tcPr marL="36000" marR="36000" marT="36000" marB="36000"/>
+                </a:tc>
+                <a:tc>
+                  <a:txBody>
+                    <a:bodyPr/>
+                    <a:lstStyle/>
+                    <a:p>
+                      <a:pPr>
+                        <a:defRPr sz="800">
+                          <a:solidFill>
+                            <a:srgbClr val="0B0B0B"/>
+                          </a:solidFill>
+                          <a:latin typeface="Arial"/>
+                        </a:defRPr>
+                      </a:pPr>
+                      <a:r>
+                        <a:t>0.0</a:t>
+                      </a:r>
+                      <a:endParaRPr lang="es-ES_tradnl" sz="1100" dirty="0">
+                        <a:latin typeface="Arial" charset="0"/>
+                        <a:ea typeface="Arial" charset="0"/>
+                        <a:cs typeface="Arial" charset="0"/>
+                      </a:endParaRPr>
+                    </a:p>
+                  </a:txBody>
+                  <a:tcPr marL="36000" marR="36000" marT="36000" marB="36000"/>
+                </a:tc>
+                <a:tc>
+                  <a:txBody>
+                    <a:bodyPr/>
+                    <a:lstStyle/>
+                    <a:p>
+                      <a:pPr>
+                        <a:defRPr sz="800">
+                          <a:solidFill>
+                            <a:srgbClr val="0B0B0B"/>
+                          </a:solidFill>
+                          <a:latin typeface="Arial"/>
+                        </a:defRPr>
+                      </a:pPr>
+                      <a:r>
+                        <a:t>1996.0</a:t>
+                      </a:r>
+                      <a:endParaRPr lang="es-ES_tradnl" sz="1100" dirty="0">
+                        <a:latin typeface="Arial" charset="0"/>
+                        <a:ea typeface="Arial" charset="0"/>
+                        <a:cs typeface="Arial" charset="0"/>
+                      </a:endParaRPr>
+                    </a:p>
+                  </a:txBody>
+                  <a:tcPr marL="36000" marR="36000" marT="36000" marB="36000"/>
+                </a:tc>
+                <a:tc>
+                  <a:txBody>
+                    <a:bodyPr/>
+                    <a:lstStyle/>
+                    <a:p>
+                      <a:pPr>
+                        <a:defRPr sz="800">
+                          <a:solidFill>
+                            <a:srgbClr val="0B0B0B"/>
+                          </a:solidFill>
+                          <a:latin typeface="Arial"/>
+                        </a:defRPr>
+                      </a:pPr>
+                      <a:r>
+                        <a:t>1770452.0</a:t>
+                      </a:r>
                       <a:endParaRPr lang="es-ES_tradnl" sz="1100" dirty="0">
                         <a:latin typeface="Arial" charset="0"/>
                         <a:ea typeface="Arial" charset="0"/>
@@ -6816,34 +8277,64 @@
                     <a:bodyPr/>
                     <a:lstStyle/>
                     <a:p>
-                      <a:endParaRPr lang="es-ES_tradnl" sz="1100" dirty="0">
-                        <a:latin typeface="Arial" charset="0"/>
-                        <a:ea typeface="Arial" charset="0"/>
-                        <a:cs typeface="Arial" charset="0"/>
-                      </a:endParaRPr>
-                    </a:p>
-                  </a:txBody>
-                  <a:tcPr marL="36000" marR="36000" marT="36000" marB="36000"/>
-                </a:tc>
-                <a:tc>
-                  <a:txBody>
-                    <a:bodyPr/>
-                    <a:lstStyle/>
-                    <a:p>
-                      <a:endParaRPr lang="es-ES_tradnl" sz="1100" dirty="0">
-                        <a:latin typeface="Arial" charset="0"/>
-                        <a:ea typeface="Arial" charset="0"/>
-                        <a:cs typeface="Arial" charset="0"/>
-                      </a:endParaRPr>
-                    </a:p>
-                  </a:txBody>
-                  <a:tcPr marL="36000" marR="36000" marT="36000" marB="36000"/>
-                </a:tc>
-                <a:tc>
-                  <a:txBody>
-                    <a:bodyPr/>
-                    <a:lstStyle/>
-                    <a:p>
+                      <a:pPr>
+                        <a:defRPr sz="800">
+                          <a:solidFill>
+                            <a:srgbClr val="0B0B0B"/>
+                          </a:solidFill>
+                          <a:latin typeface="Arial"/>
+                        </a:defRPr>
+                      </a:pPr>
+                      <a:endParaRPr lang="es-ES_tradnl" sz="1100" dirty="0">
+                        <a:latin typeface="Arial" charset="0"/>
+                        <a:ea typeface="Arial" charset="0"/>
+                        <a:cs typeface="Arial" charset="0"/>
+                      </a:endParaRPr>
+                    </a:p>
+                  </a:txBody>
+                  <a:tcPr marL="36000" marR="36000" marT="36000" marB="36000"/>
+                </a:tc>
+                <a:tc>
+                  <a:txBody>
+                    <a:bodyPr/>
+                    <a:lstStyle/>
+                    <a:p>
+                      <a:pPr>
+                        <a:defRPr sz="800">
+                          <a:solidFill>
+                            <a:srgbClr val="0B0B0B"/>
+                          </a:solidFill>
+                          <a:latin typeface="Arial"/>
+                        </a:defRPr>
+                      </a:pPr>
+                      <a:r>
+                        <a:t>Cuauhtémoc</a:t>
+                      </a:r>
+                      <a:endParaRPr lang="es-ES_tradnl" sz="1100" dirty="0">
+                        <a:latin typeface="Arial" charset="0"/>
+                        <a:ea typeface="Arial" charset="0"/>
+                        <a:cs typeface="Arial" charset="0"/>
+                      </a:endParaRPr>
+                    </a:p>
+                  </a:txBody>
+                  <a:tcPr marL="36000" marR="36000" marT="36000" marB="36000"/>
+                </a:tc>
+                <a:tc>
+                  <a:txBody>
+                    <a:bodyPr/>
+                    <a:lstStyle/>
+                    <a:p>
+                      <a:pPr>
+                        <a:defRPr sz="800">
+                          <a:solidFill>
+                            <a:srgbClr val="0B0B0B"/>
+                          </a:solidFill>
+                          <a:latin typeface="Arial"/>
+                        </a:defRPr>
+                      </a:pPr>
+                      <a:r>
+                        <a:t>1445.0</a:t>
+                      </a:r>
                       <a:endParaRPr lang="es-ES_tradnl" sz="1100">
                         <a:latin typeface="Arial" charset="0"/>
                         <a:ea typeface="Arial" charset="0"/>
@@ -6858,174 +8349,317 @@
                     <a:bodyPr/>
                     <a:lstStyle/>
                     <a:p>
-                      <a:endParaRPr lang="es-ES_tradnl" sz="1100" dirty="0">
-                        <a:latin typeface="Arial" charset="0"/>
-                        <a:ea typeface="Arial" charset="0"/>
-                        <a:cs typeface="Arial" charset="0"/>
-                      </a:endParaRPr>
-                    </a:p>
-                  </a:txBody>
-                  <a:tcPr marL="36000" marR="36000" marT="36000" marB="36000"/>
-                </a:tc>
-                <a:tc>
-                  <a:txBody>
-                    <a:bodyPr/>
-                    <a:lstStyle/>
-                    <a:p>
-                      <a:endParaRPr lang="es-ES_tradnl" sz="1100" dirty="0">
-                        <a:latin typeface="Arial" charset="0"/>
-                        <a:ea typeface="Arial" charset="0"/>
-                        <a:cs typeface="Arial" charset="0"/>
-                      </a:endParaRPr>
-                    </a:p>
-                  </a:txBody>
-                  <a:tcPr marL="36000" marR="36000" marT="36000" marB="36000"/>
-                </a:tc>
-                <a:tc>
-                  <a:txBody>
-                    <a:bodyPr/>
-                    <a:lstStyle/>
-                    <a:p>
-                      <a:endParaRPr lang="es-ES_tradnl" sz="1100" dirty="0">
-                        <a:latin typeface="Arial" charset="0"/>
-                        <a:ea typeface="Arial" charset="0"/>
-                        <a:cs typeface="Arial" charset="0"/>
-                      </a:endParaRPr>
-                    </a:p>
-                  </a:txBody>
-                  <a:tcPr marL="36000" marR="36000" marT="36000" marB="36000"/>
-                </a:tc>
-                <a:tc>
-                  <a:txBody>
-                    <a:bodyPr/>
-                    <a:lstStyle/>
-                    <a:p>
-                      <a:endParaRPr lang="es-ES_tradnl" sz="1100" dirty="0">
-                        <a:latin typeface="Arial" charset="0"/>
-                        <a:ea typeface="Arial" charset="0"/>
-                        <a:cs typeface="Arial" charset="0"/>
-                      </a:endParaRPr>
-                    </a:p>
-                  </a:txBody>
-                  <a:tcPr marL="36000" marR="36000" marT="36000" marB="36000"/>
-                </a:tc>
-                <a:tc>
-                  <a:txBody>
-                    <a:bodyPr/>
-                    <a:lstStyle/>
-                    <a:p>
-                      <a:endParaRPr lang="es-ES_tradnl" sz="1100" dirty="0">
-                        <a:latin typeface="Arial" charset="0"/>
-                        <a:ea typeface="Arial" charset="0"/>
-                        <a:cs typeface="Arial" charset="0"/>
-                      </a:endParaRPr>
-                    </a:p>
-                  </a:txBody>
-                  <a:tcPr marL="36000" marR="36000" marT="36000" marB="36000"/>
-                </a:tc>
-                <a:tc>
-                  <a:txBody>
-                    <a:bodyPr/>
-                    <a:lstStyle/>
-                    <a:p>
-                      <a:endParaRPr lang="es-ES_tradnl" sz="1100" dirty="0">
-                        <a:latin typeface="Arial" charset="0"/>
-                        <a:ea typeface="Arial" charset="0"/>
-                        <a:cs typeface="Arial" charset="0"/>
-                      </a:endParaRPr>
-                    </a:p>
-                  </a:txBody>
-                  <a:tcPr marL="36000" marR="36000" marT="36000" marB="36000"/>
-                </a:tc>
-                <a:tc>
-                  <a:txBody>
-                    <a:bodyPr/>
-                    <a:lstStyle/>
-                    <a:p>
-                      <a:endParaRPr lang="es-ES_tradnl" sz="1100" dirty="0">
-                        <a:latin typeface="Arial" charset="0"/>
-                        <a:ea typeface="Arial" charset="0"/>
-                        <a:cs typeface="Arial" charset="0"/>
-                      </a:endParaRPr>
-                    </a:p>
-                  </a:txBody>
-                  <a:tcPr marL="36000" marR="36000" marT="36000" marB="36000"/>
-                </a:tc>
-                <a:tc>
-                  <a:txBody>
-                    <a:bodyPr/>
-                    <a:lstStyle/>
-                    <a:p>
-                      <a:endParaRPr lang="es-ES_tradnl" sz="1100" dirty="0">
-                        <a:latin typeface="Arial" charset="0"/>
-                        <a:ea typeface="Arial" charset="0"/>
-                        <a:cs typeface="Arial" charset="0"/>
-                      </a:endParaRPr>
-                    </a:p>
-                  </a:txBody>
-                  <a:tcPr marL="36000" marR="36000" marT="36000" marB="36000"/>
-                </a:tc>
-                <a:tc>
-                  <a:txBody>
-                    <a:bodyPr/>
-                    <a:lstStyle/>
-                    <a:p>
-                      <a:endParaRPr lang="es-ES_tradnl" sz="1100" dirty="0">
-                        <a:latin typeface="Arial" charset="0"/>
-                        <a:ea typeface="Arial" charset="0"/>
-                        <a:cs typeface="Arial" charset="0"/>
-                      </a:endParaRPr>
-                    </a:p>
-                  </a:txBody>
-                  <a:tcPr marL="36000" marR="36000" marT="36000" marB="36000"/>
-                </a:tc>
-                <a:tc>
-                  <a:txBody>
-                    <a:bodyPr/>
-                    <a:lstStyle/>
-                    <a:p>
-                      <a:endParaRPr lang="es-ES_tradnl" sz="1100" dirty="0">
-                        <a:latin typeface="Arial" charset="0"/>
-                        <a:ea typeface="Arial" charset="0"/>
-                        <a:cs typeface="Arial" charset="0"/>
-                      </a:endParaRPr>
-                    </a:p>
-                  </a:txBody>
-                  <a:tcPr marL="36000" marR="36000" marT="36000" marB="36000"/>
-                </a:tc>
-                <a:tc>
-                  <a:txBody>
-                    <a:bodyPr/>
-                    <a:lstStyle/>
-                    <a:p>
-                      <a:endParaRPr lang="es-ES_tradnl" sz="1100" dirty="0">
-                        <a:latin typeface="Arial" charset="0"/>
-                        <a:ea typeface="Arial" charset="0"/>
-                        <a:cs typeface="Arial" charset="0"/>
-                      </a:endParaRPr>
-                    </a:p>
-                  </a:txBody>
-                  <a:tcPr marL="36000" marR="36000" marT="36000" marB="36000"/>
-                </a:tc>
-                <a:tc>
-                  <a:txBody>
-                    <a:bodyPr/>
-                    <a:lstStyle/>
-                    <a:p>
-                      <a:endParaRPr lang="es-ES_tradnl" sz="1100" dirty="0">
-                        <a:latin typeface="Arial" charset="0"/>
-                        <a:ea typeface="Arial" charset="0"/>
-                        <a:cs typeface="Arial" charset="0"/>
-                      </a:endParaRPr>
-                    </a:p>
-                  </a:txBody>
-                  <a:tcPr marL="36000" marR="36000" marT="36000" marB="36000"/>
-                </a:tc>
-                <a:tc>
-                  <a:txBody>
-                    <a:bodyPr/>
-                    <a:lstStyle/>
-                    <a:p>
+                      <a:pPr>
+                        <a:defRPr sz="800">
+                          <a:solidFill>
+                            <a:srgbClr val="0B0B0B"/>
+                          </a:solidFill>
+                          <a:latin typeface="Arial"/>
+                        </a:defRPr>
+                      </a:pPr>
+                      <a:r>
+                        <a:t>1485.0</a:t>
+                      </a:r>
+                      <a:endParaRPr lang="es-ES_tradnl" sz="1100" dirty="0">
+                        <a:latin typeface="Arial" charset="0"/>
+                        <a:ea typeface="Arial" charset="0"/>
+                        <a:cs typeface="Arial" charset="0"/>
+                      </a:endParaRPr>
+                    </a:p>
+                  </a:txBody>
+                  <a:tcPr marL="36000" marR="36000" marT="36000" marB="36000"/>
+                </a:tc>
+                <a:tc>
+                  <a:txBody>
+                    <a:bodyPr/>
+                    <a:lstStyle/>
+                    <a:p>
+                      <a:pPr>
+                        <a:defRPr sz="800">
+                          <a:solidFill>
+                            <a:srgbClr val="0B0B0B"/>
+                          </a:solidFill>
+                          <a:latin typeface="Arial"/>
+                        </a:defRPr>
+                      </a:pPr>
+                      <a:r>
+                        <a:t>0.0</a:t>
+                      </a:r>
+                      <a:endParaRPr lang="es-ES_tradnl" sz="1100" dirty="0">
+                        <a:latin typeface="Arial" charset="0"/>
+                        <a:ea typeface="Arial" charset="0"/>
+                        <a:cs typeface="Arial" charset="0"/>
+                      </a:endParaRPr>
+                    </a:p>
+                  </a:txBody>
+                  <a:tcPr marL="36000" marR="36000" marT="36000" marB="36000"/>
+                </a:tc>
+                <a:tc>
+                  <a:txBody>
+                    <a:bodyPr/>
+                    <a:lstStyle/>
+                    <a:p>
+                      <a:pPr>
+                        <a:defRPr sz="800">
+                          <a:solidFill>
+                            <a:srgbClr val="0B0B0B"/>
+                          </a:solidFill>
+                          <a:latin typeface="Arial"/>
+                        </a:defRPr>
+                      </a:pPr>
+                      <a:r>
+                        <a:t>0.0</a:t>
+                      </a:r>
+                      <a:endParaRPr lang="es-ES_tradnl" sz="1100" dirty="0">
+                        <a:latin typeface="Arial" charset="0"/>
+                        <a:ea typeface="Arial" charset="0"/>
+                        <a:cs typeface="Arial" charset="0"/>
+                      </a:endParaRPr>
+                    </a:p>
+                  </a:txBody>
+                  <a:tcPr marL="36000" marR="36000" marT="36000" marB="36000"/>
+                </a:tc>
+                <a:tc>
+                  <a:txBody>
+                    <a:bodyPr/>
+                    <a:lstStyle/>
+                    <a:p>
+                      <a:pPr>
+                        <a:defRPr sz="800">
+                          <a:solidFill>
+                            <a:srgbClr val="0B0B0B"/>
+                          </a:solidFill>
+                          <a:latin typeface="Arial"/>
+                        </a:defRPr>
+                      </a:pPr>
+                      <a:r>
+                        <a:t>0.0</a:t>
+                      </a:r>
+                      <a:endParaRPr lang="es-ES_tradnl" sz="1100" dirty="0">
+                        <a:latin typeface="Arial" charset="0"/>
+                        <a:ea typeface="Arial" charset="0"/>
+                        <a:cs typeface="Arial" charset="0"/>
+                      </a:endParaRPr>
+                    </a:p>
+                  </a:txBody>
+                  <a:tcPr marL="36000" marR="36000" marT="36000" marB="36000"/>
+                </a:tc>
+                <a:tc>
+                  <a:txBody>
+                    <a:bodyPr/>
+                    <a:lstStyle/>
+                    <a:p>
+                      <a:pPr>
+                        <a:defRPr sz="800">
+                          <a:solidFill>
+                            <a:srgbClr val="0B0B0B"/>
+                          </a:solidFill>
+                          <a:latin typeface="Arial"/>
+                        </a:defRPr>
+                      </a:pPr>
+                      <a:r>
+                        <a:t>0.0</a:t>
+                      </a:r>
+                      <a:endParaRPr lang="es-ES_tradnl" sz="1100" dirty="0">
+                        <a:latin typeface="Arial" charset="0"/>
+                        <a:ea typeface="Arial" charset="0"/>
+                        <a:cs typeface="Arial" charset="0"/>
+                      </a:endParaRPr>
+                    </a:p>
+                  </a:txBody>
+                  <a:tcPr marL="36000" marR="36000" marT="36000" marB="36000"/>
+                </a:tc>
+                <a:tc>
+                  <a:txBody>
+                    <a:bodyPr/>
+                    <a:lstStyle/>
+                    <a:p>
+                      <a:pPr>
+                        <a:defRPr sz="800">
+                          <a:solidFill>
+                            <a:srgbClr val="0B0B0B"/>
+                          </a:solidFill>
+                          <a:latin typeface="Arial"/>
+                        </a:defRPr>
+                      </a:pPr>
+                      <a:r>
+                        <a:t>0.0</a:t>
+                      </a:r>
+                      <a:endParaRPr lang="es-ES_tradnl" sz="1100" dirty="0">
+                        <a:latin typeface="Arial" charset="0"/>
+                        <a:ea typeface="Arial" charset="0"/>
+                        <a:cs typeface="Arial" charset="0"/>
+                      </a:endParaRPr>
+                    </a:p>
+                  </a:txBody>
+                  <a:tcPr marL="36000" marR="36000" marT="36000" marB="36000"/>
+                </a:tc>
+                <a:tc>
+                  <a:txBody>
+                    <a:bodyPr/>
+                    <a:lstStyle/>
+                    <a:p>
+                      <a:pPr>
+                        <a:defRPr sz="800">
+                          <a:solidFill>
+                            <a:srgbClr val="0B0B0B"/>
+                          </a:solidFill>
+                          <a:latin typeface="Arial"/>
+                        </a:defRPr>
+                      </a:pPr>
+                      <a:r>
+                        <a:t>0.0</a:t>
+                      </a:r>
+                      <a:endParaRPr lang="es-ES_tradnl" sz="1100" dirty="0">
+                        <a:latin typeface="Arial" charset="0"/>
+                        <a:ea typeface="Arial" charset="0"/>
+                        <a:cs typeface="Arial" charset="0"/>
+                      </a:endParaRPr>
+                    </a:p>
+                  </a:txBody>
+                  <a:tcPr marL="36000" marR="36000" marT="36000" marB="36000"/>
+                </a:tc>
+                <a:tc>
+                  <a:txBody>
+                    <a:bodyPr/>
+                    <a:lstStyle/>
+                    <a:p>
+                      <a:pPr>
+                        <a:defRPr sz="800">
+                          <a:solidFill>
+                            <a:srgbClr val="0B0B0B"/>
+                          </a:solidFill>
+                          <a:latin typeface="Arial"/>
+                        </a:defRPr>
+                      </a:pPr>
+                      <a:r>
+                        <a:t>0.0</a:t>
+                      </a:r>
+                      <a:endParaRPr lang="es-ES_tradnl" sz="1100" dirty="0">
+                        <a:latin typeface="Arial" charset="0"/>
+                        <a:ea typeface="Arial" charset="0"/>
+                        <a:cs typeface="Arial" charset="0"/>
+                      </a:endParaRPr>
+                    </a:p>
+                  </a:txBody>
+                  <a:tcPr marL="36000" marR="36000" marT="36000" marB="36000"/>
+                </a:tc>
+                <a:tc>
+                  <a:txBody>
+                    <a:bodyPr/>
+                    <a:lstStyle/>
+                    <a:p>
+                      <a:pPr>
+                        <a:defRPr sz="800">
+                          <a:solidFill>
+                            <a:srgbClr val="0B0B0B"/>
+                          </a:solidFill>
+                          <a:latin typeface="Arial"/>
+                        </a:defRPr>
+                      </a:pPr>
+                      <a:r>
+                        <a:t>0.0</a:t>
+                      </a:r>
+                      <a:endParaRPr lang="es-ES_tradnl" sz="1100" dirty="0">
+                        <a:latin typeface="Arial" charset="0"/>
+                        <a:ea typeface="Arial" charset="0"/>
+                        <a:cs typeface="Arial" charset="0"/>
+                      </a:endParaRPr>
+                    </a:p>
+                  </a:txBody>
+                  <a:tcPr marL="36000" marR="36000" marT="36000" marB="36000"/>
+                </a:tc>
+                <a:tc>
+                  <a:txBody>
+                    <a:bodyPr/>
+                    <a:lstStyle/>
+                    <a:p>
+                      <a:pPr>
+                        <a:defRPr sz="800">
+                          <a:solidFill>
+                            <a:srgbClr val="0B0B0B"/>
+                          </a:solidFill>
+                          <a:latin typeface="Arial"/>
+                        </a:defRPr>
+                      </a:pPr>
+                      <a:r>
+                        <a:t>0.0</a:t>
+                      </a:r>
+                      <a:endParaRPr lang="es-ES_tradnl" sz="1100" dirty="0">
+                        <a:latin typeface="Arial" charset="0"/>
+                        <a:ea typeface="Arial" charset="0"/>
+                        <a:cs typeface="Arial" charset="0"/>
+                      </a:endParaRPr>
+                    </a:p>
+                  </a:txBody>
+                  <a:tcPr marL="36000" marR="36000" marT="36000" marB="36000"/>
+                </a:tc>
+                <a:tc>
+                  <a:txBody>
+                    <a:bodyPr/>
+                    <a:lstStyle/>
+                    <a:p>
+                      <a:pPr>
+                        <a:defRPr sz="800">
+                          <a:solidFill>
+                            <a:srgbClr val="0B0B0B"/>
+                          </a:solidFill>
+                          <a:latin typeface="Arial"/>
+                        </a:defRPr>
+                      </a:pPr>
+                      <a:r>
+                        <a:t>0.0</a:t>
+                      </a:r>
+                      <a:endParaRPr lang="es-ES_tradnl" sz="1100" dirty="0">
+                        <a:latin typeface="Arial" charset="0"/>
+                        <a:ea typeface="Arial" charset="0"/>
+                        <a:cs typeface="Arial" charset="0"/>
+                      </a:endParaRPr>
+                    </a:p>
+                  </a:txBody>
+                  <a:tcPr marL="36000" marR="36000" marT="36000" marB="36000"/>
+                </a:tc>
+                <a:tc>
+                  <a:txBody>
+                    <a:bodyPr/>
+                    <a:lstStyle/>
+                    <a:p>
+                      <a:pPr>
+                        <a:defRPr sz="800">
+                          <a:solidFill>
+                            <a:srgbClr val="0B0B0B"/>
+                          </a:solidFill>
+                          <a:latin typeface="Arial"/>
+                        </a:defRPr>
+                      </a:pPr>
+                      <a:r>
+                        <a:t>2930.0</a:t>
+                      </a:r>
+                      <a:endParaRPr lang="es-ES_tradnl" sz="1100" dirty="0">
+                        <a:latin typeface="Arial" charset="0"/>
+                        <a:ea typeface="Arial" charset="0"/>
+                        <a:cs typeface="Arial" charset="0"/>
+                      </a:endParaRPr>
+                    </a:p>
+                  </a:txBody>
+                  <a:tcPr marL="36000" marR="36000" marT="36000" marB="36000"/>
+                </a:tc>
+                <a:tc>
+                  <a:txBody>
+                    <a:bodyPr/>
+                    <a:lstStyle/>
+                    <a:p>
+                      <a:pPr>
+                        <a:defRPr sz="800">
+                          <a:solidFill>
+                            <a:srgbClr val="0B0B0B"/>
+                          </a:solidFill>
+                          <a:latin typeface="Arial"/>
+                        </a:defRPr>
+                      </a:pPr>
+                      <a:r>
+                        <a:t>2598910.0</a:t>
+                      </a:r>
                       <a:endParaRPr lang="es-ES_tradnl" sz="1100" dirty="0">
                         <a:latin typeface="Arial" charset="0"/>
                         <a:ea typeface="Arial" charset="0"/>
@@ -7138,63 +8772,13 @@
       </p:sp>
       <p:sp>
         <p:nvSpPr>
-          <p:cNvPr id="6" name="CuadroTexto 5"/>
-          <p:cNvSpPr txBox="1"/>
-          <p:nvPr/>
-        </p:nvSpPr>
-        <p:spPr>
-          <a:xfrm>
-            <a:off x="430925" y="978792"/>
-            <a:ext cx="1397875" cy="261610"/>
-          </a:xfrm>
-          <a:prstGeom prst="rect">
-            <a:avLst/>
-          </a:prstGeom>
-          <a:noFill/>
-        </p:spPr>
-        <p:txBody>
-          <a:bodyPr wrap="square" rtlCol="0">
-            <a:spAutoFit/>
-          </a:bodyPr>
-          <a:lstStyle/>
-          <a:p>
-            <a:r>
-              <a:rPr lang="es-ES" sz="1100" dirty="0" smtClean="0">
-                <a:solidFill>
-                  <a:schemeClr val="tx1">
-                    <a:lumMod val="75000"/>
-                    <a:lumOff val="25000"/>
-                  </a:schemeClr>
-                </a:solidFill>
-                <a:latin typeface="Arial" charset="0"/>
-                <a:ea typeface="Arial" charset="0"/>
-                <a:cs typeface="Arial" charset="0"/>
-              </a:rPr>
-              <a:t>Fecha de reporte:</a:t>
-            </a:r>
-            <a:endParaRPr lang="es-ES_tradnl" sz="1100" dirty="0">
-              <a:solidFill>
-                <a:schemeClr val="tx1">
-                  <a:lumMod val="75000"/>
-                  <a:lumOff val="25000"/>
-                </a:schemeClr>
-              </a:solidFill>
-              <a:latin typeface="Arial" charset="0"/>
-              <a:ea typeface="Arial" charset="0"/>
-              <a:cs typeface="Arial" charset="0"/>
-            </a:endParaRPr>
-          </a:p>
-        </p:txBody>
-      </p:sp>
-      <p:sp>
-        <p:nvSpPr>
           <p:cNvPr id="8" name="CuadroTexto 7"/>
           <p:cNvSpPr txBox="1"/>
           <p:nvPr/>
         </p:nvSpPr>
         <p:spPr>
           <a:xfrm>
-            <a:off x="4871545" y="972212"/>
+            <a:off x="4273233" y="937545"/>
             <a:ext cx="3394841" cy="323165"/>
           </a:xfrm>
           <a:prstGeom prst="rect">
@@ -7238,84 +8822,6 @@
               <a:t>écnica</a:t>
             </a:r>
             <a:endParaRPr lang="es-ES_tradnl" sz="1500" b="1" i="1" dirty="0">
-              <a:solidFill>
-                <a:schemeClr val="tx1">
-                  <a:lumMod val="75000"/>
-                  <a:lumOff val="25000"/>
-                </a:schemeClr>
-              </a:solidFill>
-              <a:latin typeface="Arial" charset="0"/>
-              <a:ea typeface="Arial" charset="0"/>
-              <a:cs typeface="Arial" charset="0"/>
-            </a:endParaRPr>
-          </a:p>
-        </p:txBody>
-      </p:sp>
-      <p:sp>
-        <p:nvSpPr>
-          <p:cNvPr id="9" name="CuadroTexto 8"/>
-          <p:cNvSpPr txBox="1"/>
-          <p:nvPr/>
-        </p:nvSpPr>
-        <p:spPr>
-          <a:xfrm>
-            <a:off x="1566049" y="993425"/>
-            <a:ext cx="1397875" cy="261610"/>
-          </a:xfrm>
-          <a:prstGeom prst="rect">
-            <a:avLst/>
-          </a:prstGeom>
-          <a:noFill/>
-        </p:spPr>
-        <p:txBody>
-          <a:bodyPr wrap="square" rtlCol="0">
-            <a:spAutoFit/>
-          </a:bodyPr>
-          <a:lstStyle/>
-          <a:p>
-            <a:r>
-              <a:rPr lang="es-ES" sz="1100" b="1" dirty="0" smtClean="0">
-                <a:solidFill>
-                  <a:schemeClr val="tx1">
-                    <a:lumMod val="75000"/>
-                    <a:lumOff val="25000"/>
-                  </a:schemeClr>
-                </a:solidFill>
-                <a:latin typeface="Arial" charset="0"/>
-                <a:ea typeface="Arial" charset="0"/>
-                <a:cs typeface="Arial" charset="0"/>
-              </a:rPr>
-              <a:t>11</a:t>
-            </a:r>
-            <a:r>
-              <a:rPr lang="es-ES" sz="1100" b="1" dirty="0" smtClean="0">
-                <a:solidFill>
-                  <a:schemeClr val="tx1">
-                    <a:lumMod val="75000"/>
-                    <a:lumOff val="25000"/>
-                  </a:schemeClr>
-                </a:solidFill>
-                <a:latin typeface="Arial" charset="0"/>
-                <a:ea typeface="Arial" charset="0"/>
-                <a:cs typeface="Arial" charset="0"/>
-              </a:rPr>
-              <a:t> </a:t>
-            </a:r>
-            <a:r>
-              <a:rPr lang="es-ES" sz="1100" b="1" dirty="0" smtClean="0">
-                <a:solidFill>
-                  <a:schemeClr val="tx1">
-                    <a:lumMod val="75000"/>
-                    <a:lumOff val="25000"/>
-                  </a:schemeClr>
-                </a:solidFill>
-                <a:latin typeface="Arial" charset="0"/>
-                <a:ea typeface="Arial" charset="0"/>
-                <a:cs typeface="Arial" charset="0"/>
-              </a:rPr>
-              <a:t>– Mayo- 2016</a:t>
-            </a:r>
-            <a:endParaRPr lang="es-ES_tradnl" sz="1100" b="1" dirty="0">
               <a:solidFill>
                 <a:schemeClr val="tx1">
                   <a:lumMod val="75000"/>
@@ -7461,6 +8967,3849 @@
           <a:chExt cx="0" cy="0"/>
         </a:xfrm>
       </p:grpSpPr>
+      <p:graphicFrame>
+        <p:nvGraphicFramePr>
+          <p:cNvPr id="12" name="Tabla 11"/>
+          <p:cNvGraphicFramePr>
+            <a:graphicFrameLocks noGrp="1"/>
+          </p:cNvGraphicFramePr>
+          <p:nvPr>
+            <p:extLst>
+              <p:ext uri="{D42A27DB-BD31-4B8C-83A1-F6EECF244321}">
+                <p14:modId xmlns:p14="http://schemas.microsoft.com/office/powerpoint/2010/main" val="2912944808"/>
+              </p:ext>
+            </p:extLst>
+          </p:nvPr>
+        </p:nvGraphicFramePr>
+        <p:xfrm>
+          <a:off x="245250" y="1610304"/>
+          <a:ext cx="6113516" cy="777240"/>
+        </p:xfrm>
+        <a:graphic>
+          <a:graphicData uri="http://schemas.openxmlformats.org/drawingml/2006/table">
+            <a:tbl>
+              <a:tblPr firstRow="1" bandRow="1">
+                <a:tableStyleId>{5C22544A-7EE6-4342-B048-85BDC9FD1C3A}</a:tableStyleId>
+              </a:tblPr>
+              <a:tblGrid>
+                <a:gridCol w="1394371"/>
+                <a:gridCol w="4719145"/>
+              </a:tblGrid>
+              <a:tr h="229006">
+                <a:tc>
+                  <a:txBody>
+                    <a:bodyPr/>
+                    <a:lstStyle/>
+                    <a:p>
+                      <a:r>
+                        <a:rPr lang="es-ES_tradnl" sz="1100" b="0" dirty="0" smtClean="0">
+                          <a:solidFill>
+                            <a:schemeClr val="tx1">
+                              <a:lumMod val="75000"/>
+                              <a:lumOff val="25000"/>
+                            </a:schemeClr>
+                          </a:solidFill>
+                          <a:latin typeface="Arial" charset="0"/>
+                          <a:ea typeface="Arial" charset="0"/>
+                          <a:cs typeface="Arial" charset="0"/>
+                        </a:rPr>
+                        <a:t>Carencia:</a:t>
+                      </a:r>
+                      <a:endParaRPr lang="es-ES_tradnl" sz="1100" b="0" dirty="0">
+                        <a:solidFill>
+                          <a:schemeClr val="tx1">
+                            <a:lumMod val="75000"/>
+                            <a:lumOff val="25000"/>
+                          </a:schemeClr>
+                        </a:solidFill>
+                        <a:latin typeface="Arial" charset="0"/>
+                        <a:ea typeface="Arial" charset="0"/>
+                        <a:cs typeface="Arial" charset="0"/>
+                      </a:endParaRPr>
+                    </a:p>
+                  </a:txBody>
+                  <a:tcPr>
+                    <a:lnL w="12700" cmpd="sng">
+                      <a:noFill/>
+                    </a:lnL>
+                    <a:lnR w="12700" cmpd="sng">
+                      <a:noFill/>
+                    </a:lnR>
+                    <a:lnT w="12700" cmpd="sng">
+                      <a:noFill/>
+                    </a:lnT>
+                    <a:lnB w="38100" cmpd="sng">
+                      <a:noFill/>
+                    </a:lnB>
+                    <a:lnTlToBr w="12700" cmpd="sng">
+                      <a:noFill/>
+                      <a:prstDash val="solid"/>
+                    </a:lnTlToBr>
+                    <a:lnBlToTr w="12700" cmpd="sng">
+                      <a:noFill/>
+                      <a:prstDash val="solid"/>
+                    </a:lnBlToTr>
+                    <a:noFill/>
+                  </a:tcPr>
+                </a:tc>
+                <a:tc>
+                  <a:txBody>
+                    <a:bodyPr/>
+                    <a:lstStyle/>
+                    <a:p>
+                      <a:pPr>
+                        <a:defRPr sz="800">
+                          <a:solidFill>
+                            <a:srgbClr val="0B0B0B"/>
+                          </a:solidFill>
+                          <a:latin typeface="Arial"/>
+                        </a:defRPr>
+                      </a:pPr>
+                      <a:r>
+                        <a:t>Alimentación </a:t>
+                      </a:r>
+                      <a:endParaRPr lang="es-ES_tradnl" sz="1100" b="0" dirty="0">
+                        <a:solidFill>
+                          <a:schemeClr val="tx1">
+                            <a:lumMod val="75000"/>
+                            <a:lumOff val="25000"/>
+                          </a:schemeClr>
+                        </a:solidFill>
+                        <a:latin typeface="Arial" charset="0"/>
+                        <a:ea typeface="Arial" charset="0"/>
+                        <a:cs typeface="Arial" charset="0"/>
+                      </a:endParaRPr>
+                    </a:p>
+                  </a:txBody>
+                  <a:tcPr>
+                    <a:lnL w="12700" cmpd="sng">
+                      <a:noFill/>
+                    </a:lnL>
+                    <a:lnR w="12700" cmpd="sng">
+                      <a:noFill/>
+                    </a:lnR>
+                    <a:lnT w="12700" cmpd="sng">
+                      <a:noFill/>
+                    </a:lnT>
+                    <a:lnB w="38100" cmpd="sng">
+                      <a:noFill/>
+                    </a:lnB>
+                    <a:lnTlToBr w="12700" cmpd="sng">
+                      <a:noFill/>
+                      <a:prstDash val="solid"/>
+                    </a:lnTlToBr>
+                    <a:lnBlToTr w="12700" cmpd="sng">
+                      <a:noFill/>
+                      <a:prstDash val="solid"/>
+                    </a:lnBlToTr>
+                    <a:noFill/>
+                  </a:tcPr>
+                </a:tc>
+              </a:tr>
+              <a:tr h="184942">
+                <a:tc>
+                  <a:txBody>
+                    <a:bodyPr/>
+                    <a:lstStyle/>
+                    <a:p>
+                      <a:r>
+                        <a:rPr lang="es-ES_tradnl" sz="1100" b="0" dirty="0" smtClean="0">
+                          <a:solidFill>
+                            <a:schemeClr val="tx1">
+                              <a:lumMod val="75000"/>
+                              <a:lumOff val="25000"/>
+                            </a:schemeClr>
+                          </a:solidFill>
+                          <a:latin typeface="Arial" charset="0"/>
+                          <a:ea typeface="Arial" charset="0"/>
+                          <a:cs typeface="Arial" charset="0"/>
+                        </a:rPr>
+                        <a:t>Sub</a:t>
+                      </a:r>
+                      <a:r>
+                        <a:rPr lang="es-ES_tradnl" sz="1100" b="0" baseline="0" dirty="0" smtClean="0">
+                          <a:solidFill>
+                            <a:schemeClr val="tx1">
+                              <a:lumMod val="75000"/>
+                              <a:lumOff val="25000"/>
+                            </a:schemeClr>
+                          </a:solidFill>
+                          <a:latin typeface="Arial" charset="0"/>
+                          <a:ea typeface="Arial" charset="0"/>
+                          <a:cs typeface="Arial" charset="0"/>
+                        </a:rPr>
+                        <a:t> Carencia:</a:t>
+                      </a:r>
+                      <a:endParaRPr lang="es-ES_tradnl" sz="1100" b="0" dirty="0">
+                        <a:solidFill>
+                          <a:schemeClr val="tx1">
+                            <a:lumMod val="75000"/>
+                            <a:lumOff val="25000"/>
+                          </a:schemeClr>
+                        </a:solidFill>
+                        <a:latin typeface="Arial" charset="0"/>
+                        <a:ea typeface="Arial" charset="0"/>
+                        <a:cs typeface="Arial" charset="0"/>
+                      </a:endParaRPr>
+                    </a:p>
+                  </a:txBody>
+                  <a:tcPr>
+                    <a:lnL w="12700" cmpd="sng">
+                      <a:noFill/>
+                    </a:lnL>
+                    <a:lnR w="12700" cmpd="sng">
+                      <a:noFill/>
+                    </a:lnR>
+                    <a:lnT w="38100" cmpd="sng">
+                      <a:noFill/>
+                    </a:lnT>
+                    <a:lnB w="12700" cmpd="sng">
+                      <a:noFill/>
+                    </a:lnB>
+                    <a:lnTlToBr w="12700" cmpd="sng">
+                      <a:noFill/>
+                      <a:prstDash val="solid"/>
+                    </a:lnTlToBr>
+                    <a:lnBlToTr w="12700" cmpd="sng">
+                      <a:noFill/>
+                      <a:prstDash val="solid"/>
+                    </a:lnBlToTr>
+                    <a:noFill/>
+                  </a:tcPr>
+                </a:tc>
+                <a:tc>
+                  <a:txBody>
+                    <a:bodyPr/>
+                    <a:lstStyle/>
+                    <a:p>
+                      <a:pPr>
+                        <a:defRPr sz="800">
+                          <a:solidFill>
+                            <a:srgbClr val="0B0B0B"/>
+                          </a:solidFill>
+                          <a:latin typeface="Arial"/>
+                        </a:defRPr>
+                      </a:pPr>
+                      <a:r>
+                        <a:t>Inseguridad alimentaria </a:t>
+                      </a:r>
+                      <a:endParaRPr lang="es-ES_tradnl" sz="1100" b="0" dirty="0">
+                        <a:solidFill>
+                          <a:schemeClr val="tx1">
+                            <a:lumMod val="75000"/>
+                            <a:lumOff val="25000"/>
+                          </a:schemeClr>
+                        </a:solidFill>
+                        <a:latin typeface="Arial" charset="0"/>
+                        <a:ea typeface="Arial" charset="0"/>
+                        <a:cs typeface="Arial" charset="0"/>
+                      </a:endParaRPr>
+                    </a:p>
+                  </a:txBody>
+                  <a:tcPr>
+                    <a:lnL w="12700" cmpd="sng">
+                      <a:noFill/>
+                    </a:lnL>
+                    <a:lnR w="12700" cmpd="sng">
+                      <a:noFill/>
+                    </a:lnR>
+                    <a:lnT w="38100" cmpd="sng">
+                      <a:noFill/>
+                    </a:lnT>
+                    <a:lnB w="12700" cmpd="sng">
+                      <a:noFill/>
+                    </a:lnB>
+                    <a:lnTlToBr w="12700" cmpd="sng">
+                      <a:noFill/>
+                      <a:prstDash val="solid"/>
+                    </a:lnTlToBr>
+                    <a:lnBlToTr w="12700" cmpd="sng">
+                      <a:noFill/>
+                      <a:prstDash val="solid"/>
+                    </a:lnBlToTr>
+                    <a:noFill/>
+                  </a:tcPr>
+                </a:tc>
+              </a:tr>
+              <a:tr h="184942">
+                <a:tc>
+                  <a:txBody>
+                    <a:bodyPr/>
+                    <a:lstStyle/>
+                    <a:p>
+                      <a:r>
+                        <a:rPr lang="es-ES_tradnl" sz="1100" b="0" dirty="0" err="1" smtClean="0">
+                          <a:solidFill>
+                            <a:schemeClr val="tx1">
+                              <a:lumMod val="75000"/>
+                              <a:lumOff val="25000"/>
+                            </a:schemeClr>
+                          </a:solidFill>
+                          <a:latin typeface="Arial" charset="0"/>
+                          <a:ea typeface="Arial" charset="0"/>
+                          <a:cs typeface="Arial" charset="0"/>
+                        </a:rPr>
+                        <a:t>Acci</a:t>
+                      </a:r>
+                      <a:r>
+                        <a:rPr lang="es-ES" sz="1100" b="0" dirty="0" err="1" smtClean="0">
+                          <a:solidFill>
+                            <a:schemeClr val="tx1">
+                              <a:lumMod val="75000"/>
+                              <a:lumOff val="25000"/>
+                            </a:schemeClr>
+                          </a:solidFill>
+                          <a:latin typeface="Arial" charset="0"/>
+                          <a:ea typeface="Arial" charset="0"/>
+                          <a:cs typeface="Arial" charset="0"/>
+                        </a:rPr>
+                        <a:t>ón</a:t>
+                      </a:r>
+                      <a:r>
+                        <a:rPr lang="es-ES" sz="1100" b="0" dirty="0" smtClean="0">
+                          <a:solidFill>
+                            <a:schemeClr val="tx1">
+                              <a:lumMod val="75000"/>
+                              <a:lumOff val="25000"/>
+                            </a:schemeClr>
+                          </a:solidFill>
+                          <a:latin typeface="Arial" charset="0"/>
+                          <a:ea typeface="Arial" charset="0"/>
+                          <a:cs typeface="Arial" charset="0"/>
+                        </a:rPr>
+                        <a:t> Estratégica: </a:t>
+                      </a:r>
+                      <a:endParaRPr lang="es-ES_tradnl" sz="1100" b="0" dirty="0">
+                        <a:solidFill>
+                          <a:schemeClr val="tx1">
+                            <a:lumMod val="75000"/>
+                            <a:lumOff val="25000"/>
+                          </a:schemeClr>
+                        </a:solidFill>
+                        <a:latin typeface="Arial" charset="0"/>
+                        <a:ea typeface="Arial" charset="0"/>
+                        <a:cs typeface="Arial" charset="0"/>
+                      </a:endParaRPr>
+                    </a:p>
+                  </a:txBody>
+                  <a:tcPr>
+                    <a:lnL w="12700" cmpd="sng">
+                      <a:noFill/>
+                    </a:lnL>
+                    <a:lnR w="12700" cmpd="sng">
+                      <a:noFill/>
+                    </a:lnR>
+                    <a:lnT w="12700" cmpd="sng">
+                      <a:noFill/>
+                    </a:lnT>
+                    <a:lnB w="12700" cmpd="sng">
+                      <a:noFill/>
+                    </a:lnB>
+                    <a:lnTlToBr w="12700" cmpd="sng">
+                      <a:noFill/>
+                      <a:prstDash val="solid"/>
+                    </a:lnTlToBr>
+                    <a:lnBlToTr w="12700" cmpd="sng">
+                      <a:noFill/>
+                      <a:prstDash val="solid"/>
+                    </a:lnBlToTr>
+                    <a:noFill/>
+                  </a:tcPr>
+                </a:tc>
+                <a:tc>
+                  <a:txBody>
+                    <a:bodyPr/>
+                    <a:lstStyle/>
+                    <a:p>
+                      <a:pPr>
+                        <a:defRPr sz="800">
+                          <a:solidFill>
+                            <a:srgbClr val="0B0B0B"/>
+                          </a:solidFill>
+                          <a:latin typeface="Arial"/>
+                        </a:defRPr>
+                      </a:pPr>
+                      <a:r>
+                        <a:t>Otorgar alimentos en guarderías infantiles ISSSTE y comunicarles que este apoyo les da a sus hijos acceso a una alimentación sana, variada y suficiente</a:t>
+                      </a:r>
+                      <a:endParaRPr lang="es-ES_tradnl" sz="1100" b="0" dirty="0">
+                        <a:solidFill>
+                          <a:schemeClr val="tx1">
+                            <a:lumMod val="75000"/>
+                            <a:lumOff val="25000"/>
+                          </a:schemeClr>
+                        </a:solidFill>
+                        <a:latin typeface="Arial" charset="0"/>
+                        <a:ea typeface="Arial" charset="0"/>
+                        <a:cs typeface="Arial" charset="0"/>
+                      </a:endParaRPr>
+                    </a:p>
+                  </a:txBody>
+                  <a:tcPr>
+                    <a:lnL w="12700" cmpd="sng">
+                      <a:noFill/>
+                    </a:lnL>
+                    <a:lnR w="12700" cmpd="sng">
+                      <a:noFill/>
+                    </a:lnR>
+                    <a:lnT w="12700" cmpd="sng">
+                      <a:noFill/>
+                    </a:lnT>
+                    <a:lnB w="12700" cmpd="sng">
+                      <a:noFill/>
+                    </a:lnB>
+                    <a:lnTlToBr w="12700" cmpd="sng">
+                      <a:noFill/>
+                      <a:prstDash val="solid"/>
+                    </a:lnTlToBr>
+                    <a:lnBlToTr w="12700" cmpd="sng">
+                      <a:noFill/>
+                      <a:prstDash val="solid"/>
+                    </a:lnBlToTr>
+                    <a:noFill/>
+                  </a:tcPr>
+                </a:tc>
+              </a:tr>
+            </a:tbl>
+          </a:graphicData>
+        </a:graphic>
+      </p:graphicFrame>
+      <p:graphicFrame>
+        <p:nvGraphicFramePr>
+          <p:cNvPr id="13" name="Tabla 12"/>
+          <p:cNvGraphicFramePr>
+            <a:graphicFrameLocks noGrp="1"/>
+          </p:cNvGraphicFramePr>
+          <p:nvPr>
+            <p:extLst>
+              <p:ext uri="{D42A27DB-BD31-4B8C-83A1-F6EECF244321}">
+                <p14:modId xmlns:p14="http://schemas.microsoft.com/office/powerpoint/2010/main" val="3336395170"/>
+              </p:ext>
+            </p:extLst>
+          </p:nvPr>
+        </p:nvGraphicFramePr>
+        <p:xfrm>
+          <a:off x="5686097" y="1357528"/>
+          <a:ext cx="6159062" cy="1036320"/>
+        </p:xfrm>
+        <a:graphic>
+          <a:graphicData uri="http://schemas.openxmlformats.org/drawingml/2006/table">
+            <a:tbl>
+              <a:tblPr firstRow="1" bandRow="1">
+                <a:tableStyleId>{5C22544A-7EE6-4342-B048-85BDC9FD1C3A}</a:tableStyleId>
+              </a:tblPr>
+              <a:tblGrid>
+                <a:gridCol w="1678597"/>
+                <a:gridCol w="4480465"/>
+              </a:tblGrid>
+              <a:tr h="229006">
+                <a:tc>
+                  <a:txBody>
+                    <a:bodyPr/>
+                    <a:lstStyle/>
+                    <a:p>
+                      <a:r>
+                        <a:rPr lang="es-ES_tradnl" sz="1100" b="0" dirty="0" smtClean="0">
+                          <a:solidFill>
+                            <a:schemeClr val="tx1">
+                              <a:lumMod val="75000"/>
+                              <a:lumOff val="25000"/>
+                            </a:schemeClr>
+                          </a:solidFill>
+                          <a:latin typeface="Arial" charset="0"/>
+                          <a:ea typeface="Arial" charset="0"/>
+                          <a:cs typeface="Arial" charset="0"/>
+                        </a:rPr>
+                        <a:t>Unidad de medida:</a:t>
+                      </a:r>
+                      <a:endParaRPr lang="es-ES_tradnl" sz="1100" b="0" dirty="0">
+                        <a:solidFill>
+                          <a:schemeClr val="tx1">
+                            <a:lumMod val="75000"/>
+                            <a:lumOff val="25000"/>
+                          </a:schemeClr>
+                        </a:solidFill>
+                        <a:latin typeface="Arial" charset="0"/>
+                        <a:ea typeface="Arial" charset="0"/>
+                        <a:cs typeface="Arial" charset="0"/>
+                      </a:endParaRPr>
+                    </a:p>
+                  </a:txBody>
+                  <a:tcPr>
+                    <a:lnL w="12700" cmpd="sng">
+                      <a:noFill/>
+                    </a:lnL>
+                    <a:lnR w="12700" cmpd="sng">
+                      <a:noFill/>
+                    </a:lnR>
+                    <a:lnT w="12700" cmpd="sng">
+                      <a:noFill/>
+                    </a:lnT>
+                    <a:lnB w="38100" cmpd="sng">
+                      <a:noFill/>
+                    </a:lnB>
+                    <a:lnTlToBr w="12700" cmpd="sng">
+                      <a:noFill/>
+                      <a:prstDash val="solid"/>
+                    </a:lnTlToBr>
+                    <a:lnBlToTr w="12700" cmpd="sng">
+                      <a:noFill/>
+                      <a:prstDash val="solid"/>
+                    </a:lnBlToTr>
+                    <a:noFill/>
+                  </a:tcPr>
+                </a:tc>
+                <a:tc>
+                  <a:txBody>
+                    <a:bodyPr/>
+                    <a:lstStyle/>
+                    <a:p>
+                      <a:endParaRPr lang="es-ES_tradnl" sz="1100" b="0" dirty="0">
+                        <a:solidFill>
+                          <a:schemeClr val="tx1">
+                            <a:lumMod val="75000"/>
+                            <a:lumOff val="25000"/>
+                          </a:schemeClr>
+                        </a:solidFill>
+                        <a:latin typeface="Arial" charset="0"/>
+                        <a:ea typeface="Arial" charset="0"/>
+                        <a:cs typeface="Arial" charset="0"/>
+                      </a:endParaRPr>
+                    </a:p>
+                  </a:txBody>
+                  <a:tcPr>
+                    <a:lnL w="12700" cmpd="sng">
+                      <a:noFill/>
+                    </a:lnL>
+                    <a:lnR w="12700" cmpd="sng">
+                      <a:noFill/>
+                    </a:lnR>
+                    <a:lnT w="12700" cmpd="sng">
+                      <a:noFill/>
+                    </a:lnT>
+                    <a:lnB w="38100" cmpd="sng">
+                      <a:noFill/>
+                    </a:lnB>
+                    <a:lnTlToBr w="12700" cmpd="sng">
+                      <a:noFill/>
+                      <a:prstDash val="solid"/>
+                    </a:lnTlToBr>
+                    <a:lnBlToTr w="12700" cmpd="sng">
+                      <a:noFill/>
+                      <a:prstDash val="solid"/>
+                    </a:lnBlToTr>
+                    <a:noFill/>
+                  </a:tcPr>
+                </a:tc>
+              </a:tr>
+              <a:tr h="184942">
+                <a:tc>
+                  <a:txBody>
+                    <a:bodyPr/>
+                    <a:lstStyle/>
+                    <a:p>
+                      <a:r>
+                        <a:rPr lang="es-ES_tradnl" sz="1100" b="0" dirty="0" smtClean="0">
+                          <a:solidFill>
+                            <a:schemeClr val="tx1">
+                              <a:lumMod val="75000"/>
+                              <a:lumOff val="25000"/>
+                            </a:schemeClr>
+                          </a:solidFill>
+                          <a:latin typeface="Arial" charset="0"/>
+                          <a:ea typeface="Arial" charset="0"/>
+                          <a:cs typeface="Arial" charset="0"/>
+                        </a:rPr>
+                        <a:t>Responsable:</a:t>
+                      </a:r>
+                      <a:endParaRPr lang="es-ES_tradnl" sz="1100" b="0" dirty="0">
+                        <a:solidFill>
+                          <a:schemeClr val="tx1">
+                            <a:lumMod val="75000"/>
+                            <a:lumOff val="25000"/>
+                          </a:schemeClr>
+                        </a:solidFill>
+                        <a:latin typeface="Arial" charset="0"/>
+                        <a:ea typeface="Arial" charset="0"/>
+                        <a:cs typeface="Arial" charset="0"/>
+                      </a:endParaRPr>
+                    </a:p>
+                  </a:txBody>
+                  <a:tcPr>
+                    <a:lnL w="12700" cmpd="sng">
+                      <a:noFill/>
+                    </a:lnL>
+                    <a:lnR w="12700" cmpd="sng">
+                      <a:noFill/>
+                    </a:lnR>
+                    <a:lnT w="38100" cmpd="sng">
+                      <a:noFill/>
+                    </a:lnT>
+                    <a:lnB w="12700" cmpd="sng">
+                      <a:noFill/>
+                    </a:lnB>
+                    <a:lnTlToBr w="12700" cmpd="sng">
+                      <a:noFill/>
+                      <a:prstDash val="solid"/>
+                    </a:lnTlToBr>
+                    <a:lnBlToTr w="12700" cmpd="sng">
+                      <a:noFill/>
+                      <a:prstDash val="solid"/>
+                    </a:lnBlToTr>
+                    <a:noFill/>
+                  </a:tcPr>
+                </a:tc>
+                <a:tc>
+                  <a:txBody>
+                    <a:bodyPr/>
+                    <a:lstStyle/>
+                    <a:p>
+                      <a:endParaRPr lang="es-ES_tradnl" sz="1100" b="0" dirty="0">
+                        <a:solidFill>
+                          <a:schemeClr val="tx1">
+                            <a:lumMod val="75000"/>
+                            <a:lumOff val="25000"/>
+                          </a:schemeClr>
+                        </a:solidFill>
+                        <a:latin typeface="Arial" charset="0"/>
+                        <a:ea typeface="Arial" charset="0"/>
+                        <a:cs typeface="Arial" charset="0"/>
+                      </a:endParaRPr>
+                    </a:p>
+                  </a:txBody>
+                  <a:tcPr>
+                    <a:lnL w="12700" cmpd="sng">
+                      <a:noFill/>
+                    </a:lnL>
+                    <a:lnR w="12700" cmpd="sng">
+                      <a:noFill/>
+                    </a:lnR>
+                    <a:lnT w="38100" cmpd="sng">
+                      <a:noFill/>
+                    </a:lnT>
+                    <a:lnB w="12700" cmpd="sng">
+                      <a:noFill/>
+                    </a:lnB>
+                    <a:lnTlToBr w="12700" cmpd="sng">
+                      <a:noFill/>
+                      <a:prstDash val="solid"/>
+                    </a:lnTlToBr>
+                    <a:lnBlToTr w="12700" cmpd="sng">
+                      <a:noFill/>
+                      <a:prstDash val="solid"/>
+                    </a:lnBlToTr>
+                    <a:noFill/>
+                  </a:tcPr>
+                </a:tc>
+              </a:tr>
+              <a:tr h="184942">
+                <a:tc>
+                  <a:txBody>
+                    <a:bodyPr/>
+                    <a:lstStyle/>
+                    <a:p>
+                      <a:r>
+                        <a:rPr lang="es-ES_tradnl" sz="1100" b="0" dirty="0" smtClean="0">
+                          <a:solidFill>
+                            <a:schemeClr val="tx1">
+                              <a:lumMod val="75000"/>
+                              <a:lumOff val="25000"/>
+                            </a:schemeClr>
+                          </a:solidFill>
+                          <a:latin typeface="Arial" charset="0"/>
+                          <a:ea typeface="Arial" charset="0"/>
+                          <a:cs typeface="Arial" charset="0"/>
+                        </a:rPr>
+                        <a:t>Año</a:t>
+                      </a:r>
+                      <a:r>
+                        <a:rPr lang="es-ES" sz="1100" b="0" dirty="0" smtClean="0">
+                          <a:solidFill>
+                            <a:schemeClr val="tx1">
+                              <a:lumMod val="75000"/>
+                              <a:lumOff val="25000"/>
+                            </a:schemeClr>
+                          </a:solidFill>
+                          <a:latin typeface="Arial" charset="0"/>
+                          <a:ea typeface="Arial" charset="0"/>
+                          <a:cs typeface="Arial" charset="0"/>
+                        </a:rPr>
+                        <a:t>:</a:t>
+                      </a:r>
+                      <a:endParaRPr lang="es-ES_tradnl" sz="1100" b="0" dirty="0">
+                        <a:solidFill>
+                          <a:schemeClr val="tx1">
+                            <a:lumMod val="75000"/>
+                            <a:lumOff val="25000"/>
+                          </a:schemeClr>
+                        </a:solidFill>
+                        <a:latin typeface="Arial" charset="0"/>
+                        <a:ea typeface="Arial" charset="0"/>
+                        <a:cs typeface="Arial" charset="0"/>
+                      </a:endParaRPr>
+                    </a:p>
+                  </a:txBody>
+                  <a:tcPr>
+                    <a:lnL w="12700" cmpd="sng">
+                      <a:noFill/>
+                    </a:lnL>
+                    <a:lnR w="12700" cmpd="sng">
+                      <a:noFill/>
+                    </a:lnR>
+                    <a:lnT w="12700" cmpd="sng">
+                      <a:noFill/>
+                    </a:lnT>
+                    <a:lnB w="12700" cmpd="sng">
+                      <a:noFill/>
+                    </a:lnB>
+                    <a:lnTlToBr w="12700" cmpd="sng">
+                      <a:noFill/>
+                      <a:prstDash val="solid"/>
+                    </a:lnTlToBr>
+                    <a:lnBlToTr w="12700" cmpd="sng">
+                      <a:noFill/>
+                      <a:prstDash val="solid"/>
+                    </a:lnBlToTr>
+                    <a:noFill/>
+                  </a:tcPr>
+                </a:tc>
+                <a:tc>
+                  <a:txBody>
+                    <a:bodyPr/>
+                    <a:lstStyle/>
+                    <a:p>
+                      <a:endParaRPr lang="es-ES_tradnl" sz="1100" b="0" dirty="0">
+                        <a:solidFill>
+                          <a:schemeClr val="tx1">
+                            <a:lumMod val="75000"/>
+                            <a:lumOff val="25000"/>
+                          </a:schemeClr>
+                        </a:solidFill>
+                        <a:latin typeface="Arial" charset="0"/>
+                        <a:ea typeface="Arial" charset="0"/>
+                        <a:cs typeface="Arial" charset="0"/>
+                      </a:endParaRPr>
+                    </a:p>
+                  </a:txBody>
+                  <a:tcPr>
+                    <a:lnL w="12700" cmpd="sng">
+                      <a:noFill/>
+                    </a:lnL>
+                    <a:lnR w="12700" cmpd="sng">
+                      <a:noFill/>
+                    </a:lnR>
+                    <a:lnT w="12700" cmpd="sng">
+                      <a:noFill/>
+                    </a:lnT>
+                    <a:lnB w="12700" cmpd="sng">
+                      <a:noFill/>
+                    </a:lnB>
+                    <a:lnTlToBr w="12700" cmpd="sng">
+                      <a:noFill/>
+                      <a:prstDash val="solid"/>
+                    </a:lnTlToBr>
+                    <a:lnBlToTr w="12700" cmpd="sng">
+                      <a:noFill/>
+                      <a:prstDash val="solid"/>
+                    </a:lnBlToTr>
+                    <a:noFill/>
+                  </a:tcPr>
+                </a:tc>
+              </a:tr>
+              <a:tr h="184942">
+                <a:tc>
+                  <a:txBody>
+                    <a:bodyPr/>
+                    <a:lstStyle/>
+                    <a:p>
+                      <a:r>
+                        <a:rPr lang="es-ES" sz="1100" b="0" dirty="0" smtClean="0">
+                          <a:solidFill>
+                            <a:schemeClr val="tx1">
+                              <a:lumMod val="75000"/>
+                              <a:lumOff val="25000"/>
+                            </a:schemeClr>
+                          </a:solidFill>
+                          <a:latin typeface="Arial" charset="0"/>
+                          <a:ea typeface="Arial" charset="0"/>
+                          <a:cs typeface="Arial" charset="0"/>
+                        </a:rPr>
+                        <a:t>Observaciones:</a:t>
+                      </a:r>
+                      <a:endParaRPr lang="es-ES_tradnl" sz="1100" b="0" dirty="0">
+                        <a:solidFill>
+                          <a:schemeClr val="tx1">
+                            <a:lumMod val="75000"/>
+                            <a:lumOff val="25000"/>
+                          </a:schemeClr>
+                        </a:solidFill>
+                        <a:latin typeface="Arial" charset="0"/>
+                        <a:ea typeface="Arial" charset="0"/>
+                        <a:cs typeface="Arial" charset="0"/>
+                      </a:endParaRPr>
+                    </a:p>
+                  </a:txBody>
+                  <a:tcPr>
+                    <a:lnL w="12700" cmpd="sng">
+                      <a:noFill/>
+                    </a:lnL>
+                    <a:lnR w="12700" cmpd="sng">
+                      <a:noFill/>
+                    </a:lnR>
+                    <a:lnT w="12700" cmpd="sng">
+                      <a:noFill/>
+                    </a:lnT>
+                    <a:lnB w="12700" cmpd="sng">
+                      <a:noFill/>
+                    </a:lnB>
+                    <a:lnTlToBr w="12700" cmpd="sng">
+                      <a:noFill/>
+                      <a:prstDash val="solid"/>
+                    </a:lnTlToBr>
+                    <a:lnBlToTr w="12700" cmpd="sng">
+                      <a:noFill/>
+                      <a:prstDash val="solid"/>
+                    </a:lnBlToTr>
+                    <a:noFill/>
+                  </a:tcPr>
+                </a:tc>
+                <a:tc>
+                  <a:txBody>
+                    <a:bodyPr/>
+                    <a:lstStyle/>
+                    <a:p>
+                      <a:endParaRPr lang="es-ES_tradnl" sz="1100" b="0" dirty="0">
+                        <a:solidFill>
+                          <a:schemeClr val="tx1">
+                            <a:lumMod val="75000"/>
+                            <a:lumOff val="25000"/>
+                          </a:schemeClr>
+                        </a:solidFill>
+                        <a:latin typeface="Arial" charset="0"/>
+                        <a:ea typeface="Arial" charset="0"/>
+                        <a:cs typeface="Arial" charset="0"/>
+                      </a:endParaRPr>
+                    </a:p>
+                  </a:txBody>
+                  <a:tcPr>
+                    <a:lnL w="12700" cmpd="sng">
+                      <a:noFill/>
+                    </a:lnL>
+                    <a:lnR w="12700" cmpd="sng">
+                      <a:noFill/>
+                    </a:lnR>
+                    <a:lnT w="12700" cmpd="sng">
+                      <a:noFill/>
+                    </a:lnT>
+                    <a:lnB w="12700" cmpd="sng">
+                      <a:noFill/>
+                    </a:lnB>
+                    <a:lnTlToBr w="12700" cmpd="sng">
+                      <a:noFill/>
+                      <a:prstDash val="solid"/>
+                    </a:lnTlToBr>
+                    <a:lnBlToTr w="12700" cmpd="sng">
+                      <a:noFill/>
+                      <a:prstDash val="solid"/>
+                    </a:lnBlToTr>
+                    <a:noFill/>
+                  </a:tcPr>
+                </a:tc>
+              </a:tr>
+            </a:tbl>
+          </a:graphicData>
+        </a:graphic>
+      </p:graphicFrame>
+      <p:graphicFrame>
+        <p:nvGraphicFramePr>
+          <p:cNvPr id="14" name="Tabla 13"/>
+          <p:cNvGraphicFramePr>
+            <a:graphicFrameLocks noGrp="1"/>
+          </p:cNvGraphicFramePr>
+          <p:nvPr>
+            <p:extLst>
+              <p:ext uri="{D42A27DB-BD31-4B8C-83A1-F6EECF244321}">
+                <p14:modId xmlns:p14="http://schemas.microsoft.com/office/powerpoint/2010/main" val="214822595"/>
+              </p:ext>
+            </p:extLst>
+          </p:nvPr>
+        </p:nvGraphicFramePr>
+        <p:xfrm>
+          <a:off x="325815" y="2706200"/>
+          <a:ext cx="11519342" cy="3223807"/>
+        </p:xfrm>
+        <a:graphic>
+          <a:graphicData uri="http://schemas.openxmlformats.org/drawingml/2006/table">
+            <a:tbl>
+              <a:tblPr firstRow="1" bandRow="1">
+                <a:tableStyleId>{F5AB1C69-6EDB-4FF4-983F-18BD219EF322}</a:tableStyleId>
+              </a:tblPr>
+              <a:tblGrid>
+                <a:gridCol w="493992"/>
+                <a:gridCol w="1313793"/>
+                <a:gridCol w="624114"/>
+                <a:gridCol w="580572"/>
+                <a:gridCol w="609600"/>
+                <a:gridCol w="537028"/>
+                <a:gridCol w="537029"/>
+                <a:gridCol w="551543"/>
+                <a:gridCol w="580571"/>
+                <a:gridCol w="609600"/>
+                <a:gridCol w="740229"/>
+                <a:gridCol w="653143"/>
+                <a:gridCol w="711200"/>
+                <a:gridCol w="740228"/>
+                <a:gridCol w="1074057"/>
+                <a:gridCol w="1162643"/>
+              </a:tblGrid>
+              <a:tr h="267917">
+                <a:tc gridSpan="14">
+                  <a:txBody>
+                    <a:bodyPr/>
+                    <a:lstStyle/>
+                    <a:p>
+                      <a:pPr algn="ctr"/>
+                      <a:r>
+                        <a:rPr lang="es-ES_tradnl" sz="1100" b="1" dirty="0" smtClean="0">
+                          <a:latin typeface="Arial" charset="0"/>
+                          <a:ea typeface="Arial" charset="0"/>
+                          <a:cs typeface="Arial" charset="0"/>
+                        </a:rPr>
+                        <a:t>Avances Mensuales</a:t>
+                      </a:r>
+                      <a:endParaRPr lang="es-ES_tradnl" sz="1100" b="1" dirty="0">
+                        <a:latin typeface="Arial" charset="0"/>
+                        <a:ea typeface="Arial" charset="0"/>
+                        <a:cs typeface="Arial" charset="0"/>
+                      </a:endParaRPr>
+                    </a:p>
+                  </a:txBody>
+                  <a:tcPr/>
+                </a:tc>
+                <a:tc hMerge="1">
+                  <a:txBody>
+                    <a:bodyPr/>
+                    <a:lstStyle/>
+                    <a:p>
+                      <a:endParaRPr lang="es-ES_tradnl"/>
+                    </a:p>
+                  </a:txBody>
+                  <a:tcPr/>
+                </a:tc>
+                <a:tc hMerge="1">
+                  <a:txBody>
+                    <a:bodyPr/>
+                    <a:lstStyle/>
+                    <a:p>
+                      <a:endParaRPr lang="es-ES_tradnl"/>
+                    </a:p>
+                  </a:txBody>
+                  <a:tcPr/>
+                </a:tc>
+                <a:tc hMerge="1">
+                  <a:txBody>
+                    <a:bodyPr/>
+                    <a:lstStyle/>
+                    <a:p>
+                      <a:endParaRPr lang="es-ES_tradnl"/>
+                    </a:p>
+                  </a:txBody>
+                  <a:tcPr/>
+                </a:tc>
+                <a:tc hMerge="1">
+                  <a:txBody>
+                    <a:bodyPr/>
+                    <a:lstStyle/>
+                    <a:p>
+                      <a:endParaRPr lang="es-ES_tradnl"/>
+                    </a:p>
+                  </a:txBody>
+                  <a:tcPr/>
+                </a:tc>
+                <a:tc hMerge="1">
+                  <a:txBody>
+                    <a:bodyPr/>
+                    <a:lstStyle/>
+                    <a:p>
+                      <a:endParaRPr lang="es-ES_tradnl"/>
+                    </a:p>
+                  </a:txBody>
+                  <a:tcPr/>
+                </a:tc>
+                <a:tc hMerge="1">
+                  <a:txBody>
+                    <a:bodyPr/>
+                    <a:lstStyle/>
+                    <a:p>
+                      <a:endParaRPr lang="es-ES_tradnl"/>
+                    </a:p>
+                  </a:txBody>
+                  <a:tcPr/>
+                </a:tc>
+                <a:tc hMerge="1">
+                  <a:txBody>
+                    <a:bodyPr/>
+                    <a:lstStyle/>
+                    <a:p>
+                      <a:endParaRPr lang="es-ES_tradnl"/>
+                    </a:p>
+                  </a:txBody>
+                  <a:tcPr/>
+                </a:tc>
+                <a:tc hMerge="1">
+                  <a:txBody>
+                    <a:bodyPr/>
+                    <a:lstStyle/>
+                    <a:p>
+                      <a:endParaRPr lang="es-ES_tradnl"/>
+                    </a:p>
+                  </a:txBody>
+                  <a:tcPr/>
+                </a:tc>
+                <a:tc hMerge="1">
+                  <a:txBody>
+                    <a:bodyPr/>
+                    <a:lstStyle/>
+                    <a:p>
+                      <a:endParaRPr lang="es-ES_tradnl"/>
+                    </a:p>
+                  </a:txBody>
+                  <a:tcPr/>
+                </a:tc>
+                <a:tc hMerge="1">
+                  <a:txBody>
+                    <a:bodyPr/>
+                    <a:lstStyle/>
+                    <a:p>
+                      <a:endParaRPr lang="es-ES_tradnl"/>
+                    </a:p>
+                  </a:txBody>
+                  <a:tcPr/>
+                </a:tc>
+                <a:tc hMerge="1">
+                  <a:txBody>
+                    <a:bodyPr/>
+                    <a:lstStyle/>
+                    <a:p>
+                      <a:endParaRPr lang="es-ES_tradnl"/>
+                    </a:p>
+                  </a:txBody>
+                  <a:tcPr/>
+                </a:tc>
+                <a:tc hMerge="1">
+                  <a:txBody>
+                    <a:bodyPr/>
+                    <a:lstStyle/>
+                    <a:p>
+                      <a:endParaRPr lang="es-ES_tradnl"/>
+                    </a:p>
+                  </a:txBody>
+                  <a:tcPr/>
+                </a:tc>
+                <a:tc hMerge="1">
+                  <a:txBody>
+                    <a:bodyPr/>
+                    <a:lstStyle/>
+                    <a:p>
+                      <a:endParaRPr lang="es-ES_tradnl"/>
+                    </a:p>
+                  </a:txBody>
+                  <a:tcPr/>
+                </a:tc>
+                <a:tc rowSpan="2">
+                  <a:txBody>
+                    <a:bodyPr/>
+                    <a:lstStyle/>
+                    <a:p>
+                      <a:pPr algn="ctr"/>
+                      <a:r>
+                        <a:rPr lang="es-ES_tradnl" sz="1100" dirty="0" smtClean="0">
+                          <a:latin typeface="Arial" charset="0"/>
+                          <a:ea typeface="Arial" charset="0"/>
+                          <a:cs typeface="Arial" charset="0"/>
+                        </a:rPr>
+                        <a:t>Avance Acumulado</a:t>
+                      </a:r>
+                      <a:endParaRPr lang="es-ES_tradnl" sz="1100" dirty="0">
+                        <a:latin typeface="Arial" charset="0"/>
+                        <a:ea typeface="Arial" charset="0"/>
+                        <a:cs typeface="Arial" charset="0"/>
+                      </a:endParaRPr>
+                    </a:p>
+                  </a:txBody>
+                  <a:tcPr/>
+                </a:tc>
+                <a:tc rowSpan="2">
+                  <a:txBody>
+                    <a:bodyPr/>
+                    <a:lstStyle/>
+                    <a:p>
+                      <a:pPr algn="ctr"/>
+                      <a:r>
+                        <a:rPr lang="es-ES_tradnl" sz="1100" dirty="0" err="1" smtClean="0">
+                          <a:latin typeface="Arial" charset="0"/>
+                          <a:ea typeface="Arial" charset="0"/>
+                          <a:cs typeface="Arial" charset="0"/>
+                        </a:rPr>
+                        <a:t>Inversi</a:t>
+                      </a:r>
+                      <a:r>
+                        <a:rPr lang="es-ES" sz="1100" dirty="0" err="1" smtClean="0">
+                          <a:latin typeface="Arial" charset="0"/>
+                          <a:ea typeface="Arial" charset="0"/>
+                          <a:cs typeface="Arial" charset="0"/>
+                        </a:rPr>
+                        <a:t>ón</a:t>
+                      </a:r>
+                      <a:r>
+                        <a:rPr lang="es-ES" sz="1100" dirty="0" smtClean="0">
+                          <a:latin typeface="Arial" charset="0"/>
+                          <a:ea typeface="Arial" charset="0"/>
+                          <a:cs typeface="Arial" charset="0"/>
+                        </a:rPr>
+                        <a:t> aproximada acumulada</a:t>
+                      </a:r>
+                      <a:endParaRPr lang="es-ES_tradnl" sz="1100" dirty="0">
+                        <a:latin typeface="Arial" charset="0"/>
+                        <a:ea typeface="Arial" charset="0"/>
+                        <a:cs typeface="Arial" charset="0"/>
+                      </a:endParaRPr>
+                    </a:p>
+                  </a:txBody>
+                  <a:tcPr/>
+                </a:tc>
+              </a:tr>
+              <a:tr h="261464">
+                <a:tc>
+                  <a:txBody>
+                    <a:bodyPr/>
+                    <a:lstStyle/>
+                    <a:p>
+                      <a:pPr algn="ctr"/>
+                      <a:r>
+                        <a:rPr lang="es-ES_tradnl" sz="1100" b="1" dirty="0" smtClean="0">
+                          <a:latin typeface="Arial" charset="0"/>
+                          <a:ea typeface="Arial" charset="0"/>
+                          <a:cs typeface="Arial" charset="0"/>
+                        </a:rPr>
+                        <a:t>No.</a:t>
+                      </a:r>
+                      <a:endParaRPr lang="es-ES_tradnl" sz="1100" b="1" dirty="0">
+                        <a:latin typeface="Arial" charset="0"/>
+                        <a:ea typeface="Arial" charset="0"/>
+                        <a:cs typeface="Arial" charset="0"/>
+                      </a:endParaRPr>
+                    </a:p>
+                  </a:txBody>
+                  <a:tcPr/>
+                </a:tc>
+                <a:tc>
+                  <a:txBody>
+                    <a:bodyPr/>
+                    <a:lstStyle/>
+                    <a:p>
+                      <a:pPr algn="ctr"/>
+                      <a:r>
+                        <a:rPr lang="es-ES_tradnl" sz="1100" b="1" dirty="0" smtClean="0">
+                          <a:latin typeface="Arial" charset="0"/>
+                          <a:ea typeface="Arial" charset="0"/>
+                          <a:cs typeface="Arial" charset="0"/>
+                        </a:rPr>
+                        <a:t>Municipio</a:t>
+                      </a:r>
+                      <a:endParaRPr lang="es-ES_tradnl" sz="1100" b="1" dirty="0">
+                        <a:latin typeface="Arial" charset="0"/>
+                        <a:ea typeface="Arial" charset="0"/>
+                        <a:cs typeface="Arial" charset="0"/>
+                      </a:endParaRPr>
+                    </a:p>
+                  </a:txBody>
+                  <a:tcPr/>
+                </a:tc>
+                <a:tc>
+                  <a:txBody>
+                    <a:bodyPr/>
+                    <a:lstStyle/>
+                    <a:p>
+                      <a:pPr algn="ctr"/>
+                      <a:r>
+                        <a:rPr lang="es-ES_tradnl" sz="1100" b="1" dirty="0" smtClean="0">
+                          <a:latin typeface="Arial" charset="0"/>
+                          <a:ea typeface="Arial" charset="0"/>
+                          <a:cs typeface="Arial" charset="0"/>
+                        </a:rPr>
+                        <a:t>ENE</a:t>
+                      </a:r>
+                      <a:endParaRPr lang="es-ES_tradnl" sz="1100" b="1" dirty="0">
+                        <a:latin typeface="Arial" charset="0"/>
+                        <a:ea typeface="Arial" charset="0"/>
+                        <a:cs typeface="Arial" charset="0"/>
+                      </a:endParaRPr>
+                    </a:p>
+                  </a:txBody>
+                  <a:tcPr/>
+                </a:tc>
+                <a:tc>
+                  <a:txBody>
+                    <a:bodyPr/>
+                    <a:lstStyle/>
+                    <a:p>
+                      <a:pPr algn="ctr"/>
+                      <a:r>
+                        <a:rPr lang="es-ES_tradnl" sz="1100" b="1" dirty="0" smtClean="0">
+                          <a:latin typeface="Arial" charset="0"/>
+                          <a:ea typeface="Arial" charset="0"/>
+                          <a:cs typeface="Arial" charset="0"/>
+                        </a:rPr>
+                        <a:t>FEB</a:t>
+                      </a:r>
+                      <a:endParaRPr lang="es-ES_tradnl" sz="1100" b="1" dirty="0">
+                        <a:latin typeface="Arial" charset="0"/>
+                        <a:ea typeface="Arial" charset="0"/>
+                        <a:cs typeface="Arial" charset="0"/>
+                      </a:endParaRPr>
+                    </a:p>
+                  </a:txBody>
+                  <a:tcPr/>
+                </a:tc>
+                <a:tc>
+                  <a:txBody>
+                    <a:bodyPr/>
+                    <a:lstStyle/>
+                    <a:p>
+                      <a:pPr algn="ctr"/>
+                      <a:r>
+                        <a:rPr lang="es-ES_tradnl" sz="1100" b="1" dirty="0" smtClean="0">
+                          <a:latin typeface="Arial" charset="0"/>
+                          <a:ea typeface="Arial" charset="0"/>
+                          <a:cs typeface="Arial" charset="0"/>
+                        </a:rPr>
+                        <a:t>MAR</a:t>
+                      </a:r>
+                      <a:endParaRPr lang="es-ES_tradnl" sz="1100" b="1" dirty="0">
+                        <a:latin typeface="Arial" charset="0"/>
+                        <a:ea typeface="Arial" charset="0"/>
+                        <a:cs typeface="Arial" charset="0"/>
+                      </a:endParaRPr>
+                    </a:p>
+                  </a:txBody>
+                  <a:tcPr/>
+                </a:tc>
+                <a:tc>
+                  <a:txBody>
+                    <a:bodyPr/>
+                    <a:lstStyle/>
+                    <a:p>
+                      <a:pPr algn="ctr"/>
+                      <a:r>
+                        <a:rPr lang="es-ES_tradnl" sz="1100" b="1" dirty="0" smtClean="0">
+                          <a:latin typeface="Arial" charset="0"/>
+                          <a:ea typeface="Arial" charset="0"/>
+                          <a:cs typeface="Arial" charset="0"/>
+                        </a:rPr>
+                        <a:t>ABR</a:t>
+                      </a:r>
+                      <a:endParaRPr lang="es-ES_tradnl" sz="1100" b="1" dirty="0">
+                        <a:latin typeface="Arial" charset="0"/>
+                        <a:ea typeface="Arial" charset="0"/>
+                        <a:cs typeface="Arial" charset="0"/>
+                      </a:endParaRPr>
+                    </a:p>
+                  </a:txBody>
+                  <a:tcPr/>
+                </a:tc>
+                <a:tc>
+                  <a:txBody>
+                    <a:bodyPr/>
+                    <a:lstStyle/>
+                    <a:p>
+                      <a:pPr algn="ctr"/>
+                      <a:r>
+                        <a:rPr lang="es-ES_tradnl" sz="1100" b="1" dirty="0" smtClean="0">
+                          <a:latin typeface="Arial" charset="0"/>
+                          <a:ea typeface="Arial" charset="0"/>
+                          <a:cs typeface="Arial" charset="0"/>
+                        </a:rPr>
+                        <a:t>MAY</a:t>
+                      </a:r>
+                      <a:endParaRPr lang="es-ES_tradnl" sz="1100" b="1" dirty="0">
+                        <a:latin typeface="Arial" charset="0"/>
+                        <a:ea typeface="Arial" charset="0"/>
+                        <a:cs typeface="Arial" charset="0"/>
+                      </a:endParaRPr>
+                    </a:p>
+                  </a:txBody>
+                  <a:tcPr/>
+                </a:tc>
+                <a:tc>
+                  <a:txBody>
+                    <a:bodyPr/>
+                    <a:lstStyle/>
+                    <a:p>
+                      <a:pPr algn="ctr"/>
+                      <a:r>
+                        <a:rPr lang="es-ES_tradnl" sz="1100" b="1" dirty="0" smtClean="0">
+                          <a:latin typeface="Arial" charset="0"/>
+                          <a:ea typeface="Arial" charset="0"/>
+                          <a:cs typeface="Arial" charset="0"/>
+                        </a:rPr>
+                        <a:t>JUN</a:t>
+                      </a:r>
+                      <a:endParaRPr lang="es-ES_tradnl" sz="1100" b="1" dirty="0">
+                        <a:latin typeface="Arial" charset="0"/>
+                        <a:ea typeface="Arial" charset="0"/>
+                        <a:cs typeface="Arial" charset="0"/>
+                      </a:endParaRPr>
+                    </a:p>
+                  </a:txBody>
+                  <a:tcPr/>
+                </a:tc>
+                <a:tc>
+                  <a:txBody>
+                    <a:bodyPr/>
+                    <a:lstStyle/>
+                    <a:p>
+                      <a:pPr algn="ctr"/>
+                      <a:r>
+                        <a:rPr lang="es-ES_tradnl" sz="1100" b="1" dirty="0" smtClean="0">
+                          <a:latin typeface="Arial" charset="0"/>
+                          <a:ea typeface="Arial" charset="0"/>
+                          <a:cs typeface="Arial" charset="0"/>
+                        </a:rPr>
+                        <a:t>JUL</a:t>
+                      </a:r>
+                      <a:endParaRPr lang="es-ES_tradnl" sz="1100" b="1" dirty="0">
+                        <a:latin typeface="Arial" charset="0"/>
+                        <a:ea typeface="Arial" charset="0"/>
+                        <a:cs typeface="Arial" charset="0"/>
+                      </a:endParaRPr>
+                    </a:p>
+                  </a:txBody>
+                  <a:tcPr/>
+                </a:tc>
+                <a:tc>
+                  <a:txBody>
+                    <a:bodyPr/>
+                    <a:lstStyle/>
+                    <a:p>
+                      <a:pPr algn="ctr"/>
+                      <a:r>
+                        <a:rPr lang="es-ES_tradnl" sz="1100" b="1" dirty="0" smtClean="0">
+                          <a:latin typeface="Arial" charset="0"/>
+                          <a:ea typeface="Arial" charset="0"/>
+                          <a:cs typeface="Arial" charset="0"/>
+                        </a:rPr>
+                        <a:t>AGO</a:t>
+                      </a:r>
+                      <a:endParaRPr lang="es-ES_tradnl" sz="1100" b="1" dirty="0">
+                        <a:latin typeface="Arial" charset="0"/>
+                        <a:ea typeface="Arial" charset="0"/>
+                        <a:cs typeface="Arial" charset="0"/>
+                      </a:endParaRPr>
+                    </a:p>
+                  </a:txBody>
+                  <a:tcPr/>
+                </a:tc>
+                <a:tc>
+                  <a:txBody>
+                    <a:bodyPr/>
+                    <a:lstStyle/>
+                    <a:p>
+                      <a:pPr algn="ctr"/>
+                      <a:r>
+                        <a:rPr lang="es-ES_tradnl" sz="1100" b="1" dirty="0" smtClean="0">
+                          <a:latin typeface="Arial" charset="0"/>
+                          <a:ea typeface="Arial" charset="0"/>
+                          <a:cs typeface="Arial" charset="0"/>
+                        </a:rPr>
+                        <a:t>SEP</a:t>
+                      </a:r>
+                      <a:endParaRPr lang="es-ES_tradnl" sz="1100" b="1" dirty="0">
+                        <a:latin typeface="Arial" charset="0"/>
+                        <a:ea typeface="Arial" charset="0"/>
+                        <a:cs typeface="Arial" charset="0"/>
+                      </a:endParaRPr>
+                    </a:p>
+                  </a:txBody>
+                  <a:tcPr/>
+                </a:tc>
+                <a:tc>
+                  <a:txBody>
+                    <a:bodyPr/>
+                    <a:lstStyle/>
+                    <a:p>
+                      <a:pPr algn="ctr"/>
+                      <a:r>
+                        <a:rPr lang="es-ES_tradnl" sz="1100" b="1" dirty="0" smtClean="0">
+                          <a:latin typeface="Arial" charset="0"/>
+                          <a:ea typeface="Arial" charset="0"/>
+                          <a:cs typeface="Arial" charset="0"/>
+                        </a:rPr>
+                        <a:t>OCT</a:t>
+                      </a:r>
+                      <a:endParaRPr lang="es-ES_tradnl" sz="1100" b="1" dirty="0">
+                        <a:latin typeface="Arial" charset="0"/>
+                        <a:ea typeface="Arial" charset="0"/>
+                        <a:cs typeface="Arial" charset="0"/>
+                      </a:endParaRPr>
+                    </a:p>
+                  </a:txBody>
+                  <a:tcPr/>
+                </a:tc>
+                <a:tc>
+                  <a:txBody>
+                    <a:bodyPr/>
+                    <a:lstStyle/>
+                    <a:p>
+                      <a:pPr algn="ctr"/>
+                      <a:r>
+                        <a:rPr lang="es-ES_tradnl" sz="1100" b="1" dirty="0" smtClean="0">
+                          <a:latin typeface="Arial" charset="0"/>
+                          <a:ea typeface="Arial" charset="0"/>
+                          <a:cs typeface="Arial" charset="0"/>
+                        </a:rPr>
+                        <a:t>NOV</a:t>
+                      </a:r>
+                      <a:endParaRPr lang="es-ES_tradnl" sz="1100" b="1" dirty="0">
+                        <a:latin typeface="Arial" charset="0"/>
+                        <a:ea typeface="Arial" charset="0"/>
+                        <a:cs typeface="Arial" charset="0"/>
+                      </a:endParaRPr>
+                    </a:p>
+                  </a:txBody>
+                  <a:tcPr/>
+                </a:tc>
+                <a:tc>
+                  <a:txBody>
+                    <a:bodyPr/>
+                    <a:lstStyle/>
+                    <a:p>
+                      <a:pPr algn="ctr"/>
+                      <a:r>
+                        <a:rPr lang="es-ES_tradnl" sz="1100" b="1" dirty="0" smtClean="0">
+                          <a:latin typeface="Arial" charset="0"/>
+                          <a:ea typeface="Arial" charset="0"/>
+                          <a:cs typeface="Arial" charset="0"/>
+                        </a:rPr>
+                        <a:t>DIC</a:t>
+                      </a:r>
+                      <a:endParaRPr lang="es-ES_tradnl" sz="1100" b="1" dirty="0">
+                        <a:latin typeface="Arial" charset="0"/>
+                        <a:ea typeface="Arial" charset="0"/>
+                        <a:cs typeface="Arial" charset="0"/>
+                      </a:endParaRPr>
+                    </a:p>
+                  </a:txBody>
+                  <a:tcPr/>
+                </a:tc>
+                <a:tc vMerge="1">
+                  <a:txBody>
+                    <a:bodyPr/>
+                    <a:lstStyle/>
+                    <a:p>
+                      <a:endParaRPr lang="es-ES_tradnl"/>
+                    </a:p>
+                  </a:txBody>
+                  <a:tcPr/>
+                </a:tc>
+                <a:tc vMerge="1">
+                  <a:txBody>
+                    <a:bodyPr/>
+                    <a:lstStyle/>
+                    <a:p>
+                      <a:endParaRPr lang="es-ES_tradnl"/>
+                    </a:p>
+                  </a:txBody>
+                  <a:tcPr/>
+                </a:tc>
+              </a:tr>
+              <a:tr h="263633">
+                <a:tc>
+                  <a:txBody>
+                    <a:bodyPr/>
+                    <a:lstStyle/>
+                    <a:p>
+                      <a:pPr>
+                        <a:defRPr sz="800">
+                          <a:solidFill>
+                            <a:srgbClr val="0B0B0B"/>
+                          </a:solidFill>
+                          <a:latin typeface="Arial"/>
+                        </a:defRPr>
+                      </a:pPr>
+                      <a:endParaRPr lang="es-ES_tradnl" sz="1100" dirty="0">
+                        <a:latin typeface="Arial" charset="0"/>
+                        <a:ea typeface="Arial" charset="0"/>
+                        <a:cs typeface="Arial" charset="0"/>
+                      </a:endParaRPr>
+                    </a:p>
+                  </a:txBody>
+                  <a:tcPr marL="36000" marR="36000" marT="36000" marB="36000"/>
+                </a:tc>
+                <a:tc>
+                  <a:txBody>
+                    <a:bodyPr/>
+                    <a:lstStyle/>
+                    <a:p>
+                      <a:pPr>
+                        <a:defRPr sz="800">
+                          <a:solidFill>
+                            <a:srgbClr val="0B0B0B"/>
+                          </a:solidFill>
+                          <a:latin typeface="Arial"/>
+                        </a:defRPr>
+                      </a:pPr>
+                      <a:r>
+                        <a:t>Miguel Hidalgo</a:t>
+                      </a:r>
+                      <a:endParaRPr lang="es-ES_tradnl" sz="1100" dirty="0">
+                        <a:latin typeface="Arial" charset="0"/>
+                        <a:ea typeface="Arial" charset="0"/>
+                        <a:cs typeface="Arial" charset="0"/>
+                      </a:endParaRPr>
+                    </a:p>
+                  </a:txBody>
+                  <a:tcPr marL="36000" marR="36000" marT="36000" marB="36000"/>
+                </a:tc>
+                <a:tc>
+                  <a:txBody>
+                    <a:bodyPr/>
+                    <a:lstStyle/>
+                    <a:p>
+                      <a:pPr>
+                        <a:defRPr sz="800">
+                          <a:solidFill>
+                            <a:srgbClr val="0B0B0B"/>
+                          </a:solidFill>
+                          <a:latin typeface="Arial"/>
+                        </a:defRPr>
+                      </a:pPr>
+                      <a:r>
+                        <a:t>627.0</a:t>
+                      </a:r>
+                      <a:endParaRPr lang="es-ES_tradnl" sz="1100" dirty="0">
+                        <a:latin typeface="Arial" charset="0"/>
+                        <a:ea typeface="Arial" charset="0"/>
+                        <a:cs typeface="Arial" charset="0"/>
+                      </a:endParaRPr>
+                    </a:p>
+                  </a:txBody>
+                  <a:tcPr marL="36000" marR="36000" marT="36000" marB="36000"/>
+                </a:tc>
+                <a:tc>
+                  <a:txBody>
+                    <a:bodyPr/>
+                    <a:lstStyle/>
+                    <a:p>
+                      <a:pPr>
+                        <a:defRPr sz="800">
+                          <a:solidFill>
+                            <a:srgbClr val="0B0B0B"/>
+                          </a:solidFill>
+                          <a:latin typeface="Arial"/>
+                        </a:defRPr>
+                      </a:pPr>
+                      <a:r>
+                        <a:t>639.0</a:t>
+                      </a:r>
+                      <a:endParaRPr lang="es-ES_tradnl" sz="1100" dirty="0">
+                        <a:latin typeface="Arial" charset="0"/>
+                        <a:ea typeface="Arial" charset="0"/>
+                        <a:cs typeface="Arial" charset="0"/>
+                      </a:endParaRPr>
+                    </a:p>
+                  </a:txBody>
+                  <a:tcPr marL="36000" marR="36000" marT="36000" marB="36000"/>
+                </a:tc>
+                <a:tc>
+                  <a:txBody>
+                    <a:bodyPr/>
+                    <a:lstStyle/>
+                    <a:p>
+                      <a:pPr>
+                        <a:defRPr sz="800">
+                          <a:solidFill>
+                            <a:srgbClr val="0B0B0B"/>
+                          </a:solidFill>
+                          <a:latin typeface="Arial"/>
+                        </a:defRPr>
+                      </a:pPr>
+                      <a:r>
+                        <a:t>0.0</a:t>
+                      </a:r>
+                      <a:endParaRPr lang="es-ES_tradnl" sz="1100" dirty="0">
+                        <a:latin typeface="Arial" charset="0"/>
+                        <a:ea typeface="Arial" charset="0"/>
+                        <a:cs typeface="Arial" charset="0"/>
+                      </a:endParaRPr>
+                    </a:p>
+                  </a:txBody>
+                  <a:tcPr marL="36000" marR="36000" marT="36000" marB="36000"/>
+                </a:tc>
+                <a:tc>
+                  <a:txBody>
+                    <a:bodyPr/>
+                    <a:lstStyle/>
+                    <a:p>
+                      <a:pPr>
+                        <a:defRPr sz="800">
+                          <a:solidFill>
+                            <a:srgbClr val="0B0B0B"/>
+                          </a:solidFill>
+                          <a:latin typeface="Arial"/>
+                        </a:defRPr>
+                      </a:pPr>
+                      <a:r>
+                        <a:t>0.0</a:t>
+                      </a:r>
+                      <a:endParaRPr lang="es-ES_tradnl" sz="1100" dirty="0">
+                        <a:latin typeface="Arial" charset="0"/>
+                        <a:ea typeface="Arial" charset="0"/>
+                        <a:cs typeface="Arial" charset="0"/>
+                      </a:endParaRPr>
+                    </a:p>
+                  </a:txBody>
+                  <a:tcPr marL="36000" marR="36000" marT="36000" marB="36000"/>
+                </a:tc>
+                <a:tc>
+                  <a:txBody>
+                    <a:bodyPr/>
+                    <a:lstStyle/>
+                    <a:p>
+                      <a:pPr>
+                        <a:defRPr sz="800">
+                          <a:solidFill>
+                            <a:srgbClr val="0B0B0B"/>
+                          </a:solidFill>
+                          <a:latin typeface="Arial"/>
+                        </a:defRPr>
+                      </a:pPr>
+                      <a:r>
+                        <a:t>0.0</a:t>
+                      </a:r>
+                      <a:endParaRPr lang="es-ES_tradnl" sz="1100">
+                        <a:latin typeface="Arial" charset="0"/>
+                        <a:ea typeface="Arial" charset="0"/>
+                        <a:cs typeface="Arial" charset="0"/>
+                      </a:endParaRPr>
+                    </a:p>
+                  </a:txBody>
+                  <a:tcPr marL="36000" marR="36000" marT="36000" marB="36000"/>
+                </a:tc>
+                <a:tc>
+                  <a:txBody>
+                    <a:bodyPr/>
+                    <a:lstStyle/>
+                    <a:p>
+                      <a:pPr>
+                        <a:defRPr sz="800">
+                          <a:solidFill>
+                            <a:srgbClr val="0B0B0B"/>
+                          </a:solidFill>
+                          <a:latin typeface="Arial"/>
+                        </a:defRPr>
+                      </a:pPr>
+                      <a:r>
+                        <a:t>0.0</a:t>
+                      </a:r>
+                      <a:endParaRPr lang="es-ES_tradnl" sz="1100">
+                        <a:latin typeface="Arial" charset="0"/>
+                        <a:ea typeface="Arial" charset="0"/>
+                        <a:cs typeface="Arial" charset="0"/>
+                      </a:endParaRPr>
+                    </a:p>
+                  </a:txBody>
+                  <a:tcPr marL="36000" marR="36000" marT="36000" marB="36000"/>
+                </a:tc>
+                <a:tc>
+                  <a:txBody>
+                    <a:bodyPr/>
+                    <a:lstStyle/>
+                    <a:p>
+                      <a:pPr>
+                        <a:defRPr sz="800">
+                          <a:solidFill>
+                            <a:srgbClr val="0B0B0B"/>
+                          </a:solidFill>
+                          <a:latin typeface="Arial"/>
+                        </a:defRPr>
+                      </a:pPr>
+                      <a:r>
+                        <a:t>0.0</a:t>
+                      </a:r>
+                      <a:endParaRPr lang="es-ES_tradnl" sz="1100">
+                        <a:latin typeface="Arial" charset="0"/>
+                        <a:ea typeface="Arial" charset="0"/>
+                        <a:cs typeface="Arial" charset="0"/>
+                      </a:endParaRPr>
+                    </a:p>
+                  </a:txBody>
+                  <a:tcPr marL="36000" marR="36000" marT="36000" marB="36000"/>
+                </a:tc>
+                <a:tc>
+                  <a:txBody>
+                    <a:bodyPr/>
+                    <a:lstStyle/>
+                    <a:p>
+                      <a:pPr>
+                        <a:defRPr sz="800">
+                          <a:solidFill>
+                            <a:srgbClr val="0B0B0B"/>
+                          </a:solidFill>
+                          <a:latin typeface="Arial"/>
+                        </a:defRPr>
+                      </a:pPr>
+                      <a:r>
+                        <a:t>0.0</a:t>
+                      </a:r>
+                      <a:endParaRPr lang="es-ES_tradnl" sz="1100">
+                        <a:latin typeface="Arial" charset="0"/>
+                        <a:ea typeface="Arial" charset="0"/>
+                        <a:cs typeface="Arial" charset="0"/>
+                      </a:endParaRPr>
+                    </a:p>
+                  </a:txBody>
+                  <a:tcPr marL="36000" marR="36000" marT="36000" marB="36000"/>
+                </a:tc>
+                <a:tc>
+                  <a:txBody>
+                    <a:bodyPr/>
+                    <a:lstStyle/>
+                    <a:p>
+                      <a:pPr>
+                        <a:defRPr sz="800">
+                          <a:solidFill>
+                            <a:srgbClr val="0B0B0B"/>
+                          </a:solidFill>
+                          <a:latin typeface="Arial"/>
+                        </a:defRPr>
+                      </a:pPr>
+                      <a:r>
+                        <a:t>0.0</a:t>
+                      </a:r>
+                      <a:endParaRPr lang="es-ES_tradnl" sz="1100">
+                        <a:latin typeface="Arial" charset="0"/>
+                        <a:ea typeface="Arial" charset="0"/>
+                        <a:cs typeface="Arial" charset="0"/>
+                      </a:endParaRPr>
+                    </a:p>
+                  </a:txBody>
+                  <a:tcPr marL="36000" marR="36000" marT="36000" marB="36000"/>
+                </a:tc>
+                <a:tc>
+                  <a:txBody>
+                    <a:bodyPr/>
+                    <a:lstStyle/>
+                    <a:p>
+                      <a:pPr>
+                        <a:defRPr sz="800">
+                          <a:solidFill>
+                            <a:srgbClr val="0B0B0B"/>
+                          </a:solidFill>
+                          <a:latin typeface="Arial"/>
+                        </a:defRPr>
+                      </a:pPr>
+                      <a:r>
+                        <a:t>0.0</a:t>
+                      </a:r>
+                      <a:endParaRPr lang="es-ES_tradnl" sz="1100">
+                        <a:latin typeface="Arial" charset="0"/>
+                        <a:ea typeface="Arial" charset="0"/>
+                        <a:cs typeface="Arial" charset="0"/>
+                      </a:endParaRPr>
+                    </a:p>
+                  </a:txBody>
+                  <a:tcPr marL="36000" marR="36000" marT="36000" marB="36000"/>
+                </a:tc>
+                <a:tc>
+                  <a:txBody>
+                    <a:bodyPr/>
+                    <a:lstStyle/>
+                    <a:p>
+                      <a:pPr>
+                        <a:defRPr sz="800">
+                          <a:solidFill>
+                            <a:srgbClr val="0B0B0B"/>
+                          </a:solidFill>
+                          <a:latin typeface="Arial"/>
+                        </a:defRPr>
+                      </a:pPr>
+                      <a:r>
+                        <a:t>0.0</a:t>
+                      </a:r>
+                      <a:endParaRPr lang="es-ES_tradnl" sz="1100">
+                        <a:latin typeface="Arial" charset="0"/>
+                        <a:ea typeface="Arial" charset="0"/>
+                        <a:cs typeface="Arial" charset="0"/>
+                      </a:endParaRPr>
+                    </a:p>
+                  </a:txBody>
+                  <a:tcPr marL="36000" marR="36000" marT="36000" marB="36000"/>
+                </a:tc>
+                <a:tc>
+                  <a:txBody>
+                    <a:bodyPr/>
+                    <a:lstStyle/>
+                    <a:p>
+                      <a:pPr>
+                        <a:defRPr sz="800">
+                          <a:solidFill>
+                            <a:srgbClr val="0B0B0B"/>
+                          </a:solidFill>
+                          <a:latin typeface="Arial"/>
+                        </a:defRPr>
+                      </a:pPr>
+                      <a:r>
+                        <a:t>0.0</a:t>
+                      </a:r>
+                      <a:endParaRPr lang="es-ES_tradnl" sz="1100" dirty="0">
+                        <a:latin typeface="Arial" charset="0"/>
+                        <a:ea typeface="Arial" charset="0"/>
+                        <a:cs typeface="Arial" charset="0"/>
+                      </a:endParaRPr>
+                    </a:p>
+                  </a:txBody>
+                  <a:tcPr marL="36000" marR="36000" marT="36000" marB="36000"/>
+                </a:tc>
+                <a:tc>
+                  <a:txBody>
+                    <a:bodyPr/>
+                    <a:lstStyle/>
+                    <a:p>
+                      <a:pPr>
+                        <a:defRPr sz="800">
+                          <a:solidFill>
+                            <a:srgbClr val="0B0B0B"/>
+                          </a:solidFill>
+                          <a:latin typeface="Arial"/>
+                        </a:defRPr>
+                      </a:pPr>
+                      <a:r>
+                        <a:t>1266.0</a:t>
+                      </a:r>
+                      <a:endParaRPr lang="es-ES_tradnl" sz="1100" dirty="0">
+                        <a:latin typeface="Arial" charset="0"/>
+                        <a:ea typeface="Arial" charset="0"/>
+                        <a:cs typeface="Arial" charset="0"/>
+                      </a:endParaRPr>
+                    </a:p>
+                  </a:txBody>
+                  <a:tcPr marL="36000" marR="36000" marT="36000" marB="36000"/>
+                </a:tc>
+                <a:tc>
+                  <a:txBody>
+                    <a:bodyPr/>
+                    <a:lstStyle/>
+                    <a:p>
+                      <a:pPr marL="0" algn="l" defTabSz="914400" rtl="0" eaLnBrk="1" latinLnBrk="0" hangingPunct="1">
+                        <a:defRPr sz="800">
+                          <a:solidFill>
+                            <a:srgbClr val="0B0B0B"/>
+                          </a:solidFill>
+                          <a:latin typeface="Arial"/>
+                        </a:defRPr>
+                      </a:pPr>
+                      <a:r>
+                        <a:t>1122942.0</a:t>
+                      </a:r>
+                      <a:endParaRPr lang="es-ES_tradnl" sz="1100" kern="1200" dirty="0">
+                        <a:solidFill>
+                          <a:schemeClr val="dk1"/>
+                        </a:solidFill>
+                        <a:latin typeface="Arial" charset="0"/>
+                        <a:ea typeface="Arial" charset="0"/>
+                        <a:cs typeface="Arial" charset="0"/>
+                      </a:endParaRPr>
+                    </a:p>
+                  </a:txBody>
+                  <a:tcPr marL="36000" marR="36000" marT="36000" marB="36000"/>
+                </a:tc>
+              </a:tr>
+              <a:tr h="299746">
+                <a:tc>
+                  <a:txBody>
+                    <a:bodyPr/>
+                    <a:lstStyle/>
+                    <a:p>
+                      <a:pPr>
+                        <a:defRPr sz="800">
+                          <a:solidFill>
+                            <a:srgbClr val="0B0B0B"/>
+                          </a:solidFill>
+                          <a:latin typeface="Arial"/>
+                        </a:defRPr>
+                      </a:pPr>
+                      <a:endParaRPr lang="es-ES_tradnl" sz="1100" dirty="0">
+                        <a:latin typeface="Arial" charset="0"/>
+                        <a:ea typeface="Arial" charset="0"/>
+                        <a:cs typeface="Arial" charset="0"/>
+                      </a:endParaRPr>
+                    </a:p>
+                  </a:txBody>
+                  <a:tcPr marL="36000" marR="36000" marT="36000" marB="36000"/>
+                </a:tc>
+                <a:tc>
+                  <a:txBody>
+                    <a:bodyPr/>
+                    <a:lstStyle/>
+                    <a:p>
+                      <a:pPr>
+                        <a:defRPr sz="800">
+                          <a:solidFill>
+                            <a:srgbClr val="0B0B0B"/>
+                          </a:solidFill>
+                          <a:latin typeface="Arial"/>
+                        </a:defRPr>
+                      </a:pPr>
+                      <a:r>
+                        <a:t>Venustiano Carranza</a:t>
+                      </a:r>
+                      <a:endParaRPr lang="es-ES_tradnl" sz="1100" dirty="0">
+                        <a:latin typeface="Arial" charset="0"/>
+                        <a:ea typeface="Arial" charset="0"/>
+                        <a:cs typeface="Arial" charset="0"/>
+                      </a:endParaRPr>
+                    </a:p>
+                  </a:txBody>
+                  <a:tcPr marL="36000" marR="36000" marT="36000" marB="36000"/>
+                </a:tc>
+                <a:tc>
+                  <a:txBody>
+                    <a:bodyPr/>
+                    <a:lstStyle/>
+                    <a:p>
+                      <a:pPr>
+                        <a:defRPr sz="800">
+                          <a:solidFill>
+                            <a:srgbClr val="0B0B0B"/>
+                          </a:solidFill>
+                          <a:latin typeface="Arial"/>
+                        </a:defRPr>
+                      </a:pPr>
+                      <a:r>
+                        <a:t>497.0</a:t>
+                      </a:r>
+                      <a:endParaRPr lang="es-ES_tradnl" sz="1100" dirty="0">
+                        <a:latin typeface="Arial" charset="0"/>
+                        <a:ea typeface="Arial" charset="0"/>
+                        <a:cs typeface="Arial" charset="0"/>
+                      </a:endParaRPr>
+                    </a:p>
+                  </a:txBody>
+                  <a:tcPr marL="36000" marR="36000" marT="36000" marB="36000"/>
+                </a:tc>
+                <a:tc>
+                  <a:txBody>
+                    <a:bodyPr/>
+                    <a:lstStyle/>
+                    <a:p>
+                      <a:pPr>
+                        <a:defRPr sz="800">
+                          <a:solidFill>
+                            <a:srgbClr val="0B0B0B"/>
+                          </a:solidFill>
+                          <a:latin typeface="Arial"/>
+                        </a:defRPr>
+                      </a:pPr>
+                      <a:r>
+                        <a:t>510.0</a:t>
+                      </a:r>
+                      <a:endParaRPr lang="es-ES_tradnl" sz="1100">
+                        <a:latin typeface="Arial" charset="0"/>
+                        <a:ea typeface="Arial" charset="0"/>
+                        <a:cs typeface="Arial" charset="0"/>
+                      </a:endParaRPr>
+                    </a:p>
+                  </a:txBody>
+                  <a:tcPr marL="36000" marR="36000" marT="36000" marB="36000"/>
+                </a:tc>
+                <a:tc>
+                  <a:txBody>
+                    <a:bodyPr/>
+                    <a:lstStyle/>
+                    <a:p>
+                      <a:pPr>
+                        <a:defRPr sz="800">
+                          <a:solidFill>
+                            <a:srgbClr val="0B0B0B"/>
+                          </a:solidFill>
+                          <a:latin typeface="Arial"/>
+                        </a:defRPr>
+                      </a:pPr>
+                      <a:r>
+                        <a:t>0.0</a:t>
+                      </a:r>
+                      <a:endParaRPr lang="es-ES_tradnl" sz="1100">
+                        <a:latin typeface="Arial" charset="0"/>
+                        <a:ea typeface="Arial" charset="0"/>
+                        <a:cs typeface="Arial" charset="0"/>
+                      </a:endParaRPr>
+                    </a:p>
+                  </a:txBody>
+                  <a:tcPr marL="36000" marR="36000" marT="36000" marB="36000"/>
+                </a:tc>
+                <a:tc>
+                  <a:txBody>
+                    <a:bodyPr/>
+                    <a:lstStyle/>
+                    <a:p>
+                      <a:pPr>
+                        <a:defRPr sz="800">
+                          <a:solidFill>
+                            <a:srgbClr val="0B0B0B"/>
+                          </a:solidFill>
+                          <a:latin typeface="Arial"/>
+                        </a:defRPr>
+                      </a:pPr>
+                      <a:r>
+                        <a:t>0.0</a:t>
+                      </a:r>
+                      <a:endParaRPr lang="es-ES_tradnl" sz="1100" dirty="0">
+                        <a:latin typeface="Arial" charset="0"/>
+                        <a:ea typeface="Arial" charset="0"/>
+                        <a:cs typeface="Arial" charset="0"/>
+                      </a:endParaRPr>
+                    </a:p>
+                  </a:txBody>
+                  <a:tcPr marL="36000" marR="36000" marT="36000" marB="36000"/>
+                </a:tc>
+                <a:tc>
+                  <a:txBody>
+                    <a:bodyPr/>
+                    <a:lstStyle/>
+                    <a:p>
+                      <a:pPr>
+                        <a:defRPr sz="800">
+                          <a:solidFill>
+                            <a:srgbClr val="0B0B0B"/>
+                          </a:solidFill>
+                          <a:latin typeface="Arial"/>
+                        </a:defRPr>
+                      </a:pPr>
+                      <a:r>
+                        <a:t>0.0</a:t>
+                      </a:r>
+                      <a:endParaRPr lang="es-ES_tradnl" sz="1100">
+                        <a:latin typeface="Arial" charset="0"/>
+                        <a:ea typeface="Arial" charset="0"/>
+                        <a:cs typeface="Arial" charset="0"/>
+                      </a:endParaRPr>
+                    </a:p>
+                  </a:txBody>
+                  <a:tcPr marL="36000" marR="36000" marT="36000" marB="36000"/>
+                </a:tc>
+                <a:tc>
+                  <a:txBody>
+                    <a:bodyPr/>
+                    <a:lstStyle/>
+                    <a:p>
+                      <a:pPr>
+                        <a:defRPr sz="800">
+                          <a:solidFill>
+                            <a:srgbClr val="0B0B0B"/>
+                          </a:solidFill>
+                          <a:latin typeface="Arial"/>
+                        </a:defRPr>
+                      </a:pPr>
+                      <a:r>
+                        <a:t>0.0</a:t>
+                      </a:r>
+                      <a:endParaRPr lang="es-ES_tradnl" sz="1100">
+                        <a:latin typeface="Arial" charset="0"/>
+                        <a:ea typeface="Arial" charset="0"/>
+                        <a:cs typeface="Arial" charset="0"/>
+                      </a:endParaRPr>
+                    </a:p>
+                  </a:txBody>
+                  <a:tcPr marL="36000" marR="36000" marT="36000" marB="36000"/>
+                </a:tc>
+                <a:tc>
+                  <a:txBody>
+                    <a:bodyPr/>
+                    <a:lstStyle/>
+                    <a:p>
+                      <a:pPr>
+                        <a:defRPr sz="800">
+                          <a:solidFill>
+                            <a:srgbClr val="0B0B0B"/>
+                          </a:solidFill>
+                          <a:latin typeface="Arial"/>
+                        </a:defRPr>
+                      </a:pPr>
+                      <a:r>
+                        <a:t>0.0</a:t>
+                      </a:r>
+                      <a:endParaRPr lang="es-ES_tradnl" sz="1100">
+                        <a:latin typeface="Arial" charset="0"/>
+                        <a:ea typeface="Arial" charset="0"/>
+                        <a:cs typeface="Arial" charset="0"/>
+                      </a:endParaRPr>
+                    </a:p>
+                  </a:txBody>
+                  <a:tcPr marL="36000" marR="36000" marT="36000" marB="36000"/>
+                </a:tc>
+                <a:tc>
+                  <a:txBody>
+                    <a:bodyPr/>
+                    <a:lstStyle/>
+                    <a:p>
+                      <a:pPr>
+                        <a:defRPr sz="800">
+                          <a:solidFill>
+                            <a:srgbClr val="0B0B0B"/>
+                          </a:solidFill>
+                          <a:latin typeface="Arial"/>
+                        </a:defRPr>
+                      </a:pPr>
+                      <a:r>
+                        <a:t>0.0</a:t>
+                      </a:r>
+                      <a:endParaRPr lang="es-ES_tradnl" sz="1100">
+                        <a:latin typeface="Arial" charset="0"/>
+                        <a:ea typeface="Arial" charset="0"/>
+                        <a:cs typeface="Arial" charset="0"/>
+                      </a:endParaRPr>
+                    </a:p>
+                  </a:txBody>
+                  <a:tcPr marL="36000" marR="36000" marT="36000" marB="36000"/>
+                </a:tc>
+                <a:tc>
+                  <a:txBody>
+                    <a:bodyPr/>
+                    <a:lstStyle/>
+                    <a:p>
+                      <a:pPr>
+                        <a:defRPr sz="800">
+                          <a:solidFill>
+                            <a:srgbClr val="0B0B0B"/>
+                          </a:solidFill>
+                          <a:latin typeface="Arial"/>
+                        </a:defRPr>
+                      </a:pPr>
+                      <a:r>
+                        <a:t>0.0</a:t>
+                      </a:r>
+                      <a:endParaRPr lang="es-ES_tradnl" sz="1100">
+                        <a:latin typeface="Arial" charset="0"/>
+                        <a:ea typeface="Arial" charset="0"/>
+                        <a:cs typeface="Arial" charset="0"/>
+                      </a:endParaRPr>
+                    </a:p>
+                  </a:txBody>
+                  <a:tcPr marL="36000" marR="36000" marT="36000" marB="36000"/>
+                </a:tc>
+                <a:tc>
+                  <a:txBody>
+                    <a:bodyPr/>
+                    <a:lstStyle/>
+                    <a:p>
+                      <a:pPr>
+                        <a:defRPr sz="800">
+                          <a:solidFill>
+                            <a:srgbClr val="0B0B0B"/>
+                          </a:solidFill>
+                          <a:latin typeface="Arial"/>
+                        </a:defRPr>
+                      </a:pPr>
+                      <a:r>
+                        <a:t>0.0</a:t>
+                      </a:r>
+                      <a:endParaRPr lang="es-ES_tradnl" sz="1100">
+                        <a:latin typeface="Arial" charset="0"/>
+                        <a:ea typeface="Arial" charset="0"/>
+                        <a:cs typeface="Arial" charset="0"/>
+                      </a:endParaRPr>
+                    </a:p>
+                  </a:txBody>
+                  <a:tcPr marL="36000" marR="36000" marT="36000" marB="36000"/>
+                </a:tc>
+                <a:tc>
+                  <a:txBody>
+                    <a:bodyPr/>
+                    <a:lstStyle/>
+                    <a:p>
+                      <a:pPr>
+                        <a:defRPr sz="800">
+                          <a:solidFill>
+                            <a:srgbClr val="0B0B0B"/>
+                          </a:solidFill>
+                          <a:latin typeface="Arial"/>
+                        </a:defRPr>
+                      </a:pPr>
+                      <a:r>
+                        <a:t>0.0</a:t>
+                      </a:r>
+                      <a:endParaRPr lang="es-ES_tradnl" sz="1100">
+                        <a:latin typeface="Arial" charset="0"/>
+                        <a:ea typeface="Arial" charset="0"/>
+                        <a:cs typeface="Arial" charset="0"/>
+                      </a:endParaRPr>
+                    </a:p>
+                  </a:txBody>
+                  <a:tcPr marL="36000" marR="36000" marT="36000" marB="36000"/>
+                </a:tc>
+                <a:tc>
+                  <a:txBody>
+                    <a:bodyPr/>
+                    <a:lstStyle/>
+                    <a:p>
+                      <a:pPr>
+                        <a:defRPr sz="800">
+                          <a:solidFill>
+                            <a:srgbClr val="0B0B0B"/>
+                          </a:solidFill>
+                          <a:latin typeface="Arial"/>
+                        </a:defRPr>
+                      </a:pPr>
+                      <a:r>
+                        <a:t>0.0</a:t>
+                      </a:r>
+                      <a:endParaRPr lang="es-ES_tradnl" sz="1100" dirty="0">
+                        <a:latin typeface="Arial" charset="0"/>
+                        <a:ea typeface="Arial" charset="0"/>
+                        <a:cs typeface="Arial" charset="0"/>
+                      </a:endParaRPr>
+                    </a:p>
+                  </a:txBody>
+                  <a:tcPr marL="36000" marR="36000" marT="36000" marB="36000"/>
+                </a:tc>
+                <a:tc>
+                  <a:txBody>
+                    <a:bodyPr/>
+                    <a:lstStyle/>
+                    <a:p>
+                      <a:pPr>
+                        <a:defRPr sz="800">
+                          <a:solidFill>
+                            <a:srgbClr val="0B0B0B"/>
+                          </a:solidFill>
+                          <a:latin typeface="Arial"/>
+                        </a:defRPr>
+                      </a:pPr>
+                      <a:r>
+                        <a:t>1007.0</a:t>
+                      </a:r>
+                      <a:endParaRPr lang="es-ES_tradnl" sz="1100">
+                        <a:latin typeface="Arial" charset="0"/>
+                        <a:ea typeface="Arial" charset="0"/>
+                        <a:cs typeface="Arial" charset="0"/>
+                      </a:endParaRPr>
+                    </a:p>
+                  </a:txBody>
+                  <a:tcPr marL="36000" marR="36000" marT="36000" marB="36000"/>
+                </a:tc>
+                <a:tc>
+                  <a:txBody>
+                    <a:bodyPr/>
+                    <a:lstStyle/>
+                    <a:p>
+                      <a:pPr>
+                        <a:defRPr sz="800">
+                          <a:solidFill>
+                            <a:srgbClr val="0B0B0B"/>
+                          </a:solidFill>
+                          <a:latin typeface="Arial"/>
+                        </a:defRPr>
+                      </a:pPr>
+                      <a:r>
+                        <a:t>893209.0</a:t>
+                      </a:r>
+                      <a:endParaRPr lang="es-ES_tradnl" sz="1100">
+                        <a:latin typeface="Arial" charset="0"/>
+                        <a:ea typeface="Arial" charset="0"/>
+                        <a:cs typeface="Arial" charset="0"/>
+                      </a:endParaRPr>
+                    </a:p>
+                  </a:txBody>
+                  <a:tcPr marL="36000" marR="36000" marT="36000" marB="36000"/>
+                </a:tc>
+              </a:tr>
+              <a:tr h="279918">
+                <a:tc>
+                  <a:txBody>
+                    <a:bodyPr/>
+                    <a:lstStyle/>
+                    <a:p>
+                      <a:endParaRPr lang="es-ES_tradnl" sz="1100" dirty="0">
+                        <a:latin typeface="Arial" charset="0"/>
+                        <a:ea typeface="Arial" charset="0"/>
+                        <a:cs typeface="Arial" charset="0"/>
+                      </a:endParaRPr>
+                    </a:p>
+                  </a:txBody>
+                  <a:tcPr marL="36000" marR="36000" marT="36000" marB="36000"/>
+                </a:tc>
+                <a:tc>
+                  <a:txBody>
+                    <a:bodyPr/>
+                    <a:lstStyle/>
+                    <a:p>
+                      <a:endParaRPr lang="es-ES_tradnl" sz="1100">
+                        <a:latin typeface="Arial" charset="0"/>
+                        <a:ea typeface="Arial" charset="0"/>
+                        <a:cs typeface="Arial" charset="0"/>
+                      </a:endParaRPr>
+                    </a:p>
+                  </a:txBody>
+                  <a:tcPr marL="36000" marR="36000" marT="36000" marB="36000"/>
+                </a:tc>
+                <a:tc>
+                  <a:txBody>
+                    <a:bodyPr/>
+                    <a:lstStyle/>
+                    <a:p>
+                      <a:endParaRPr lang="es-ES_tradnl" sz="1100">
+                        <a:latin typeface="Arial" charset="0"/>
+                        <a:ea typeface="Arial" charset="0"/>
+                        <a:cs typeface="Arial" charset="0"/>
+                      </a:endParaRPr>
+                    </a:p>
+                  </a:txBody>
+                  <a:tcPr marL="36000" marR="36000" marT="36000" marB="36000"/>
+                </a:tc>
+                <a:tc>
+                  <a:txBody>
+                    <a:bodyPr/>
+                    <a:lstStyle/>
+                    <a:p>
+                      <a:endParaRPr lang="es-ES_tradnl" sz="1100" dirty="0">
+                        <a:latin typeface="Arial" charset="0"/>
+                        <a:ea typeface="Arial" charset="0"/>
+                        <a:cs typeface="Arial" charset="0"/>
+                      </a:endParaRPr>
+                    </a:p>
+                  </a:txBody>
+                  <a:tcPr marL="36000" marR="36000" marT="36000" marB="36000"/>
+                </a:tc>
+                <a:tc>
+                  <a:txBody>
+                    <a:bodyPr/>
+                    <a:lstStyle/>
+                    <a:p>
+                      <a:endParaRPr lang="es-ES_tradnl" sz="1100">
+                        <a:latin typeface="Arial" charset="0"/>
+                        <a:ea typeface="Arial" charset="0"/>
+                        <a:cs typeface="Arial" charset="0"/>
+                      </a:endParaRPr>
+                    </a:p>
+                  </a:txBody>
+                  <a:tcPr marL="36000" marR="36000" marT="36000" marB="36000"/>
+                </a:tc>
+                <a:tc>
+                  <a:txBody>
+                    <a:bodyPr/>
+                    <a:lstStyle/>
+                    <a:p>
+                      <a:endParaRPr lang="es-ES_tradnl" sz="1100">
+                        <a:latin typeface="Arial" charset="0"/>
+                        <a:ea typeface="Arial" charset="0"/>
+                        <a:cs typeface="Arial" charset="0"/>
+                      </a:endParaRPr>
+                    </a:p>
+                  </a:txBody>
+                  <a:tcPr marL="36000" marR="36000" marT="36000" marB="36000"/>
+                </a:tc>
+                <a:tc>
+                  <a:txBody>
+                    <a:bodyPr/>
+                    <a:lstStyle/>
+                    <a:p>
+                      <a:endParaRPr lang="es-ES_tradnl" sz="1100" dirty="0">
+                        <a:latin typeface="Arial" charset="0"/>
+                        <a:ea typeface="Arial" charset="0"/>
+                        <a:cs typeface="Arial" charset="0"/>
+                      </a:endParaRPr>
+                    </a:p>
+                  </a:txBody>
+                  <a:tcPr marL="36000" marR="36000" marT="36000" marB="36000"/>
+                </a:tc>
+                <a:tc>
+                  <a:txBody>
+                    <a:bodyPr/>
+                    <a:lstStyle/>
+                    <a:p>
+                      <a:endParaRPr lang="es-ES_tradnl" sz="1100">
+                        <a:latin typeface="Arial" charset="0"/>
+                        <a:ea typeface="Arial" charset="0"/>
+                        <a:cs typeface="Arial" charset="0"/>
+                      </a:endParaRPr>
+                    </a:p>
+                  </a:txBody>
+                  <a:tcPr marL="36000" marR="36000" marT="36000" marB="36000"/>
+                </a:tc>
+                <a:tc>
+                  <a:txBody>
+                    <a:bodyPr/>
+                    <a:lstStyle/>
+                    <a:p>
+                      <a:endParaRPr lang="es-ES_tradnl" sz="1100" dirty="0">
+                        <a:latin typeface="Arial" charset="0"/>
+                        <a:ea typeface="Arial" charset="0"/>
+                        <a:cs typeface="Arial" charset="0"/>
+                      </a:endParaRPr>
+                    </a:p>
+                  </a:txBody>
+                  <a:tcPr marL="36000" marR="36000" marT="36000" marB="36000"/>
+                </a:tc>
+                <a:tc>
+                  <a:txBody>
+                    <a:bodyPr/>
+                    <a:lstStyle/>
+                    <a:p>
+                      <a:endParaRPr lang="es-ES_tradnl" sz="1100">
+                        <a:latin typeface="Arial" charset="0"/>
+                        <a:ea typeface="Arial" charset="0"/>
+                        <a:cs typeface="Arial" charset="0"/>
+                      </a:endParaRPr>
+                    </a:p>
+                  </a:txBody>
+                  <a:tcPr marL="36000" marR="36000" marT="36000" marB="36000"/>
+                </a:tc>
+                <a:tc>
+                  <a:txBody>
+                    <a:bodyPr/>
+                    <a:lstStyle/>
+                    <a:p>
+                      <a:endParaRPr lang="es-ES_tradnl" sz="1100">
+                        <a:latin typeface="Arial" charset="0"/>
+                        <a:ea typeface="Arial" charset="0"/>
+                        <a:cs typeface="Arial" charset="0"/>
+                      </a:endParaRPr>
+                    </a:p>
+                  </a:txBody>
+                  <a:tcPr marL="36000" marR="36000" marT="36000" marB="36000"/>
+                </a:tc>
+                <a:tc>
+                  <a:txBody>
+                    <a:bodyPr/>
+                    <a:lstStyle/>
+                    <a:p>
+                      <a:endParaRPr lang="es-ES_tradnl" sz="1100">
+                        <a:latin typeface="Arial" charset="0"/>
+                        <a:ea typeface="Arial" charset="0"/>
+                        <a:cs typeface="Arial" charset="0"/>
+                      </a:endParaRPr>
+                    </a:p>
+                  </a:txBody>
+                  <a:tcPr marL="36000" marR="36000" marT="36000" marB="36000"/>
+                </a:tc>
+                <a:tc>
+                  <a:txBody>
+                    <a:bodyPr/>
+                    <a:lstStyle/>
+                    <a:p>
+                      <a:endParaRPr lang="es-ES_tradnl" sz="1100">
+                        <a:latin typeface="Arial" charset="0"/>
+                        <a:ea typeface="Arial" charset="0"/>
+                        <a:cs typeface="Arial" charset="0"/>
+                      </a:endParaRPr>
+                    </a:p>
+                  </a:txBody>
+                  <a:tcPr marL="36000" marR="36000" marT="36000" marB="36000"/>
+                </a:tc>
+                <a:tc>
+                  <a:txBody>
+                    <a:bodyPr/>
+                    <a:lstStyle/>
+                    <a:p>
+                      <a:endParaRPr lang="es-ES_tradnl" sz="1100" dirty="0">
+                        <a:latin typeface="Arial" charset="0"/>
+                        <a:ea typeface="Arial" charset="0"/>
+                        <a:cs typeface="Arial" charset="0"/>
+                      </a:endParaRPr>
+                    </a:p>
+                  </a:txBody>
+                  <a:tcPr marL="36000" marR="36000" marT="36000" marB="36000"/>
+                </a:tc>
+                <a:tc>
+                  <a:txBody>
+                    <a:bodyPr/>
+                    <a:lstStyle/>
+                    <a:p>
+                      <a:endParaRPr lang="es-ES_tradnl" sz="1100" dirty="0">
+                        <a:latin typeface="Arial" charset="0"/>
+                        <a:ea typeface="Arial" charset="0"/>
+                        <a:cs typeface="Arial" charset="0"/>
+                      </a:endParaRPr>
+                    </a:p>
+                  </a:txBody>
+                  <a:tcPr marL="36000" marR="36000" marT="36000" marB="36000"/>
+                </a:tc>
+                <a:tc>
+                  <a:txBody>
+                    <a:bodyPr/>
+                    <a:lstStyle/>
+                    <a:p>
+                      <a:endParaRPr lang="es-ES_tradnl" sz="1100">
+                        <a:latin typeface="Arial" charset="0"/>
+                        <a:ea typeface="Arial" charset="0"/>
+                        <a:cs typeface="Arial" charset="0"/>
+                      </a:endParaRPr>
+                    </a:p>
+                  </a:txBody>
+                  <a:tcPr marL="36000" marR="36000" marT="36000" marB="36000"/>
+                </a:tc>
+              </a:tr>
+              <a:tr h="317241">
+                <a:tc>
+                  <a:txBody>
+                    <a:bodyPr/>
+                    <a:lstStyle/>
+                    <a:p>
+                      <a:endParaRPr lang="es-ES_tradnl" sz="1100" dirty="0">
+                        <a:latin typeface="Arial" charset="0"/>
+                        <a:ea typeface="Arial" charset="0"/>
+                        <a:cs typeface="Arial" charset="0"/>
+                      </a:endParaRPr>
+                    </a:p>
+                  </a:txBody>
+                  <a:tcPr marL="36000" marR="36000" marT="36000" marB="36000"/>
+                </a:tc>
+                <a:tc>
+                  <a:txBody>
+                    <a:bodyPr/>
+                    <a:lstStyle/>
+                    <a:p>
+                      <a:endParaRPr lang="es-ES_tradnl" sz="1100">
+                        <a:latin typeface="Arial" charset="0"/>
+                        <a:ea typeface="Arial" charset="0"/>
+                        <a:cs typeface="Arial" charset="0"/>
+                      </a:endParaRPr>
+                    </a:p>
+                  </a:txBody>
+                  <a:tcPr marL="36000" marR="36000" marT="36000" marB="36000"/>
+                </a:tc>
+                <a:tc>
+                  <a:txBody>
+                    <a:bodyPr/>
+                    <a:lstStyle/>
+                    <a:p>
+                      <a:endParaRPr lang="es-ES_tradnl" sz="1100">
+                        <a:latin typeface="Arial" charset="0"/>
+                        <a:ea typeface="Arial" charset="0"/>
+                        <a:cs typeface="Arial" charset="0"/>
+                      </a:endParaRPr>
+                    </a:p>
+                  </a:txBody>
+                  <a:tcPr marL="36000" marR="36000" marT="36000" marB="36000"/>
+                </a:tc>
+                <a:tc>
+                  <a:txBody>
+                    <a:bodyPr/>
+                    <a:lstStyle/>
+                    <a:p>
+                      <a:endParaRPr lang="es-ES_tradnl" sz="1100" dirty="0">
+                        <a:latin typeface="Arial" charset="0"/>
+                        <a:ea typeface="Arial" charset="0"/>
+                        <a:cs typeface="Arial" charset="0"/>
+                      </a:endParaRPr>
+                    </a:p>
+                  </a:txBody>
+                  <a:tcPr marL="36000" marR="36000" marT="36000" marB="36000"/>
+                </a:tc>
+                <a:tc>
+                  <a:txBody>
+                    <a:bodyPr/>
+                    <a:lstStyle/>
+                    <a:p>
+                      <a:endParaRPr lang="es-ES_tradnl" sz="1100" dirty="0">
+                        <a:latin typeface="Arial" charset="0"/>
+                        <a:ea typeface="Arial" charset="0"/>
+                        <a:cs typeface="Arial" charset="0"/>
+                      </a:endParaRPr>
+                    </a:p>
+                  </a:txBody>
+                  <a:tcPr marL="36000" marR="36000" marT="36000" marB="36000"/>
+                </a:tc>
+                <a:tc>
+                  <a:txBody>
+                    <a:bodyPr/>
+                    <a:lstStyle/>
+                    <a:p>
+                      <a:endParaRPr lang="es-ES_tradnl" sz="1100">
+                        <a:latin typeface="Arial" charset="0"/>
+                        <a:ea typeface="Arial" charset="0"/>
+                        <a:cs typeface="Arial" charset="0"/>
+                      </a:endParaRPr>
+                    </a:p>
+                  </a:txBody>
+                  <a:tcPr marL="36000" marR="36000" marT="36000" marB="36000"/>
+                </a:tc>
+                <a:tc>
+                  <a:txBody>
+                    <a:bodyPr/>
+                    <a:lstStyle/>
+                    <a:p>
+                      <a:endParaRPr lang="es-ES_tradnl" sz="1100">
+                        <a:latin typeface="Arial" charset="0"/>
+                        <a:ea typeface="Arial" charset="0"/>
+                        <a:cs typeface="Arial" charset="0"/>
+                      </a:endParaRPr>
+                    </a:p>
+                  </a:txBody>
+                  <a:tcPr marL="36000" marR="36000" marT="36000" marB="36000"/>
+                </a:tc>
+                <a:tc>
+                  <a:txBody>
+                    <a:bodyPr/>
+                    <a:lstStyle/>
+                    <a:p>
+                      <a:endParaRPr lang="es-ES_tradnl" sz="1100" dirty="0">
+                        <a:latin typeface="Arial" charset="0"/>
+                        <a:ea typeface="Arial" charset="0"/>
+                        <a:cs typeface="Arial" charset="0"/>
+                      </a:endParaRPr>
+                    </a:p>
+                  </a:txBody>
+                  <a:tcPr marL="36000" marR="36000" marT="36000" marB="36000"/>
+                </a:tc>
+                <a:tc>
+                  <a:txBody>
+                    <a:bodyPr/>
+                    <a:lstStyle/>
+                    <a:p>
+                      <a:endParaRPr lang="es-ES_tradnl" sz="1100">
+                        <a:latin typeface="Arial" charset="0"/>
+                        <a:ea typeface="Arial" charset="0"/>
+                        <a:cs typeface="Arial" charset="0"/>
+                      </a:endParaRPr>
+                    </a:p>
+                  </a:txBody>
+                  <a:tcPr marL="36000" marR="36000" marT="36000" marB="36000"/>
+                </a:tc>
+                <a:tc>
+                  <a:txBody>
+                    <a:bodyPr/>
+                    <a:lstStyle/>
+                    <a:p>
+                      <a:endParaRPr lang="es-ES_tradnl" sz="1100">
+                        <a:latin typeface="Arial" charset="0"/>
+                        <a:ea typeface="Arial" charset="0"/>
+                        <a:cs typeface="Arial" charset="0"/>
+                      </a:endParaRPr>
+                    </a:p>
+                  </a:txBody>
+                  <a:tcPr marL="36000" marR="36000" marT="36000" marB="36000"/>
+                </a:tc>
+                <a:tc>
+                  <a:txBody>
+                    <a:bodyPr/>
+                    <a:lstStyle/>
+                    <a:p>
+                      <a:endParaRPr lang="es-ES_tradnl" sz="1100">
+                        <a:latin typeface="Arial" charset="0"/>
+                        <a:ea typeface="Arial" charset="0"/>
+                        <a:cs typeface="Arial" charset="0"/>
+                      </a:endParaRPr>
+                    </a:p>
+                  </a:txBody>
+                  <a:tcPr marL="36000" marR="36000" marT="36000" marB="36000"/>
+                </a:tc>
+                <a:tc>
+                  <a:txBody>
+                    <a:bodyPr/>
+                    <a:lstStyle/>
+                    <a:p>
+                      <a:endParaRPr lang="es-ES_tradnl" sz="1100">
+                        <a:latin typeface="Arial" charset="0"/>
+                        <a:ea typeface="Arial" charset="0"/>
+                        <a:cs typeface="Arial" charset="0"/>
+                      </a:endParaRPr>
+                    </a:p>
+                  </a:txBody>
+                  <a:tcPr marL="36000" marR="36000" marT="36000" marB="36000"/>
+                </a:tc>
+                <a:tc>
+                  <a:txBody>
+                    <a:bodyPr/>
+                    <a:lstStyle/>
+                    <a:p>
+                      <a:endParaRPr lang="es-ES_tradnl" sz="1100">
+                        <a:latin typeface="Arial" charset="0"/>
+                        <a:ea typeface="Arial" charset="0"/>
+                        <a:cs typeface="Arial" charset="0"/>
+                      </a:endParaRPr>
+                    </a:p>
+                  </a:txBody>
+                  <a:tcPr marL="36000" marR="36000" marT="36000" marB="36000"/>
+                </a:tc>
+                <a:tc>
+                  <a:txBody>
+                    <a:bodyPr/>
+                    <a:lstStyle/>
+                    <a:p>
+                      <a:endParaRPr lang="es-ES_tradnl" sz="1100" dirty="0">
+                        <a:latin typeface="Arial" charset="0"/>
+                        <a:ea typeface="Arial" charset="0"/>
+                        <a:cs typeface="Arial" charset="0"/>
+                      </a:endParaRPr>
+                    </a:p>
+                  </a:txBody>
+                  <a:tcPr marL="36000" marR="36000" marT="36000" marB="36000"/>
+                </a:tc>
+                <a:tc>
+                  <a:txBody>
+                    <a:bodyPr/>
+                    <a:lstStyle/>
+                    <a:p>
+                      <a:endParaRPr lang="es-ES_tradnl" sz="1100">
+                        <a:latin typeface="Arial" charset="0"/>
+                        <a:ea typeface="Arial" charset="0"/>
+                        <a:cs typeface="Arial" charset="0"/>
+                      </a:endParaRPr>
+                    </a:p>
+                  </a:txBody>
+                  <a:tcPr marL="36000" marR="36000" marT="36000" marB="36000"/>
+                </a:tc>
+                <a:tc>
+                  <a:txBody>
+                    <a:bodyPr/>
+                    <a:lstStyle/>
+                    <a:p>
+                      <a:endParaRPr lang="es-ES_tradnl" sz="1100">
+                        <a:latin typeface="Arial" charset="0"/>
+                        <a:ea typeface="Arial" charset="0"/>
+                        <a:cs typeface="Arial" charset="0"/>
+                      </a:endParaRPr>
+                    </a:p>
+                  </a:txBody>
+                  <a:tcPr marL="36000" marR="36000" marT="36000" marB="36000"/>
+                </a:tc>
+              </a:tr>
+              <a:tr h="278853">
+                <a:tc>
+                  <a:txBody>
+                    <a:bodyPr/>
+                    <a:lstStyle/>
+                    <a:p>
+                      <a:endParaRPr lang="es-ES_tradnl" sz="1100" dirty="0">
+                        <a:latin typeface="Arial" charset="0"/>
+                        <a:ea typeface="Arial" charset="0"/>
+                        <a:cs typeface="Arial" charset="0"/>
+                      </a:endParaRPr>
+                    </a:p>
+                  </a:txBody>
+                  <a:tcPr marL="36000" marR="36000" marT="36000" marB="36000"/>
+                </a:tc>
+                <a:tc>
+                  <a:txBody>
+                    <a:bodyPr/>
+                    <a:lstStyle/>
+                    <a:p>
+                      <a:endParaRPr lang="es-ES_tradnl" sz="1100">
+                        <a:latin typeface="Arial" charset="0"/>
+                        <a:ea typeface="Arial" charset="0"/>
+                        <a:cs typeface="Arial" charset="0"/>
+                      </a:endParaRPr>
+                    </a:p>
+                  </a:txBody>
+                  <a:tcPr marL="36000" marR="36000" marT="36000" marB="36000"/>
+                </a:tc>
+                <a:tc>
+                  <a:txBody>
+                    <a:bodyPr/>
+                    <a:lstStyle/>
+                    <a:p>
+                      <a:endParaRPr lang="es-ES_tradnl" sz="1100">
+                        <a:latin typeface="Arial" charset="0"/>
+                        <a:ea typeface="Arial" charset="0"/>
+                        <a:cs typeface="Arial" charset="0"/>
+                      </a:endParaRPr>
+                    </a:p>
+                  </a:txBody>
+                  <a:tcPr marL="36000" marR="36000" marT="36000" marB="36000"/>
+                </a:tc>
+                <a:tc>
+                  <a:txBody>
+                    <a:bodyPr/>
+                    <a:lstStyle/>
+                    <a:p>
+                      <a:endParaRPr lang="es-ES_tradnl" sz="1100">
+                        <a:latin typeface="Arial" charset="0"/>
+                        <a:ea typeface="Arial" charset="0"/>
+                        <a:cs typeface="Arial" charset="0"/>
+                      </a:endParaRPr>
+                    </a:p>
+                  </a:txBody>
+                  <a:tcPr marL="36000" marR="36000" marT="36000" marB="36000"/>
+                </a:tc>
+                <a:tc>
+                  <a:txBody>
+                    <a:bodyPr/>
+                    <a:lstStyle/>
+                    <a:p>
+                      <a:endParaRPr lang="es-ES_tradnl" sz="1100">
+                        <a:latin typeface="Arial" charset="0"/>
+                        <a:ea typeface="Arial" charset="0"/>
+                        <a:cs typeface="Arial" charset="0"/>
+                      </a:endParaRPr>
+                    </a:p>
+                  </a:txBody>
+                  <a:tcPr marL="36000" marR="36000" marT="36000" marB="36000"/>
+                </a:tc>
+                <a:tc>
+                  <a:txBody>
+                    <a:bodyPr/>
+                    <a:lstStyle/>
+                    <a:p>
+                      <a:endParaRPr lang="es-ES_tradnl" sz="1100" dirty="0">
+                        <a:latin typeface="Arial" charset="0"/>
+                        <a:ea typeface="Arial" charset="0"/>
+                        <a:cs typeface="Arial" charset="0"/>
+                      </a:endParaRPr>
+                    </a:p>
+                  </a:txBody>
+                  <a:tcPr marL="36000" marR="36000" marT="36000" marB="36000"/>
+                </a:tc>
+                <a:tc>
+                  <a:txBody>
+                    <a:bodyPr/>
+                    <a:lstStyle/>
+                    <a:p>
+                      <a:endParaRPr lang="es-ES_tradnl" sz="1100" dirty="0">
+                        <a:latin typeface="Arial" charset="0"/>
+                        <a:ea typeface="Arial" charset="0"/>
+                        <a:cs typeface="Arial" charset="0"/>
+                      </a:endParaRPr>
+                    </a:p>
+                  </a:txBody>
+                  <a:tcPr marL="36000" marR="36000" marT="36000" marB="36000"/>
+                </a:tc>
+                <a:tc>
+                  <a:txBody>
+                    <a:bodyPr/>
+                    <a:lstStyle/>
+                    <a:p>
+                      <a:endParaRPr lang="es-ES_tradnl" sz="1100">
+                        <a:latin typeface="Arial" charset="0"/>
+                        <a:ea typeface="Arial" charset="0"/>
+                        <a:cs typeface="Arial" charset="0"/>
+                      </a:endParaRPr>
+                    </a:p>
+                  </a:txBody>
+                  <a:tcPr marL="36000" marR="36000" marT="36000" marB="36000"/>
+                </a:tc>
+                <a:tc>
+                  <a:txBody>
+                    <a:bodyPr/>
+                    <a:lstStyle/>
+                    <a:p>
+                      <a:endParaRPr lang="es-ES_tradnl" sz="1100" dirty="0">
+                        <a:latin typeface="Arial" charset="0"/>
+                        <a:ea typeface="Arial" charset="0"/>
+                        <a:cs typeface="Arial" charset="0"/>
+                      </a:endParaRPr>
+                    </a:p>
+                  </a:txBody>
+                  <a:tcPr marL="36000" marR="36000" marT="36000" marB="36000"/>
+                </a:tc>
+                <a:tc>
+                  <a:txBody>
+                    <a:bodyPr/>
+                    <a:lstStyle/>
+                    <a:p>
+                      <a:endParaRPr lang="es-ES_tradnl" sz="1100">
+                        <a:latin typeface="Arial" charset="0"/>
+                        <a:ea typeface="Arial" charset="0"/>
+                        <a:cs typeface="Arial" charset="0"/>
+                      </a:endParaRPr>
+                    </a:p>
+                  </a:txBody>
+                  <a:tcPr marL="36000" marR="36000" marT="36000" marB="36000"/>
+                </a:tc>
+                <a:tc>
+                  <a:txBody>
+                    <a:bodyPr/>
+                    <a:lstStyle/>
+                    <a:p>
+                      <a:endParaRPr lang="es-ES_tradnl" sz="1100">
+                        <a:latin typeface="Arial" charset="0"/>
+                        <a:ea typeface="Arial" charset="0"/>
+                        <a:cs typeface="Arial" charset="0"/>
+                      </a:endParaRPr>
+                    </a:p>
+                  </a:txBody>
+                  <a:tcPr marL="36000" marR="36000" marT="36000" marB="36000"/>
+                </a:tc>
+                <a:tc>
+                  <a:txBody>
+                    <a:bodyPr/>
+                    <a:lstStyle/>
+                    <a:p>
+                      <a:endParaRPr lang="es-ES_tradnl" sz="1100" dirty="0">
+                        <a:latin typeface="Arial" charset="0"/>
+                        <a:ea typeface="Arial" charset="0"/>
+                        <a:cs typeface="Arial" charset="0"/>
+                      </a:endParaRPr>
+                    </a:p>
+                  </a:txBody>
+                  <a:tcPr marL="36000" marR="36000" marT="36000" marB="36000"/>
+                </a:tc>
+                <a:tc>
+                  <a:txBody>
+                    <a:bodyPr/>
+                    <a:lstStyle/>
+                    <a:p>
+                      <a:endParaRPr lang="es-ES_tradnl" sz="1100" dirty="0">
+                        <a:latin typeface="Arial" charset="0"/>
+                        <a:ea typeface="Arial" charset="0"/>
+                        <a:cs typeface="Arial" charset="0"/>
+                      </a:endParaRPr>
+                    </a:p>
+                  </a:txBody>
+                  <a:tcPr marL="36000" marR="36000" marT="36000" marB="36000"/>
+                </a:tc>
+                <a:tc>
+                  <a:txBody>
+                    <a:bodyPr/>
+                    <a:lstStyle/>
+                    <a:p>
+                      <a:endParaRPr lang="es-ES_tradnl" sz="1100" dirty="0">
+                        <a:latin typeface="Arial" charset="0"/>
+                        <a:ea typeface="Arial" charset="0"/>
+                        <a:cs typeface="Arial" charset="0"/>
+                      </a:endParaRPr>
+                    </a:p>
+                  </a:txBody>
+                  <a:tcPr marL="36000" marR="36000" marT="36000" marB="36000"/>
+                </a:tc>
+                <a:tc>
+                  <a:txBody>
+                    <a:bodyPr/>
+                    <a:lstStyle/>
+                    <a:p>
+                      <a:endParaRPr lang="es-ES_tradnl" sz="1100" dirty="0">
+                        <a:latin typeface="Arial" charset="0"/>
+                        <a:ea typeface="Arial" charset="0"/>
+                        <a:cs typeface="Arial" charset="0"/>
+                      </a:endParaRPr>
+                    </a:p>
+                  </a:txBody>
+                  <a:tcPr marL="36000" marR="36000" marT="36000" marB="36000"/>
+                </a:tc>
+                <a:tc>
+                  <a:txBody>
+                    <a:bodyPr/>
+                    <a:lstStyle/>
+                    <a:p>
+                      <a:endParaRPr lang="es-ES_tradnl" sz="1100">
+                        <a:latin typeface="Arial" charset="0"/>
+                        <a:ea typeface="Arial" charset="0"/>
+                        <a:cs typeface="Arial" charset="0"/>
+                      </a:endParaRPr>
+                    </a:p>
+                  </a:txBody>
+                  <a:tcPr marL="36000" marR="36000" marT="36000" marB="36000"/>
+                </a:tc>
+              </a:tr>
+              <a:tr h="297514">
+                <a:tc>
+                  <a:txBody>
+                    <a:bodyPr/>
+                    <a:lstStyle/>
+                    <a:p>
+                      <a:endParaRPr lang="es-ES_tradnl" sz="1100" dirty="0">
+                        <a:latin typeface="Arial" charset="0"/>
+                        <a:ea typeface="Arial" charset="0"/>
+                        <a:cs typeface="Arial" charset="0"/>
+                      </a:endParaRPr>
+                    </a:p>
+                  </a:txBody>
+                  <a:tcPr marL="36000" marR="36000" marT="36000" marB="36000"/>
+                </a:tc>
+                <a:tc>
+                  <a:txBody>
+                    <a:bodyPr/>
+                    <a:lstStyle/>
+                    <a:p>
+                      <a:endParaRPr lang="es-ES_tradnl" sz="1100" dirty="0">
+                        <a:latin typeface="Arial" charset="0"/>
+                        <a:ea typeface="Arial" charset="0"/>
+                        <a:cs typeface="Arial" charset="0"/>
+                      </a:endParaRPr>
+                    </a:p>
+                  </a:txBody>
+                  <a:tcPr marL="36000" marR="36000" marT="36000" marB="36000"/>
+                </a:tc>
+                <a:tc>
+                  <a:txBody>
+                    <a:bodyPr/>
+                    <a:lstStyle/>
+                    <a:p>
+                      <a:endParaRPr lang="es-ES_tradnl" sz="1100">
+                        <a:latin typeface="Arial" charset="0"/>
+                        <a:ea typeface="Arial" charset="0"/>
+                        <a:cs typeface="Arial" charset="0"/>
+                      </a:endParaRPr>
+                    </a:p>
+                  </a:txBody>
+                  <a:tcPr marL="36000" marR="36000" marT="36000" marB="36000"/>
+                </a:tc>
+                <a:tc>
+                  <a:txBody>
+                    <a:bodyPr/>
+                    <a:lstStyle/>
+                    <a:p>
+                      <a:endParaRPr lang="es-ES_tradnl" sz="1100" dirty="0">
+                        <a:latin typeface="Arial" charset="0"/>
+                        <a:ea typeface="Arial" charset="0"/>
+                        <a:cs typeface="Arial" charset="0"/>
+                      </a:endParaRPr>
+                    </a:p>
+                  </a:txBody>
+                  <a:tcPr marL="36000" marR="36000" marT="36000" marB="36000"/>
+                </a:tc>
+                <a:tc>
+                  <a:txBody>
+                    <a:bodyPr/>
+                    <a:lstStyle/>
+                    <a:p>
+                      <a:endParaRPr lang="es-ES_tradnl" sz="1100" dirty="0">
+                        <a:latin typeface="Arial" charset="0"/>
+                        <a:ea typeface="Arial" charset="0"/>
+                        <a:cs typeface="Arial" charset="0"/>
+                      </a:endParaRPr>
+                    </a:p>
+                  </a:txBody>
+                  <a:tcPr marL="36000" marR="36000" marT="36000" marB="36000"/>
+                </a:tc>
+                <a:tc>
+                  <a:txBody>
+                    <a:bodyPr/>
+                    <a:lstStyle/>
+                    <a:p>
+                      <a:endParaRPr lang="es-ES_tradnl" sz="1100" dirty="0">
+                        <a:latin typeface="Arial" charset="0"/>
+                        <a:ea typeface="Arial" charset="0"/>
+                        <a:cs typeface="Arial" charset="0"/>
+                      </a:endParaRPr>
+                    </a:p>
+                  </a:txBody>
+                  <a:tcPr marL="36000" marR="36000" marT="36000" marB="36000"/>
+                </a:tc>
+                <a:tc>
+                  <a:txBody>
+                    <a:bodyPr/>
+                    <a:lstStyle/>
+                    <a:p>
+                      <a:endParaRPr lang="es-ES_tradnl" sz="1100" dirty="0">
+                        <a:latin typeface="Arial" charset="0"/>
+                        <a:ea typeface="Arial" charset="0"/>
+                        <a:cs typeface="Arial" charset="0"/>
+                      </a:endParaRPr>
+                    </a:p>
+                  </a:txBody>
+                  <a:tcPr marL="36000" marR="36000" marT="36000" marB="36000"/>
+                </a:tc>
+                <a:tc>
+                  <a:txBody>
+                    <a:bodyPr/>
+                    <a:lstStyle/>
+                    <a:p>
+                      <a:endParaRPr lang="es-ES_tradnl" sz="1100" dirty="0">
+                        <a:latin typeface="Arial" charset="0"/>
+                        <a:ea typeface="Arial" charset="0"/>
+                        <a:cs typeface="Arial" charset="0"/>
+                      </a:endParaRPr>
+                    </a:p>
+                  </a:txBody>
+                  <a:tcPr marL="36000" marR="36000" marT="36000" marB="36000"/>
+                </a:tc>
+                <a:tc>
+                  <a:txBody>
+                    <a:bodyPr/>
+                    <a:lstStyle/>
+                    <a:p>
+                      <a:endParaRPr lang="es-ES_tradnl" sz="1100" dirty="0">
+                        <a:latin typeface="Arial" charset="0"/>
+                        <a:ea typeface="Arial" charset="0"/>
+                        <a:cs typeface="Arial" charset="0"/>
+                      </a:endParaRPr>
+                    </a:p>
+                  </a:txBody>
+                  <a:tcPr marL="36000" marR="36000" marT="36000" marB="36000"/>
+                </a:tc>
+                <a:tc>
+                  <a:txBody>
+                    <a:bodyPr/>
+                    <a:lstStyle/>
+                    <a:p>
+                      <a:endParaRPr lang="es-ES_tradnl" sz="1100" dirty="0">
+                        <a:latin typeface="Arial" charset="0"/>
+                        <a:ea typeface="Arial" charset="0"/>
+                        <a:cs typeface="Arial" charset="0"/>
+                      </a:endParaRPr>
+                    </a:p>
+                  </a:txBody>
+                  <a:tcPr marL="36000" marR="36000" marT="36000" marB="36000"/>
+                </a:tc>
+                <a:tc>
+                  <a:txBody>
+                    <a:bodyPr/>
+                    <a:lstStyle/>
+                    <a:p>
+                      <a:endParaRPr lang="es-ES_tradnl" sz="1100" dirty="0">
+                        <a:latin typeface="Arial" charset="0"/>
+                        <a:ea typeface="Arial" charset="0"/>
+                        <a:cs typeface="Arial" charset="0"/>
+                      </a:endParaRPr>
+                    </a:p>
+                  </a:txBody>
+                  <a:tcPr marL="36000" marR="36000" marT="36000" marB="36000"/>
+                </a:tc>
+                <a:tc>
+                  <a:txBody>
+                    <a:bodyPr/>
+                    <a:lstStyle/>
+                    <a:p>
+                      <a:endParaRPr lang="es-ES_tradnl" sz="1100" dirty="0">
+                        <a:latin typeface="Arial" charset="0"/>
+                        <a:ea typeface="Arial" charset="0"/>
+                        <a:cs typeface="Arial" charset="0"/>
+                      </a:endParaRPr>
+                    </a:p>
+                  </a:txBody>
+                  <a:tcPr marL="36000" marR="36000" marT="36000" marB="36000"/>
+                </a:tc>
+                <a:tc>
+                  <a:txBody>
+                    <a:bodyPr/>
+                    <a:lstStyle/>
+                    <a:p>
+                      <a:endParaRPr lang="es-ES_tradnl" sz="1100" dirty="0">
+                        <a:latin typeface="Arial" charset="0"/>
+                        <a:ea typeface="Arial" charset="0"/>
+                        <a:cs typeface="Arial" charset="0"/>
+                      </a:endParaRPr>
+                    </a:p>
+                  </a:txBody>
+                  <a:tcPr marL="36000" marR="36000" marT="36000" marB="36000"/>
+                </a:tc>
+                <a:tc>
+                  <a:txBody>
+                    <a:bodyPr/>
+                    <a:lstStyle/>
+                    <a:p>
+                      <a:endParaRPr lang="es-ES_tradnl" sz="1100" dirty="0">
+                        <a:latin typeface="Arial" charset="0"/>
+                        <a:ea typeface="Arial" charset="0"/>
+                        <a:cs typeface="Arial" charset="0"/>
+                      </a:endParaRPr>
+                    </a:p>
+                  </a:txBody>
+                  <a:tcPr marL="36000" marR="36000" marT="36000" marB="36000"/>
+                </a:tc>
+                <a:tc>
+                  <a:txBody>
+                    <a:bodyPr/>
+                    <a:lstStyle/>
+                    <a:p>
+                      <a:endParaRPr lang="es-ES_tradnl" sz="1100" dirty="0">
+                        <a:latin typeface="Arial" charset="0"/>
+                        <a:ea typeface="Arial" charset="0"/>
+                        <a:cs typeface="Arial" charset="0"/>
+                      </a:endParaRPr>
+                    </a:p>
+                  </a:txBody>
+                  <a:tcPr marL="36000" marR="36000" marT="36000" marB="36000"/>
+                </a:tc>
+                <a:tc>
+                  <a:txBody>
+                    <a:bodyPr/>
+                    <a:lstStyle/>
+                    <a:p>
+                      <a:endParaRPr lang="es-ES_tradnl" sz="1100" dirty="0">
+                        <a:latin typeface="Arial" charset="0"/>
+                        <a:ea typeface="Arial" charset="0"/>
+                        <a:cs typeface="Arial" charset="0"/>
+                      </a:endParaRPr>
+                    </a:p>
+                  </a:txBody>
+                  <a:tcPr marL="36000" marR="36000" marT="36000" marB="36000"/>
+                </a:tc>
+              </a:tr>
+              <a:tr h="297514">
+                <a:tc>
+                  <a:txBody>
+                    <a:bodyPr/>
+                    <a:lstStyle/>
+                    <a:p>
+                      <a:endParaRPr lang="es-ES_tradnl" sz="1100" dirty="0">
+                        <a:latin typeface="Arial" charset="0"/>
+                        <a:ea typeface="Arial" charset="0"/>
+                        <a:cs typeface="Arial" charset="0"/>
+                      </a:endParaRPr>
+                    </a:p>
+                  </a:txBody>
+                  <a:tcPr marL="36000" marR="36000" marT="36000" marB="36000"/>
+                </a:tc>
+                <a:tc>
+                  <a:txBody>
+                    <a:bodyPr/>
+                    <a:lstStyle/>
+                    <a:p>
+                      <a:endParaRPr lang="es-ES_tradnl" sz="1100" dirty="0">
+                        <a:latin typeface="Arial" charset="0"/>
+                        <a:ea typeface="Arial" charset="0"/>
+                        <a:cs typeface="Arial" charset="0"/>
+                      </a:endParaRPr>
+                    </a:p>
+                  </a:txBody>
+                  <a:tcPr marL="36000" marR="36000" marT="36000" marB="36000"/>
+                </a:tc>
+                <a:tc>
+                  <a:txBody>
+                    <a:bodyPr/>
+                    <a:lstStyle/>
+                    <a:p>
+                      <a:endParaRPr lang="es-ES_tradnl" sz="1100">
+                        <a:latin typeface="Arial" charset="0"/>
+                        <a:ea typeface="Arial" charset="0"/>
+                        <a:cs typeface="Arial" charset="0"/>
+                      </a:endParaRPr>
+                    </a:p>
+                  </a:txBody>
+                  <a:tcPr marL="36000" marR="36000" marT="36000" marB="36000"/>
+                </a:tc>
+                <a:tc>
+                  <a:txBody>
+                    <a:bodyPr/>
+                    <a:lstStyle/>
+                    <a:p>
+                      <a:endParaRPr lang="es-ES_tradnl" sz="1100" dirty="0">
+                        <a:latin typeface="Arial" charset="0"/>
+                        <a:ea typeface="Arial" charset="0"/>
+                        <a:cs typeface="Arial" charset="0"/>
+                      </a:endParaRPr>
+                    </a:p>
+                  </a:txBody>
+                  <a:tcPr marL="36000" marR="36000" marT="36000" marB="36000"/>
+                </a:tc>
+                <a:tc>
+                  <a:txBody>
+                    <a:bodyPr/>
+                    <a:lstStyle/>
+                    <a:p>
+                      <a:endParaRPr lang="es-ES_tradnl" sz="1100" dirty="0">
+                        <a:latin typeface="Arial" charset="0"/>
+                        <a:ea typeface="Arial" charset="0"/>
+                        <a:cs typeface="Arial" charset="0"/>
+                      </a:endParaRPr>
+                    </a:p>
+                  </a:txBody>
+                  <a:tcPr marL="36000" marR="36000" marT="36000" marB="36000"/>
+                </a:tc>
+                <a:tc>
+                  <a:txBody>
+                    <a:bodyPr/>
+                    <a:lstStyle/>
+                    <a:p>
+                      <a:endParaRPr lang="es-ES_tradnl" sz="1100" dirty="0">
+                        <a:latin typeface="Arial" charset="0"/>
+                        <a:ea typeface="Arial" charset="0"/>
+                        <a:cs typeface="Arial" charset="0"/>
+                      </a:endParaRPr>
+                    </a:p>
+                  </a:txBody>
+                  <a:tcPr marL="36000" marR="36000" marT="36000" marB="36000"/>
+                </a:tc>
+                <a:tc>
+                  <a:txBody>
+                    <a:bodyPr/>
+                    <a:lstStyle/>
+                    <a:p>
+                      <a:endParaRPr lang="es-ES_tradnl" sz="1100" dirty="0">
+                        <a:latin typeface="Arial" charset="0"/>
+                        <a:ea typeface="Arial" charset="0"/>
+                        <a:cs typeface="Arial" charset="0"/>
+                      </a:endParaRPr>
+                    </a:p>
+                  </a:txBody>
+                  <a:tcPr marL="36000" marR="36000" marT="36000" marB="36000"/>
+                </a:tc>
+                <a:tc>
+                  <a:txBody>
+                    <a:bodyPr/>
+                    <a:lstStyle/>
+                    <a:p>
+                      <a:endParaRPr lang="es-ES_tradnl" sz="1100" dirty="0">
+                        <a:latin typeface="Arial" charset="0"/>
+                        <a:ea typeface="Arial" charset="0"/>
+                        <a:cs typeface="Arial" charset="0"/>
+                      </a:endParaRPr>
+                    </a:p>
+                  </a:txBody>
+                  <a:tcPr marL="36000" marR="36000" marT="36000" marB="36000"/>
+                </a:tc>
+                <a:tc>
+                  <a:txBody>
+                    <a:bodyPr/>
+                    <a:lstStyle/>
+                    <a:p>
+                      <a:endParaRPr lang="es-ES_tradnl" sz="1100" dirty="0">
+                        <a:latin typeface="Arial" charset="0"/>
+                        <a:ea typeface="Arial" charset="0"/>
+                        <a:cs typeface="Arial" charset="0"/>
+                      </a:endParaRPr>
+                    </a:p>
+                  </a:txBody>
+                  <a:tcPr marL="36000" marR="36000" marT="36000" marB="36000"/>
+                </a:tc>
+                <a:tc>
+                  <a:txBody>
+                    <a:bodyPr/>
+                    <a:lstStyle/>
+                    <a:p>
+                      <a:endParaRPr lang="es-ES_tradnl" sz="1100" dirty="0">
+                        <a:latin typeface="Arial" charset="0"/>
+                        <a:ea typeface="Arial" charset="0"/>
+                        <a:cs typeface="Arial" charset="0"/>
+                      </a:endParaRPr>
+                    </a:p>
+                  </a:txBody>
+                  <a:tcPr marL="36000" marR="36000" marT="36000" marB="36000"/>
+                </a:tc>
+                <a:tc>
+                  <a:txBody>
+                    <a:bodyPr/>
+                    <a:lstStyle/>
+                    <a:p>
+                      <a:endParaRPr lang="es-ES_tradnl" sz="1100" dirty="0">
+                        <a:latin typeface="Arial" charset="0"/>
+                        <a:ea typeface="Arial" charset="0"/>
+                        <a:cs typeface="Arial" charset="0"/>
+                      </a:endParaRPr>
+                    </a:p>
+                  </a:txBody>
+                  <a:tcPr marL="36000" marR="36000" marT="36000" marB="36000"/>
+                </a:tc>
+                <a:tc>
+                  <a:txBody>
+                    <a:bodyPr/>
+                    <a:lstStyle/>
+                    <a:p>
+                      <a:endParaRPr lang="es-ES_tradnl" sz="1100" dirty="0">
+                        <a:latin typeface="Arial" charset="0"/>
+                        <a:ea typeface="Arial" charset="0"/>
+                        <a:cs typeface="Arial" charset="0"/>
+                      </a:endParaRPr>
+                    </a:p>
+                  </a:txBody>
+                  <a:tcPr marL="36000" marR="36000" marT="36000" marB="36000"/>
+                </a:tc>
+                <a:tc>
+                  <a:txBody>
+                    <a:bodyPr/>
+                    <a:lstStyle/>
+                    <a:p>
+                      <a:endParaRPr lang="es-ES_tradnl" sz="1100" dirty="0">
+                        <a:latin typeface="Arial" charset="0"/>
+                        <a:ea typeface="Arial" charset="0"/>
+                        <a:cs typeface="Arial" charset="0"/>
+                      </a:endParaRPr>
+                    </a:p>
+                  </a:txBody>
+                  <a:tcPr marL="36000" marR="36000" marT="36000" marB="36000"/>
+                </a:tc>
+                <a:tc>
+                  <a:txBody>
+                    <a:bodyPr/>
+                    <a:lstStyle/>
+                    <a:p>
+                      <a:endParaRPr lang="es-ES_tradnl" sz="1100" dirty="0">
+                        <a:latin typeface="Arial" charset="0"/>
+                        <a:ea typeface="Arial" charset="0"/>
+                        <a:cs typeface="Arial" charset="0"/>
+                      </a:endParaRPr>
+                    </a:p>
+                  </a:txBody>
+                  <a:tcPr marL="36000" marR="36000" marT="36000" marB="36000"/>
+                </a:tc>
+                <a:tc>
+                  <a:txBody>
+                    <a:bodyPr/>
+                    <a:lstStyle/>
+                    <a:p>
+                      <a:endParaRPr lang="es-ES_tradnl" sz="1100" dirty="0">
+                        <a:latin typeface="Arial" charset="0"/>
+                        <a:ea typeface="Arial" charset="0"/>
+                        <a:cs typeface="Arial" charset="0"/>
+                      </a:endParaRPr>
+                    </a:p>
+                  </a:txBody>
+                  <a:tcPr marL="36000" marR="36000" marT="36000" marB="36000"/>
+                </a:tc>
+                <a:tc>
+                  <a:txBody>
+                    <a:bodyPr/>
+                    <a:lstStyle/>
+                    <a:p>
+                      <a:endParaRPr lang="es-ES_tradnl" sz="1100" dirty="0">
+                        <a:latin typeface="Arial" charset="0"/>
+                        <a:ea typeface="Arial" charset="0"/>
+                        <a:cs typeface="Arial" charset="0"/>
+                      </a:endParaRPr>
+                    </a:p>
+                  </a:txBody>
+                  <a:tcPr marL="36000" marR="36000" marT="36000" marB="36000"/>
+                </a:tc>
+              </a:tr>
+              <a:tr h="297514">
+                <a:tc>
+                  <a:txBody>
+                    <a:bodyPr/>
+                    <a:lstStyle/>
+                    <a:p>
+                      <a:endParaRPr lang="es-ES_tradnl" sz="1100" dirty="0">
+                        <a:latin typeface="Arial" charset="0"/>
+                        <a:ea typeface="Arial" charset="0"/>
+                        <a:cs typeface="Arial" charset="0"/>
+                      </a:endParaRPr>
+                    </a:p>
+                  </a:txBody>
+                  <a:tcPr marL="36000" marR="36000" marT="36000" marB="36000"/>
+                </a:tc>
+                <a:tc>
+                  <a:txBody>
+                    <a:bodyPr/>
+                    <a:lstStyle/>
+                    <a:p>
+                      <a:endParaRPr lang="es-ES_tradnl" sz="1100" dirty="0">
+                        <a:latin typeface="Arial" charset="0"/>
+                        <a:ea typeface="Arial" charset="0"/>
+                        <a:cs typeface="Arial" charset="0"/>
+                      </a:endParaRPr>
+                    </a:p>
+                  </a:txBody>
+                  <a:tcPr marL="36000" marR="36000" marT="36000" marB="36000"/>
+                </a:tc>
+                <a:tc>
+                  <a:txBody>
+                    <a:bodyPr/>
+                    <a:lstStyle/>
+                    <a:p>
+                      <a:endParaRPr lang="es-ES_tradnl" sz="1100">
+                        <a:latin typeface="Arial" charset="0"/>
+                        <a:ea typeface="Arial" charset="0"/>
+                        <a:cs typeface="Arial" charset="0"/>
+                      </a:endParaRPr>
+                    </a:p>
+                  </a:txBody>
+                  <a:tcPr marL="36000" marR="36000" marT="36000" marB="36000"/>
+                </a:tc>
+                <a:tc>
+                  <a:txBody>
+                    <a:bodyPr/>
+                    <a:lstStyle/>
+                    <a:p>
+                      <a:endParaRPr lang="es-ES_tradnl" sz="1100" dirty="0">
+                        <a:latin typeface="Arial" charset="0"/>
+                        <a:ea typeface="Arial" charset="0"/>
+                        <a:cs typeface="Arial" charset="0"/>
+                      </a:endParaRPr>
+                    </a:p>
+                  </a:txBody>
+                  <a:tcPr marL="36000" marR="36000" marT="36000" marB="36000"/>
+                </a:tc>
+                <a:tc>
+                  <a:txBody>
+                    <a:bodyPr/>
+                    <a:lstStyle/>
+                    <a:p>
+                      <a:endParaRPr lang="es-ES_tradnl" sz="1100" dirty="0">
+                        <a:latin typeface="Arial" charset="0"/>
+                        <a:ea typeface="Arial" charset="0"/>
+                        <a:cs typeface="Arial" charset="0"/>
+                      </a:endParaRPr>
+                    </a:p>
+                  </a:txBody>
+                  <a:tcPr marL="36000" marR="36000" marT="36000" marB="36000"/>
+                </a:tc>
+                <a:tc>
+                  <a:txBody>
+                    <a:bodyPr/>
+                    <a:lstStyle/>
+                    <a:p>
+                      <a:endParaRPr lang="es-ES_tradnl" sz="1100" dirty="0">
+                        <a:latin typeface="Arial" charset="0"/>
+                        <a:ea typeface="Arial" charset="0"/>
+                        <a:cs typeface="Arial" charset="0"/>
+                      </a:endParaRPr>
+                    </a:p>
+                  </a:txBody>
+                  <a:tcPr marL="36000" marR="36000" marT="36000" marB="36000"/>
+                </a:tc>
+                <a:tc>
+                  <a:txBody>
+                    <a:bodyPr/>
+                    <a:lstStyle/>
+                    <a:p>
+                      <a:endParaRPr lang="es-ES_tradnl" sz="1100" dirty="0">
+                        <a:latin typeface="Arial" charset="0"/>
+                        <a:ea typeface="Arial" charset="0"/>
+                        <a:cs typeface="Arial" charset="0"/>
+                      </a:endParaRPr>
+                    </a:p>
+                  </a:txBody>
+                  <a:tcPr marL="36000" marR="36000" marT="36000" marB="36000"/>
+                </a:tc>
+                <a:tc>
+                  <a:txBody>
+                    <a:bodyPr/>
+                    <a:lstStyle/>
+                    <a:p>
+                      <a:endParaRPr lang="es-ES_tradnl" sz="1100" dirty="0">
+                        <a:latin typeface="Arial" charset="0"/>
+                        <a:ea typeface="Arial" charset="0"/>
+                        <a:cs typeface="Arial" charset="0"/>
+                      </a:endParaRPr>
+                    </a:p>
+                  </a:txBody>
+                  <a:tcPr marL="36000" marR="36000" marT="36000" marB="36000"/>
+                </a:tc>
+                <a:tc>
+                  <a:txBody>
+                    <a:bodyPr/>
+                    <a:lstStyle/>
+                    <a:p>
+                      <a:endParaRPr lang="es-ES_tradnl" sz="1100" dirty="0">
+                        <a:latin typeface="Arial" charset="0"/>
+                        <a:ea typeface="Arial" charset="0"/>
+                        <a:cs typeface="Arial" charset="0"/>
+                      </a:endParaRPr>
+                    </a:p>
+                  </a:txBody>
+                  <a:tcPr marL="36000" marR="36000" marT="36000" marB="36000"/>
+                </a:tc>
+                <a:tc>
+                  <a:txBody>
+                    <a:bodyPr/>
+                    <a:lstStyle/>
+                    <a:p>
+                      <a:endParaRPr lang="es-ES_tradnl" sz="1100" dirty="0">
+                        <a:latin typeface="Arial" charset="0"/>
+                        <a:ea typeface="Arial" charset="0"/>
+                        <a:cs typeface="Arial" charset="0"/>
+                      </a:endParaRPr>
+                    </a:p>
+                  </a:txBody>
+                  <a:tcPr marL="36000" marR="36000" marT="36000" marB="36000"/>
+                </a:tc>
+                <a:tc>
+                  <a:txBody>
+                    <a:bodyPr/>
+                    <a:lstStyle/>
+                    <a:p>
+                      <a:endParaRPr lang="es-ES_tradnl" sz="1100" dirty="0">
+                        <a:latin typeface="Arial" charset="0"/>
+                        <a:ea typeface="Arial" charset="0"/>
+                        <a:cs typeface="Arial" charset="0"/>
+                      </a:endParaRPr>
+                    </a:p>
+                  </a:txBody>
+                  <a:tcPr marL="36000" marR="36000" marT="36000" marB="36000"/>
+                </a:tc>
+                <a:tc>
+                  <a:txBody>
+                    <a:bodyPr/>
+                    <a:lstStyle/>
+                    <a:p>
+                      <a:endParaRPr lang="es-ES_tradnl" sz="1100" dirty="0">
+                        <a:latin typeface="Arial" charset="0"/>
+                        <a:ea typeface="Arial" charset="0"/>
+                        <a:cs typeface="Arial" charset="0"/>
+                      </a:endParaRPr>
+                    </a:p>
+                  </a:txBody>
+                  <a:tcPr marL="36000" marR="36000" marT="36000" marB="36000"/>
+                </a:tc>
+                <a:tc>
+                  <a:txBody>
+                    <a:bodyPr/>
+                    <a:lstStyle/>
+                    <a:p>
+                      <a:endParaRPr lang="es-ES_tradnl" sz="1100" dirty="0">
+                        <a:latin typeface="Arial" charset="0"/>
+                        <a:ea typeface="Arial" charset="0"/>
+                        <a:cs typeface="Arial" charset="0"/>
+                      </a:endParaRPr>
+                    </a:p>
+                  </a:txBody>
+                  <a:tcPr marL="36000" marR="36000" marT="36000" marB="36000"/>
+                </a:tc>
+                <a:tc>
+                  <a:txBody>
+                    <a:bodyPr/>
+                    <a:lstStyle/>
+                    <a:p>
+                      <a:endParaRPr lang="es-ES_tradnl" sz="1100" dirty="0">
+                        <a:latin typeface="Arial" charset="0"/>
+                        <a:ea typeface="Arial" charset="0"/>
+                        <a:cs typeface="Arial" charset="0"/>
+                      </a:endParaRPr>
+                    </a:p>
+                  </a:txBody>
+                  <a:tcPr marL="36000" marR="36000" marT="36000" marB="36000"/>
+                </a:tc>
+                <a:tc>
+                  <a:txBody>
+                    <a:bodyPr/>
+                    <a:lstStyle/>
+                    <a:p>
+                      <a:endParaRPr lang="es-ES_tradnl" sz="1100" dirty="0">
+                        <a:latin typeface="Arial" charset="0"/>
+                        <a:ea typeface="Arial" charset="0"/>
+                        <a:cs typeface="Arial" charset="0"/>
+                      </a:endParaRPr>
+                    </a:p>
+                  </a:txBody>
+                  <a:tcPr marL="36000" marR="36000" marT="36000" marB="36000"/>
+                </a:tc>
+                <a:tc>
+                  <a:txBody>
+                    <a:bodyPr/>
+                    <a:lstStyle/>
+                    <a:p>
+                      <a:endParaRPr lang="es-ES_tradnl" sz="1100" dirty="0">
+                        <a:latin typeface="Arial" charset="0"/>
+                        <a:ea typeface="Arial" charset="0"/>
+                        <a:cs typeface="Arial" charset="0"/>
+                      </a:endParaRPr>
+                    </a:p>
+                  </a:txBody>
+                  <a:tcPr marL="36000" marR="36000" marT="36000" marB="36000"/>
+                </a:tc>
+              </a:tr>
+              <a:tr h="297514">
+                <a:tc>
+                  <a:txBody>
+                    <a:bodyPr/>
+                    <a:lstStyle/>
+                    <a:p>
+                      <a:endParaRPr lang="es-ES_tradnl" sz="1100" dirty="0">
+                        <a:latin typeface="Arial" charset="0"/>
+                        <a:ea typeface="Arial" charset="0"/>
+                        <a:cs typeface="Arial" charset="0"/>
+                      </a:endParaRPr>
+                    </a:p>
+                  </a:txBody>
+                  <a:tcPr marL="36000" marR="36000" marT="36000" marB="36000"/>
+                </a:tc>
+                <a:tc>
+                  <a:txBody>
+                    <a:bodyPr/>
+                    <a:lstStyle/>
+                    <a:p>
+                      <a:endParaRPr lang="es-ES_tradnl" sz="1100" dirty="0">
+                        <a:latin typeface="Arial" charset="0"/>
+                        <a:ea typeface="Arial" charset="0"/>
+                        <a:cs typeface="Arial" charset="0"/>
+                      </a:endParaRPr>
+                    </a:p>
+                  </a:txBody>
+                  <a:tcPr marL="36000" marR="36000" marT="36000" marB="36000"/>
+                </a:tc>
+                <a:tc>
+                  <a:txBody>
+                    <a:bodyPr/>
+                    <a:lstStyle/>
+                    <a:p>
+                      <a:endParaRPr lang="es-ES_tradnl" sz="1100">
+                        <a:latin typeface="Arial" charset="0"/>
+                        <a:ea typeface="Arial" charset="0"/>
+                        <a:cs typeface="Arial" charset="0"/>
+                      </a:endParaRPr>
+                    </a:p>
+                  </a:txBody>
+                  <a:tcPr marL="36000" marR="36000" marT="36000" marB="36000"/>
+                </a:tc>
+                <a:tc>
+                  <a:txBody>
+                    <a:bodyPr/>
+                    <a:lstStyle/>
+                    <a:p>
+                      <a:endParaRPr lang="es-ES_tradnl" sz="1100" dirty="0">
+                        <a:latin typeface="Arial" charset="0"/>
+                        <a:ea typeface="Arial" charset="0"/>
+                        <a:cs typeface="Arial" charset="0"/>
+                      </a:endParaRPr>
+                    </a:p>
+                  </a:txBody>
+                  <a:tcPr marL="36000" marR="36000" marT="36000" marB="36000"/>
+                </a:tc>
+                <a:tc>
+                  <a:txBody>
+                    <a:bodyPr/>
+                    <a:lstStyle/>
+                    <a:p>
+                      <a:endParaRPr lang="es-ES_tradnl" sz="1100" dirty="0">
+                        <a:latin typeface="Arial" charset="0"/>
+                        <a:ea typeface="Arial" charset="0"/>
+                        <a:cs typeface="Arial" charset="0"/>
+                      </a:endParaRPr>
+                    </a:p>
+                  </a:txBody>
+                  <a:tcPr marL="36000" marR="36000" marT="36000" marB="36000"/>
+                </a:tc>
+                <a:tc>
+                  <a:txBody>
+                    <a:bodyPr/>
+                    <a:lstStyle/>
+                    <a:p>
+                      <a:endParaRPr lang="es-ES_tradnl" sz="1100" dirty="0">
+                        <a:latin typeface="Arial" charset="0"/>
+                        <a:ea typeface="Arial" charset="0"/>
+                        <a:cs typeface="Arial" charset="0"/>
+                      </a:endParaRPr>
+                    </a:p>
+                  </a:txBody>
+                  <a:tcPr marL="36000" marR="36000" marT="36000" marB="36000"/>
+                </a:tc>
+                <a:tc>
+                  <a:txBody>
+                    <a:bodyPr/>
+                    <a:lstStyle/>
+                    <a:p>
+                      <a:endParaRPr lang="es-ES_tradnl" sz="1100" dirty="0">
+                        <a:latin typeface="Arial" charset="0"/>
+                        <a:ea typeface="Arial" charset="0"/>
+                        <a:cs typeface="Arial" charset="0"/>
+                      </a:endParaRPr>
+                    </a:p>
+                  </a:txBody>
+                  <a:tcPr marL="36000" marR="36000" marT="36000" marB="36000"/>
+                </a:tc>
+                <a:tc>
+                  <a:txBody>
+                    <a:bodyPr/>
+                    <a:lstStyle/>
+                    <a:p>
+                      <a:endParaRPr lang="es-ES_tradnl" sz="1100" dirty="0">
+                        <a:latin typeface="Arial" charset="0"/>
+                        <a:ea typeface="Arial" charset="0"/>
+                        <a:cs typeface="Arial" charset="0"/>
+                      </a:endParaRPr>
+                    </a:p>
+                  </a:txBody>
+                  <a:tcPr marL="36000" marR="36000" marT="36000" marB="36000"/>
+                </a:tc>
+                <a:tc>
+                  <a:txBody>
+                    <a:bodyPr/>
+                    <a:lstStyle/>
+                    <a:p>
+                      <a:endParaRPr lang="es-ES_tradnl" sz="1100" dirty="0">
+                        <a:latin typeface="Arial" charset="0"/>
+                        <a:ea typeface="Arial" charset="0"/>
+                        <a:cs typeface="Arial" charset="0"/>
+                      </a:endParaRPr>
+                    </a:p>
+                  </a:txBody>
+                  <a:tcPr marL="36000" marR="36000" marT="36000" marB="36000"/>
+                </a:tc>
+                <a:tc>
+                  <a:txBody>
+                    <a:bodyPr/>
+                    <a:lstStyle/>
+                    <a:p>
+                      <a:endParaRPr lang="es-ES_tradnl" sz="1100" dirty="0">
+                        <a:latin typeface="Arial" charset="0"/>
+                        <a:ea typeface="Arial" charset="0"/>
+                        <a:cs typeface="Arial" charset="0"/>
+                      </a:endParaRPr>
+                    </a:p>
+                  </a:txBody>
+                  <a:tcPr marL="36000" marR="36000" marT="36000" marB="36000"/>
+                </a:tc>
+                <a:tc>
+                  <a:txBody>
+                    <a:bodyPr/>
+                    <a:lstStyle/>
+                    <a:p>
+                      <a:endParaRPr lang="es-ES_tradnl" sz="1100" dirty="0">
+                        <a:latin typeface="Arial" charset="0"/>
+                        <a:ea typeface="Arial" charset="0"/>
+                        <a:cs typeface="Arial" charset="0"/>
+                      </a:endParaRPr>
+                    </a:p>
+                  </a:txBody>
+                  <a:tcPr marL="36000" marR="36000" marT="36000" marB="36000"/>
+                </a:tc>
+                <a:tc>
+                  <a:txBody>
+                    <a:bodyPr/>
+                    <a:lstStyle/>
+                    <a:p>
+                      <a:endParaRPr lang="es-ES_tradnl" sz="1100" dirty="0">
+                        <a:latin typeface="Arial" charset="0"/>
+                        <a:ea typeface="Arial" charset="0"/>
+                        <a:cs typeface="Arial" charset="0"/>
+                      </a:endParaRPr>
+                    </a:p>
+                  </a:txBody>
+                  <a:tcPr marL="36000" marR="36000" marT="36000" marB="36000"/>
+                </a:tc>
+                <a:tc>
+                  <a:txBody>
+                    <a:bodyPr/>
+                    <a:lstStyle/>
+                    <a:p>
+                      <a:endParaRPr lang="es-ES_tradnl" sz="1100" dirty="0">
+                        <a:latin typeface="Arial" charset="0"/>
+                        <a:ea typeface="Arial" charset="0"/>
+                        <a:cs typeface="Arial" charset="0"/>
+                      </a:endParaRPr>
+                    </a:p>
+                  </a:txBody>
+                  <a:tcPr marL="36000" marR="36000" marT="36000" marB="36000"/>
+                </a:tc>
+                <a:tc>
+                  <a:txBody>
+                    <a:bodyPr/>
+                    <a:lstStyle/>
+                    <a:p>
+                      <a:endParaRPr lang="es-ES_tradnl" sz="1100" dirty="0">
+                        <a:latin typeface="Arial" charset="0"/>
+                        <a:ea typeface="Arial" charset="0"/>
+                        <a:cs typeface="Arial" charset="0"/>
+                      </a:endParaRPr>
+                    </a:p>
+                  </a:txBody>
+                  <a:tcPr marL="36000" marR="36000" marT="36000" marB="36000"/>
+                </a:tc>
+                <a:tc>
+                  <a:txBody>
+                    <a:bodyPr/>
+                    <a:lstStyle/>
+                    <a:p>
+                      <a:endParaRPr lang="es-ES_tradnl" sz="1100" dirty="0">
+                        <a:latin typeface="Arial" charset="0"/>
+                        <a:ea typeface="Arial" charset="0"/>
+                        <a:cs typeface="Arial" charset="0"/>
+                      </a:endParaRPr>
+                    </a:p>
+                  </a:txBody>
+                  <a:tcPr marL="36000" marR="36000" marT="36000" marB="36000"/>
+                </a:tc>
+                <a:tc>
+                  <a:txBody>
+                    <a:bodyPr/>
+                    <a:lstStyle/>
+                    <a:p>
+                      <a:endParaRPr lang="es-ES_tradnl" sz="1100" dirty="0">
+                        <a:latin typeface="Arial" charset="0"/>
+                        <a:ea typeface="Arial" charset="0"/>
+                        <a:cs typeface="Arial" charset="0"/>
+                      </a:endParaRPr>
+                    </a:p>
+                  </a:txBody>
+                  <a:tcPr marL="36000" marR="36000" marT="36000" marB="36000"/>
+                </a:tc>
+              </a:tr>
+            </a:tbl>
+          </a:graphicData>
+        </a:graphic>
+      </p:graphicFrame>
       <p:sp>
         <p:nvSpPr>
           <p:cNvPr id="2" name="Título 1"/>
@@ -7482,20 +12831,264 @@
       </p:sp>
       <p:sp>
         <p:nvSpPr>
-          <p:cNvPr id="3" name="Marcador de contenido 2"/>
-          <p:cNvSpPr>
-            <a:spLocks noGrp="1"/>
-          </p:cNvSpPr>
-          <p:nvPr>
-            <p:ph idx="1"/>
-          </p:nvPr>
+          <p:cNvPr id="15" name="Rectángulo 14"/>
+          <p:cNvSpPr/>
+          <p:nvPr/>
         </p:nvSpPr>
-        <p:spPr/>
+        <p:spPr>
+          <a:xfrm>
+            <a:off x="241738" y="1345323"/>
+            <a:ext cx="11729545" cy="1042221"/>
+          </a:xfrm>
+          <a:prstGeom prst="rect">
+            <a:avLst/>
+          </a:prstGeom>
+          <a:noFill/>
+          <a:ln w="19050">
+            <a:solidFill>
+              <a:schemeClr val="accent6">
+                <a:lumMod val="50000"/>
+              </a:schemeClr>
+            </a:solidFill>
+          </a:ln>
+        </p:spPr>
+        <p:style>
+          <a:lnRef idx="2">
+            <a:schemeClr val="accent1">
+              <a:shade val="50000"/>
+            </a:schemeClr>
+          </a:lnRef>
+          <a:fillRef idx="1">
+            <a:schemeClr val="accent1"/>
+          </a:fillRef>
+          <a:effectRef idx="0">
+            <a:schemeClr val="accent1"/>
+          </a:effectRef>
+          <a:fontRef idx="minor">
+            <a:schemeClr val="lt1"/>
+          </a:fontRef>
+        </p:style>
         <p:txBody>
-          <a:bodyPr/>
+          <a:bodyPr rtlCol="0" anchor="ctr"/>
           <a:lstStyle/>
           <a:p>
-            <a:endParaRPr lang="es-ES_tradnl" dirty="0"/>
+            <a:pPr algn="ctr"/>
+            <a:endParaRPr lang="es-ES_tradnl"/>
+          </a:p>
+        </p:txBody>
+      </p:sp>
+      <p:sp>
+        <p:nvSpPr>
+          <p:cNvPr id="16" name="Rectángulo 15"/>
+          <p:cNvSpPr/>
+          <p:nvPr/>
+        </p:nvSpPr>
+        <p:spPr>
+          <a:xfrm>
+            <a:off x="241738" y="2472157"/>
+            <a:ext cx="11729545" cy="3641034"/>
+          </a:xfrm>
+          <a:prstGeom prst="rect">
+            <a:avLst/>
+          </a:prstGeom>
+          <a:noFill/>
+          <a:ln w="19050">
+            <a:solidFill>
+              <a:schemeClr val="accent6">
+                <a:lumMod val="50000"/>
+              </a:schemeClr>
+            </a:solidFill>
+          </a:ln>
+        </p:spPr>
+        <p:style>
+          <a:lnRef idx="2">
+            <a:schemeClr val="accent1">
+              <a:shade val="50000"/>
+            </a:schemeClr>
+          </a:lnRef>
+          <a:fillRef idx="1">
+            <a:schemeClr val="accent1"/>
+          </a:fillRef>
+          <a:effectRef idx="0">
+            <a:schemeClr val="accent1"/>
+          </a:effectRef>
+          <a:fontRef idx="minor">
+            <a:schemeClr val="lt1"/>
+          </a:fontRef>
+        </p:style>
+        <p:txBody>
+          <a:bodyPr rtlCol="0" anchor="ctr"/>
+          <a:lstStyle/>
+          <a:p>
+            <a:pPr algn="ctr"/>
+            <a:endParaRPr lang="es-ES_tradnl"/>
+          </a:p>
+        </p:txBody>
+      </p:sp>
+      <p:sp>
+        <p:nvSpPr>
+          <p:cNvPr id="17" name="CuadroTexto 16"/>
+          <p:cNvSpPr txBox="1"/>
+          <p:nvPr/>
+        </p:nvSpPr>
+        <p:spPr>
+          <a:xfrm>
+            <a:off x="4273233" y="937545"/>
+            <a:ext cx="3394841" cy="323165"/>
+          </a:xfrm>
+          <a:prstGeom prst="rect">
+            <a:avLst/>
+          </a:prstGeom>
+          <a:noFill/>
+        </p:spPr>
+        <p:txBody>
+          <a:bodyPr wrap="square" rtlCol="0">
+            <a:spAutoFit/>
+          </a:bodyPr>
+          <a:lstStyle/>
+          <a:p>
+            <a:pPr algn="ctr"/>
+            <a:r>
+              <a:rPr lang="es-ES_tradnl" sz="1500" b="1" i="1" dirty="0" smtClean="0">
+                <a:solidFill>
+                  <a:schemeClr val="tx1">
+                    <a:lumMod val="75000"/>
+                    <a:lumOff val="25000"/>
+                  </a:schemeClr>
+                </a:solidFill>
+                <a:latin typeface="Arial" charset="0"/>
+                <a:ea typeface="Arial" charset="0"/>
+                <a:cs typeface="Arial" charset="0"/>
+              </a:rPr>
+              <a:t>Ficha T</a:t>
+            </a:r>
+            <a:r>
+              <a:rPr lang="es-ES" sz="1500" b="1" i="1" dirty="0" err="1" smtClean="0">
+                <a:solidFill>
+                  <a:schemeClr val="tx1">
+                    <a:lumMod val="75000"/>
+                    <a:lumOff val="25000"/>
+                  </a:schemeClr>
+                </a:solidFill>
+                <a:latin typeface="Arial" charset="0"/>
+                <a:ea typeface="Arial" charset="0"/>
+                <a:cs typeface="Arial" charset="0"/>
+              </a:rPr>
+              <a:t>écnica</a:t>
+            </a:r>
+            <a:endParaRPr lang="es-ES_tradnl" sz="1500" b="1" i="1" dirty="0">
+              <a:solidFill>
+                <a:schemeClr val="tx1">
+                  <a:lumMod val="75000"/>
+                  <a:lumOff val="25000"/>
+                </a:schemeClr>
+              </a:solidFill>
+              <a:latin typeface="Arial" charset="0"/>
+              <a:ea typeface="Arial" charset="0"/>
+              <a:cs typeface="Arial" charset="0"/>
+            </a:endParaRPr>
+          </a:p>
+        </p:txBody>
+      </p:sp>
+      <p:sp>
+        <p:nvSpPr>
+          <p:cNvPr id="18" name="CuadroTexto 17"/>
+          <p:cNvSpPr txBox="1"/>
+          <p:nvPr/>
+        </p:nvSpPr>
+        <p:spPr>
+          <a:xfrm>
+            <a:off x="220725" y="1317916"/>
+            <a:ext cx="1492468" cy="292388"/>
+          </a:xfrm>
+          <a:prstGeom prst="rect">
+            <a:avLst/>
+          </a:prstGeom>
+          <a:noFill/>
+        </p:spPr>
+        <p:txBody>
+          <a:bodyPr wrap="square" rtlCol="0">
+            <a:spAutoFit/>
+          </a:bodyPr>
+          <a:lstStyle/>
+          <a:p>
+            <a:pPr algn="ctr"/>
+            <a:r>
+              <a:rPr lang="es-ES" sz="1300" b="1" i="1" smtClean="0">
+                <a:solidFill>
+                  <a:schemeClr val="tx1">
+                    <a:lumMod val="75000"/>
+                    <a:lumOff val="25000"/>
+                  </a:schemeClr>
+                </a:solidFill>
+                <a:latin typeface="Arial" charset="0"/>
+                <a:ea typeface="Arial" charset="0"/>
+                <a:cs typeface="Arial" charset="0"/>
+              </a:rPr>
+              <a:t>Datos Generales</a:t>
+            </a:r>
+            <a:endParaRPr lang="es-ES_tradnl" sz="1300" b="1" i="1" dirty="0">
+              <a:solidFill>
+                <a:schemeClr val="tx1">
+                  <a:lumMod val="75000"/>
+                  <a:lumOff val="25000"/>
+                </a:schemeClr>
+              </a:solidFill>
+              <a:latin typeface="Arial" charset="0"/>
+              <a:ea typeface="Arial" charset="0"/>
+              <a:cs typeface="Arial" charset="0"/>
+            </a:endParaRPr>
+          </a:p>
+        </p:txBody>
+      </p:sp>
+      <p:sp>
+        <p:nvSpPr>
+          <p:cNvPr id="19" name="CuadroTexto 18"/>
+          <p:cNvSpPr txBox="1"/>
+          <p:nvPr/>
+        </p:nvSpPr>
+        <p:spPr>
+          <a:xfrm>
+            <a:off x="220725" y="2450071"/>
+            <a:ext cx="935420" cy="292388"/>
+          </a:xfrm>
+          <a:prstGeom prst="rect">
+            <a:avLst/>
+          </a:prstGeom>
+          <a:noFill/>
+        </p:spPr>
+        <p:txBody>
+          <a:bodyPr wrap="square" rtlCol="0">
+            <a:spAutoFit/>
+          </a:bodyPr>
+          <a:lstStyle/>
+          <a:p>
+            <a:pPr algn="ctr"/>
+            <a:r>
+              <a:rPr lang="es-ES" sz="1300" b="1" i="1" dirty="0" smtClean="0">
+                <a:solidFill>
+                  <a:schemeClr val="tx1">
+                    <a:lumMod val="75000"/>
+                    <a:lumOff val="25000"/>
+                  </a:schemeClr>
+                </a:solidFill>
+                <a:latin typeface="Arial" charset="0"/>
+                <a:ea typeface="Arial" charset="0"/>
+                <a:cs typeface="Arial" charset="0"/>
+              </a:rPr>
+              <a:t>Avances</a:t>
+            </a:r>
+            <a:endParaRPr lang="es-ES_tradnl" sz="1300" b="1" i="1" dirty="0">
+              <a:solidFill>
+                <a:schemeClr val="tx1">
+                  <a:lumMod val="75000"/>
+                  <a:lumOff val="25000"/>
+                </a:schemeClr>
+              </a:solidFill>
+              <a:latin typeface="Arial" charset="0"/>
+              <a:ea typeface="Arial" charset="0"/>
+              <a:cs typeface="Arial" charset="0"/>
+            </a:endParaRPr>
           </a:p>
         </p:txBody>
       </p:sp>

--- a/djangoISSSTE/static/ppt/ppt-generados/FichaTecnicaAvance_1.pptx
+++ b/djangoISSSTE/static/ppt/ppt-generados/FichaTecnicaAvance_1.pptx
@@ -4081,7 +4081,7 @@
                         </a:defRPr>
                       </a:pPr>
                       <a:r>
-                        <a:t>No. De niños y niñas beneficiados</a:t>
+                        <a:t>Número de niños y niñas beneficiados</a:t>
                       </a:r>
                       <a:endParaRPr lang="es-ES_tradnl" sz="1100" b="0" dirty="0">
                         <a:solidFill>
@@ -4429,7 +4429,11 @@
                       </a:pPr>
                       <a:r>
                         <a:t>1/ Corresponde al total de las niñas y niños atendidos por mes, misma que incluye los movimientos naturales en la población, por lo que la cifra de niños atendidos por mes no puede acumularse.-2/ El monto reportado considera el costo de dos alimentos por niños por día durante el periodo enero-julio 2016.    </a:t>
+</a:t>
+                      </a:r>
+                      <a:br/>
+                      <a:r>
+                        <a:t>2/ El monto reportado considera el costo de dos alimentos por niños por día durante el periodo enero-julio 2016.</a:t>
                       </a:r>
                       <a:endParaRPr lang="es-ES_tradnl" sz="1100" b="0" dirty="0">
                         <a:solidFill>
@@ -5113,57 +5117,57 @@
                         </a:defRPr>
                       </a:pPr>
                       <a:r>
-                        <a:t>Coyoacán</a:t>
-                      </a:r>
-                      <a:endParaRPr lang="es-ES_tradnl" sz="1100" dirty="0">
-                        <a:latin typeface="Arial" charset="0"/>
-                        <a:ea typeface="Arial" charset="0"/>
-                        <a:cs typeface="Arial" charset="0"/>
-                      </a:endParaRPr>
-                    </a:p>
-                  </a:txBody>
-                  <a:tcPr marL="36000" marR="36000" marT="36000" marB="36000"/>
-                </a:tc>
-                <a:tc>
-                  <a:txBody>
-                    <a:bodyPr/>
-                    <a:lstStyle/>
-                    <a:p>
-                      <a:pPr>
-                        <a:defRPr sz="800">
-                          <a:solidFill>
-                            <a:srgbClr val="0B0B0B"/>
-                          </a:solidFill>
-                          <a:latin typeface="Arial"/>
-                        </a:defRPr>
-                      </a:pPr>
-                      <a:r>
-                        <a:t>413.0</a:t>
-                      </a:r>
-                      <a:endParaRPr lang="es-ES_tradnl" sz="1100" dirty="0">
-                        <a:latin typeface="Arial" charset="0"/>
-                        <a:ea typeface="Arial" charset="0"/>
-                        <a:cs typeface="Arial" charset="0"/>
-                      </a:endParaRPr>
-                    </a:p>
-                  </a:txBody>
-                  <a:tcPr marL="36000" marR="36000" marT="36000" marB="36000"/>
-                </a:tc>
-                <a:tc>
-                  <a:txBody>
-                    <a:bodyPr/>
-                    <a:lstStyle/>
-                    <a:p>
-                      <a:pPr>
-                        <a:defRPr sz="800">
-                          <a:solidFill>
-                            <a:srgbClr val="0B0B0B"/>
-                          </a:solidFill>
-                          <a:latin typeface="Arial"/>
-                        </a:defRPr>
-                      </a:pPr>
-                      <a:r>
-                        <a:t>415.0</a:t>
+                        <a:t>Aguascalientes</a:t>
+                      </a:r>
+                      <a:endParaRPr lang="es-ES_tradnl" sz="1100" dirty="0">
+                        <a:latin typeface="Arial" charset="0"/>
+                        <a:ea typeface="Arial" charset="0"/>
+                        <a:cs typeface="Arial" charset="0"/>
+                      </a:endParaRPr>
+                    </a:p>
+                  </a:txBody>
+                  <a:tcPr marL="36000" marR="36000" marT="36000" marB="36000"/>
+                </a:tc>
+                <a:tc>
+                  <a:txBody>
+                    <a:bodyPr/>
+                    <a:lstStyle/>
+                    <a:p>
+                      <a:pPr>
+                        <a:defRPr sz="800">
+                          <a:solidFill>
+                            <a:srgbClr val="0B0B0B"/>
+                          </a:solidFill>
+                          <a:latin typeface="Arial"/>
+                        </a:defRPr>
+                      </a:pPr>
+                      <a:r>
+                        <a:t>1523.0</a:t>
+                      </a:r>
+                      <a:endParaRPr lang="es-ES_tradnl" sz="1100" dirty="0">
+                        <a:latin typeface="Arial" charset="0"/>
+                        <a:ea typeface="Arial" charset="0"/>
+                        <a:cs typeface="Arial" charset="0"/>
+                      </a:endParaRPr>
+                    </a:p>
+                  </a:txBody>
+                  <a:tcPr marL="36000" marR="36000" marT="36000" marB="36000"/>
+                </a:tc>
+                <a:tc>
+                  <a:txBody>
+                    <a:bodyPr/>
+                    <a:lstStyle/>
+                    <a:p>
+                      <a:pPr>
+                        <a:defRPr sz="800">
+                          <a:solidFill>
+                            <a:srgbClr val="0B0B0B"/>
+                          </a:solidFill>
+                          <a:latin typeface="Arial"/>
+                        </a:defRPr>
+                      </a:pPr>
+                      <a:r>
+                        <a:t>1560.0</a:t>
                       </a:r>
                       <a:endParaRPr lang="es-ES_tradnl" sz="1100" dirty="0">
                         <a:latin typeface="Arial" charset="0"/>
@@ -5438,7 +5442,7 @@
                         </a:defRPr>
                       </a:pPr>
                       <a:r>
-                        <a:t>828.0</a:t>
+                        <a:t>3083.0</a:t>
                       </a:r>
                       <a:endParaRPr lang="es-ES_tradnl" sz="1100" dirty="0">
                         <a:latin typeface="Arial" charset="0"/>
@@ -5463,7 +5467,7 @@
                         </a:defRPr>
                       </a:pPr>
                       <a:r>
-                        <a:t>734436.0</a:t>
+                        <a:t>2734621.0</a:t>
                       </a:r>
                       <a:endParaRPr lang="es-ES_tradnl" sz="1100" kern="1200" dirty="0">
                         <a:solidFill>
@@ -5515,57 +5519,57 @@
                         </a:defRPr>
                       </a:pPr>
                       <a:r>
-                        <a:t>Gustavo A. Madero</a:t>
-                      </a:r>
-                      <a:endParaRPr lang="es-ES_tradnl" sz="1100" dirty="0">
-                        <a:latin typeface="Arial" charset="0"/>
-                        <a:ea typeface="Arial" charset="0"/>
-                        <a:cs typeface="Arial" charset="0"/>
-                      </a:endParaRPr>
-                    </a:p>
-                  </a:txBody>
-                  <a:tcPr marL="36000" marR="36000" marT="36000" marB="36000"/>
-                </a:tc>
-                <a:tc>
-                  <a:txBody>
-                    <a:bodyPr/>
-                    <a:lstStyle/>
-                    <a:p>
-                      <a:pPr>
-                        <a:defRPr sz="800">
-                          <a:solidFill>
-                            <a:srgbClr val="0B0B0B"/>
-                          </a:solidFill>
-                          <a:latin typeface="Arial"/>
-                        </a:defRPr>
-                      </a:pPr>
-                      <a:r>
-                        <a:t>601.0</a:t>
-                      </a:r>
-                      <a:endParaRPr lang="es-ES_tradnl" sz="1100" dirty="0">
-                        <a:latin typeface="Arial" charset="0"/>
-                        <a:ea typeface="Arial" charset="0"/>
-                        <a:cs typeface="Arial" charset="0"/>
-                      </a:endParaRPr>
-                    </a:p>
-                  </a:txBody>
-                  <a:tcPr marL="36000" marR="36000" marT="36000" marB="36000"/>
-                </a:tc>
-                <a:tc>
-                  <a:txBody>
-                    <a:bodyPr/>
-                    <a:lstStyle/>
-                    <a:p>
-                      <a:pPr>
-                        <a:defRPr sz="800">
-                          <a:solidFill>
-                            <a:srgbClr val="0B0B0B"/>
-                          </a:solidFill>
-                          <a:latin typeface="Arial"/>
-                        </a:defRPr>
-                      </a:pPr>
-                      <a:r>
-                        <a:t>615.0</a:t>
+                        <a:t>Asientos</a:t>
+                      </a:r>
+                      <a:endParaRPr lang="es-ES_tradnl" sz="1100" dirty="0">
+                        <a:latin typeface="Arial" charset="0"/>
+                        <a:ea typeface="Arial" charset="0"/>
+                        <a:cs typeface="Arial" charset="0"/>
+                      </a:endParaRPr>
+                    </a:p>
+                  </a:txBody>
+                  <a:tcPr marL="36000" marR="36000" marT="36000" marB="36000"/>
+                </a:tc>
+                <a:tc>
+                  <a:txBody>
+                    <a:bodyPr/>
+                    <a:lstStyle/>
+                    <a:p>
+                      <a:pPr>
+                        <a:defRPr sz="800">
+                          <a:solidFill>
+                            <a:srgbClr val="0B0B0B"/>
+                          </a:solidFill>
+                          <a:latin typeface="Arial"/>
+                        </a:defRPr>
+                      </a:pPr>
+                      <a:r>
+                        <a:t>67.0</a:t>
+                      </a:r>
+                      <a:endParaRPr lang="es-ES_tradnl" sz="1100" dirty="0">
+                        <a:latin typeface="Arial" charset="0"/>
+                        <a:ea typeface="Arial" charset="0"/>
+                        <a:cs typeface="Arial" charset="0"/>
+                      </a:endParaRPr>
+                    </a:p>
+                  </a:txBody>
+                  <a:tcPr marL="36000" marR="36000" marT="36000" marB="36000"/>
+                </a:tc>
+                <a:tc>
+                  <a:txBody>
+                    <a:bodyPr/>
+                    <a:lstStyle/>
+                    <a:p>
+                      <a:pPr>
+                        <a:defRPr sz="800">
+                          <a:solidFill>
+                            <a:srgbClr val="0B0B0B"/>
+                          </a:solidFill>
+                          <a:latin typeface="Arial"/>
+                        </a:defRPr>
+                      </a:pPr>
+                      <a:r>
+                        <a:t>78.0</a:t>
                       </a:r>
                       <a:endParaRPr lang="es-ES_tradnl" sz="1100">
                         <a:latin typeface="Arial" charset="0"/>
@@ -5590,6 +5594,81 @@
                         </a:defRPr>
                       </a:pPr>
                       <a:r>
+                        <a:t>64.0</a:t>
+                      </a:r>
+                      <a:endParaRPr lang="es-ES_tradnl" sz="1100">
+                        <a:latin typeface="Arial" charset="0"/>
+                        <a:ea typeface="Arial" charset="0"/>
+                        <a:cs typeface="Arial" charset="0"/>
+                      </a:endParaRPr>
+                    </a:p>
+                  </a:txBody>
+                  <a:tcPr marL="36000" marR="36000" marT="36000" marB="36000"/>
+                </a:tc>
+                <a:tc>
+                  <a:txBody>
+                    <a:bodyPr/>
+                    <a:lstStyle/>
+                    <a:p>
+                      <a:pPr>
+                        <a:defRPr sz="800">
+                          <a:solidFill>
+                            <a:srgbClr val="0B0B0B"/>
+                          </a:solidFill>
+                          <a:latin typeface="Arial"/>
+                        </a:defRPr>
+                      </a:pPr>
+                      <a:r>
+                        <a:t>45.0</a:t>
+                      </a:r>
+                      <a:endParaRPr lang="es-ES_tradnl" sz="1100" dirty="0">
+                        <a:latin typeface="Arial" charset="0"/>
+                        <a:ea typeface="Arial" charset="0"/>
+                        <a:cs typeface="Arial" charset="0"/>
+                      </a:endParaRPr>
+                    </a:p>
+                  </a:txBody>
+                  <a:tcPr marL="36000" marR="36000" marT="36000" marB="36000"/>
+                </a:tc>
+                <a:tc>
+                  <a:txBody>
+                    <a:bodyPr/>
+                    <a:lstStyle/>
+                    <a:p>
+                      <a:pPr>
+                        <a:defRPr sz="800">
+                          <a:solidFill>
+                            <a:srgbClr val="0B0B0B"/>
+                          </a:solidFill>
+                          <a:latin typeface="Arial"/>
+                        </a:defRPr>
+                      </a:pPr>
+                      <a:r>
+                        <a:t>67.0</a:t>
+                      </a:r>
+                      <a:endParaRPr lang="es-ES_tradnl" sz="1100">
+                        <a:latin typeface="Arial" charset="0"/>
+                        <a:ea typeface="Arial" charset="0"/>
+                        <a:cs typeface="Arial" charset="0"/>
+                      </a:endParaRPr>
+                    </a:p>
+                  </a:txBody>
+                  <a:tcPr marL="36000" marR="36000" marT="36000" marB="36000"/>
+                </a:tc>
+                <a:tc>
+                  <a:txBody>
+                    <a:bodyPr/>
+                    <a:lstStyle/>
+                    <a:p>
+                      <a:pPr>
+                        <a:defRPr sz="800">
+                          <a:solidFill>
+                            <a:srgbClr val="0B0B0B"/>
+                          </a:solidFill>
+                          <a:latin typeface="Arial"/>
+                        </a:defRPr>
+                      </a:pPr>
+                      <a:r>
                         <a:t>0.0</a:t>
                       </a:r>
                       <a:endParaRPr lang="es-ES_tradnl" sz="1100">
@@ -5617,7 +5696,7 @@
                       <a:r>
                         <a:t>0.0</a:t>
                       </a:r>
-                      <a:endParaRPr lang="es-ES_tradnl" sz="1100" dirty="0">
+                      <a:endParaRPr lang="es-ES_tradnl" sz="1100">
                         <a:latin typeface="Arial" charset="0"/>
                         <a:ea typeface="Arial" charset="0"/>
                         <a:cs typeface="Arial" charset="0"/>
@@ -5742,6 +5821,31 @@
                       <a:r>
                         <a:t>0.0</a:t>
                       </a:r>
+                      <a:endParaRPr lang="es-ES_tradnl" sz="1100" dirty="0">
+                        <a:latin typeface="Arial" charset="0"/>
+                        <a:ea typeface="Arial" charset="0"/>
+                        <a:cs typeface="Arial" charset="0"/>
+                      </a:endParaRPr>
+                    </a:p>
+                  </a:txBody>
+                  <a:tcPr marL="36000" marR="36000" marT="36000" marB="36000"/>
+                </a:tc>
+                <a:tc>
+                  <a:txBody>
+                    <a:bodyPr/>
+                    <a:lstStyle/>
+                    <a:p>
+                      <a:pPr>
+                        <a:defRPr sz="800">
+                          <a:solidFill>
+                            <a:srgbClr val="0B0B0B"/>
+                          </a:solidFill>
+                          <a:latin typeface="Arial"/>
+                        </a:defRPr>
+                      </a:pPr>
+                      <a:r>
+                        <a:t>321.0</a:t>
+                      </a:r>
                       <a:endParaRPr lang="es-ES_tradnl" sz="1100">
                         <a:latin typeface="Arial" charset="0"/>
                         <a:ea typeface="Arial" charset="0"/>
@@ -5765,107 +5869,7 @@
                         </a:defRPr>
                       </a:pPr>
                       <a:r>
-                        <a:t>0.0</a:t>
-                      </a:r>
-                      <a:endParaRPr lang="es-ES_tradnl" sz="1100">
-                        <a:latin typeface="Arial" charset="0"/>
-                        <a:ea typeface="Arial" charset="0"/>
-                        <a:cs typeface="Arial" charset="0"/>
-                      </a:endParaRPr>
-                    </a:p>
-                  </a:txBody>
-                  <a:tcPr marL="36000" marR="36000" marT="36000" marB="36000"/>
-                </a:tc>
-                <a:tc>
-                  <a:txBody>
-                    <a:bodyPr/>
-                    <a:lstStyle/>
-                    <a:p>
-                      <a:pPr>
-                        <a:defRPr sz="800">
-                          <a:solidFill>
-                            <a:srgbClr val="0B0B0B"/>
-                          </a:solidFill>
-                          <a:latin typeface="Arial"/>
-                        </a:defRPr>
-                      </a:pPr>
-                      <a:r>
-                        <a:t>0.0</a:t>
-                      </a:r>
-                      <a:endParaRPr lang="es-ES_tradnl" sz="1100">
-                        <a:latin typeface="Arial" charset="0"/>
-                        <a:ea typeface="Arial" charset="0"/>
-                        <a:cs typeface="Arial" charset="0"/>
-                      </a:endParaRPr>
-                    </a:p>
-                  </a:txBody>
-                  <a:tcPr marL="36000" marR="36000" marT="36000" marB="36000"/>
-                </a:tc>
-                <a:tc>
-                  <a:txBody>
-                    <a:bodyPr/>
-                    <a:lstStyle/>
-                    <a:p>
-                      <a:pPr>
-                        <a:defRPr sz="800">
-                          <a:solidFill>
-                            <a:srgbClr val="0B0B0B"/>
-                          </a:solidFill>
-                          <a:latin typeface="Arial"/>
-                        </a:defRPr>
-                      </a:pPr>
-                      <a:r>
-                        <a:t>0.0</a:t>
-                      </a:r>
-                      <a:endParaRPr lang="es-ES_tradnl" sz="1100" dirty="0">
-                        <a:latin typeface="Arial" charset="0"/>
-                        <a:ea typeface="Arial" charset="0"/>
-                        <a:cs typeface="Arial" charset="0"/>
-                      </a:endParaRPr>
-                    </a:p>
-                  </a:txBody>
-                  <a:tcPr marL="36000" marR="36000" marT="36000" marB="36000"/>
-                </a:tc>
-                <a:tc>
-                  <a:txBody>
-                    <a:bodyPr/>
-                    <a:lstStyle/>
-                    <a:p>
-                      <a:pPr>
-                        <a:defRPr sz="800">
-                          <a:solidFill>
-                            <a:srgbClr val="0B0B0B"/>
-                          </a:solidFill>
-                          <a:latin typeface="Arial"/>
-                        </a:defRPr>
-                      </a:pPr>
-                      <a:r>
-                        <a:t>1216.0</a:t>
-                      </a:r>
-                      <a:endParaRPr lang="es-ES_tradnl" sz="1100">
-                        <a:latin typeface="Arial" charset="0"/>
-                        <a:ea typeface="Arial" charset="0"/>
-                        <a:cs typeface="Arial" charset="0"/>
-                      </a:endParaRPr>
-                    </a:p>
-                  </a:txBody>
-                  <a:tcPr marL="36000" marR="36000" marT="36000" marB="36000"/>
-                </a:tc>
-                <a:tc>
-                  <a:txBody>
-                    <a:bodyPr/>
-                    <a:lstStyle/>
-                    <a:p>
-                      <a:pPr>
-                        <a:defRPr sz="800">
-                          <a:solidFill>
-                            <a:srgbClr val="0B0B0B"/>
-                          </a:solidFill>
-                          <a:latin typeface="Arial"/>
-                        </a:defRPr>
-                      </a:pPr>
-                      <a:r>
-                        <a:t>1078592.0</a:t>
+                        <a:t>284727.0</a:t>
                       </a:r>
                       <a:endParaRPr lang="es-ES_tradnl" sz="1100">
                         <a:latin typeface="Arial" charset="0"/>
@@ -5914,7 +5918,7 @@
                         </a:defRPr>
                       </a:pPr>
                       <a:r>
-                        <a:t>Iztacalco</a:t>
+                        <a:t>Calvillo</a:t>
                       </a:r>
                       <a:endParaRPr lang="es-ES_tradnl" sz="1100">
                         <a:latin typeface="Arial" charset="0"/>
@@ -5939,7 +5943,7 @@
                         </a:defRPr>
                       </a:pPr>
                       <a:r>
-                        <a:t>111.0</a:t>
+                        <a:t>0.0</a:t>
                       </a:r>
                       <a:endParaRPr lang="es-ES_tradnl" sz="1100">
                         <a:latin typeface="Arial" charset="0"/>
@@ -5964,33 +5968,33 @@
                         </a:defRPr>
                       </a:pPr>
                       <a:r>
-                        <a:t>112.0</a:t>
-                      </a:r>
-                      <a:endParaRPr lang="es-ES_tradnl" sz="1100" dirty="0">
-                        <a:latin typeface="Arial" charset="0"/>
-                        <a:ea typeface="Arial" charset="0"/>
-                        <a:cs typeface="Arial" charset="0"/>
-                      </a:endParaRPr>
-                    </a:p>
-                  </a:txBody>
-                  <a:tcPr marL="36000" marR="36000" marT="36000" marB="36000"/>
-                </a:tc>
-                <a:tc>
-                  <a:txBody>
-                    <a:bodyPr/>
-                    <a:lstStyle/>
-                    <a:p>
-                      <a:pPr>
-                        <a:defRPr sz="800">
-                          <a:solidFill>
-                            <a:srgbClr val="0B0B0B"/>
-                          </a:solidFill>
-                          <a:latin typeface="Arial"/>
-                        </a:defRPr>
-                      </a:pPr>
-                      <a:r>
                         <a:t>0.0</a:t>
                       </a:r>
+                      <a:endParaRPr lang="es-ES_tradnl" sz="1100" dirty="0">
+                        <a:latin typeface="Arial" charset="0"/>
+                        <a:ea typeface="Arial" charset="0"/>
+                        <a:cs typeface="Arial" charset="0"/>
+                      </a:endParaRPr>
+                    </a:p>
+                  </a:txBody>
+                  <a:tcPr marL="36000" marR="36000" marT="36000" marB="36000"/>
+                </a:tc>
+                <a:tc>
+                  <a:txBody>
+                    <a:bodyPr/>
+                    <a:lstStyle/>
+                    <a:p>
+                      <a:pPr>
+                        <a:defRPr sz="800">
+                          <a:solidFill>
+                            <a:srgbClr val="0B0B0B"/>
+                          </a:solidFill>
+                          <a:latin typeface="Arial"/>
+                        </a:defRPr>
+                      </a:pPr>
+                      <a:r>
+                        <a:t>0.0</a:t>
+                      </a:r>
                       <a:endParaRPr lang="es-ES_tradnl" sz="1100">
                         <a:latin typeface="Arial" charset="0"/>
                         <a:ea typeface="Arial" charset="0"/>
@@ -6014,8 +6018,58 @@
                         </a:defRPr>
                       </a:pPr>
                       <a:r>
+                        <a:t>16.0</a:t>
+                      </a:r>
+                      <a:endParaRPr lang="es-ES_tradnl" sz="1100">
+                        <a:latin typeface="Arial" charset="0"/>
+                        <a:ea typeface="Arial" charset="0"/>
+                        <a:cs typeface="Arial" charset="0"/>
+                      </a:endParaRPr>
+                    </a:p>
+                  </a:txBody>
+                  <a:tcPr marL="36000" marR="36000" marT="36000" marB="36000"/>
+                </a:tc>
+                <a:tc>
+                  <a:txBody>
+                    <a:bodyPr/>
+                    <a:lstStyle/>
+                    <a:p>
+                      <a:pPr>
+                        <a:defRPr sz="800">
+                          <a:solidFill>
+                            <a:srgbClr val="0B0B0B"/>
+                          </a:solidFill>
+                          <a:latin typeface="Arial"/>
+                        </a:defRPr>
+                      </a:pPr>
+                      <a:r>
                         <a:t>0.0</a:t>
                       </a:r>
+                      <a:endParaRPr lang="es-ES_tradnl" sz="1100" dirty="0">
+                        <a:latin typeface="Arial" charset="0"/>
+                        <a:ea typeface="Arial" charset="0"/>
+                        <a:cs typeface="Arial" charset="0"/>
+                      </a:endParaRPr>
+                    </a:p>
+                  </a:txBody>
+                  <a:tcPr marL="36000" marR="36000" marT="36000" marB="36000"/>
+                </a:tc>
+                <a:tc>
+                  <a:txBody>
+                    <a:bodyPr/>
+                    <a:lstStyle/>
+                    <a:p>
+                      <a:pPr>
+                        <a:defRPr sz="800">
+                          <a:solidFill>
+                            <a:srgbClr val="0B0B0B"/>
+                          </a:solidFill>
+                          <a:latin typeface="Arial"/>
+                        </a:defRPr>
+                      </a:pPr>
+                      <a:r>
+                        <a:t>0.0</a:t>
+                      </a:r>
                       <a:endParaRPr lang="es-ES_tradnl" sz="1100">
                         <a:latin typeface="Arial" charset="0"/>
                         <a:ea typeface="Arial" charset="0"/>
@@ -6091,7 +6145,7 @@
                       <a:r>
                         <a:t>0.0</a:t>
                       </a:r>
-                      <a:endParaRPr lang="es-ES_tradnl" sz="1100" dirty="0">
+                      <a:endParaRPr lang="es-ES_tradnl" sz="1100">
                         <a:latin typeface="Arial" charset="0"/>
                         <a:ea typeface="Arial" charset="0"/>
                         <a:cs typeface="Arial" charset="0"/>
@@ -6166,105 +6220,55 @@
                       <a:r>
                         <a:t>0.0</a:t>
                       </a:r>
-                      <a:endParaRPr lang="es-ES_tradnl" sz="1100">
-                        <a:latin typeface="Arial" charset="0"/>
-                        <a:ea typeface="Arial" charset="0"/>
-                        <a:cs typeface="Arial" charset="0"/>
-                      </a:endParaRPr>
-                    </a:p>
-                  </a:txBody>
-                  <a:tcPr marL="36000" marR="36000" marT="36000" marB="36000"/>
-                </a:tc>
-                <a:tc>
-                  <a:txBody>
-                    <a:bodyPr/>
-                    <a:lstStyle/>
-                    <a:p>
-                      <a:pPr>
-                        <a:defRPr sz="800">
-                          <a:solidFill>
-                            <a:srgbClr val="0B0B0B"/>
-                          </a:solidFill>
-                          <a:latin typeface="Arial"/>
-                        </a:defRPr>
-                      </a:pPr>
-                      <a:r>
-                        <a:t>0.0</a:t>
-                      </a:r>
-                      <a:endParaRPr lang="es-ES_tradnl" sz="1100">
-                        <a:latin typeface="Arial" charset="0"/>
-                        <a:ea typeface="Arial" charset="0"/>
-                        <a:cs typeface="Arial" charset="0"/>
-                      </a:endParaRPr>
-                    </a:p>
-                  </a:txBody>
-                  <a:tcPr marL="36000" marR="36000" marT="36000" marB="36000"/>
-                </a:tc>
-                <a:tc>
-                  <a:txBody>
-                    <a:bodyPr/>
-                    <a:lstStyle/>
-                    <a:p>
-                      <a:pPr>
-                        <a:defRPr sz="800">
-                          <a:solidFill>
-                            <a:srgbClr val="0B0B0B"/>
-                          </a:solidFill>
-                          <a:latin typeface="Arial"/>
-                        </a:defRPr>
-                      </a:pPr>
-                      <a:r>
-                        <a:t>0.0</a:t>
-                      </a:r>
-                      <a:endParaRPr lang="es-ES_tradnl" sz="1100" dirty="0">
-                        <a:latin typeface="Arial" charset="0"/>
-                        <a:ea typeface="Arial" charset="0"/>
-                        <a:cs typeface="Arial" charset="0"/>
-                      </a:endParaRPr>
-                    </a:p>
-                  </a:txBody>
-                  <a:tcPr marL="36000" marR="36000" marT="36000" marB="36000"/>
-                </a:tc>
-                <a:tc>
-                  <a:txBody>
-                    <a:bodyPr/>
-                    <a:lstStyle/>
-                    <a:p>
-                      <a:pPr>
-                        <a:defRPr sz="800">
-                          <a:solidFill>
-                            <a:srgbClr val="0B0B0B"/>
-                          </a:solidFill>
-                          <a:latin typeface="Arial"/>
-                        </a:defRPr>
-                      </a:pPr>
-                      <a:r>
-                        <a:t>223.0</a:t>
-                      </a:r>
-                      <a:endParaRPr lang="es-ES_tradnl" sz="1100" dirty="0">
-                        <a:latin typeface="Arial" charset="0"/>
-                        <a:ea typeface="Arial" charset="0"/>
-                        <a:cs typeface="Arial" charset="0"/>
-                      </a:endParaRPr>
-                    </a:p>
-                  </a:txBody>
-                  <a:tcPr marL="36000" marR="36000" marT="36000" marB="36000"/>
-                </a:tc>
-                <a:tc>
-                  <a:txBody>
-                    <a:bodyPr/>
-                    <a:lstStyle/>
-                    <a:p>
-                      <a:pPr>
-                        <a:defRPr sz="800">
-                          <a:solidFill>
-                            <a:srgbClr val="0B0B0B"/>
-                          </a:solidFill>
-                          <a:latin typeface="Arial"/>
-                        </a:defRPr>
-                      </a:pPr>
-                      <a:r>
-                        <a:t>197801.0</a:t>
+                      <a:endParaRPr lang="es-ES_tradnl" sz="1100" dirty="0">
+                        <a:latin typeface="Arial" charset="0"/>
+                        <a:ea typeface="Arial" charset="0"/>
+                        <a:cs typeface="Arial" charset="0"/>
+                      </a:endParaRPr>
+                    </a:p>
+                  </a:txBody>
+                  <a:tcPr marL="36000" marR="36000" marT="36000" marB="36000"/>
+                </a:tc>
+                <a:tc>
+                  <a:txBody>
+                    <a:bodyPr/>
+                    <a:lstStyle/>
+                    <a:p>
+                      <a:pPr>
+                        <a:defRPr sz="800">
+                          <a:solidFill>
+                            <a:srgbClr val="0B0B0B"/>
+                          </a:solidFill>
+                          <a:latin typeface="Arial"/>
+                        </a:defRPr>
+                      </a:pPr>
+                      <a:r>
+                        <a:t>16.0</a:t>
+                      </a:r>
+                      <a:endParaRPr lang="es-ES_tradnl" sz="1100" dirty="0">
+                        <a:latin typeface="Arial" charset="0"/>
+                        <a:ea typeface="Arial" charset="0"/>
+                        <a:cs typeface="Arial" charset="0"/>
+                      </a:endParaRPr>
+                    </a:p>
+                  </a:txBody>
+                  <a:tcPr marL="36000" marR="36000" marT="36000" marB="36000"/>
+                </a:tc>
+                <a:tc>
+                  <a:txBody>
+                    <a:bodyPr/>
+                    <a:lstStyle/>
+                    <a:p>
+                      <a:pPr>
+                        <a:defRPr sz="800">
+                          <a:solidFill>
+                            <a:srgbClr val="0B0B0B"/>
+                          </a:solidFill>
+                          <a:latin typeface="Arial"/>
+                        </a:defRPr>
+                      </a:pPr>
+                      <a:r>
+                        <a:t>14192.0</a:t>
                       </a:r>
                       <a:endParaRPr lang="es-ES_tradnl" sz="1100">
                         <a:latin typeface="Arial" charset="0"/>
@@ -6313,7 +6317,7 @@
                         </a:defRPr>
                       </a:pPr>
                       <a:r>
-                        <a:t>Iztapalapa</a:t>
+                        <a:t>Cosío</a:t>
                       </a:r>
                       <a:endParaRPr lang="es-ES_tradnl" sz="1100">
                         <a:latin typeface="Arial" charset="0"/>
@@ -6338,7 +6342,7 @@
                         </a:defRPr>
                       </a:pPr>
                       <a:r>
-                        <a:t>443.0</a:t>
+                        <a:t>0.0</a:t>
                       </a:r>
                       <a:endParaRPr lang="es-ES_tradnl" sz="1100">
                         <a:latin typeface="Arial" charset="0"/>
@@ -6363,9 +6367,84 @@
                         </a:defRPr>
                       </a:pPr>
                       <a:r>
-                        <a:t>450.0</a:t>
-                      </a:r>
-                      <a:endParaRPr lang="es-ES_tradnl" sz="1100" dirty="0">
+                        <a:t>34.0</a:t>
+                      </a:r>
+                      <a:endParaRPr lang="es-ES_tradnl" sz="1100" dirty="0">
+                        <a:latin typeface="Arial" charset="0"/>
+                        <a:ea typeface="Arial" charset="0"/>
+                        <a:cs typeface="Arial" charset="0"/>
+                      </a:endParaRPr>
+                    </a:p>
+                  </a:txBody>
+                  <a:tcPr marL="36000" marR="36000" marT="36000" marB="36000"/>
+                </a:tc>
+                <a:tc>
+                  <a:txBody>
+                    <a:bodyPr/>
+                    <a:lstStyle/>
+                    <a:p>
+                      <a:pPr>
+                        <a:defRPr sz="800">
+                          <a:solidFill>
+                            <a:srgbClr val="0B0B0B"/>
+                          </a:solidFill>
+                          <a:latin typeface="Arial"/>
+                        </a:defRPr>
+                      </a:pPr>
+                      <a:r>
+                        <a:t>34.0</a:t>
+                      </a:r>
+                      <a:endParaRPr lang="es-ES_tradnl" sz="1100" dirty="0">
+                        <a:latin typeface="Arial" charset="0"/>
+                        <a:ea typeface="Arial" charset="0"/>
+                        <a:cs typeface="Arial" charset="0"/>
+                      </a:endParaRPr>
+                    </a:p>
+                  </a:txBody>
+                  <a:tcPr marL="36000" marR="36000" marT="36000" marB="36000"/>
+                </a:tc>
+                <a:tc>
+                  <a:txBody>
+                    <a:bodyPr/>
+                    <a:lstStyle/>
+                    <a:p>
+                      <a:pPr>
+                        <a:defRPr sz="800">
+                          <a:solidFill>
+                            <a:srgbClr val="0B0B0B"/>
+                          </a:solidFill>
+                          <a:latin typeface="Arial"/>
+                        </a:defRPr>
+                      </a:pPr>
+                      <a:r>
+                        <a:t>67.0</a:t>
+                      </a:r>
+                      <a:endParaRPr lang="es-ES_tradnl" sz="1100">
+                        <a:latin typeface="Arial" charset="0"/>
+                        <a:ea typeface="Arial" charset="0"/>
+                        <a:cs typeface="Arial" charset="0"/>
+                      </a:endParaRPr>
+                    </a:p>
+                  </a:txBody>
+                  <a:tcPr marL="36000" marR="36000" marT="36000" marB="36000"/>
+                </a:tc>
+                <a:tc>
+                  <a:txBody>
+                    <a:bodyPr/>
+                    <a:lstStyle/>
+                    <a:p>
+                      <a:pPr>
+                        <a:defRPr sz="800">
+                          <a:solidFill>
+                            <a:srgbClr val="0B0B0B"/>
+                          </a:solidFill>
+                          <a:latin typeface="Arial"/>
+                        </a:defRPr>
+                      </a:pPr>
+                      <a:r>
+                        <a:t>98.0</a:t>
+                      </a:r>
+                      <a:endParaRPr lang="es-ES_tradnl" sz="1100">
                         <a:latin typeface="Arial" charset="0"/>
                         <a:ea typeface="Arial" charset="0"/>
                         <a:cs typeface="Arial" charset="0"/>
@@ -6465,7 +6544,7 @@
                       <a:r>
                         <a:t>0.0</a:t>
                       </a:r>
-                      <a:endParaRPr lang="es-ES_tradnl" sz="1100" dirty="0">
+                      <a:endParaRPr lang="es-ES_tradnl" sz="1100">
                         <a:latin typeface="Arial" charset="0"/>
                         <a:ea typeface="Arial" charset="0"/>
                         <a:cs typeface="Arial" charset="0"/>
@@ -6540,6 +6619,31 @@
                       <a:r>
                         <a:t>0.0</a:t>
                       </a:r>
+                      <a:endParaRPr lang="es-ES_tradnl" sz="1100" dirty="0">
+                        <a:latin typeface="Arial" charset="0"/>
+                        <a:ea typeface="Arial" charset="0"/>
+                        <a:cs typeface="Arial" charset="0"/>
+                      </a:endParaRPr>
+                    </a:p>
+                  </a:txBody>
+                  <a:tcPr marL="36000" marR="36000" marT="36000" marB="36000"/>
+                </a:tc>
+                <a:tc>
+                  <a:txBody>
+                    <a:bodyPr/>
+                    <a:lstStyle/>
+                    <a:p>
+                      <a:pPr>
+                        <a:defRPr sz="800">
+                          <a:solidFill>
+                            <a:srgbClr val="0B0B0B"/>
+                          </a:solidFill>
+                          <a:latin typeface="Arial"/>
+                        </a:defRPr>
+                      </a:pPr>
+                      <a:r>
+                        <a:t>233.0</a:t>
+                      </a:r>
                       <a:endParaRPr lang="es-ES_tradnl" sz="1100">
                         <a:latin typeface="Arial" charset="0"/>
                         <a:ea typeface="Arial" charset="0"/>
@@ -6563,107 +6667,7 @@
                         </a:defRPr>
                       </a:pPr>
                       <a:r>
-                        <a:t>0.0</a:t>
-                      </a:r>
-                      <a:endParaRPr lang="es-ES_tradnl" sz="1100">
-                        <a:latin typeface="Arial" charset="0"/>
-                        <a:ea typeface="Arial" charset="0"/>
-                        <a:cs typeface="Arial" charset="0"/>
-                      </a:endParaRPr>
-                    </a:p>
-                  </a:txBody>
-                  <a:tcPr marL="36000" marR="36000" marT="36000" marB="36000"/>
-                </a:tc>
-                <a:tc>
-                  <a:txBody>
-                    <a:bodyPr/>
-                    <a:lstStyle/>
-                    <a:p>
-                      <a:pPr>
-                        <a:defRPr sz="800">
-                          <a:solidFill>
-                            <a:srgbClr val="0B0B0B"/>
-                          </a:solidFill>
-                          <a:latin typeface="Arial"/>
-                        </a:defRPr>
-                      </a:pPr>
-                      <a:r>
-                        <a:t>0.0</a:t>
-                      </a:r>
-                      <a:endParaRPr lang="es-ES_tradnl" sz="1100">
-                        <a:latin typeface="Arial" charset="0"/>
-                        <a:ea typeface="Arial" charset="0"/>
-                        <a:cs typeface="Arial" charset="0"/>
-                      </a:endParaRPr>
-                    </a:p>
-                  </a:txBody>
-                  <a:tcPr marL="36000" marR="36000" marT="36000" marB="36000"/>
-                </a:tc>
-                <a:tc>
-                  <a:txBody>
-                    <a:bodyPr/>
-                    <a:lstStyle/>
-                    <a:p>
-                      <a:pPr>
-                        <a:defRPr sz="800">
-                          <a:solidFill>
-                            <a:srgbClr val="0B0B0B"/>
-                          </a:solidFill>
-                          <a:latin typeface="Arial"/>
-                        </a:defRPr>
-                      </a:pPr>
-                      <a:r>
-                        <a:t>0.0</a:t>
-                      </a:r>
-                      <a:endParaRPr lang="es-ES_tradnl" sz="1100" dirty="0">
-                        <a:latin typeface="Arial" charset="0"/>
-                        <a:ea typeface="Arial" charset="0"/>
-                        <a:cs typeface="Arial" charset="0"/>
-                      </a:endParaRPr>
-                    </a:p>
-                  </a:txBody>
-                  <a:tcPr marL="36000" marR="36000" marT="36000" marB="36000"/>
-                </a:tc>
-                <a:tc>
-                  <a:txBody>
-                    <a:bodyPr/>
-                    <a:lstStyle/>
-                    <a:p>
-                      <a:pPr>
-                        <a:defRPr sz="800">
-                          <a:solidFill>
-                            <a:srgbClr val="0B0B0B"/>
-                          </a:solidFill>
-                          <a:latin typeface="Arial"/>
-                        </a:defRPr>
-                      </a:pPr>
-                      <a:r>
-                        <a:t>893.0</a:t>
-                      </a:r>
-                      <a:endParaRPr lang="es-ES_tradnl" sz="1100">
-                        <a:latin typeface="Arial" charset="0"/>
-                        <a:ea typeface="Arial" charset="0"/>
-                        <a:cs typeface="Arial" charset="0"/>
-                      </a:endParaRPr>
-                    </a:p>
-                  </a:txBody>
-                  <a:tcPr marL="36000" marR="36000" marT="36000" marB="36000"/>
-                </a:tc>
-                <a:tc>
-                  <a:txBody>
-                    <a:bodyPr/>
-                    <a:lstStyle/>
-                    <a:p>
-                      <a:pPr>
-                        <a:defRPr sz="800">
-                          <a:solidFill>
-                            <a:srgbClr val="0B0B0B"/>
-                          </a:solidFill>
-                          <a:latin typeface="Arial"/>
-                        </a:defRPr>
-                      </a:pPr>
-                      <a:r>
-                        <a:t>792091.0</a:t>
+                        <a:t>206671.0</a:t>
                       </a:r>
                       <a:endParaRPr lang="es-ES_tradnl" sz="1100">
                         <a:latin typeface="Arial" charset="0"/>
@@ -6712,7 +6716,7 @@
                         </a:defRPr>
                       </a:pPr>
                       <a:r>
-                        <a:t>La Magdalena Contreras</a:t>
+                        <a:t>Jesús María</a:t>
                       </a:r>
                       <a:endParaRPr lang="es-ES_tradnl" sz="1100">
                         <a:latin typeface="Arial" charset="0"/>
@@ -6737,7 +6741,7 @@
                         </a:defRPr>
                       </a:pPr>
                       <a:r>
-                        <a:t>103.0</a:t>
+                        <a:t>39.0</a:t>
                       </a:r>
                       <a:endParaRPr lang="es-ES_tradnl" sz="1100">
                         <a:latin typeface="Arial" charset="0"/>
@@ -6762,7 +6766,7 @@
                         </a:defRPr>
                       </a:pPr>
                       <a:r>
-                        <a:t>104.0</a:t>
+                        <a:t>39.0</a:t>
                       </a:r>
                       <a:endParaRPr lang="es-ES_tradnl" sz="1100">
                         <a:latin typeface="Arial" charset="0"/>
@@ -7037,32 +7041,32 @@
                         </a:defRPr>
                       </a:pPr>
                       <a:r>
-                        <a:t>207.0</a:t>
-                      </a:r>
-                      <a:endParaRPr lang="es-ES_tradnl" sz="1100" dirty="0">
-                        <a:latin typeface="Arial" charset="0"/>
-                        <a:ea typeface="Arial" charset="0"/>
-                        <a:cs typeface="Arial" charset="0"/>
-                      </a:endParaRPr>
-                    </a:p>
-                  </a:txBody>
-                  <a:tcPr marL="36000" marR="36000" marT="36000" marB="36000"/>
-                </a:tc>
-                <a:tc>
-                  <a:txBody>
-                    <a:bodyPr/>
-                    <a:lstStyle/>
-                    <a:p>
-                      <a:pPr>
-                        <a:defRPr sz="800">
-                          <a:solidFill>
-                            <a:srgbClr val="0B0B0B"/>
-                          </a:solidFill>
-                          <a:latin typeface="Arial"/>
-                        </a:defRPr>
-                      </a:pPr>
-                      <a:r>
-                        <a:t>183609.0</a:t>
+                        <a:t>78.0</a:t>
+                      </a:r>
+                      <a:endParaRPr lang="es-ES_tradnl" sz="1100" dirty="0">
+                        <a:latin typeface="Arial" charset="0"/>
+                        <a:ea typeface="Arial" charset="0"/>
+                        <a:cs typeface="Arial" charset="0"/>
+                      </a:endParaRPr>
+                    </a:p>
+                  </a:txBody>
+                  <a:tcPr marL="36000" marR="36000" marT="36000" marB="36000"/>
+                </a:tc>
+                <a:tc>
+                  <a:txBody>
+                    <a:bodyPr/>
+                    <a:lstStyle/>
+                    <a:p>
+                      <a:pPr>
+                        <a:defRPr sz="800">
+                          <a:solidFill>
+                            <a:srgbClr val="0B0B0B"/>
+                          </a:solidFill>
+                          <a:latin typeface="Arial"/>
+                        </a:defRPr>
+                      </a:pPr>
+                      <a:r>
+                        <a:t>69186.0</a:t>
                       </a:r>
                       <a:endParaRPr lang="es-ES_tradnl" sz="1100">
                         <a:latin typeface="Arial" charset="0"/>
@@ -7111,32 +7115,32 @@
                         </a:defRPr>
                       </a:pPr>
                       <a:r>
-                        <a:t>Tlalpan</a:t>
-                      </a:r>
-                      <a:endParaRPr lang="es-ES_tradnl" sz="1100" dirty="0">
-                        <a:latin typeface="Arial" charset="0"/>
-                        <a:ea typeface="Arial" charset="0"/>
-                        <a:cs typeface="Arial" charset="0"/>
-                      </a:endParaRPr>
-                    </a:p>
-                  </a:txBody>
-                  <a:tcPr marL="36000" marR="36000" marT="36000" marB="36000"/>
-                </a:tc>
-                <a:tc>
-                  <a:txBody>
-                    <a:bodyPr/>
-                    <a:lstStyle/>
-                    <a:p>
-                      <a:pPr>
-                        <a:defRPr sz="800">
-                          <a:solidFill>
-                            <a:srgbClr val="0B0B0B"/>
-                          </a:solidFill>
-                          <a:latin typeface="Arial"/>
-                        </a:defRPr>
-                      </a:pPr>
-                      <a:r>
-                        <a:t>425.0</a:t>
+                        <a:t>Pabellón de Arteaga</a:t>
+                      </a:r>
+                      <a:endParaRPr lang="es-ES_tradnl" sz="1100" dirty="0">
+                        <a:latin typeface="Arial" charset="0"/>
+                        <a:ea typeface="Arial" charset="0"/>
+                        <a:cs typeface="Arial" charset="0"/>
+                      </a:endParaRPr>
+                    </a:p>
+                  </a:txBody>
+                  <a:tcPr marL="36000" marR="36000" marT="36000" marB="36000"/>
+                </a:tc>
+                <a:tc>
+                  <a:txBody>
+                    <a:bodyPr/>
+                    <a:lstStyle/>
+                    <a:p>
+                      <a:pPr>
+                        <a:defRPr sz="800">
+                          <a:solidFill>
+                            <a:srgbClr val="0B0B0B"/>
+                          </a:solidFill>
+                          <a:latin typeface="Arial"/>
+                        </a:defRPr>
+                      </a:pPr>
+                      <a:r>
+                        <a:t>70.0</a:t>
                       </a:r>
                       <a:endParaRPr lang="es-ES_tradnl" sz="1100">
                         <a:latin typeface="Arial" charset="0"/>
@@ -7161,7 +7165,7 @@
                         </a:defRPr>
                       </a:pPr>
                       <a:r>
-                        <a:t>434.0</a:t>
+                        <a:t>70.0</a:t>
                       </a:r>
                       <a:endParaRPr lang="es-ES_tradnl" sz="1100" dirty="0">
                         <a:latin typeface="Arial" charset="0"/>
@@ -7436,32 +7440,32 @@
                         </a:defRPr>
                       </a:pPr>
                       <a:r>
-                        <a:t>859.0</a:t>
-                      </a:r>
-                      <a:endParaRPr lang="es-ES_tradnl" sz="1100" dirty="0">
-                        <a:latin typeface="Arial" charset="0"/>
-                        <a:ea typeface="Arial" charset="0"/>
-                        <a:cs typeface="Arial" charset="0"/>
-                      </a:endParaRPr>
-                    </a:p>
-                  </a:txBody>
-                  <a:tcPr marL="36000" marR="36000" marT="36000" marB="36000"/>
-                </a:tc>
-                <a:tc>
-                  <a:txBody>
-                    <a:bodyPr/>
-                    <a:lstStyle/>
-                    <a:p>
-                      <a:pPr>
-                        <a:defRPr sz="800">
-                          <a:solidFill>
-                            <a:srgbClr val="0B0B0B"/>
-                          </a:solidFill>
-                          <a:latin typeface="Arial"/>
-                        </a:defRPr>
-                      </a:pPr>
-                      <a:r>
-                        <a:t>761933.0</a:t>
+                        <a:t>140.0</a:t>
+                      </a:r>
+                      <a:endParaRPr lang="es-ES_tradnl" sz="1100" dirty="0">
+                        <a:latin typeface="Arial" charset="0"/>
+                        <a:ea typeface="Arial" charset="0"/>
+                        <a:cs typeface="Arial" charset="0"/>
+                      </a:endParaRPr>
+                    </a:p>
+                  </a:txBody>
+                  <a:tcPr marL="36000" marR="36000" marT="36000" marB="36000"/>
+                </a:tc>
+                <a:tc>
+                  <a:txBody>
+                    <a:bodyPr/>
+                    <a:lstStyle/>
+                    <a:p>
+                      <a:pPr>
+                        <a:defRPr sz="800">
+                          <a:solidFill>
+                            <a:srgbClr val="0B0B0B"/>
+                          </a:solidFill>
+                          <a:latin typeface="Arial"/>
+                        </a:defRPr>
+                      </a:pPr>
+                      <a:r>
+                        <a:t>124180.0</a:t>
                       </a:r>
                       <a:endParaRPr lang="es-ES_tradnl" sz="1100" dirty="0">
                         <a:latin typeface="Arial" charset="0"/>
@@ -7510,32 +7514,32 @@
                         </a:defRPr>
                       </a:pPr>
                       <a:r>
-                        <a:t>Xochimilco</a:t>
-                      </a:r>
-                      <a:endParaRPr lang="es-ES_tradnl" sz="1100" dirty="0">
-                        <a:latin typeface="Arial" charset="0"/>
-                        <a:ea typeface="Arial" charset="0"/>
-                        <a:cs typeface="Arial" charset="0"/>
-                      </a:endParaRPr>
-                    </a:p>
-                  </a:txBody>
-                  <a:tcPr marL="36000" marR="36000" marT="36000" marB="36000"/>
-                </a:tc>
-                <a:tc>
-                  <a:txBody>
-                    <a:bodyPr/>
-                    <a:lstStyle/>
-                    <a:p>
-                      <a:pPr>
-                        <a:defRPr sz="800">
-                          <a:solidFill>
-                            <a:srgbClr val="0B0B0B"/>
-                          </a:solidFill>
-                          <a:latin typeface="Arial"/>
-                        </a:defRPr>
-                      </a:pPr>
-                      <a:r>
-                        <a:t>102.0</a:t>
+                        <a:t>Rincón de Romos</a:t>
+                      </a:r>
+                      <a:endParaRPr lang="es-ES_tradnl" sz="1100" dirty="0">
+                        <a:latin typeface="Arial" charset="0"/>
+                        <a:ea typeface="Arial" charset="0"/>
+                        <a:cs typeface="Arial" charset="0"/>
+                      </a:endParaRPr>
+                    </a:p>
+                  </a:txBody>
+                  <a:tcPr marL="36000" marR="36000" marT="36000" marB="36000"/>
+                </a:tc>
+                <a:tc>
+                  <a:txBody>
+                    <a:bodyPr/>
+                    <a:lstStyle/>
+                    <a:p>
+                      <a:pPr>
+                        <a:defRPr sz="800">
+                          <a:solidFill>
+                            <a:srgbClr val="0B0B0B"/>
+                          </a:solidFill>
+                          <a:latin typeface="Arial"/>
+                        </a:defRPr>
+                      </a:pPr>
+                      <a:r>
+                        <a:t>67.0</a:t>
                       </a:r>
                       <a:endParaRPr lang="es-ES_tradnl" sz="1100">
                         <a:latin typeface="Arial" charset="0"/>
@@ -7560,7 +7564,7 @@
                         </a:defRPr>
                       </a:pPr>
                       <a:r>
-                        <a:t>102.0</a:t>
+                        <a:t>68.0</a:t>
                       </a:r>
                       <a:endParaRPr lang="es-ES_tradnl" sz="1100" dirty="0">
                         <a:latin typeface="Arial" charset="0"/>
@@ -7610,6 +7614,56 @@
                         </a:defRPr>
                       </a:pPr>
                       <a:r>
+                        <a:t>15.0</a:t>
+                      </a:r>
+                      <a:endParaRPr lang="es-ES_tradnl" sz="1100" dirty="0">
+                        <a:latin typeface="Arial" charset="0"/>
+                        <a:ea typeface="Arial" charset="0"/>
+                        <a:cs typeface="Arial" charset="0"/>
+                      </a:endParaRPr>
+                    </a:p>
+                  </a:txBody>
+                  <a:tcPr marL="36000" marR="36000" marT="36000" marB="36000"/>
+                </a:tc>
+                <a:tc>
+                  <a:txBody>
+                    <a:bodyPr/>
+                    <a:lstStyle/>
+                    <a:p>
+                      <a:pPr>
+                        <a:defRPr sz="800">
+                          <a:solidFill>
+                            <a:srgbClr val="0B0B0B"/>
+                          </a:solidFill>
+                          <a:latin typeface="Arial"/>
+                        </a:defRPr>
+                      </a:pPr>
+                      <a:r>
+                        <a:t>35.0</a:t>
+                      </a:r>
+                      <a:endParaRPr lang="es-ES_tradnl" sz="1100" dirty="0">
+                        <a:latin typeface="Arial" charset="0"/>
+                        <a:ea typeface="Arial" charset="0"/>
+                        <a:cs typeface="Arial" charset="0"/>
+                      </a:endParaRPr>
+                    </a:p>
+                  </a:txBody>
+                  <a:tcPr marL="36000" marR="36000" marT="36000" marB="36000"/>
+                </a:tc>
+                <a:tc>
+                  <a:txBody>
+                    <a:bodyPr/>
+                    <a:lstStyle/>
+                    <a:p>
+                      <a:pPr>
+                        <a:defRPr sz="800">
+                          <a:solidFill>
+                            <a:srgbClr val="0B0B0B"/>
+                          </a:solidFill>
+                          <a:latin typeface="Arial"/>
+                        </a:defRPr>
+                      </a:pPr>
+                      <a:r>
                         <a:t>0.0</a:t>
                       </a:r>
                       <a:endParaRPr lang="es-ES_tradnl" sz="1100" dirty="0">
@@ -7785,82 +7839,32 @@
                         </a:defRPr>
                       </a:pPr>
                       <a:r>
-                        <a:t>0.0</a:t>
-                      </a:r>
-                      <a:endParaRPr lang="es-ES_tradnl" sz="1100" dirty="0">
-                        <a:latin typeface="Arial" charset="0"/>
-                        <a:ea typeface="Arial" charset="0"/>
-                        <a:cs typeface="Arial" charset="0"/>
-                      </a:endParaRPr>
-                    </a:p>
-                  </a:txBody>
-                  <a:tcPr marL="36000" marR="36000" marT="36000" marB="36000"/>
-                </a:tc>
-                <a:tc>
-                  <a:txBody>
-                    <a:bodyPr/>
-                    <a:lstStyle/>
-                    <a:p>
-                      <a:pPr>
-                        <a:defRPr sz="800">
-                          <a:solidFill>
-                            <a:srgbClr val="0B0B0B"/>
-                          </a:solidFill>
-                          <a:latin typeface="Arial"/>
-                        </a:defRPr>
-                      </a:pPr>
-                      <a:r>
-                        <a:t>0.0</a:t>
-                      </a:r>
-                      <a:endParaRPr lang="es-ES_tradnl" sz="1100" dirty="0">
-                        <a:latin typeface="Arial" charset="0"/>
-                        <a:ea typeface="Arial" charset="0"/>
-                        <a:cs typeface="Arial" charset="0"/>
-                      </a:endParaRPr>
-                    </a:p>
-                  </a:txBody>
-                  <a:tcPr marL="36000" marR="36000" marT="36000" marB="36000"/>
-                </a:tc>
-                <a:tc>
-                  <a:txBody>
-                    <a:bodyPr/>
-                    <a:lstStyle/>
-                    <a:p>
-                      <a:pPr>
-                        <a:defRPr sz="800">
-                          <a:solidFill>
-                            <a:srgbClr val="0B0B0B"/>
-                          </a:solidFill>
-                          <a:latin typeface="Arial"/>
-                        </a:defRPr>
-                      </a:pPr>
-                      <a:r>
-                        <a:t>204.0</a:t>
-                      </a:r>
-                      <a:endParaRPr lang="es-ES_tradnl" sz="1100" dirty="0">
-                        <a:latin typeface="Arial" charset="0"/>
-                        <a:ea typeface="Arial" charset="0"/>
-                        <a:cs typeface="Arial" charset="0"/>
-                      </a:endParaRPr>
-                    </a:p>
-                  </a:txBody>
-                  <a:tcPr marL="36000" marR="36000" marT="36000" marB="36000"/>
-                </a:tc>
-                <a:tc>
-                  <a:txBody>
-                    <a:bodyPr/>
-                    <a:lstStyle/>
-                    <a:p>
-                      <a:pPr>
-                        <a:defRPr sz="800">
-                          <a:solidFill>
-                            <a:srgbClr val="0B0B0B"/>
-                          </a:solidFill>
-                          <a:latin typeface="Arial"/>
-                        </a:defRPr>
-                      </a:pPr>
-                      <a:r>
-                        <a:t>180948.0</a:t>
+                        <a:t>185.0</a:t>
+                      </a:r>
+                      <a:endParaRPr lang="es-ES_tradnl" sz="1100" dirty="0">
+                        <a:latin typeface="Arial" charset="0"/>
+                        <a:ea typeface="Arial" charset="0"/>
+                        <a:cs typeface="Arial" charset="0"/>
+                      </a:endParaRPr>
+                    </a:p>
+                  </a:txBody>
+                  <a:tcPr marL="36000" marR="36000" marT="36000" marB="36000"/>
+                </a:tc>
+                <a:tc>
+                  <a:txBody>
+                    <a:bodyPr/>
+                    <a:lstStyle/>
+                    <a:p>
+                      <a:pPr>
+                        <a:defRPr sz="800">
+                          <a:solidFill>
+                            <a:srgbClr val="0B0B0B"/>
+                          </a:solidFill>
+                          <a:latin typeface="Arial"/>
+                        </a:defRPr>
+                      </a:pPr>
+                      <a:r>
+                        <a:t>164095.0</a:t>
                       </a:r>
                       <a:endParaRPr lang="es-ES_tradnl" sz="1100" dirty="0">
                         <a:latin typeface="Arial" charset="0"/>
@@ -7909,32 +7913,32 @@
                         </a:defRPr>
                       </a:pPr>
                       <a:r>
-                        <a:t>Benito Juárez</a:t>
-                      </a:r>
-                      <a:endParaRPr lang="es-ES_tradnl" sz="1100" dirty="0">
-                        <a:latin typeface="Arial" charset="0"/>
-                        <a:ea typeface="Arial" charset="0"/>
-                        <a:cs typeface="Arial" charset="0"/>
-                      </a:endParaRPr>
-                    </a:p>
-                  </a:txBody>
-                  <a:tcPr marL="36000" marR="36000" marT="36000" marB="36000"/>
-                </a:tc>
-                <a:tc>
-                  <a:txBody>
-                    <a:bodyPr/>
-                    <a:lstStyle/>
-                    <a:p>
-                      <a:pPr>
-                        <a:defRPr sz="800">
-                          <a:solidFill>
-                            <a:srgbClr val="0B0B0B"/>
-                          </a:solidFill>
-                          <a:latin typeface="Arial"/>
-                        </a:defRPr>
-                      </a:pPr>
-                      <a:r>
-                        <a:t>991.0</a:t>
+                        <a:t>San Francisco de los Romo</a:t>
+                      </a:r>
+                      <a:endParaRPr lang="es-ES_tradnl" sz="1100" dirty="0">
+                        <a:latin typeface="Arial" charset="0"/>
+                        <a:ea typeface="Arial" charset="0"/>
+                        <a:cs typeface="Arial" charset="0"/>
+                      </a:endParaRPr>
+                    </a:p>
+                  </a:txBody>
+                  <a:tcPr marL="36000" marR="36000" marT="36000" marB="36000"/>
+                </a:tc>
+                <a:tc>
+                  <a:txBody>
+                    <a:bodyPr/>
+                    <a:lstStyle/>
+                    <a:p>
+                      <a:pPr>
+                        <a:defRPr sz="800">
+                          <a:solidFill>
+                            <a:srgbClr val="0B0B0B"/>
+                          </a:solidFill>
+                          <a:latin typeface="Arial"/>
+                        </a:defRPr>
+                      </a:pPr>
+                      <a:r>
+                        <a:t>0.0</a:t>
                       </a:r>
                       <a:endParaRPr lang="es-ES_tradnl" sz="1100">
                         <a:latin typeface="Arial" charset="0"/>
@@ -7959,31 +7963,6 @@
                         </a:defRPr>
                       </a:pPr>
                       <a:r>
-                        <a:t>1005.0</a:t>
-                      </a:r>
-                      <a:endParaRPr lang="es-ES_tradnl" sz="1100" dirty="0">
-                        <a:latin typeface="Arial" charset="0"/>
-                        <a:ea typeface="Arial" charset="0"/>
-                        <a:cs typeface="Arial" charset="0"/>
-                      </a:endParaRPr>
-                    </a:p>
-                  </a:txBody>
-                  <a:tcPr marL="36000" marR="36000" marT="36000" marB="36000"/>
-                </a:tc>
-                <a:tc>
-                  <a:txBody>
-                    <a:bodyPr/>
-                    <a:lstStyle/>
-                    <a:p>
-                      <a:pPr>
-                        <a:defRPr sz="800">
-                          <a:solidFill>
-                            <a:srgbClr val="0B0B0B"/>
-                          </a:solidFill>
-                          <a:latin typeface="Arial"/>
-                        </a:defRPr>
-                      </a:pPr>
-                      <a:r>
                         <a:t>0.0</a:t>
                       </a:r>
                       <a:endParaRPr lang="es-ES_tradnl" sz="1100" dirty="0">
@@ -8034,6 +8013,56 @@
                         </a:defRPr>
                       </a:pPr>
                       <a:r>
+                        <a:t>34.0</a:t>
+                      </a:r>
+                      <a:endParaRPr lang="es-ES_tradnl" sz="1100" dirty="0">
+                        <a:latin typeface="Arial" charset="0"/>
+                        <a:ea typeface="Arial" charset="0"/>
+                        <a:cs typeface="Arial" charset="0"/>
+                      </a:endParaRPr>
+                    </a:p>
+                  </a:txBody>
+                  <a:tcPr marL="36000" marR="36000" marT="36000" marB="36000"/>
+                </a:tc>
+                <a:tc>
+                  <a:txBody>
+                    <a:bodyPr/>
+                    <a:lstStyle/>
+                    <a:p>
+                      <a:pPr>
+                        <a:defRPr sz="800">
+                          <a:solidFill>
+                            <a:srgbClr val="0B0B0B"/>
+                          </a:solidFill>
+                          <a:latin typeface="Arial"/>
+                        </a:defRPr>
+                      </a:pPr>
+                      <a:r>
+                        <a:t>24.0</a:t>
+                      </a:r>
+                      <a:endParaRPr lang="es-ES_tradnl" sz="1100" dirty="0">
+                        <a:latin typeface="Arial" charset="0"/>
+                        <a:ea typeface="Arial" charset="0"/>
+                        <a:cs typeface="Arial" charset="0"/>
+                      </a:endParaRPr>
+                    </a:p>
+                  </a:txBody>
+                  <a:tcPr marL="36000" marR="36000" marT="36000" marB="36000"/>
+                </a:tc>
+                <a:tc>
+                  <a:txBody>
+                    <a:bodyPr/>
+                    <a:lstStyle/>
+                    <a:p>
+                      <a:pPr>
+                        <a:defRPr sz="800">
+                          <a:solidFill>
+                            <a:srgbClr val="0B0B0B"/>
+                          </a:solidFill>
+                          <a:latin typeface="Arial"/>
+                        </a:defRPr>
+                      </a:pPr>
+                      <a:r>
                         <a:t>0.0</a:t>
                       </a:r>
                       <a:endParaRPr lang="es-ES_tradnl" sz="1100" dirty="0">
@@ -8209,57 +8238,32 @@
                         </a:defRPr>
                       </a:pPr>
                       <a:r>
-                        <a:t>0.0</a:t>
-                      </a:r>
-                      <a:endParaRPr lang="es-ES_tradnl" sz="1100" dirty="0">
-                        <a:latin typeface="Arial" charset="0"/>
-                        <a:ea typeface="Arial" charset="0"/>
-                        <a:cs typeface="Arial" charset="0"/>
-                      </a:endParaRPr>
-                    </a:p>
-                  </a:txBody>
-                  <a:tcPr marL="36000" marR="36000" marT="36000" marB="36000"/>
-                </a:tc>
-                <a:tc>
-                  <a:txBody>
-                    <a:bodyPr/>
-                    <a:lstStyle/>
-                    <a:p>
-                      <a:pPr>
-                        <a:defRPr sz="800">
-                          <a:solidFill>
-                            <a:srgbClr val="0B0B0B"/>
-                          </a:solidFill>
-                          <a:latin typeface="Arial"/>
-                        </a:defRPr>
-                      </a:pPr>
-                      <a:r>
-                        <a:t>1996.0</a:t>
-                      </a:r>
-                      <a:endParaRPr lang="es-ES_tradnl" sz="1100" dirty="0">
-                        <a:latin typeface="Arial" charset="0"/>
-                        <a:ea typeface="Arial" charset="0"/>
-                        <a:cs typeface="Arial" charset="0"/>
-                      </a:endParaRPr>
-                    </a:p>
-                  </a:txBody>
-                  <a:tcPr marL="36000" marR="36000" marT="36000" marB="36000"/>
-                </a:tc>
-                <a:tc>
-                  <a:txBody>
-                    <a:bodyPr/>
-                    <a:lstStyle/>
-                    <a:p>
-                      <a:pPr>
-                        <a:defRPr sz="800">
-                          <a:solidFill>
-                            <a:srgbClr val="0B0B0B"/>
-                          </a:solidFill>
-                          <a:latin typeface="Arial"/>
-                        </a:defRPr>
-                      </a:pPr>
-                      <a:r>
-                        <a:t>1770452.0</a:t>
+                        <a:t>58.0</a:t>
+                      </a:r>
+                      <a:endParaRPr lang="es-ES_tradnl" sz="1100" dirty="0">
+                        <a:latin typeface="Arial" charset="0"/>
+                        <a:ea typeface="Arial" charset="0"/>
+                        <a:cs typeface="Arial" charset="0"/>
+                      </a:endParaRPr>
+                    </a:p>
+                  </a:txBody>
+                  <a:tcPr marL="36000" marR="36000" marT="36000" marB="36000"/>
+                </a:tc>
+                <a:tc>
+                  <a:txBody>
+                    <a:bodyPr/>
+                    <a:lstStyle/>
+                    <a:p>
+                      <a:pPr>
+                        <a:defRPr sz="800">
+                          <a:solidFill>
+                            <a:srgbClr val="0B0B0B"/>
+                          </a:solidFill>
+                          <a:latin typeface="Arial"/>
+                        </a:defRPr>
+                      </a:pPr>
+                      <a:r>
+                        <a:t>51446.0</a:t>
                       </a:r>
                       <a:endParaRPr lang="es-ES_tradnl" sz="1100" dirty="0">
                         <a:latin typeface="Arial" charset="0"/>
@@ -8277,64 +8281,34 @@
                     <a:bodyPr/>
                     <a:lstStyle/>
                     <a:p>
-                      <a:pPr>
-                        <a:defRPr sz="800">
-                          <a:solidFill>
-                            <a:srgbClr val="0B0B0B"/>
-                          </a:solidFill>
-                          <a:latin typeface="Arial"/>
-                        </a:defRPr>
-                      </a:pPr>
-                      <a:endParaRPr lang="es-ES_tradnl" sz="1100" dirty="0">
-                        <a:latin typeface="Arial" charset="0"/>
-                        <a:ea typeface="Arial" charset="0"/>
-                        <a:cs typeface="Arial" charset="0"/>
-                      </a:endParaRPr>
-                    </a:p>
-                  </a:txBody>
-                  <a:tcPr marL="36000" marR="36000" marT="36000" marB="36000"/>
-                </a:tc>
-                <a:tc>
-                  <a:txBody>
-                    <a:bodyPr/>
-                    <a:lstStyle/>
-                    <a:p>
-                      <a:pPr>
-                        <a:defRPr sz="800">
-                          <a:solidFill>
-                            <a:srgbClr val="0B0B0B"/>
-                          </a:solidFill>
-                          <a:latin typeface="Arial"/>
-                        </a:defRPr>
-                      </a:pPr>
-                      <a:r>
-                        <a:t>Cuauhtémoc</a:t>
-                      </a:r>
-                      <a:endParaRPr lang="es-ES_tradnl" sz="1100" dirty="0">
-                        <a:latin typeface="Arial" charset="0"/>
-                        <a:ea typeface="Arial" charset="0"/>
-                        <a:cs typeface="Arial" charset="0"/>
-                      </a:endParaRPr>
-                    </a:p>
-                  </a:txBody>
-                  <a:tcPr marL="36000" marR="36000" marT="36000" marB="36000"/>
-                </a:tc>
-                <a:tc>
-                  <a:txBody>
-                    <a:bodyPr/>
-                    <a:lstStyle/>
-                    <a:p>
-                      <a:pPr>
-                        <a:defRPr sz="800">
-                          <a:solidFill>
-                            <a:srgbClr val="0B0B0B"/>
-                          </a:solidFill>
-                          <a:latin typeface="Arial"/>
-                        </a:defRPr>
-                      </a:pPr>
-                      <a:r>
-                        <a:t>1445.0</a:t>
-                      </a:r>
+                      <a:endParaRPr lang="es-ES_tradnl" sz="1100" dirty="0">
+                        <a:latin typeface="Arial" charset="0"/>
+                        <a:ea typeface="Arial" charset="0"/>
+                        <a:cs typeface="Arial" charset="0"/>
+                      </a:endParaRPr>
+                    </a:p>
+                  </a:txBody>
+                  <a:tcPr marL="36000" marR="36000" marT="36000" marB="36000"/>
+                </a:tc>
+                <a:tc>
+                  <a:txBody>
+                    <a:bodyPr/>
+                    <a:lstStyle/>
+                    <a:p>
+                      <a:endParaRPr lang="es-ES_tradnl" sz="1100" dirty="0">
+                        <a:latin typeface="Arial" charset="0"/>
+                        <a:ea typeface="Arial" charset="0"/>
+                        <a:cs typeface="Arial" charset="0"/>
+                      </a:endParaRPr>
+                    </a:p>
+                  </a:txBody>
+                  <a:tcPr marL="36000" marR="36000" marT="36000" marB="36000"/>
+                </a:tc>
+                <a:tc>
+                  <a:txBody>
+                    <a:bodyPr/>
+                    <a:lstStyle/>
+                    <a:p>
                       <a:endParaRPr lang="es-ES_tradnl" sz="1100">
                         <a:latin typeface="Arial" charset="0"/>
                         <a:ea typeface="Arial" charset="0"/>
@@ -8349,317 +8323,174 @@
                     <a:bodyPr/>
                     <a:lstStyle/>
                     <a:p>
-                      <a:pPr>
-                        <a:defRPr sz="800">
-                          <a:solidFill>
-                            <a:srgbClr val="0B0B0B"/>
-                          </a:solidFill>
-                          <a:latin typeface="Arial"/>
-                        </a:defRPr>
-                      </a:pPr>
-                      <a:r>
-                        <a:t>1485.0</a:t>
-                      </a:r>
-                      <a:endParaRPr lang="es-ES_tradnl" sz="1100" dirty="0">
-                        <a:latin typeface="Arial" charset="0"/>
-                        <a:ea typeface="Arial" charset="0"/>
-                        <a:cs typeface="Arial" charset="0"/>
-                      </a:endParaRPr>
-                    </a:p>
-                  </a:txBody>
-                  <a:tcPr marL="36000" marR="36000" marT="36000" marB="36000"/>
-                </a:tc>
-                <a:tc>
-                  <a:txBody>
-                    <a:bodyPr/>
-                    <a:lstStyle/>
-                    <a:p>
-                      <a:pPr>
-                        <a:defRPr sz="800">
-                          <a:solidFill>
-                            <a:srgbClr val="0B0B0B"/>
-                          </a:solidFill>
-                          <a:latin typeface="Arial"/>
-                        </a:defRPr>
-                      </a:pPr>
-                      <a:r>
-                        <a:t>0.0</a:t>
-                      </a:r>
-                      <a:endParaRPr lang="es-ES_tradnl" sz="1100" dirty="0">
-                        <a:latin typeface="Arial" charset="0"/>
-                        <a:ea typeface="Arial" charset="0"/>
-                        <a:cs typeface="Arial" charset="0"/>
-                      </a:endParaRPr>
-                    </a:p>
-                  </a:txBody>
-                  <a:tcPr marL="36000" marR="36000" marT="36000" marB="36000"/>
-                </a:tc>
-                <a:tc>
-                  <a:txBody>
-                    <a:bodyPr/>
-                    <a:lstStyle/>
-                    <a:p>
-                      <a:pPr>
-                        <a:defRPr sz="800">
-                          <a:solidFill>
-                            <a:srgbClr val="0B0B0B"/>
-                          </a:solidFill>
-                          <a:latin typeface="Arial"/>
-                        </a:defRPr>
-                      </a:pPr>
-                      <a:r>
-                        <a:t>0.0</a:t>
-                      </a:r>
-                      <a:endParaRPr lang="es-ES_tradnl" sz="1100" dirty="0">
-                        <a:latin typeface="Arial" charset="0"/>
-                        <a:ea typeface="Arial" charset="0"/>
-                        <a:cs typeface="Arial" charset="0"/>
-                      </a:endParaRPr>
-                    </a:p>
-                  </a:txBody>
-                  <a:tcPr marL="36000" marR="36000" marT="36000" marB="36000"/>
-                </a:tc>
-                <a:tc>
-                  <a:txBody>
-                    <a:bodyPr/>
-                    <a:lstStyle/>
-                    <a:p>
-                      <a:pPr>
-                        <a:defRPr sz="800">
-                          <a:solidFill>
-                            <a:srgbClr val="0B0B0B"/>
-                          </a:solidFill>
-                          <a:latin typeface="Arial"/>
-                        </a:defRPr>
-                      </a:pPr>
-                      <a:r>
-                        <a:t>0.0</a:t>
-                      </a:r>
-                      <a:endParaRPr lang="es-ES_tradnl" sz="1100" dirty="0">
-                        <a:latin typeface="Arial" charset="0"/>
-                        <a:ea typeface="Arial" charset="0"/>
-                        <a:cs typeface="Arial" charset="0"/>
-                      </a:endParaRPr>
-                    </a:p>
-                  </a:txBody>
-                  <a:tcPr marL="36000" marR="36000" marT="36000" marB="36000"/>
-                </a:tc>
-                <a:tc>
-                  <a:txBody>
-                    <a:bodyPr/>
-                    <a:lstStyle/>
-                    <a:p>
-                      <a:pPr>
-                        <a:defRPr sz="800">
-                          <a:solidFill>
-                            <a:srgbClr val="0B0B0B"/>
-                          </a:solidFill>
-                          <a:latin typeface="Arial"/>
-                        </a:defRPr>
-                      </a:pPr>
-                      <a:r>
-                        <a:t>0.0</a:t>
-                      </a:r>
-                      <a:endParaRPr lang="es-ES_tradnl" sz="1100" dirty="0">
-                        <a:latin typeface="Arial" charset="0"/>
-                        <a:ea typeface="Arial" charset="0"/>
-                        <a:cs typeface="Arial" charset="0"/>
-                      </a:endParaRPr>
-                    </a:p>
-                  </a:txBody>
-                  <a:tcPr marL="36000" marR="36000" marT="36000" marB="36000"/>
-                </a:tc>
-                <a:tc>
-                  <a:txBody>
-                    <a:bodyPr/>
-                    <a:lstStyle/>
-                    <a:p>
-                      <a:pPr>
-                        <a:defRPr sz="800">
-                          <a:solidFill>
-                            <a:srgbClr val="0B0B0B"/>
-                          </a:solidFill>
-                          <a:latin typeface="Arial"/>
-                        </a:defRPr>
-                      </a:pPr>
-                      <a:r>
-                        <a:t>0.0</a:t>
-                      </a:r>
-                      <a:endParaRPr lang="es-ES_tradnl" sz="1100" dirty="0">
-                        <a:latin typeface="Arial" charset="0"/>
-                        <a:ea typeface="Arial" charset="0"/>
-                        <a:cs typeface="Arial" charset="0"/>
-                      </a:endParaRPr>
-                    </a:p>
-                  </a:txBody>
-                  <a:tcPr marL="36000" marR="36000" marT="36000" marB="36000"/>
-                </a:tc>
-                <a:tc>
-                  <a:txBody>
-                    <a:bodyPr/>
-                    <a:lstStyle/>
-                    <a:p>
-                      <a:pPr>
-                        <a:defRPr sz="800">
-                          <a:solidFill>
-                            <a:srgbClr val="0B0B0B"/>
-                          </a:solidFill>
-                          <a:latin typeface="Arial"/>
-                        </a:defRPr>
-                      </a:pPr>
-                      <a:r>
-                        <a:t>0.0</a:t>
-                      </a:r>
-                      <a:endParaRPr lang="es-ES_tradnl" sz="1100" dirty="0">
-                        <a:latin typeface="Arial" charset="0"/>
-                        <a:ea typeface="Arial" charset="0"/>
-                        <a:cs typeface="Arial" charset="0"/>
-                      </a:endParaRPr>
-                    </a:p>
-                  </a:txBody>
-                  <a:tcPr marL="36000" marR="36000" marT="36000" marB="36000"/>
-                </a:tc>
-                <a:tc>
-                  <a:txBody>
-                    <a:bodyPr/>
-                    <a:lstStyle/>
-                    <a:p>
-                      <a:pPr>
-                        <a:defRPr sz="800">
-                          <a:solidFill>
-                            <a:srgbClr val="0B0B0B"/>
-                          </a:solidFill>
-                          <a:latin typeface="Arial"/>
-                        </a:defRPr>
-                      </a:pPr>
-                      <a:r>
-                        <a:t>0.0</a:t>
-                      </a:r>
-                      <a:endParaRPr lang="es-ES_tradnl" sz="1100" dirty="0">
-                        <a:latin typeface="Arial" charset="0"/>
-                        <a:ea typeface="Arial" charset="0"/>
-                        <a:cs typeface="Arial" charset="0"/>
-                      </a:endParaRPr>
-                    </a:p>
-                  </a:txBody>
-                  <a:tcPr marL="36000" marR="36000" marT="36000" marB="36000"/>
-                </a:tc>
-                <a:tc>
-                  <a:txBody>
-                    <a:bodyPr/>
-                    <a:lstStyle/>
-                    <a:p>
-                      <a:pPr>
-                        <a:defRPr sz="800">
-                          <a:solidFill>
-                            <a:srgbClr val="0B0B0B"/>
-                          </a:solidFill>
-                          <a:latin typeface="Arial"/>
-                        </a:defRPr>
-                      </a:pPr>
-                      <a:r>
-                        <a:t>0.0</a:t>
-                      </a:r>
-                      <a:endParaRPr lang="es-ES_tradnl" sz="1100" dirty="0">
-                        <a:latin typeface="Arial" charset="0"/>
-                        <a:ea typeface="Arial" charset="0"/>
-                        <a:cs typeface="Arial" charset="0"/>
-                      </a:endParaRPr>
-                    </a:p>
-                  </a:txBody>
-                  <a:tcPr marL="36000" marR="36000" marT="36000" marB="36000"/>
-                </a:tc>
-                <a:tc>
-                  <a:txBody>
-                    <a:bodyPr/>
-                    <a:lstStyle/>
-                    <a:p>
-                      <a:pPr>
-                        <a:defRPr sz="800">
-                          <a:solidFill>
-                            <a:srgbClr val="0B0B0B"/>
-                          </a:solidFill>
-                          <a:latin typeface="Arial"/>
-                        </a:defRPr>
-                      </a:pPr>
-                      <a:r>
-                        <a:t>0.0</a:t>
-                      </a:r>
-                      <a:endParaRPr lang="es-ES_tradnl" sz="1100" dirty="0">
-                        <a:latin typeface="Arial" charset="0"/>
-                        <a:ea typeface="Arial" charset="0"/>
-                        <a:cs typeface="Arial" charset="0"/>
-                      </a:endParaRPr>
-                    </a:p>
-                  </a:txBody>
-                  <a:tcPr marL="36000" marR="36000" marT="36000" marB="36000"/>
-                </a:tc>
-                <a:tc>
-                  <a:txBody>
-                    <a:bodyPr/>
-                    <a:lstStyle/>
-                    <a:p>
-                      <a:pPr>
-                        <a:defRPr sz="800">
-                          <a:solidFill>
-                            <a:srgbClr val="0B0B0B"/>
-                          </a:solidFill>
-                          <a:latin typeface="Arial"/>
-                        </a:defRPr>
-                      </a:pPr>
-                      <a:r>
-                        <a:t>0.0</a:t>
-                      </a:r>
-                      <a:endParaRPr lang="es-ES_tradnl" sz="1100" dirty="0">
-                        <a:latin typeface="Arial" charset="0"/>
-                        <a:ea typeface="Arial" charset="0"/>
-                        <a:cs typeface="Arial" charset="0"/>
-                      </a:endParaRPr>
-                    </a:p>
-                  </a:txBody>
-                  <a:tcPr marL="36000" marR="36000" marT="36000" marB="36000"/>
-                </a:tc>
-                <a:tc>
-                  <a:txBody>
-                    <a:bodyPr/>
-                    <a:lstStyle/>
-                    <a:p>
-                      <a:pPr>
-                        <a:defRPr sz="800">
-                          <a:solidFill>
-                            <a:srgbClr val="0B0B0B"/>
-                          </a:solidFill>
-                          <a:latin typeface="Arial"/>
-                        </a:defRPr>
-                      </a:pPr>
-                      <a:r>
-                        <a:t>2930.0</a:t>
-                      </a:r>
-                      <a:endParaRPr lang="es-ES_tradnl" sz="1100" dirty="0">
-                        <a:latin typeface="Arial" charset="0"/>
-                        <a:ea typeface="Arial" charset="0"/>
-                        <a:cs typeface="Arial" charset="0"/>
-                      </a:endParaRPr>
-                    </a:p>
-                  </a:txBody>
-                  <a:tcPr marL="36000" marR="36000" marT="36000" marB="36000"/>
-                </a:tc>
-                <a:tc>
-                  <a:txBody>
-                    <a:bodyPr/>
-                    <a:lstStyle/>
-                    <a:p>
-                      <a:pPr>
-                        <a:defRPr sz="800">
-                          <a:solidFill>
-                            <a:srgbClr val="0B0B0B"/>
-                          </a:solidFill>
-                          <a:latin typeface="Arial"/>
-                        </a:defRPr>
-                      </a:pPr>
-                      <a:r>
-                        <a:t>2598910.0</a:t>
-                      </a:r>
+                      <a:endParaRPr lang="es-ES_tradnl" sz="1100" dirty="0">
+                        <a:latin typeface="Arial" charset="0"/>
+                        <a:ea typeface="Arial" charset="0"/>
+                        <a:cs typeface="Arial" charset="0"/>
+                      </a:endParaRPr>
+                    </a:p>
+                  </a:txBody>
+                  <a:tcPr marL="36000" marR="36000" marT="36000" marB="36000"/>
+                </a:tc>
+                <a:tc>
+                  <a:txBody>
+                    <a:bodyPr/>
+                    <a:lstStyle/>
+                    <a:p>
+                      <a:endParaRPr lang="es-ES_tradnl" sz="1100" dirty="0">
+                        <a:latin typeface="Arial" charset="0"/>
+                        <a:ea typeface="Arial" charset="0"/>
+                        <a:cs typeface="Arial" charset="0"/>
+                      </a:endParaRPr>
+                    </a:p>
+                  </a:txBody>
+                  <a:tcPr marL="36000" marR="36000" marT="36000" marB="36000"/>
+                </a:tc>
+                <a:tc>
+                  <a:txBody>
+                    <a:bodyPr/>
+                    <a:lstStyle/>
+                    <a:p>
+                      <a:endParaRPr lang="es-ES_tradnl" sz="1100" dirty="0">
+                        <a:latin typeface="Arial" charset="0"/>
+                        <a:ea typeface="Arial" charset="0"/>
+                        <a:cs typeface="Arial" charset="0"/>
+                      </a:endParaRPr>
+                    </a:p>
+                  </a:txBody>
+                  <a:tcPr marL="36000" marR="36000" marT="36000" marB="36000"/>
+                </a:tc>
+                <a:tc>
+                  <a:txBody>
+                    <a:bodyPr/>
+                    <a:lstStyle/>
+                    <a:p>
+                      <a:endParaRPr lang="es-ES_tradnl" sz="1100" dirty="0">
+                        <a:latin typeface="Arial" charset="0"/>
+                        <a:ea typeface="Arial" charset="0"/>
+                        <a:cs typeface="Arial" charset="0"/>
+                      </a:endParaRPr>
+                    </a:p>
+                  </a:txBody>
+                  <a:tcPr marL="36000" marR="36000" marT="36000" marB="36000"/>
+                </a:tc>
+                <a:tc>
+                  <a:txBody>
+                    <a:bodyPr/>
+                    <a:lstStyle/>
+                    <a:p>
+                      <a:endParaRPr lang="es-ES_tradnl" sz="1100" dirty="0">
+                        <a:latin typeface="Arial" charset="0"/>
+                        <a:ea typeface="Arial" charset="0"/>
+                        <a:cs typeface="Arial" charset="0"/>
+                      </a:endParaRPr>
+                    </a:p>
+                  </a:txBody>
+                  <a:tcPr marL="36000" marR="36000" marT="36000" marB="36000"/>
+                </a:tc>
+                <a:tc>
+                  <a:txBody>
+                    <a:bodyPr/>
+                    <a:lstStyle/>
+                    <a:p>
+                      <a:endParaRPr lang="es-ES_tradnl" sz="1100" dirty="0">
+                        <a:latin typeface="Arial" charset="0"/>
+                        <a:ea typeface="Arial" charset="0"/>
+                        <a:cs typeface="Arial" charset="0"/>
+                      </a:endParaRPr>
+                    </a:p>
+                  </a:txBody>
+                  <a:tcPr marL="36000" marR="36000" marT="36000" marB="36000"/>
+                </a:tc>
+                <a:tc>
+                  <a:txBody>
+                    <a:bodyPr/>
+                    <a:lstStyle/>
+                    <a:p>
+                      <a:endParaRPr lang="es-ES_tradnl" sz="1100" dirty="0">
+                        <a:latin typeface="Arial" charset="0"/>
+                        <a:ea typeface="Arial" charset="0"/>
+                        <a:cs typeface="Arial" charset="0"/>
+                      </a:endParaRPr>
+                    </a:p>
+                  </a:txBody>
+                  <a:tcPr marL="36000" marR="36000" marT="36000" marB="36000"/>
+                </a:tc>
+                <a:tc>
+                  <a:txBody>
+                    <a:bodyPr/>
+                    <a:lstStyle/>
+                    <a:p>
+                      <a:endParaRPr lang="es-ES_tradnl" sz="1100" dirty="0">
+                        <a:latin typeface="Arial" charset="0"/>
+                        <a:ea typeface="Arial" charset="0"/>
+                        <a:cs typeface="Arial" charset="0"/>
+                      </a:endParaRPr>
+                    </a:p>
+                  </a:txBody>
+                  <a:tcPr marL="36000" marR="36000" marT="36000" marB="36000"/>
+                </a:tc>
+                <a:tc>
+                  <a:txBody>
+                    <a:bodyPr/>
+                    <a:lstStyle/>
+                    <a:p>
+                      <a:endParaRPr lang="es-ES_tradnl" sz="1100" dirty="0">
+                        <a:latin typeface="Arial" charset="0"/>
+                        <a:ea typeface="Arial" charset="0"/>
+                        <a:cs typeface="Arial" charset="0"/>
+                      </a:endParaRPr>
+                    </a:p>
+                  </a:txBody>
+                  <a:tcPr marL="36000" marR="36000" marT="36000" marB="36000"/>
+                </a:tc>
+                <a:tc>
+                  <a:txBody>
+                    <a:bodyPr/>
+                    <a:lstStyle/>
+                    <a:p>
+                      <a:endParaRPr lang="es-ES_tradnl" sz="1100" dirty="0">
+                        <a:latin typeface="Arial" charset="0"/>
+                        <a:ea typeface="Arial" charset="0"/>
+                        <a:cs typeface="Arial" charset="0"/>
+                      </a:endParaRPr>
+                    </a:p>
+                  </a:txBody>
+                  <a:tcPr marL="36000" marR="36000" marT="36000" marB="36000"/>
+                </a:tc>
+                <a:tc>
+                  <a:txBody>
+                    <a:bodyPr/>
+                    <a:lstStyle/>
+                    <a:p>
+                      <a:endParaRPr lang="es-ES_tradnl" sz="1100" dirty="0">
+                        <a:latin typeface="Arial" charset="0"/>
+                        <a:ea typeface="Arial" charset="0"/>
+                        <a:cs typeface="Arial" charset="0"/>
+                      </a:endParaRPr>
+                    </a:p>
+                  </a:txBody>
+                  <a:tcPr marL="36000" marR="36000" marT="36000" marB="36000"/>
+                </a:tc>
+                <a:tc>
+                  <a:txBody>
+                    <a:bodyPr/>
+                    <a:lstStyle/>
+                    <a:p>
+                      <a:endParaRPr lang="es-ES_tradnl" sz="1100" dirty="0">
+                        <a:latin typeface="Arial" charset="0"/>
+                        <a:ea typeface="Arial" charset="0"/>
+                        <a:cs typeface="Arial" charset="0"/>
+                      </a:endParaRPr>
+                    </a:p>
+                  </a:txBody>
+                  <a:tcPr marL="36000" marR="36000" marT="36000" marB="36000"/>
+                </a:tc>
+                <a:tc>
+                  <a:txBody>
+                    <a:bodyPr/>
+                    <a:lstStyle/>
+                    <a:p>
                       <a:endParaRPr lang="es-ES_tradnl" sz="1100" dirty="0">
                         <a:latin typeface="Arial" charset="0"/>
                         <a:ea typeface="Arial" charset="0"/>
@@ -10429,164 +10260,90 @@
                     <a:bodyPr/>
                     <a:lstStyle/>
                     <a:p>
-                      <a:pPr>
-                        <a:defRPr sz="800">
-                          <a:solidFill>
-                            <a:srgbClr val="0B0B0B"/>
-                          </a:solidFill>
-                          <a:latin typeface="Arial"/>
-                        </a:defRPr>
-                      </a:pPr>
-                      <a:endParaRPr lang="es-ES_tradnl" sz="1100" dirty="0">
-                        <a:latin typeface="Arial" charset="0"/>
-                        <a:ea typeface="Arial" charset="0"/>
-                        <a:cs typeface="Arial" charset="0"/>
-                      </a:endParaRPr>
-                    </a:p>
-                  </a:txBody>
-                  <a:tcPr marL="36000" marR="36000" marT="36000" marB="36000"/>
-                </a:tc>
-                <a:tc>
-                  <a:txBody>
-                    <a:bodyPr/>
-                    <a:lstStyle/>
-                    <a:p>
-                      <a:pPr>
-                        <a:defRPr sz="800">
-                          <a:solidFill>
-                            <a:srgbClr val="0B0B0B"/>
-                          </a:solidFill>
-                          <a:latin typeface="Arial"/>
-                        </a:defRPr>
-                      </a:pPr>
-                      <a:r>
-                        <a:t>Miguel Hidalgo</a:t>
-                      </a:r>
-                      <a:endParaRPr lang="es-ES_tradnl" sz="1100" dirty="0">
-                        <a:latin typeface="Arial" charset="0"/>
-                        <a:ea typeface="Arial" charset="0"/>
-                        <a:cs typeface="Arial" charset="0"/>
-                      </a:endParaRPr>
-                    </a:p>
-                  </a:txBody>
-                  <a:tcPr marL="36000" marR="36000" marT="36000" marB="36000"/>
-                </a:tc>
-                <a:tc>
-                  <a:txBody>
-                    <a:bodyPr/>
-                    <a:lstStyle/>
-                    <a:p>
-                      <a:pPr>
-                        <a:defRPr sz="800">
-                          <a:solidFill>
-                            <a:srgbClr val="0B0B0B"/>
-                          </a:solidFill>
-                          <a:latin typeface="Arial"/>
-                        </a:defRPr>
-                      </a:pPr>
-                      <a:r>
-                        <a:t>627.0</a:t>
-                      </a:r>
-                      <a:endParaRPr lang="es-ES_tradnl" sz="1100" dirty="0">
-                        <a:latin typeface="Arial" charset="0"/>
-                        <a:ea typeface="Arial" charset="0"/>
-                        <a:cs typeface="Arial" charset="0"/>
-                      </a:endParaRPr>
-                    </a:p>
-                  </a:txBody>
-                  <a:tcPr marL="36000" marR="36000" marT="36000" marB="36000"/>
-                </a:tc>
-                <a:tc>
-                  <a:txBody>
-                    <a:bodyPr/>
-                    <a:lstStyle/>
-                    <a:p>
-                      <a:pPr>
-                        <a:defRPr sz="800">
-                          <a:solidFill>
-                            <a:srgbClr val="0B0B0B"/>
-                          </a:solidFill>
-                          <a:latin typeface="Arial"/>
-                        </a:defRPr>
-                      </a:pPr>
-                      <a:r>
-                        <a:t>639.0</a:t>
-                      </a:r>
-                      <a:endParaRPr lang="es-ES_tradnl" sz="1100" dirty="0">
-                        <a:latin typeface="Arial" charset="0"/>
-                        <a:ea typeface="Arial" charset="0"/>
-                        <a:cs typeface="Arial" charset="0"/>
-                      </a:endParaRPr>
-                    </a:p>
-                  </a:txBody>
-                  <a:tcPr marL="36000" marR="36000" marT="36000" marB="36000"/>
-                </a:tc>
-                <a:tc>
-                  <a:txBody>
-                    <a:bodyPr/>
-                    <a:lstStyle/>
-                    <a:p>
-                      <a:pPr>
-                        <a:defRPr sz="800">
-                          <a:solidFill>
-                            <a:srgbClr val="0B0B0B"/>
-                          </a:solidFill>
-                          <a:latin typeface="Arial"/>
-                        </a:defRPr>
-                      </a:pPr>
-                      <a:r>
-                        <a:t>0.0</a:t>
-                      </a:r>
-                      <a:endParaRPr lang="es-ES_tradnl" sz="1100" dirty="0">
-                        <a:latin typeface="Arial" charset="0"/>
-                        <a:ea typeface="Arial" charset="0"/>
-                        <a:cs typeface="Arial" charset="0"/>
-                      </a:endParaRPr>
-                    </a:p>
-                  </a:txBody>
-                  <a:tcPr marL="36000" marR="36000" marT="36000" marB="36000"/>
-                </a:tc>
-                <a:tc>
-                  <a:txBody>
-                    <a:bodyPr/>
-                    <a:lstStyle/>
-                    <a:p>
-                      <a:pPr>
-                        <a:defRPr sz="800">
-                          <a:solidFill>
-                            <a:srgbClr val="0B0B0B"/>
-                          </a:solidFill>
-                          <a:latin typeface="Arial"/>
-                        </a:defRPr>
-                      </a:pPr>
-                      <a:r>
-                        <a:t>0.0</a:t>
-                      </a:r>
-                      <a:endParaRPr lang="es-ES_tradnl" sz="1100" dirty="0">
-                        <a:latin typeface="Arial" charset="0"/>
-                        <a:ea typeface="Arial" charset="0"/>
-                        <a:cs typeface="Arial" charset="0"/>
-                      </a:endParaRPr>
-                    </a:p>
-                  </a:txBody>
-                  <a:tcPr marL="36000" marR="36000" marT="36000" marB="36000"/>
-                </a:tc>
-                <a:tc>
-                  <a:txBody>
-                    <a:bodyPr/>
-                    <a:lstStyle/>
-                    <a:p>
-                      <a:pPr>
-                        <a:defRPr sz="800">
-                          <a:solidFill>
-                            <a:srgbClr val="0B0B0B"/>
-                          </a:solidFill>
-                          <a:latin typeface="Arial"/>
-                        </a:defRPr>
-                      </a:pPr>
-                      <a:r>
-                        <a:t>0.0</a:t>
-                      </a:r>
+                      <a:endParaRPr lang="es-ES_tradnl" sz="1100" dirty="0">
+                        <a:latin typeface="Arial" charset="0"/>
+                        <a:ea typeface="Arial" charset="0"/>
+                        <a:cs typeface="Arial" charset="0"/>
+                      </a:endParaRPr>
+                    </a:p>
+                  </a:txBody>
+                  <a:tcPr marL="36000" marR="36000" marT="36000" marB="36000"/>
+                </a:tc>
+                <a:tc>
+                  <a:txBody>
+                    <a:bodyPr/>
+                    <a:lstStyle/>
+                    <a:p>
+                      <a:endParaRPr lang="es-ES_tradnl" sz="1100" dirty="0">
+                        <a:latin typeface="Arial" charset="0"/>
+                        <a:ea typeface="Arial" charset="0"/>
+                        <a:cs typeface="Arial" charset="0"/>
+                      </a:endParaRPr>
+                    </a:p>
+                  </a:txBody>
+                  <a:tcPr marL="36000" marR="36000" marT="36000" marB="36000"/>
+                </a:tc>
+                <a:tc>
+                  <a:txBody>
+                    <a:bodyPr/>
+                    <a:lstStyle/>
+                    <a:p>
+                      <a:endParaRPr lang="es-ES_tradnl" sz="1100" dirty="0">
+                        <a:latin typeface="Arial" charset="0"/>
+                        <a:ea typeface="Arial" charset="0"/>
+                        <a:cs typeface="Arial" charset="0"/>
+                      </a:endParaRPr>
+                    </a:p>
+                  </a:txBody>
+                  <a:tcPr marL="36000" marR="36000" marT="36000" marB="36000"/>
+                </a:tc>
+                <a:tc>
+                  <a:txBody>
+                    <a:bodyPr/>
+                    <a:lstStyle/>
+                    <a:p>
+                      <a:endParaRPr lang="es-ES_tradnl" sz="1100" dirty="0">
+                        <a:latin typeface="Arial" charset="0"/>
+                        <a:ea typeface="Arial" charset="0"/>
+                        <a:cs typeface="Arial" charset="0"/>
+                      </a:endParaRPr>
+                    </a:p>
+                  </a:txBody>
+                  <a:tcPr marL="36000" marR="36000" marT="36000" marB="36000"/>
+                </a:tc>
+                <a:tc>
+                  <a:txBody>
+                    <a:bodyPr/>
+                    <a:lstStyle/>
+                    <a:p>
+                      <a:endParaRPr lang="es-ES_tradnl" sz="1100" dirty="0">
+                        <a:latin typeface="Arial" charset="0"/>
+                        <a:ea typeface="Arial" charset="0"/>
+                        <a:cs typeface="Arial" charset="0"/>
+                      </a:endParaRPr>
+                    </a:p>
+                  </a:txBody>
+                  <a:tcPr marL="36000" marR="36000" marT="36000" marB="36000"/>
+                </a:tc>
+                <a:tc>
+                  <a:txBody>
+                    <a:bodyPr/>
+                    <a:lstStyle/>
+                    <a:p>
+                      <a:endParaRPr lang="es-ES_tradnl" sz="1100" dirty="0">
+                        <a:latin typeface="Arial" charset="0"/>
+                        <a:ea typeface="Arial" charset="0"/>
+                        <a:cs typeface="Arial" charset="0"/>
+                      </a:endParaRPr>
+                    </a:p>
+                  </a:txBody>
+                  <a:tcPr marL="36000" marR="36000" marT="36000" marB="36000"/>
+                </a:tc>
+                <a:tc>
+                  <a:txBody>
+                    <a:bodyPr/>
+                    <a:lstStyle/>
+                    <a:p>
                       <a:endParaRPr lang="es-ES_tradnl" sz="1100">
                         <a:latin typeface="Arial" charset="0"/>
                         <a:ea typeface="Arial" charset="0"/>
@@ -10601,17 +10358,6 @@
                     <a:bodyPr/>
                     <a:lstStyle/>
                     <a:p>
-                      <a:pPr>
-                        <a:defRPr sz="800">
-                          <a:solidFill>
-                            <a:srgbClr val="0B0B0B"/>
-                          </a:solidFill>
-                          <a:latin typeface="Arial"/>
-                        </a:defRPr>
-                      </a:pPr>
-                      <a:r>
-                        <a:t>0.0</a:t>
-                      </a:r>
                       <a:endParaRPr lang="es-ES_tradnl" sz="1100">
                         <a:latin typeface="Arial" charset="0"/>
                         <a:ea typeface="Arial" charset="0"/>
@@ -10626,17 +10372,6 @@
                     <a:bodyPr/>
                     <a:lstStyle/>
                     <a:p>
-                      <a:pPr>
-                        <a:defRPr sz="800">
-                          <a:solidFill>
-                            <a:srgbClr val="0B0B0B"/>
-                          </a:solidFill>
-                          <a:latin typeface="Arial"/>
-                        </a:defRPr>
-                      </a:pPr>
-                      <a:r>
-                        <a:t>0.0</a:t>
-                      </a:r>
                       <a:endParaRPr lang="es-ES_tradnl" sz="1100">
                         <a:latin typeface="Arial" charset="0"/>
                         <a:ea typeface="Arial" charset="0"/>
@@ -10651,17 +10386,6 @@
                     <a:bodyPr/>
                     <a:lstStyle/>
                     <a:p>
-                      <a:pPr>
-                        <a:defRPr sz="800">
-                          <a:solidFill>
-                            <a:srgbClr val="0B0B0B"/>
-                          </a:solidFill>
-                          <a:latin typeface="Arial"/>
-                        </a:defRPr>
-                      </a:pPr>
-                      <a:r>
-                        <a:t>0.0</a:t>
-                      </a:r>
                       <a:endParaRPr lang="es-ES_tradnl" sz="1100">
                         <a:latin typeface="Arial" charset="0"/>
                         <a:ea typeface="Arial" charset="0"/>
@@ -10676,17 +10400,6 @@
                     <a:bodyPr/>
                     <a:lstStyle/>
                     <a:p>
-                      <a:pPr>
-                        <a:defRPr sz="800">
-                          <a:solidFill>
-                            <a:srgbClr val="0B0B0B"/>
-                          </a:solidFill>
-                          <a:latin typeface="Arial"/>
-                        </a:defRPr>
-                      </a:pPr>
-                      <a:r>
-                        <a:t>0.0</a:t>
-                      </a:r>
                       <a:endParaRPr lang="es-ES_tradnl" sz="1100">
                         <a:latin typeface="Arial" charset="0"/>
                         <a:ea typeface="Arial" charset="0"/>
@@ -10701,17 +10414,6 @@
                     <a:bodyPr/>
                     <a:lstStyle/>
                     <a:p>
-                      <a:pPr>
-                        <a:defRPr sz="800">
-                          <a:solidFill>
-                            <a:srgbClr val="0B0B0B"/>
-                          </a:solidFill>
-                          <a:latin typeface="Arial"/>
-                        </a:defRPr>
-                      </a:pPr>
-                      <a:r>
-                        <a:t>0.0</a:t>
-                      </a:r>
                       <a:endParaRPr lang="es-ES_tradnl" sz="1100">
                         <a:latin typeface="Arial" charset="0"/>
                         <a:ea typeface="Arial" charset="0"/>
@@ -10726,17 +10428,6 @@
                     <a:bodyPr/>
                     <a:lstStyle/>
                     <a:p>
-                      <a:pPr>
-                        <a:defRPr sz="800">
-                          <a:solidFill>
-                            <a:srgbClr val="0B0B0B"/>
-                          </a:solidFill>
-                          <a:latin typeface="Arial"/>
-                        </a:defRPr>
-                      </a:pPr>
-                      <a:r>
-                        <a:t>0.0</a:t>
-                      </a:r>
                       <a:endParaRPr lang="es-ES_tradnl" sz="1100">
                         <a:latin typeface="Arial" charset="0"/>
                         <a:ea typeface="Arial" charset="0"/>
@@ -10751,67 +10442,35 @@
                     <a:bodyPr/>
                     <a:lstStyle/>
                     <a:p>
-                      <a:pPr>
-                        <a:defRPr sz="800">
-                          <a:solidFill>
-                            <a:srgbClr val="0B0B0B"/>
-                          </a:solidFill>
-                          <a:latin typeface="Arial"/>
-                        </a:defRPr>
-                      </a:pPr>
-                      <a:r>
-                        <a:t>0.0</a:t>
-                      </a:r>
-                      <a:endParaRPr lang="es-ES_tradnl" sz="1100" dirty="0">
-                        <a:latin typeface="Arial" charset="0"/>
-                        <a:ea typeface="Arial" charset="0"/>
-                        <a:cs typeface="Arial" charset="0"/>
-                      </a:endParaRPr>
-                    </a:p>
-                  </a:txBody>
-                  <a:tcPr marL="36000" marR="36000" marT="36000" marB="36000"/>
-                </a:tc>
-                <a:tc>
-                  <a:txBody>
-                    <a:bodyPr/>
-                    <a:lstStyle/>
-                    <a:p>
-                      <a:pPr>
-                        <a:defRPr sz="800">
-                          <a:solidFill>
-                            <a:srgbClr val="0B0B0B"/>
-                          </a:solidFill>
-                          <a:latin typeface="Arial"/>
-                        </a:defRPr>
-                      </a:pPr>
-                      <a:r>
-                        <a:t>1266.0</a:t>
-                      </a:r>
-                      <a:endParaRPr lang="es-ES_tradnl" sz="1100" dirty="0">
-                        <a:latin typeface="Arial" charset="0"/>
-                        <a:ea typeface="Arial" charset="0"/>
-                        <a:cs typeface="Arial" charset="0"/>
-                      </a:endParaRPr>
-                    </a:p>
-                  </a:txBody>
-                  <a:tcPr marL="36000" marR="36000" marT="36000" marB="36000"/>
-                </a:tc>
-                <a:tc>
-                  <a:txBody>
-                    <a:bodyPr/>
-                    <a:lstStyle/>
-                    <a:p>
-                      <a:pPr marL="0" algn="l" defTabSz="914400" rtl="0" eaLnBrk="1" latinLnBrk="0" hangingPunct="1">
-                        <a:defRPr sz="800">
-                          <a:solidFill>
-                            <a:srgbClr val="0B0B0B"/>
-                          </a:solidFill>
-                          <a:latin typeface="Arial"/>
-                        </a:defRPr>
-                      </a:pPr>
-                      <a:r>
-                        <a:t>1122942.0</a:t>
-                      </a:r>
+                      <a:endParaRPr lang="es-ES_tradnl" sz="1100" dirty="0">
+                        <a:latin typeface="Arial" charset="0"/>
+                        <a:ea typeface="Arial" charset="0"/>
+                        <a:cs typeface="Arial" charset="0"/>
+                      </a:endParaRPr>
+                    </a:p>
+                  </a:txBody>
+                  <a:tcPr marL="36000" marR="36000" marT="36000" marB="36000"/>
+                </a:tc>
+                <a:tc>
+                  <a:txBody>
+                    <a:bodyPr/>
+                    <a:lstStyle/>
+                    <a:p>
+                      <a:endParaRPr lang="es-ES_tradnl" sz="1100" dirty="0">
+                        <a:latin typeface="Arial" charset="0"/>
+                        <a:ea typeface="Arial" charset="0"/>
+                        <a:cs typeface="Arial" charset="0"/>
+                      </a:endParaRPr>
+                    </a:p>
+                  </a:txBody>
+                  <a:tcPr marL="36000" marR="36000" marT="36000" marB="36000"/>
+                </a:tc>
+                <a:tc>
+                  <a:txBody>
+                    <a:bodyPr/>
+                    <a:lstStyle/>
+                    <a:p>
+                      <a:pPr marL="0" algn="l" defTabSz="914400" rtl="0" eaLnBrk="1" latinLnBrk="0" hangingPunct="1"/>
                       <a:endParaRPr lang="es-ES_tradnl" sz="1100" kern="1200" dirty="0">
                         <a:solidFill>
                           <a:schemeClr val="dk1"/>
@@ -10831,89 +10490,48 @@
                     <a:bodyPr/>
                     <a:lstStyle/>
                     <a:p>
-                      <a:pPr>
-                        <a:defRPr sz="800">
-                          <a:solidFill>
-                            <a:srgbClr val="0B0B0B"/>
-                          </a:solidFill>
-                          <a:latin typeface="Arial"/>
-                        </a:defRPr>
-                      </a:pPr>
-                      <a:endParaRPr lang="es-ES_tradnl" sz="1100" dirty="0">
-                        <a:latin typeface="Arial" charset="0"/>
-                        <a:ea typeface="Arial" charset="0"/>
-                        <a:cs typeface="Arial" charset="0"/>
-                      </a:endParaRPr>
-                    </a:p>
-                  </a:txBody>
-                  <a:tcPr marL="36000" marR="36000" marT="36000" marB="36000"/>
-                </a:tc>
-                <a:tc>
-                  <a:txBody>
-                    <a:bodyPr/>
-                    <a:lstStyle/>
-                    <a:p>
-                      <a:pPr>
-                        <a:defRPr sz="800">
-                          <a:solidFill>
-                            <a:srgbClr val="0B0B0B"/>
-                          </a:solidFill>
-                          <a:latin typeface="Arial"/>
-                        </a:defRPr>
-                      </a:pPr>
-                      <a:r>
-                        <a:t>Venustiano Carranza</a:t>
-                      </a:r>
-                      <a:endParaRPr lang="es-ES_tradnl" sz="1100" dirty="0">
-                        <a:latin typeface="Arial" charset="0"/>
-                        <a:ea typeface="Arial" charset="0"/>
-                        <a:cs typeface="Arial" charset="0"/>
-                      </a:endParaRPr>
-                    </a:p>
-                  </a:txBody>
-                  <a:tcPr marL="36000" marR="36000" marT="36000" marB="36000"/>
-                </a:tc>
-                <a:tc>
-                  <a:txBody>
-                    <a:bodyPr/>
-                    <a:lstStyle/>
-                    <a:p>
-                      <a:pPr>
-                        <a:defRPr sz="800">
-                          <a:solidFill>
-                            <a:srgbClr val="0B0B0B"/>
-                          </a:solidFill>
-                          <a:latin typeface="Arial"/>
-                        </a:defRPr>
-                      </a:pPr>
-                      <a:r>
-                        <a:t>497.0</a:t>
-                      </a:r>
-                      <a:endParaRPr lang="es-ES_tradnl" sz="1100" dirty="0">
-                        <a:latin typeface="Arial" charset="0"/>
-                        <a:ea typeface="Arial" charset="0"/>
-                        <a:cs typeface="Arial" charset="0"/>
-                      </a:endParaRPr>
-                    </a:p>
-                  </a:txBody>
-                  <a:tcPr marL="36000" marR="36000" marT="36000" marB="36000"/>
-                </a:tc>
-                <a:tc>
-                  <a:txBody>
-                    <a:bodyPr/>
-                    <a:lstStyle/>
-                    <a:p>
-                      <a:pPr>
-                        <a:defRPr sz="800">
-                          <a:solidFill>
-                            <a:srgbClr val="0B0B0B"/>
-                          </a:solidFill>
-                          <a:latin typeface="Arial"/>
-                        </a:defRPr>
-                      </a:pPr>
-                      <a:r>
-                        <a:t>510.0</a:t>
-                      </a:r>
+                      <a:endParaRPr lang="es-ES_tradnl" sz="1100" dirty="0">
+                        <a:latin typeface="Arial" charset="0"/>
+                        <a:ea typeface="Arial" charset="0"/>
+                        <a:cs typeface="Arial" charset="0"/>
+                      </a:endParaRPr>
+                    </a:p>
+                  </a:txBody>
+                  <a:tcPr marL="36000" marR="36000" marT="36000" marB="36000"/>
+                </a:tc>
+                <a:tc>
+                  <a:txBody>
+                    <a:bodyPr/>
+                    <a:lstStyle/>
+                    <a:p>
+                      <a:endParaRPr lang="es-ES_tradnl" sz="1100" dirty="0">
+                        <a:latin typeface="Arial" charset="0"/>
+                        <a:ea typeface="Arial" charset="0"/>
+                        <a:cs typeface="Arial" charset="0"/>
+                      </a:endParaRPr>
+                    </a:p>
+                  </a:txBody>
+                  <a:tcPr marL="36000" marR="36000" marT="36000" marB="36000"/>
+                </a:tc>
+                <a:tc>
+                  <a:txBody>
+                    <a:bodyPr/>
+                    <a:lstStyle/>
+                    <a:p>
+                      <a:endParaRPr lang="es-ES_tradnl" sz="1100" dirty="0">
+                        <a:latin typeface="Arial" charset="0"/>
+                        <a:ea typeface="Arial" charset="0"/>
+                        <a:cs typeface="Arial" charset="0"/>
+                      </a:endParaRPr>
+                    </a:p>
+                  </a:txBody>
+                  <a:tcPr marL="36000" marR="36000" marT="36000" marB="36000"/>
+                </a:tc>
+                <a:tc>
+                  <a:txBody>
+                    <a:bodyPr/>
+                    <a:lstStyle/>
+                    <a:p>
                       <a:endParaRPr lang="es-ES_tradnl" sz="1100">
                         <a:latin typeface="Arial" charset="0"/>
                         <a:ea typeface="Arial" charset="0"/>
@@ -10928,17 +10546,6 @@
                     <a:bodyPr/>
                     <a:lstStyle/>
                     <a:p>
-                      <a:pPr>
-                        <a:defRPr sz="800">
-                          <a:solidFill>
-                            <a:srgbClr val="0B0B0B"/>
-                          </a:solidFill>
-                          <a:latin typeface="Arial"/>
-                        </a:defRPr>
-                      </a:pPr>
-                      <a:r>
-                        <a:t>0.0</a:t>
-                      </a:r>
                       <a:endParaRPr lang="es-ES_tradnl" sz="1100">
                         <a:latin typeface="Arial" charset="0"/>
                         <a:ea typeface="Arial" charset="0"/>
@@ -10953,42 +10560,20 @@
                     <a:bodyPr/>
                     <a:lstStyle/>
                     <a:p>
-                      <a:pPr>
-                        <a:defRPr sz="800">
-                          <a:solidFill>
-                            <a:srgbClr val="0B0B0B"/>
-                          </a:solidFill>
-                          <a:latin typeface="Arial"/>
-                        </a:defRPr>
-                      </a:pPr>
-                      <a:r>
-                        <a:t>0.0</a:t>
-                      </a:r>
-                      <a:endParaRPr lang="es-ES_tradnl" sz="1100" dirty="0">
-                        <a:latin typeface="Arial" charset="0"/>
-                        <a:ea typeface="Arial" charset="0"/>
-                        <a:cs typeface="Arial" charset="0"/>
-                      </a:endParaRPr>
-                    </a:p>
-                  </a:txBody>
-                  <a:tcPr marL="36000" marR="36000" marT="36000" marB="36000"/>
-                </a:tc>
-                <a:tc>
-                  <a:txBody>
-                    <a:bodyPr/>
-                    <a:lstStyle/>
-                    <a:p>
-                      <a:pPr>
-                        <a:defRPr sz="800">
-                          <a:solidFill>
-                            <a:srgbClr val="0B0B0B"/>
-                          </a:solidFill>
-                          <a:latin typeface="Arial"/>
-                        </a:defRPr>
-                      </a:pPr>
-                      <a:r>
-                        <a:t>0.0</a:t>
-                      </a:r>
+                      <a:endParaRPr lang="es-ES_tradnl" sz="1100" dirty="0">
+                        <a:latin typeface="Arial" charset="0"/>
+                        <a:ea typeface="Arial" charset="0"/>
+                        <a:cs typeface="Arial" charset="0"/>
+                      </a:endParaRPr>
+                    </a:p>
+                  </a:txBody>
+                  <a:tcPr marL="36000" marR="36000" marT="36000" marB="36000"/>
+                </a:tc>
+                <a:tc>
+                  <a:txBody>
+                    <a:bodyPr/>
+                    <a:lstStyle/>
+                    <a:p>
                       <a:endParaRPr lang="es-ES_tradnl" sz="1100">
                         <a:latin typeface="Arial" charset="0"/>
                         <a:ea typeface="Arial" charset="0"/>
@@ -11003,17 +10588,6 @@
                     <a:bodyPr/>
                     <a:lstStyle/>
                     <a:p>
-                      <a:pPr>
-                        <a:defRPr sz="800">
-                          <a:solidFill>
-                            <a:srgbClr val="0B0B0B"/>
-                          </a:solidFill>
-                          <a:latin typeface="Arial"/>
-                        </a:defRPr>
-                      </a:pPr>
-                      <a:r>
-                        <a:t>0.0</a:t>
-                      </a:r>
                       <a:endParaRPr lang="es-ES_tradnl" sz="1100">
                         <a:latin typeface="Arial" charset="0"/>
                         <a:ea typeface="Arial" charset="0"/>
@@ -11028,17 +10602,6 @@
                     <a:bodyPr/>
                     <a:lstStyle/>
                     <a:p>
-                      <a:pPr>
-                        <a:defRPr sz="800">
-                          <a:solidFill>
-                            <a:srgbClr val="0B0B0B"/>
-                          </a:solidFill>
-                          <a:latin typeface="Arial"/>
-                        </a:defRPr>
-                      </a:pPr>
-                      <a:r>
-                        <a:t>0.0</a:t>
-                      </a:r>
                       <a:endParaRPr lang="es-ES_tradnl" sz="1100">
                         <a:latin typeface="Arial" charset="0"/>
                         <a:ea typeface="Arial" charset="0"/>
@@ -11053,17 +10616,6 @@
                     <a:bodyPr/>
                     <a:lstStyle/>
                     <a:p>
-                      <a:pPr>
-                        <a:defRPr sz="800">
-                          <a:solidFill>
-                            <a:srgbClr val="0B0B0B"/>
-                          </a:solidFill>
-                          <a:latin typeface="Arial"/>
-                        </a:defRPr>
-                      </a:pPr>
-                      <a:r>
-                        <a:t>0.0</a:t>
-                      </a:r>
                       <a:endParaRPr lang="es-ES_tradnl" sz="1100">
                         <a:latin typeface="Arial" charset="0"/>
                         <a:ea typeface="Arial" charset="0"/>
@@ -11078,17 +10630,6 @@
                     <a:bodyPr/>
                     <a:lstStyle/>
                     <a:p>
-                      <a:pPr>
-                        <a:defRPr sz="800">
-                          <a:solidFill>
-                            <a:srgbClr val="0B0B0B"/>
-                          </a:solidFill>
-                          <a:latin typeface="Arial"/>
-                        </a:defRPr>
-                      </a:pPr>
-                      <a:r>
-                        <a:t>0.0</a:t>
-                      </a:r>
                       <a:endParaRPr lang="es-ES_tradnl" sz="1100">
                         <a:latin typeface="Arial" charset="0"/>
                         <a:ea typeface="Arial" charset="0"/>
@@ -11103,17 +10644,6 @@
                     <a:bodyPr/>
                     <a:lstStyle/>
                     <a:p>
-                      <a:pPr>
-                        <a:defRPr sz="800">
-                          <a:solidFill>
-                            <a:srgbClr val="0B0B0B"/>
-                          </a:solidFill>
-                          <a:latin typeface="Arial"/>
-                        </a:defRPr>
-                      </a:pPr>
-                      <a:r>
-                        <a:t>0.0</a:t>
-                      </a:r>
                       <a:endParaRPr lang="es-ES_tradnl" sz="1100">
                         <a:latin typeface="Arial" charset="0"/>
                         <a:ea typeface="Arial" charset="0"/>
@@ -11128,17 +10658,6 @@
                     <a:bodyPr/>
                     <a:lstStyle/>
                     <a:p>
-                      <a:pPr>
-                        <a:defRPr sz="800">
-                          <a:solidFill>
-                            <a:srgbClr val="0B0B0B"/>
-                          </a:solidFill>
-                          <a:latin typeface="Arial"/>
-                        </a:defRPr>
-                      </a:pPr>
-                      <a:r>
-                        <a:t>0.0</a:t>
-                      </a:r>
                       <a:endParaRPr lang="es-ES_tradnl" sz="1100">
                         <a:latin typeface="Arial" charset="0"/>
                         <a:ea typeface="Arial" charset="0"/>
@@ -11153,42 +10672,20 @@
                     <a:bodyPr/>
                     <a:lstStyle/>
                     <a:p>
-                      <a:pPr>
-                        <a:defRPr sz="800">
-                          <a:solidFill>
-                            <a:srgbClr val="0B0B0B"/>
-                          </a:solidFill>
-                          <a:latin typeface="Arial"/>
-                        </a:defRPr>
-                      </a:pPr>
-                      <a:r>
-                        <a:t>0.0</a:t>
-                      </a:r>
-                      <a:endParaRPr lang="es-ES_tradnl" sz="1100" dirty="0">
-                        <a:latin typeface="Arial" charset="0"/>
-                        <a:ea typeface="Arial" charset="0"/>
-                        <a:cs typeface="Arial" charset="0"/>
-                      </a:endParaRPr>
-                    </a:p>
-                  </a:txBody>
-                  <a:tcPr marL="36000" marR="36000" marT="36000" marB="36000"/>
-                </a:tc>
-                <a:tc>
-                  <a:txBody>
-                    <a:bodyPr/>
-                    <a:lstStyle/>
-                    <a:p>
-                      <a:pPr>
-                        <a:defRPr sz="800">
-                          <a:solidFill>
-                            <a:srgbClr val="0B0B0B"/>
-                          </a:solidFill>
-                          <a:latin typeface="Arial"/>
-                        </a:defRPr>
-                      </a:pPr>
-                      <a:r>
-                        <a:t>1007.0</a:t>
-                      </a:r>
+                      <a:endParaRPr lang="es-ES_tradnl" sz="1100" dirty="0">
+                        <a:latin typeface="Arial" charset="0"/>
+                        <a:ea typeface="Arial" charset="0"/>
+                        <a:cs typeface="Arial" charset="0"/>
+                      </a:endParaRPr>
+                    </a:p>
+                  </a:txBody>
+                  <a:tcPr marL="36000" marR="36000" marT="36000" marB="36000"/>
+                </a:tc>
+                <a:tc>
+                  <a:txBody>
+                    <a:bodyPr/>
+                    <a:lstStyle/>
+                    <a:p>
                       <a:endParaRPr lang="es-ES_tradnl" sz="1100">
                         <a:latin typeface="Arial" charset="0"/>
                         <a:ea typeface="Arial" charset="0"/>
@@ -11203,17 +10700,6 @@
                     <a:bodyPr/>
                     <a:lstStyle/>
                     <a:p>
-                      <a:pPr>
-                        <a:defRPr sz="800">
-                          <a:solidFill>
-                            <a:srgbClr val="0B0B0B"/>
-                          </a:solidFill>
-                          <a:latin typeface="Arial"/>
-                        </a:defRPr>
-                      </a:pPr>
-                      <a:r>
-                        <a:t>893209.0</a:t>
-                      </a:r>
                       <a:endParaRPr lang="es-ES_tradnl" sz="1100">
                         <a:latin typeface="Arial" charset="0"/>
                         <a:ea typeface="Arial" charset="0"/>

--- a/djangoISSSTE/static/ppt/ppt-generados/FichaTecnicaAvance_1.pptx
+++ b/djangoISSSTE/static/ppt/ppt-generados/FichaTecnicaAvance_1.pptx
@@ -4081,7 +4081,7 @@
                         </a:defRPr>
                       </a:pPr>
                       <a:r>
-                        <a:t>No. De niños y niñas beneficiados</a:t>
+                        <a:t>Número de niños y niñas beneficiados</a:t>
                       </a:r>
                       <a:endParaRPr lang="es-ES_tradnl" sz="1100" b="0" dirty="0">
                         <a:solidFill>
